--- a/poster/poster.pptx
+++ b/poster/poster.pptx
@@ -33987,11 +33987,11 @@
           <a:lstStyle/>
           <a:p>
             <a:r>
-              <a:rPr lang="de-DE" sz="1600">
+              <a:rPr lang="de-DE" sz="1600" dirty="0">
                 <a:latin typeface="Arial" panose="020B0604020202020204" pitchFamily="34" charset="0"/>
                 <a:cs typeface="Arial" panose="020B0604020202020204" pitchFamily="34" charset="0"/>
               </a:rPr>
-              <a:t>Die entwickelte Software sammelt Metriken in den Systemen des Entwicklungsprozesses und speichert diese aufbereitet für weitere Visualisierungen ab.</a:t>
+              <a:t>Die entwickelte Software sammelt Metriken in den Systemen entlang des Entwicklungsprozesses und speichert diese aufbereitet zur Visualisierung ab.</a:t>
             </a:r>
           </a:p>
         </p:txBody>

--- a/poster/poster.pptx
+++ b/poster/poster.pptx
@@ -18,10 +18,12 @@
     <p:sldMasterId id="2147483661" r:id="rId14"/>
   </p:sldMasterIdLst>
   <p:notesMasterIdLst>
-    <p:notesMasterId r:id="rId16"/>
+    <p:notesMasterId r:id="rId18"/>
   </p:notesMasterIdLst>
   <p:sldIdLst>
     <p:sldId id="257" r:id="rId15"/>
+    <p:sldId id="258" r:id="rId16"/>
+    <p:sldId id="259" r:id="rId17"/>
   </p:sldIdLst>
   <p:sldSz cx="21907500" cy="30797500"/>
   <p:notesSz cx="6858000" cy="9144000"/>
@@ -34010,6 +34012,6165 @@
 </p:sld>
 </file>
 
+<file path=ppt/slides/slide2.xml><?xml version="1.0" encoding="utf-8"?>
+<p:sld xmlns:a="http://schemas.openxmlformats.org/drawingml/2006/main" xmlns:r="http://schemas.openxmlformats.org/officeDocument/2006/relationships" xmlns:p="http://schemas.openxmlformats.org/presentationml/2006/main">
+  <p:cSld>
+    <p:spTree>
+      <p:nvGrpSpPr>
+        <p:cNvPr id="1" name=""/>
+        <p:cNvGrpSpPr/>
+        <p:nvPr/>
+      </p:nvGrpSpPr>
+      <p:grpSpPr>
+        <a:xfrm>
+          <a:off x="0" y="0"/>
+          <a:ext cx="0" cy="0"/>
+          <a:chOff x="0" y="0"/>
+          <a:chExt cx="0" cy="0"/>
+        </a:xfrm>
+      </p:grpSpPr>
+      <p:sp>
+        <p:nvSpPr>
+          <p:cNvPr id="2" name="Rectangle 1"/>
+          <p:cNvSpPr/>
+          <p:nvPr/>
+        </p:nvSpPr>
+        <p:spPr bwMode="auto">
+          <a:xfrm>
+            <a:off x="108000" y="27640110"/>
+            <a:ext cx="21646950" cy="3024336"/>
+          </a:xfrm>
+          <a:prstGeom prst="rect">
+            <a:avLst/>
+          </a:prstGeom>
+          <a:solidFill>
+            <a:schemeClr val="tx1"/>
+          </a:solidFill>
+          <a:ln w="25400" cap="flat" cmpd="sng" algn="ctr">
+            <a:noFill/>
+            <a:prstDash val="solid"/>
+            <a:round/>
+            <a:headEnd type="none" w="med" len="med"/>
+            <a:tailEnd type="none" w="med" len="med"/>
+          </a:ln>
+          <a:effectLst/>
+        </p:spPr>
+        <p:txBody>
+          <a:bodyPr vert="horz" wrap="square" lIns="91440" tIns="45720" rIns="91440" bIns="45720" numCol="1" rtlCol="0" anchor="t" anchorCtr="0" compatLnSpc="1">
+            <a:prstTxWarp prst="textNoShape">
+              <a:avLst/>
+            </a:prstTxWarp>
+          </a:bodyPr>
+          <a:lstStyle/>
+          <a:p>
+            <a:pPr marL="0" marR="0" indent="0" algn="ctr" defTabSz="914400" rtl="0" eaLnBrk="1" fontAlgn="base" latinLnBrk="0" hangingPunct="1">
+              <a:lnSpc>
+                <a:spcPct val="100000"/>
+              </a:lnSpc>
+              <a:spcBef>
+                <a:spcPct val="0"/>
+              </a:spcBef>
+              <a:spcAft>
+                <a:spcPct val="0"/>
+              </a:spcAft>
+              <a:buClrTx/>
+              <a:buSzTx/>
+              <a:buFontTx/>
+              <a:buNone/>
+              <a:tabLst/>
+            </a:pPr>
+            <a:endParaRPr kumimoji="0" lang="en-US" sz="13200" b="0" i="0" u="none" strike="noStrike" cap="none" normalizeH="0" baseline="0" dirty="0">
+              <a:ln>
+                <a:noFill/>
+              </a:ln>
+              <a:solidFill>
+                <a:srgbClr val="000000"/>
+              </a:solidFill>
+              <a:effectLst/>
+              <a:latin typeface="Gill Sans" pitchFamily="-109" charset="0"/>
+              <a:ea typeface="ヒラギノ角ゴ ProN W3" charset="-128"/>
+              <a:cs typeface="ヒラギノ角ゴ ProN W3" charset="-128"/>
+              <a:sym typeface="Gill Sans" pitchFamily="-109" charset="0"/>
+            </a:endParaRPr>
+          </a:p>
+        </p:txBody>
+      </p:sp>
+      <p:sp>
+        <p:nvSpPr>
+          <p:cNvPr id="173059" name="Rectangle 2"/>
+          <p:cNvSpPr>
+            <a:spLocks/>
+          </p:cNvSpPr>
+          <p:nvPr/>
+        </p:nvSpPr>
+        <p:spPr bwMode="auto">
+          <a:xfrm>
+            <a:off x="1672030" y="3085382"/>
+            <a:ext cx="10998200" cy="1816100"/>
+          </a:xfrm>
+          <a:prstGeom prst="rect">
+            <a:avLst/>
+          </a:prstGeom>
+          <a:noFill/>
+          <a:ln w="12700">
+            <a:noFill/>
+            <a:miter lim="800000"/>
+            <a:headEnd/>
+            <a:tailEnd/>
+          </a:ln>
+        </p:spPr>
+        <p:txBody>
+          <a:bodyPr lIns="0" tIns="0" rIns="0" bIns="0"/>
+          <a:lstStyle/>
+          <a:p>
+            <a:pPr algn="l">
+              <a:lnSpc>
+                <a:spcPct val="110000"/>
+              </a:lnSpc>
+            </a:pPr>
+            <a:r>
+              <a:rPr lang="en-US" sz="5600" dirty="0">
+                <a:solidFill>
+                  <a:schemeClr val="tx1"/>
+                </a:solidFill>
+                <a:latin typeface="Arial Bold" charset="0"/>
+                <a:sym typeface="Arial Bold" charset="0"/>
+              </a:rPr>
+              <a:t>Agile </a:t>
+            </a:r>
+            <a:r>
+              <a:rPr lang="en-US" sz="5600" dirty="0" err="1">
+                <a:solidFill>
+                  <a:schemeClr val="tx1"/>
+                </a:solidFill>
+                <a:latin typeface="Arial Bold" charset="0"/>
+                <a:sym typeface="Arial Bold" charset="0"/>
+              </a:rPr>
+              <a:t>Metriken</a:t>
+            </a:r>
+            <a:endParaRPr lang="en-US" sz="5600" dirty="0">
+              <a:solidFill>
+                <a:schemeClr val="tx1"/>
+              </a:solidFill>
+              <a:latin typeface="Arial Bold" charset="0"/>
+              <a:sym typeface="Arial Bold" charset="0"/>
+            </a:endParaRPr>
+          </a:p>
+          <a:p>
+            <a:pPr algn="l">
+              <a:lnSpc>
+                <a:spcPct val="120000"/>
+              </a:lnSpc>
+            </a:pPr>
+            <a:r>
+              <a:rPr lang="en-US" sz="4500" dirty="0" err="1">
+                <a:solidFill>
+                  <a:schemeClr val="tx1"/>
+                </a:solidFill>
+                <a:latin typeface="Arial" charset="0"/>
+                <a:cs typeface="Arial" charset="0"/>
+                <a:sym typeface="Arial" charset="0"/>
+              </a:rPr>
+              <a:t>Qualitätssicherung</a:t>
+            </a:r>
+            <a:r>
+              <a:rPr lang="en-US" sz="4500" dirty="0">
+                <a:solidFill>
+                  <a:schemeClr val="tx1"/>
+                </a:solidFill>
+                <a:latin typeface="Arial" charset="0"/>
+                <a:cs typeface="Arial" charset="0"/>
+                <a:sym typeface="Arial" charset="0"/>
+              </a:rPr>
+              <a:t> in </a:t>
+            </a:r>
+            <a:r>
+              <a:rPr lang="en-US" sz="4500" dirty="0" err="1">
+                <a:solidFill>
+                  <a:schemeClr val="tx1"/>
+                </a:solidFill>
+                <a:latin typeface="Arial" charset="0"/>
+                <a:cs typeface="Arial" charset="0"/>
+                <a:sym typeface="Arial" charset="0"/>
+              </a:rPr>
+              <a:t>agilen</a:t>
+            </a:r>
+            <a:r>
+              <a:rPr lang="en-US" sz="4500" dirty="0">
+                <a:solidFill>
+                  <a:schemeClr val="tx1"/>
+                </a:solidFill>
+                <a:latin typeface="Arial" charset="0"/>
+                <a:cs typeface="Arial" charset="0"/>
+                <a:sym typeface="Arial" charset="0"/>
+              </a:rPr>
+              <a:t> Teams</a:t>
+            </a:r>
+          </a:p>
+        </p:txBody>
+      </p:sp>
+      <p:sp>
+        <p:nvSpPr>
+          <p:cNvPr id="173061" name="Rectangle 4"/>
+          <p:cNvSpPr>
+            <a:spLocks/>
+          </p:cNvSpPr>
+          <p:nvPr/>
+        </p:nvSpPr>
+        <p:spPr bwMode="auto">
+          <a:xfrm>
+            <a:off x="953501" y="28254659"/>
+            <a:ext cx="4175298" cy="965200"/>
+          </a:xfrm>
+          <a:prstGeom prst="rect">
+            <a:avLst/>
+          </a:prstGeom>
+          <a:noFill/>
+          <a:ln w="12700">
+            <a:noFill/>
+            <a:miter lim="800000"/>
+            <a:headEnd/>
+            <a:tailEnd/>
+          </a:ln>
+        </p:spPr>
+        <p:txBody>
+          <a:bodyPr lIns="0" tIns="0" rIns="0" bIns="0"/>
+          <a:lstStyle/>
+          <a:p>
+            <a:pPr algn="l">
+              <a:lnSpc>
+                <a:spcPts val="2600"/>
+              </a:lnSpc>
+            </a:pPr>
+            <a:r>
+              <a:rPr lang="en-US" sz="2000">
+                <a:solidFill>
+                  <a:schemeClr val="bg1"/>
+                </a:solidFill>
+                <a:latin typeface="Arial"/>
+                <a:cs typeface="Arial"/>
+                <a:sym typeface="Arial Bold" charset="0"/>
+              </a:rPr>
+              <a:t>Master </a:t>
+            </a:r>
+          </a:p>
+          <a:p>
+            <a:pPr algn="l">
+              <a:lnSpc>
+                <a:spcPts val="2800"/>
+              </a:lnSpc>
+            </a:pPr>
+            <a:r>
+              <a:rPr lang="en-US" sz="2000" b="1" err="1">
+                <a:solidFill>
+                  <a:schemeClr val="bg1"/>
+                </a:solidFill>
+                <a:latin typeface="Arial"/>
+                <a:sym typeface="Arial Bold" charset="0"/>
+              </a:rPr>
+              <a:t>Informatik</a:t>
+            </a:r>
+            <a:endParaRPr lang="en-US" sz="2000" b="1">
+              <a:solidFill>
+                <a:schemeClr val="bg1"/>
+              </a:solidFill>
+              <a:latin typeface="Arial"/>
+              <a:sym typeface="Arial Bold" charset="0"/>
+            </a:endParaRPr>
+          </a:p>
+          <a:p>
+            <a:pPr algn="l">
+              <a:lnSpc>
+                <a:spcPts val="2600"/>
+              </a:lnSpc>
+            </a:pPr>
+            <a:r>
+              <a:rPr lang="en-US" sz="2000" b="1">
+                <a:solidFill>
+                  <a:schemeClr val="bg1"/>
+                </a:solidFill>
+                <a:latin typeface="Arial"/>
+                <a:cs typeface="Arial" charset="0"/>
+                <a:sym typeface="Arial" charset="0"/>
+              </a:rPr>
+              <a:t>2018</a:t>
+            </a:r>
+          </a:p>
+        </p:txBody>
+      </p:sp>
+      <p:sp>
+        <p:nvSpPr>
+          <p:cNvPr id="173062" name="Rectangle 5"/>
+          <p:cNvSpPr>
+            <a:spLocks/>
+          </p:cNvSpPr>
+          <p:nvPr/>
+        </p:nvSpPr>
+        <p:spPr bwMode="auto">
+          <a:xfrm>
+            <a:off x="5265118" y="28216174"/>
+            <a:ext cx="5029200" cy="965200"/>
+          </a:xfrm>
+          <a:prstGeom prst="rect">
+            <a:avLst/>
+          </a:prstGeom>
+          <a:noFill/>
+          <a:ln w="12700">
+            <a:noFill/>
+            <a:miter lim="800000"/>
+            <a:headEnd/>
+            <a:tailEnd/>
+          </a:ln>
+        </p:spPr>
+        <p:txBody>
+          <a:bodyPr wrap="none" lIns="0" tIns="0" rIns="0" bIns="0"/>
+          <a:lstStyle/>
+          <a:p>
+            <a:pPr algn="l">
+              <a:lnSpc>
+                <a:spcPts val="2800"/>
+              </a:lnSpc>
+            </a:pPr>
+            <a:r>
+              <a:rPr lang="en-US" sz="2000" err="1">
+                <a:solidFill>
+                  <a:schemeClr val="bg1"/>
+                </a:solidFill>
+                <a:latin typeface="Arial Bold" charset="0"/>
+                <a:sym typeface="Arial Bold" charset="0"/>
+              </a:rPr>
+              <a:t>Studierender</a:t>
+            </a:r>
+            <a:endParaRPr lang="en-US" sz="2000">
+              <a:solidFill>
+                <a:schemeClr val="bg1"/>
+              </a:solidFill>
+              <a:latin typeface="Arial Bold" charset="0"/>
+              <a:sym typeface="Arial Bold" charset="0"/>
+            </a:endParaRPr>
+          </a:p>
+          <a:p>
+            <a:pPr algn="l">
+              <a:lnSpc>
+                <a:spcPts val="2800"/>
+              </a:lnSpc>
+            </a:pPr>
+            <a:r>
+              <a:rPr lang="en-US" sz="2000" b="1">
+                <a:solidFill>
+                  <a:schemeClr val="bg1"/>
+                </a:solidFill>
+                <a:latin typeface="Arial" charset="0"/>
+                <a:cs typeface="Arial" charset="0"/>
+                <a:sym typeface="Arial" charset="0"/>
+              </a:rPr>
+              <a:t>Daniel </a:t>
+            </a:r>
+            <a:r>
+              <a:rPr lang="en-US" sz="2000" b="1" err="1">
+                <a:solidFill>
+                  <a:schemeClr val="bg1"/>
+                </a:solidFill>
+                <a:latin typeface="Arial" charset="0"/>
+                <a:cs typeface="Arial" charset="0"/>
+                <a:sym typeface="Arial" charset="0"/>
+              </a:rPr>
+              <a:t>Grießer</a:t>
+            </a:r>
+            <a:endParaRPr lang="en-US" sz="2000" b="1">
+              <a:solidFill>
+                <a:schemeClr val="bg1"/>
+              </a:solidFill>
+              <a:latin typeface="Arial" charset="0"/>
+              <a:cs typeface="Arial" charset="0"/>
+              <a:sym typeface="Arial" charset="0"/>
+            </a:endParaRPr>
+          </a:p>
+        </p:txBody>
+      </p:sp>
+      <p:sp>
+        <p:nvSpPr>
+          <p:cNvPr id="173063" name="Rectangle 6"/>
+          <p:cNvSpPr>
+            <a:spLocks/>
+          </p:cNvSpPr>
+          <p:nvPr/>
+        </p:nvSpPr>
+        <p:spPr bwMode="auto">
+          <a:xfrm>
+            <a:off x="10080000" y="28216174"/>
+            <a:ext cx="5029200" cy="673100"/>
+          </a:xfrm>
+          <a:prstGeom prst="rect">
+            <a:avLst/>
+          </a:prstGeom>
+          <a:noFill/>
+          <a:ln w="12700">
+            <a:noFill/>
+            <a:miter lim="800000"/>
+            <a:headEnd/>
+            <a:tailEnd/>
+          </a:ln>
+        </p:spPr>
+        <p:txBody>
+          <a:bodyPr lIns="0" tIns="0" rIns="0" bIns="0"/>
+          <a:lstStyle/>
+          <a:p>
+            <a:pPr algn="l">
+              <a:lnSpc>
+                <a:spcPts val="2800"/>
+              </a:lnSpc>
+            </a:pPr>
+            <a:r>
+              <a:rPr lang="en-US" sz="2000" err="1">
+                <a:solidFill>
+                  <a:schemeClr val="bg1"/>
+                </a:solidFill>
+                <a:latin typeface="Arial Bold" charset="0"/>
+                <a:sym typeface="Arial Bold" charset="0"/>
+              </a:rPr>
+              <a:t>Betreuende</a:t>
+            </a:r>
+            <a:r>
+              <a:rPr lang="en-US" sz="2000">
+                <a:solidFill>
+                  <a:schemeClr val="bg1"/>
+                </a:solidFill>
+                <a:latin typeface="Arial Bold" charset="0"/>
+                <a:sym typeface="Arial Bold" charset="0"/>
+              </a:rPr>
+              <a:t> </a:t>
+            </a:r>
+            <a:r>
+              <a:rPr lang="en-US" sz="2000" err="1">
+                <a:solidFill>
+                  <a:schemeClr val="bg1"/>
+                </a:solidFill>
+                <a:latin typeface="Arial Bold" charset="0"/>
+                <a:sym typeface="Arial Bold" charset="0"/>
+              </a:rPr>
+              <a:t>Lehrperson</a:t>
+            </a:r>
+            <a:r>
+              <a:rPr lang="en-US" sz="2000">
+                <a:solidFill>
+                  <a:schemeClr val="bg1"/>
+                </a:solidFill>
+                <a:latin typeface="Arial Bold" charset="0"/>
+                <a:sym typeface="Arial Bold" charset="0"/>
+              </a:rPr>
+              <a:t> der FHV</a:t>
+            </a:r>
+          </a:p>
+          <a:p>
+            <a:pPr algn="l">
+              <a:lnSpc>
+                <a:spcPts val="2800"/>
+              </a:lnSpc>
+            </a:pPr>
+            <a:r>
+              <a:rPr lang="en-US" sz="2000" b="1">
+                <a:solidFill>
+                  <a:schemeClr val="bg1"/>
+                </a:solidFill>
+                <a:latin typeface="Arial" charset="0"/>
+                <a:cs typeface="Arial" charset="0"/>
+                <a:sym typeface="Arial" charset="0"/>
+              </a:rPr>
+              <a:t>Michael </a:t>
+            </a:r>
+            <a:r>
+              <a:rPr lang="en-US" sz="2000" b="1" err="1">
+                <a:solidFill>
+                  <a:schemeClr val="bg1"/>
+                </a:solidFill>
+                <a:latin typeface="Arial" charset="0"/>
+                <a:cs typeface="Arial" charset="0"/>
+                <a:sym typeface="Arial" charset="0"/>
+              </a:rPr>
+              <a:t>Felderer</a:t>
+            </a:r>
+            <a:endParaRPr lang="en-US" sz="2000" b="1">
+              <a:solidFill>
+                <a:schemeClr val="bg1"/>
+              </a:solidFill>
+              <a:latin typeface="Arial" charset="0"/>
+              <a:cs typeface="Arial" charset="0"/>
+              <a:sym typeface="Arial" charset="0"/>
+            </a:endParaRPr>
+          </a:p>
+        </p:txBody>
+      </p:sp>
+      <p:sp>
+        <p:nvSpPr>
+          <p:cNvPr id="173064" name="Rectangle 7"/>
+          <p:cNvSpPr>
+            <a:spLocks/>
+          </p:cNvSpPr>
+          <p:nvPr/>
+        </p:nvSpPr>
+        <p:spPr bwMode="auto">
+          <a:xfrm>
+            <a:off x="10080000" y="29224286"/>
+            <a:ext cx="5029200" cy="673100"/>
+          </a:xfrm>
+          <a:prstGeom prst="rect">
+            <a:avLst/>
+          </a:prstGeom>
+          <a:noFill/>
+          <a:ln w="12700">
+            <a:noFill/>
+            <a:miter lim="800000"/>
+            <a:headEnd/>
+            <a:tailEnd/>
+          </a:ln>
+        </p:spPr>
+        <p:txBody>
+          <a:bodyPr lIns="0" tIns="0" rIns="0" bIns="0"/>
+          <a:lstStyle/>
+          <a:p>
+            <a:pPr algn="l">
+              <a:lnSpc>
+                <a:spcPts val="2800"/>
+              </a:lnSpc>
+            </a:pPr>
+            <a:endParaRPr lang="en-US" sz="2000">
+              <a:solidFill>
+                <a:schemeClr val="bg1"/>
+              </a:solidFill>
+              <a:latin typeface="Arial Bold" charset="0"/>
+              <a:sym typeface="Arial Bold" charset="0"/>
+            </a:endParaRPr>
+          </a:p>
+        </p:txBody>
+      </p:sp>
+      <p:pic>
+        <p:nvPicPr>
+          <p:cNvPr id="4" name="Picture 3" descr="Logo A2_negativ.eps"/>
+          <p:cNvPicPr>
+            <a:picLocks noChangeAspect="1"/>
+          </p:cNvPicPr>
+          <p:nvPr/>
+        </p:nvPicPr>
+        <p:blipFill>
+          <a:blip r:embed="rId2">
+            <a:extLst>
+              <a:ext uri="{28A0092B-C50C-407E-A947-70E740481C1C}">
+                <a14:useLocalDpi xmlns:a14="http://schemas.microsoft.com/office/drawing/2010/main" val="0"/>
+              </a:ext>
+            </a:extLst>
+          </a:blip>
+          <a:stretch>
+            <a:fillRect/>
+          </a:stretch>
+        </p:blipFill>
+        <p:spPr>
+          <a:xfrm>
+            <a:off x="16282342" y="28186499"/>
+            <a:ext cx="4800600" cy="1066800"/>
+          </a:xfrm>
+          <a:prstGeom prst="rect">
+            <a:avLst/>
+          </a:prstGeom>
+        </p:spPr>
+      </p:pic>
+      <p:grpSp>
+        <p:nvGrpSpPr>
+          <p:cNvPr id="11" name="Group 10"/>
+          <p:cNvGrpSpPr/>
+          <p:nvPr/>
+        </p:nvGrpSpPr>
+        <p:grpSpPr>
+          <a:xfrm>
+            <a:off x="36000" y="36000"/>
+            <a:ext cx="216000" cy="216000"/>
+            <a:chOff x="0" y="0"/>
+            <a:chExt cx="216000" cy="216000"/>
+          </a:xfrm>
+        </p:grpSpPr>
+        <p:cxnSp>
+          <p:nvCxnSpPr>
+            <p:cNvPr id="6" name="Straight Connector 5"/>
+            <p:cNvCxnSpPr/>
+            <p:nvPr/>
+          </p:nvCxnSpPr>
+          <p:spPr bwMode="auto">
+            <a:xfrm>
+              <a:off x="216000" y="0"/>
+              <a:ext cx="0" cy="180000"/>
+            </a:xfrm>
+            <a:prstGeom prst="line">
+              <a:avLst/>
+            </a:prstGeom>
+            <a:blipFill dpi="0" rotWithShape="0">
+              <a:blip r:embed="rId3"/>
+              <a:srcRect/>
+              <a:tile tx="0" ty="0" sx="100000" sy="100000" flip="none" algn="tl"/>
+            </a:blipFill>
+            <a:ln w="3175" cap="flat" cmpd="sng" algn="ctr">
+              <a:solidFill>
+                <a:schemeClr val="tx1"/>
+              </a:solidFill>
+              <a:prstDash val="solid"/>
+              <a:round/>
+              <a:headEnd type="none" w="med" len="med"/>
+              <a:tailEnd type="none" w="med" len="med"/>
+            </a:ln>
+            <a:effectLst/>
+          </p:spPr>
+        </p:cxnSp>
+        <p:cxnSp>
+          <p:nvCxnSpPr>
+            <p:cNvPr id="8" name="Straight Connector 7"/>
+            <p:cNvCxnSpPr/>
+            <p:nvPr/>
+          </p:nvCxnSpPr>
+          <p:spPr bwMode="auto">
+            <a:xfrm flipH="1">
+              <a:off x="0" y="216000"/>
+              <a:ext cx="180000" cy="0"/>
+            </a:xfrm>
+            <a:prstGeom prst="line">
+              <a:avLst/>
+            </a:prstGeom>
+            <a:blipFill dpi="0" rotWithShape="0">
+              <a:blip r:embed="rId3"/>
+              <a:srcRect/>
+              <a:tile tx="0" ty="0" sx="100000" sy="100000" flip="none" algn="tl"/>
+            </a:blipFill>
+            <a:ln w="3175" cap="flat" cmpd="sng" algn="ctr">
+              <a:solidFill>
+                <a:schemeClr val="tx1"/>
+              </a:solidFill>
+              <a:prstDash val="solid"/>
+              <a:round/>
+              <a:headEnd type="none" w="med" len="med"/>
+              <a:tailEnd type="none" w="med" len="med"/>
+            </a:ln>
+            <a:effectLst/>
+          </p:spPr>
+        </p:cxnSp>
+      </p:grpSp>
+      <p:grpSp>
+        <p:nvGrpSpPr>
+          <p:cNvPr id="20" name="Group 19"/>
+          <p:cNvGrpSpPr/>
+          <p:nvPr/>
+        </p:nvGrpSpPr>
+        <p:grpSpPr>
+          <a:xfrm rot="5400000">
+            <a:off x="21657600" y="36000"/>
+            <a:ext cx="216000" cy="216000"/>
+            <a:chOff x="0" y="0"/>
+            <a:chExt cx="216000" cy="216000"/>
+          </a:xfrm>
+        </p:grpSpPr>
+        <p:cxnSp>
+          <p:nvCxnSpPr>
+            <p:cNvPr id="21" name="Straight Connector 20"/>
+            <p:cNvCxnSpPr/>
+            <p:nvPr/>
+          </p:nvCxnSpPr>
+          <p:spPr bwMode="auto">
+            <a:xfrm>
+              <a:off x="216000" y="0"/>
+              <a:ext cx="0" cy="180000"/>
+            </a:xfrm>
+            <a:prstGeom prst="line">
+              <a:avLst/>
+            </a:prstGeom>
+            <a:blipFill dpi="0" rotWithShape="0">
+              <a:blip r:embed="rId3"/>
+              <a:srcRect/>
+              <a:tile tx="0" ty="0" sx="100000" sy="100000" flip="none" algn="tl"/>
+            </a:blipFill>
+            <a:ln w="3175" cap="flat" cmpd="sng" algn="ctr">
+              <a:solidFill>
+                <a:schemeClr val="tx1"/>
+              </a:solidFill>
+              <a:prstDash val="solid"/>
+              <a:round/>
+              <a:headEnd type="none" w="med" len="med"/>
+              <a:tailEnd type="none" w="med" len="med"/>
+            </a:ln>
+            <a:effectLst/>
+          </p:spPr>
+        </p:cxnSp>
+        <p:cxnSp>
+          <p:nvCxnSpPr>
+            <p:cNvPr id="22" name="Straight Connector 21"/>
+            <p:cNvCxnSpPr/>
+            <p:nvPr/>
+          </p:nvCxnSpPr>
+          <p:spPr bwMode="auto">
+            <a:xfrm flipH="1">
+              <a:off x="0" y="216000"/>
+              <a:ext cx="180000" cy="0"/>
+            </a:xfrm>
+            <a:prstGeom prst="line">
+              <a:avLst/>
+            </a:prstGeom>
+            <a:blipFill dpi="0" rotWithShape="0">
+              <a:blip r:embed="rId3"/>
+              <a:srcRect/>
+              <a:tile tx="0" ty="0" sx="100000" sy="100000" flip="none" algn="tl"/>
+            </a:blipFill>
+            <a:ln w="3175" cap="flat" cmpd="sng" algn="ctr">
+              <a:solidFill>
+                <a:schemeClr val="tx1"/>
+              </a:solidFill>
+              <a:prstDash val="solid"/>
+              <a:round/>
+              <a:headEnd type="none" w="med" len="med"/>
+              <a:tailEnd type="none" w="med" len="med"/>
+            </a:ln>
+            <a:effectLst/>
+          </p:spPr>
+        </p:cxnSp>
+      </p:grpSp>
+      <p:grpSp>
+        <p:nvGrpSpPr>
+          <p:cNvPr id="26" name="Group 25"/>
+          <p:cNvGrpSpPr/>
+          <p:nvPr/>
+        </p:nvGrpSpPr>
+        <p:grpSpPr>
+          <a:xfrm rot="10800000">
+            <a:off x="21654000" y="30546000"/>
+            <a:ext cx="216000" cy="216000"/>
+            <a:chOff x="0" y="0"/>
+            <a:chExt cx="216000" cy="216000"/>
+          </a:xfrm>
+        </p:grpSpPr>
+        <p:cxnSp>
+          <p:nvCxnSpPr>
+            <p:cNvPr id="27" name="Straight Connector 26"/>
+            <p:cNvCxnSpPr/>
+            <p:nvPr/>
+          </p:nvCxnSpPr>
+          <p:spPr bwMode="auto">
+            <a:xfrm>
+              <a:off x="216000" y="0"/>
+              <a:ext cx="0" cy="180000"/>
+            </a:xfrm>
+            <a:prstGeom prst="line">
+              <a:avLst/>
+            </a:prstGeom>
+            <a:blipFill dpi="0" rotWithShape="0">
+              <a:blip r:embed="rId3"/>
+              <a:srcRect/>
+              <a:tile tx="0" ty="0" sx="100000" sy="100000" flip="none" algn="tl"/>
+            </a:blipFill>
+            <a:ln w="3175" cap="flat" cmpd="sng" algn="ctr">
+              <a:solidFill>
+                <a:schemeClr val="tx1"/>
+              </a:solidFill>
+              <a:prstDash val="solid"/>
+              <a:round/>
+              <a:headEnd type="none" w="med" len="med"/>
+              <a:tailEnd type="none" w="med" len="med"/>
+            </a:ln>
+            <a:effectLst/>
+          </p:spPr>
+        </p:cxnSp>
+        <p:cxnSp>
+          <p:nvCxnSpPr>
+            <p:cNvPr id="28" name="Straight Connector 27"/>
+            <p:cNvCxnSpPr/>
+            <p:nvPr/>
+          </p:nvCxnSpPr>
+          <p:spPr bwMode="auto">
+            <a:xfrm flipH="1">
+              <a:off x="0" y="216000"/>
+              <a:ext cx="180000" cy="0"/>
+            </a:xfrm>
+            <a:prstGeom prst="line">
+              <a:avLst/>
+            </a:prstGeom>
+            <a:blipFill dpi="0" rotWithShape="0">
+              <a:blip r:embed="rId3"/>
+              <a:srcRect/>
+              <a:tile tx="0" ty="0" sx="100000" sy="100000" flip="none" algn="tl"/>
+            </a:blipFill>
+            <a:ln w="3175" cap="flat" cmpd="sng" algn="ctr">
+              <a:solidFill>
+                <a:schemeClr val="tx1"/>
+              </a:solidFill>
+              <a:prstDash val="solid"/>
+              <a:round/>
+              <a:headEnd type="none" w="med" len="med"/>
+              <a:tailEnd type="none" w="med" len="med"/>
+            </a:ln>
+            <a:effectLst/>
+          </p:spPr>
+        </p:cxnSp>
+      </p:grpSp>
+      <p:grpSp>
+        <p:nvGrpSpPr>
+          <p:cNvPr id="32" name="Group 31"/>
+          <p:cNvGrpSpPr/>
+          <p:nvPr/>
+        </p:nvGrpSpPr>
+        <p:grpSpPr>
+          <a:xfrm rot="16200000">
+            <a:off x="36000" y="30546000"/>
+            <a:ext cx="216000" cy="216000"/>
+            <a:chOff x="0" y="0"/>
+            <a:chExt cx="216000" cy="216000"/>
+          </a:xfrm>
+        </p:grpSpPr>
+        <p:cxnSp>
+          <p:nvCxnSpPr>
+            <p:cNvPr id="33" name="Straight Connector 32"/>
+            <p:cNvCxnSpPr/>
+            <p:nvPr/>
+          </p:nvCxnSpPr>
+          <p:spPr bwMode="auto">
+            <a:xfrm>
+              <a:off x="216000" y="0"/>
+              <a:ext cx="0" cy="180000"/>
+            </a:xfrm>
+            <a:prstGeom prst="line">
+              <a:avLst/>
+            </a:prstGeom>
+            <a:blipFill dpi="0" rotWithShape="0">
+              <a:blip r:embed="rId3"/>
+              <a:srcRect/>
+              <a:tile tx="0" ty="0" sx="100000" sy="100000" flip="none" algn="tl"/>
+            </a:blipFill>
+            <a:ln w="3175" cap="flat" cmpd="sng" algn="ctr">
+              <a:solidFill>
+                <a:schemeClr val="tx1"/>
+              </a:solidFill>
+              <a:prstDash val="solid"/>
+              <a:round/>
+              <a:headEnd type="none" w="med" len="med"/>
+              <a:tailEnd type="none" w="med" len="med"/>
+            </a:ln>
+            <a:effectLst/>
+          </p:spPr>
+        </p:cxnSp>
+        <p:cxnSp>
+          <p:nvCxnSpPr>
+            <p:cNvPr id="34" name="Straight Connector 33"/>
+            <p:cNvCxnSpPr/>
+            <p:nvPr/>
+          </p:nvCxnSpPr>
+          <p:spPr bwMode="auto">
+            <a:xfrm flipH="1">
+              <a:off x="0" y="216000"/>
+              <a:ext cx="180000" cy="0"/>
+            </a:xfrm>
+            <a:prstGeom prst="line">
+              <a:avLst/>
+            </a:prstGeom>
+            <a:blipFill dpi="0" rotWithShape="0">
+              <a:blip r:embed="rId3"/>
+              <a:srcRect/>
+              <a:tile tx="0" ty="0" sx="100000" sy="100000" flip="none" algn="tl"/>
+            </a:blipFill>
+            <a:ln w="3175" cap="flat" cmpd="sng" algn="ctr">
+              <a:solidFill>
+                <a:schemeClr val="tx1"/>
+              </a:solidFill>
+              <a:prstDash val="solid"/>
+              <a:round/>
+              <a:headEnd type="none" w="med" len="med"/>
+              <a:tailEnd type="none" w="med" len="med"/>
+            </a:ln>
+            <a:effectLst/>
+          </p:spPr>
+        </p:cxnSp>
+      </p:grpSp>
+      <p:pic>
+        <p:nvPicPr>
+          <p:cNvPr id="14" name="Grafik 13">
+            <a:extLst>
+              <a:ext uri="{FF2B5EF4-FFF2-40B4-BE49-F238E27FC236}">
+                <a16:creationId xmlns:a16="http://schemas.microsoft.com/office/drawing/2014/main" id="{12891B2E-88C8-C34A-A1DF-A88A0ADBD7E2}"/>
+              </a:ext>
+            </a:extLst>
+          </p:cNvPr>
+          <p:cNvPicPr>
+            <a:picLocks noChangeAspect="1"/>
+          </p:cNvPicPr>
+          <p:nvPr/>
+        </p:nvPicPr>
+        <p:blipFill>
+          <a:blip r:embed="rId4"/>
+          <a:stretch>
+            <a:fillRect/>
+          </a:stretch>
+        </p:blipFill>
+        <p:spPr>
+          <a:xfrm>
+            <a:off x="5259223" y="23031598"/>
+            <a:ext cx="11416512" cy="2273729"/>
+          </a:xfrm>
+          <a:prstGeom prst="rect">
+            <a:avLst/>
+          </a:prstGeom>
+        </p:spPr>
+      </p:pic>
+      <p:sp>
+        <p:nvSpPr>
+          <p:cNvPr id="18" name="Rechteck 17">
+            <a:extLst>
+              <a:ext uri="{FF2B5EF4-FFF2-40B4-BE49-F238E27FC236}">
+                <a16:creationId xmlns:a16="http://schemas.microsoft.com/office/drawing/2014/main" id="{1A3F1EEF-BF59-7247-AC6F-9320EC7E6BCB}"/>
+              </a:ext>
+            </a:extLst>
+          </p:cNvPr>
+          <p:cNvSpPr/>
+          <p:nvPr/>
+        </p:nvSpPr>
+        <p:spPr bwMode="auto">
+          <a:xfrm>
+            <a:off x="1672030" y="6426870"/>
+            <a:ext cx="6257384" cy="3787304"/>
+          </a:xfrm>
+          <a:prstGeom prst="rect">
+            <a:avLst/>
+          </a:prstGeom>
+          <a:solidFill>
+            <a:srgbClr val="0070C0">
+              <a:alpha val="69000"/>
+            </a:srgbClr>
+          </a:solidFill>
+          <a:ln w="25400" cap="flat" cmpd="sng" algn="ctr">
+            <a:solidFill>
+              <a:srgbClr val="000000"/>
+            </a:solidFill>
+            <a:prstDash val="solid"/>
+            <a:round/>
+            <a:headEnd type="none" w="med" len="med"/>
+            <a:tailEnd type="none" w="med" len="med"/>
+          </a:ln>
+          <a:effectLst/>
+        </p:spPr>
+        <p:txBody>
+          <a:bodyPr vert="horz" wrap="square" lIns="360000" tIns="180000" rIns="360000" bIns="180000" numCol="1" rtlCol="0" anchor="t" anchorCtr="0" compatLnSpc="1">
+            <a:prstTxWarp prst="textNoShape">
+              <a:avLst/>
+            </a:prstTxWarp>
+          </a:bodyPr>
+          <a:lstStyle/>
+          <a:p>
+            <a:pPr marL="0" marR="0" indent="0" algn="l" defTabSz="914400" rtl="0" eaLnBrk="1" fontAlgn="base" latinLnBrk="0" hangingPunct="1">
+              <a:lnSpc>
+                <a:spcPct val="100000"/>
+              </a:lnSpc>
+              <a:spcBef>
+                <a:spcPct val="0"/>
+              </a:spcBef>
+              <a:spcAft>
+                <a:spcPct val="0"/>
+              </a:spcAft>
+              <a:buClrTx/>
+              <a:buSzTx/>
+              <a:buFontTx/>
+              <a:buNone/>
+              <a:tabLst/>
+            </a:pPr>
+            <a:r>
+              <a:rPr kumimoji="0" lang="de-DE" sz="2400" b="1" i="0" strike="noStrike" cap="none" normalizeH="0" baseline="0">
+                <a:ln>
+                  <a:noFill/>
+                </a:ln>
+                <a:solidFill>
+                  <a:srgbClr val="000000"/>
+                </a:solidFill>
+                <a:effectLst/>
+                <a:latin typeface="Arial" panose="020B0604020202020204" pitchFamily="34" charset="0"/>
+                <a:cs typeface="Arial" panose="020B0604020202020204" pitchFamily="34" charset="0"/>
+                <a:sym typeface="Gill Sans" pitchFamily="-109" charset="0"/>
+              </a:rPr>
+              <a:t>Zielsetzung</a:t>
+            </a:r>
+          </a:p>
+          <a:p>
+            <a:pPr marL="0" marR="0" indent="0" algn="l" defTabSz="914400" rtl="0" eaLnBrk="1" fontAlgn="base" latinLnBrk="0" hangingPunct="1">
+              <a:lnSpc>
+                <a:spcPct val="100000"/>
+              </a:lnSpc>
+              <a:spcBef>
+                <a:spcPct val="0"/>
+              </a:spcBef>
+              <a:spcAft>
+                <a:spcPct val="0"/>
+              </a:spcAft>
+              <a:buClrTx/>
+              <a:buSzTx/>
+              <a:buFontTx/>
+              <a:buNone/>
+              <a:tabLst/>
+            </a:pPr>
+            <a:endParaRPr lang="de-DE" sz="1200" u="sng">
+              <a:latin typeface="Arial" panose="020B0604020202020204" pitchFamily="34" charset="0"/>
+              <a:cs typeface="Arial" panose="020B0604020202020204" pitchFamily="34" charset="0"/>
+            </a:endParaRPr>
+          </a:p>
+          <a:p>
+            <a:pPr algn="l"/>
+            <a:r>
+              <a:rPr lang="de-AT" sz="1600">
+                <a:latin typeface="Arial" panose="020B0604020202020204" pitchFamily="34" charset="0"/>
+                <a:cs typeface="Arial" panose="020B0604020202020204" pitchFamily="34" charset="0"/>
+              </a:rPr>
+              <a:t>„</a:t>
+            </a:r>
+            <a:r>
+              <a:rPr lang="de-AT" sz="1600" err="1">
+                <a:latin typeface="Arial" panose="020B0604020202020204" pitchFamily="34" charset="0"/>
+                <a:cs typeface="Arial" panose="020B0604020202020204" pitchFamily="34" charset="0"/>
+              </a:rPr>
+              <a:t>Scrum</a:t>
+            </a:r>
+            <a:r>
+              <a:rPr lang="de-AT" sz="1600">
+                <a:latin typeface="Arial" panose="020B0604020202020204" pitchFamily="34" charset="0"/>
+                <a:cs typeface="Arial" panose="020B0604020202020204" pitchFamily="34" charset="0"/>
+              </a:rPr>
+              <a:t> ist eine Implementierung der Theorie des Empirismus, der zufolge Wissen auf Erfahrung beruht und Entscheidungen auf der Grundlage dieses Wissens getroffen werden. Dazu sind drei Voraussetzungen zu schaffen:</a:t>
+            </a:r>
+          </a:p>
+          <a:p>
+            <a:pPr marL="457200" indent="-457200" algn="l">
+              <a:buFont typeface="+mj-lt"/>
+              <a:buAutoNum type="arabicPeriod"/>
+            </a:pPr>
+            <a:r>
+              <a:rPr lang="de-AT" sz="1600">
+                <a:latin typeface="Arial" panose="020B0604020202020204" pitchFamily="34" charset="0"/>
+                <a:cs typeface="Arial" panose="020B0604020202020204" pitchFamily="34" charset="0"/>
+              </a:rPr>
+              <a:t>Transparenz</a:t>
+            </a:r>
+          </a:p>
+          <a:p>
+            <a:pPr marL="457200" indent="-457200" algn="l">
+              <a:buFont typeface="+mj-lt"/>
+              <a:buAutoNum type="arabicPeriod"/>
+            </a:pPr>
+            <a:r>
+              <a:rPr lang="de-AT" sz="1600">
+                <a:latin typeface="Arial" panose="020B0604020202020204" pitchFamily="34" charset="0"/>
+                <a:cs typeface="Arial" panose="020B0604020202020204" pitchFamily="34" charset="0"/>
+              </a:rPr>
+              <a:t>Überprüfung</a:t>
+            </a:r>
+          </a:p>
+          <a:p>
+            <a:pPr marL="457200" indent="-457200" algn="l">
+              <a:buFont typeface="+mj-lt"/>
+              <a:buAutoNum type="arabicPeriod"/>
+            </a:pPr>
+            <a:r>
+              <a:rPr lang="de-AT" sz="1600">
+                <a:latin typeface="Arial" panose="020B0604020202020204" pitchFamily="34" charset="0"/>
+                <a:cs typeface="Arial" panose="020B0604020202020204" pitchFamily="34" charset="0"/>
+              </a:rPr>
+              <a:t>Anpassung“ </a:t>
+            </a:r>
+            <a:r>
+              <a:rPr lang="de-AT" sz="1600" baseline="30000">
+                <a:latin typeface="Arial" panose="020B0604020202020204" pitchFamily="34" charset="0"/>
+                <a:cs typeface="Arial" panose="020B0604020202020204" pitchFamily="34" charset="0"/>
+              </a:rPr>
+              <a:t>1</a:t>
+            </a:r>
+          </a:p>
+          <a:p>
+            <a:pPr algn="l"/>
+            <a:endParaRPr lang="de-AT" sz="800">
+              <a:latin typeface="Arial" panose="020B0604020202020204" pitchFamily="34" charset="0"/>
+              <a:cs typeface="Arial" panose="020B0604020202020204" pitchFamily="34" charset="0"/>
+            </a:endParaRPr>
+          </a:p>
+          <a:p>
+            <a:pPr algn="l"/>
+            <a:r>
+              <a:rPr lang="de-AT" sz="1600">
+                <a:latin typeface="Arial" panose="020B0604020202020204" pitchFamily="34" charset="0"/>
+                <a:cs typeface="Arial" panose="020B0604020202020204" pitchFamily="34" charset="0"/>
+              </a:rPr>
+              <a:t>Ziel dieser Arbeit war es, Metriken zu ermitteln, die </a:t>
+            </a:r>
+            <a:r>
+              <a:rPr lang="de-AT" sz="1600" err="1">
+                <a:latin typeface="Arial" panose="020B0604020202020204" pitchFamily="34" charset="0"/>
+                <a:cs typeface="Arial" panose="020B0604020202020204" pitchFamily="34" charset="0"/>
+              </a:rPr>
+              <a:t>Qualitätsprobleme</a:t>
+            </a:r>
+            <a:r>
+              <a:rPr lang="de-AT" sz="1600">
+                <a:latin typeface="Arial" panose="020B0604020202020204" pitchFamily="34" charset="0"/>
+                <a:cs typeface="Arial" panose="020B0604020202020204" pitchFamily="34" charset="0"/>
+              </a:rPr>
+              <a:t> im Entwicklungsprozess oder im Softwareprodukt quantitativ abbilden </a:t>
+            </a:r>
+            <a:r>
+              <a:rPr lang="de-AT" sz="1600" err="1">
+                <a:latin typeface="Arial" panose="020B0604020202020204" pitchFamily="34" charset="0"/>
+                <a:cs typeface="Arial" panose="020B0604020202020204" pitchFamily="34" charset="0"/>
+              </a:rPr>
+              <a:t>können</a:t>
+            </a:r>
+            <a:r>
+              <a:rPr lang="de-AT" sz="1600">
+                <a:latin typeface="Arial" panose="020B0604020202020204" pitchFamily="34" charset="0"/>
+                <a:cs typeface="Arial" panose="020B0604020202020204" pitchFamily="34" charset="0"/>
+              </a:rPr>
+              <a:t> und somit der Forderung nach Überprüfung gerecht werden.</a:t>
+            </a:r>
+          </a:p>
+          <a:p>
+            <a:pPr algn="l"/>
+            <a:endParaRPr lang="de-AT" sz="1600">
+              <a:latin typeface="Arial" panose="020B0604020202020204" pitchFamily="34" charset="0"/>
+              <a:cs typeface="Arial" panose="020B0604020202020204" pitchFamily="34" charset="0"/>
+            </a:endParaRPr>
+          </a:p>
+        </p:txBody>
+      </p:sp>
+      <p:sp>
+        <p:nvSpPr>
+          <p:cNvPr id="37" name="Rechteck 36">
+            <a:extLst>
+              <a:ext uri="{FF2B5EF4-FFF2-40B4-BE49-F238E27FC236}">
+                <a16:creationId xmlns:a16="http://schemas.microsoft.com/office/drawing/2014/main" id="{09EC647D-A010-A041-9292-FD88A6EFD2FF}"/>
+              </a:ext>
+            </a:extLst>
+          </p:cNvPr>
+          <p:cNvSpPr/>
+          <p:nvPr/>
+        </p:nvSpPr>
+        <p:spPr bwMode="auto">
+          <a:xfrm>
+            <a:off x="1672030" y="10646222"/>
+            <a:ext cx="6257384" cy="5308645"/>
+          </a:xfrm>
+          <a:prstGeom prst="rect">
+            <a:avLst/>
+          </a:prstGeom>
+          <a:solidFill>
+            <a:srgbClr val="0070C0">
+              <a:alpha val="69000"/>
+            </a:srgbClr>
+          </a:solidFill>
+          <a:ln w="25400" cap="flat" cmpd="sng" algn="ctr">
+            <a:solidFill>
+              <a:srgbClr val="000000"/>
+            </a:solidFill>
+            <a:prstDash val="solid"/>
+            <a:round/>
+            <a:headEnd type="none" w="med" len="med"/>
+            <a:tailEnd type="none" w="med" len="med"/>
+          </a:ln>
+          <a:effectLst/>
+        </p:spPr>
+        <p:txBody>
+          <a:bodyPr vert="horz" wrap="square" lIns="360000" tIns="180000" rIns="360000" bIns="180000" numCol="1" rtlCol="0" anchor="t" anchorCtr="0" compatLnSpc="1">
+            <a:prstTxWarp prst="textNoShape">
+              <a:avLst/>
+            </a:prstTxWarp>
+          </a:bodyPr>
+          <a:lstStyle/>
+          <a:p>
+            <a:pPr marL="0" marR="0" indent="0" algn="l" defTabSz="914400" rtl="0" eaLnBrk="1" fontAlgn="base" latinLnBrk="0" hangingPunct="1">
+              <a:lnSpc>
+                <a:spcPct val="100000"/>
+              </a:lnSpc>
+              <a:spcBef>
+                <a:spcPct val="0"/>
+              </a:spcBef>
+              <a:spcAft>
+                <a:spcPct val="0"/>
+              </a:spcAft>
+              <a:buClrTx/>
+              <a:buSzTx/>
+              <a:buFontTx/>
+              <a:buNone/>
+              <a:tabLst/>
+            </a:pPr>
+            <a:r>
+              <a:rPr kumimoji="0" lang="de-DE" sz="2400" b="1" i="0" strike="noStrike" cap="none" normalizeH="0" baseline="0">
+                <a:ln>
+                  <a:noFill/>
+                </a:ln>
+                <a:solidFill>
+                  <a:srgbClr val="000000"/>
+                </a:solidFill>
+                <a:effectLst/>
+                <a:latin typeface="Arial" panose="020B0604020202020204" pitchFamily="34" charset="0"/>
+                <a:cs typeface="Arial" panose="020B0604020202020204" pitchFamily="34" charset="0"/>
+                <a:sym typeface="Gill Sans" pitchFamily="-109" charset="0"/>
+              </a:rPr>
+              <a:t>Vorgehensweise</a:t>
+            </a:r>
+          </a:p>
+          <a:p>
+            <a:pPr marL="0" marR="0" indent="0" algn="l" defTabSz="914400" rtl="0" eaLnBrk="1" fontAlgn="base" latinLnBrk="0" hangingPunct="1">
+              <a:lnSpc>
+                <a:spcPct val="100000"/>
+              </a:lnSpc>
+              <a:spcBef>
+                <a:spcPct val="0"/>
+              </a:spcBef>
+              <a:spcAft>
+                <a:spcPct val="0"/>
+              </a:spcAft>
+              <a:buClrTx/>
+              <a:buSzTx/>
+              <a:buFontTx/>
+              <a:buNone/>
+              <a:tabLst/>
+            </a:pPr>
+            <a:endParaRPr lang="de-DE" sz="1200" u="sng">
+              <a:latin typeface="Arial" panose="020B0604020202020204" pitchFamily="34" charset="0"/>
+              <a:cs typeface="Arial" panose="020B0604020202020204" pitchFamily="34" charset="0"/>
+            </a:endParaRPr>
+          </a:p>
+          <a:p>
+            <a:pPr algn="l"/>
+            <a:r>
+              <a:rPr lang="de-AT" sz="1600">
+                <a:latin typeface="Arial" panose="020B0604020202020204" pitchFamily="34" charset="0"/>
+                <a:cs typeface="Arial" panose="020B0604020202020204" pitchFamily="34" charset="0"/>
+              </a:rPr>
+              <a:t>Es wurde eine Fallstudie wie in “Agile </a:t>
+            </a:r>
+            <a:r>
+              <a:rPr lang="de-AT" sz="1600" err="1">
+                <a:latin typeface="Arial" panose="020B0604020202020204" pitchFamily="34" charset="0"/>
+                <a:cs typeface="Arial" panose="020B0604020202020204" pitchFamily="34" charset="0"/>
+              </a:rPr>
+              <a:t>Metrics</a:t>
+            </a:r>
+            <a:r>
+              <a:rPr lang="de-AT" sz="1600">
+                <a:latin typeface="Arial" panose="020B0604020202020204" pitchFamily="34" charset="0"/>
+                <a:cs typeface="Arial" panose="020B0604020202020204" pitchFamily="34" charset="0"/>
+              </a:rPr>
+              <a:t> In Action“ </a:t>
+            </a:r>
+            <a:r>
+              <a:rPr lang="de-AT" sz="1600" baseline="30000">
+                <a:latin typeface="Arial" panose="020B0604020202020204" pitchFamily="34" charset="0"/>
+                <a:cs typeface="Arial" panose="020B0604020202020204" pitchFamily="34" charset="0"/>
+              </a:rPr>
+              <a:t>2</a:t>
+            </a:r>
+            <a:r>
+              <a:rPr lang="de-AT" sz="1600">
+                <a:latin typeface="Arial" panose="020B0604020202020204" pitchFamily="34" charset="0"/>
+                <a:cs typeface="Arial" panose="020B0604020202020204" pitchFamily="34" charset="0"/>
+              </a:rPr>
+              <a:t> beschrieben mit einem </a:t>
+            </a:r>
+            <a:r>
+              <a:rPr lang="de-AT" sz="1600" err="1">
+                <a:latin typeface="Arial" panose="020B0604020202020204" pitchFamily="34" charset="0"/>
+                <a:cs typeface="Arial" panose="020B0604020202020204" pitchFamily="34" charset="0"/>
+              </a:rPr>
+              <a:t>Scrum</a:t>
+            </a:r>
+            <a:r>
+              <a:rPr lang="de-AT" sz="1600">
+                <a:latin typeface="Arial" panose="020B0604020202020204" pitchFamily="34" charset="0"/>
+                <a:cs typeface="Arial" panose="020B0604020202020204" pitchFamily="34" charset="0"/>
+              </a:rPr>
+              <a:t> Team durchgeführt und dabei in folgenden Schritten vorgegangen:</a:t>
+            </a:r>
+          </a:p>
+          <a:p>
+            <a:pPr algn="l"/>
+            <a:endParaRPr lang="de-AT" sz="1200">
+              <a:latin typeface="Arial" panose="020B0604020202020204" pitchFamily="34" charset="0"/>
+              <a:cs typeface="Arial" panose="020B0604020202020204" pitchFamily="34" charset="0"/>
+            </a:endParaRPr>
+          </a:p>
+          <a:p>
+            <a:pPr marL="342900" indent="-342900" algn="l">
+              <a:buFont typeface="+mj-lt"/>
+              <a:buAutoNum type="arabicPeriod"/>
+            </a:pPr>
+            <a:r>
+              <a:rPr lang="de-AT" sz="1600">
+                <a:latin typeface="Arial" panose="020B0604020202020204" pitchFamily="34" charset="0"/>
+                <a:cs typeface="Arial" panose="020B0604020202020204" pitchFamily="34" charset="0"/>
+              </a:rPr>
+              <a:t>Metriken ermitteln</a:t>
+            </a:r>
+          </a:p>
+          <a:p>
+            <a:pPr lvl="1" algn="l"/>
+            <a:r>
+              <a:rPr lang="de-AT" sz="1600">
+                <a:latin typeface="Arial" panose="020B0604020202020204" pitchFamily="34" charset="0"/>
+                <a:cs typeface="Arial" panose="020B0604020202020204" pitchFamily="34" charset="0"/>
+              </a:rPr>
+              <a:t>Die Metriken wurden über die sogenannte GQM (Goal-</a:t>
+            </a:r>
+            <a:r>
+              <a:rPr lang="de-AT" sz="1600" err="1">
+                <a:latin typeface="Arial" panose="020B0604020202020204" pitchFamily="34" charset="0"/>
+                <a:cs typeface="Arial" panose="020B0604020202020204" pitchFamily="34" charset="0"/>
+              </a:rPr>
+              <a:t>Question</a:t>
+            </a:r>
+            <a:r>
+              <a:rPr lang="de-AT" sz="1600">
+                <a:latin typeface="Arial" panose="020B0604020202020204" pitchFamily="34" charset="0"/>
+                <a:cs typeface="Arial" panose="020B0604020202020204" pitchFamily="34" charset="0"/>
+              </a:rPr>
+              <a:t>-</a:t>
+            </a:r>
+            <a:r>
+              <a:rPr lang="de-AT" sz="1600" err="1">
+                <a:latin typeface="Arial" panose="020B0604020202020204" pitchFamily="34" charset="0"/>
+                <a:cs typeface="Arial" panose="020B0604020202020204" pitchFamily="34" charset="0"/>
+              </a:rPr>
+              <a:t>Metric</a:t>
+            </a:r>
+            <a:r>
+              <a:rPr lang="de-AT" sz="1600">
+                <a:latin typeface="Arial" panose="020B0604020202020204" pitchFamily="34" charset="0"/>
+                <a:cs typeface="Arial" panose="020B0604020202020204" pitchFamily="34" charset="0"/>
+              </a:rPr>
+              <a:t>)-Methode, bei der die Daten der letzten Sprint Retrospektiven ausgewertet wurden, und ergänzend über eine Umfrage im Team ermittelt.</a:t>
+            </a:r>
+          </a:p>
+          <a:p>
+            <a:pPr marL="342900" indent="-342900" algn="l">
+              <a:buFont typeface="+mj-lt"/>
+              <a:buAutoNum type="arabicPeriod"/>
+            </a:pPr>
+            <a:r>
+              <a:rPr lang="de-AT" sz="1600">
+                <a:latin typeface="Arial" panose="020B0604020202020204" pitchFamily="34" charset="0"/>
+                <a:cs typeface="Arial" panose="020B0604020202020204" pitchFamily="34" charset="0"/>
+              </a:rPr>
+              <a:t>Software erstellen</a:t>
+            </a:r>
+          </a:p>
+          <a:p>
+            <a:pPr lvl="1" algn="l"/>
+            <a:r>
+              <a:rPr lang="de-AT" sz="1600">
+                <a:latin typeface="Arial" panose="020B0604020202020204" pitchFamily="34" charset="0"/>
+                <a:cs typeface="Arial" panose="020B0604020202020204" pitchFamily="34" charset="0"/>
+              </a:rPr>
+              <a:t>Die im ersten Schritt ermittelten Metriken wurden über eine eigens erstellte Software ermittelt, aufbereitet und in einem </a:t>
+            </a:r>
+            <a:r>
+              <a:rPr lang="de-AT" sz="1600" err="1">
+                <a:latin typeface="Arial" panose="020B0604020202020204" pitchFamily="34" charset="0"/>
+                <a:cs typeface="Arial" panose="020B0604020202020204" pitchFamily="34" charset="0"/>
+              </a:rPr>
+              <a:t>Elastic</a:t>
+            </a:r>
+            <a:r>
+              <a:rPr lang="de-AT" sz="1600">
+                <a:latin typeface="Arial" panose="020B0604020202020204" pitchFamily="34" charset="0"/>
+                <a:cs typeface="Arial" panose="020B0604020202020204" pitchFamily="34" charset="0"/>
+              </a:rPr>
+              <a:t> Stack gespeichert und dargestellt.</a:t>
+            </a:r>
+          </a:p>
+          <a:p>
+            <a:pPr marL="342900" indent="-342900" algn="l">
+              <a:buFont typeface="+mj-lt"/>
+              <a:buAutoNum type="arabicPeriod"/>
+            </a:pPr>
+            <a:r>
+              <a:rPr lang="de-AT" sz="1600">
+                <a:latin typeface="Arial" panose="020B0604020202020204" pitchFamily="34" charset="0"/>
+                <a:cs typeface="Arial" panose="020B0604020202020204" pitchFamily="34" charset="0"/>
+              </a:rPr>
+              <a:t>Ergebnisse evaluieren</a:t>
+            </a:r>
+          </a:p>
+          <a:p>
+            <a:pPr lvl="1" algn="l"/>
+            <a:r>
+              <a:rPr lang="de-AT" sz="1600">
+                <a:latin typeface="Arial" panose="020B0604020202020204" pitchFamily="34" charset="0"/>
+                <a:cs typeface="Arial" panose="020B0604020202020204" pitchFamily="34" charset="0"/>
+              </a:rPr>
+              <a:t>Das </a:t>
+            </a:r>
+            <a:r>
+              <a:rPr lang="de-AT" sz="1600" err="1">
+                <a:latin typeface="Arial" panose="020B0604020202020204" pitchFamily="34" charset="0"/>
+                <a:cs typeface="Arial" panose="020B0604020202020204" pitchFamily="34" charset="0"/>
+              </a:rPr>
+              <a:t>Scrum</a:t>
+            </a:r>
+            <a:r>
+              <a:rPr lang="de-AT" sz="1600">
+                <a:latin typeface="Arial" panose="020B0604020202020204" pitchFamily="34" charset="0"/>
+                <a:cs typeface="Arial" panose="020B0604020202020204" pitchFamily="34" charset="0"/>
+              </a:rPr>
+              <a:t> Team nutzte diese Metriken über einen Zeitraum von nicht ganz drei Sprints in den Retrospektiven, um eine bessere Einsicht in den Entwicklungsprozess zu bekommen.</a:t>
+            </a:r>
+          </a:p>
+        </p:txBody>
+      </p:sp>
+      <p:sp>
+        <p:nvSpPr>
+          <p:cNvPr id="38" name="Rechteck 37">
+            <a:extLst>
+              <a:ext uri="{FF2B5EF4-FFF2-40B4-BE49-F238E27FC236}">
+                <a16:creationId xmlns:a16="http://schemas.microsoft.com/office/drawing/2014/main" id="{59F714EE-5B2D-7743-8F2B-F393C0D8F95F}"/>
+              </a:ext>
+            </a:extLst>
+          </p:cNvPr>
+          <p:cNvSpPr/>
+          <p:nvPr/>
+        </p:nvSpPr>
+        <p:spPr bwMode="auto">
+          <a:xfrm>
+            <a:off x="1672030" y="16387831"/>
+            <a:ext cx="6257384" cy="2550105"/>
+          </a:xfrm>
+          <a:prstGeom prst="rect">
+            <a:avLst/>
+          </a:prstGeom>
+          <a:solidFill>
+            <a:srgbClr val="0070C0">
+              <a:alpha val="69000"/>
+            </a:srgbClr>
+          </a:solidFill>
+          <a:ln w="25400" cap="flat" cmpd="sng" algn="ctr">
+            <a:solidFill>
+              <a:srgbClr val="000000"/>
+            </a:solidFill>
+            <a:prstDash val="solid"/>
+            <a:round/>
+            <a:headEnd type="none" w="med" len="med"/>
+            <a:tailEnd type="none" w="med" len="med"/>
+          </a:ln>
+          <a:effectLst/>
+        </p:spPr>
+        <p:txBody>
+          <a:bodyPr vert="horz" wrap="square" lIns="360000" tIns="180000" rIns="360000" bIns="180000" numCol="1" rtlCol="0" anchor="t" anchorCtr="0" compatLnSpc="1">
+            <a:prstTxWarp prst="textNoShape">
+              <a:avLst/>
+            </a:prstTxWarp>
+          </a:bodyPr>
+          <a:lstStyle/>
+          <a:p>
+            <a:pPr marL="0" marR="0" indent="0" algn="l" defTabSz="914400" rtl="0" eaLnBrk="1" fontAlgn="base" latinLnBrk="0" hangingPunct="1">
+              <a:lnSpc>
+                <a:spcPct val="100000"/>
+              </a:lnSpc>
+              <a:spcBef>
+                <a:spcPct val="0"/>
+              </a:spcBef>
+              <a:spcAft>
+                <a:spcPct val="0"/>
+              </a:spcAft>
+              <a:buClrTx/>
+              <a:buSzTx/>
+              <a:buFontTx/>
+              <a:buNone/>
+              <a:tabLst/>
+            </a:pPr>
+            <a:r>
+              <a:rPr kumimoji="0" lang="de-DE" sz="2400" b="1" i="0" strike="noStrike" cap="none" normalizeH="0" baseline="0">
+                <a:ln>
+                  <a:noFill/>
+                </a:ln>
+                <a:solidFill>
+                  <a:srgbClr val="000000"/>
+                </a:solidFill>
+                <a:effectLst/>
+                <a:latin typeface="Arial" panose="020B0604020202020204" pitchFamily="34" charset="0"/>
+                <a:cs typeface="Arial" panose="020B0604020202020204" pitchFamily="34" charset="0"/>
+                <a:sym typeface="Gill Sans" pitchFamily="-109" charset="0"/>
+              </a:rPr>
+              <a:t>Umsetzung</a:t>
+            </a:r>
+          </a:p>
+          <a:p>
+            <a:pPr marL="0" marR="0" indent="0" algn="l" defTabSz="914400" rtl="0" eaLnBrk="1" fontAlgn="base" latinLnBrk="0" hangingPunct="1">
+              <a:lnSpc>
+                <a:spcPct val="100000"/>
+              </a:lnSpc>
+              <a:spcBef>
+                <a:spcPct val="0"/>
+              </a:spcBef>
+              <a:spcAft>
+                <a:spcPct val="0"/>
+              </a:spcAft>
+              <a:buClrTx/>
+              <a:buSzTx/>
+              <a:buFontTx/>
+              <a:buNone/>
+              <a:tabLst/>
+            </a:pPr>
+            <a:endParaRPr lang="de-DE" sz="1200" u="sng">
+              <a:latin typeface="Arial" panose="020B0604020202020204" pitchFamily="34" charset="0"/>
+              <a:cs typeface="Arial" panose="020B0604020202020204" pitchFamily="34" charset="0"/>
+            </a:endParaRPr>
+          </a:p>
+          <a:p>
+            <a:pPr algn="l"/>
+            <a:r>
+              <a:rPr lang="de-AT" sz="1600">
+                <a:latin typeface="Arial" panose="020B0604020202020204" pitchFamily="34" charset="0"/>
+                <a:cs typeface="Arial" panose="020B0604020202020204" pitchFamily="34" charset="0"/>
+              </a:rPr>
+              <a:t>Es wurde eine Java-Software erstellt, die eigenständig betrieben werden kann und Daten von den einzelnen Systemen im Entwicklungsprozess abholen, aufbereiten und als Metriken in einer Datenbank speichern kann. In der Fallstudie waren die Systeme </a:t>
+            </a:r>
+            <a:r>
+              <a:rPr lang="de-AT" sz="1600" err="1">
+                <a:latin typeface="Arial" panose="020B0604020202020204" pitchFamily="34" charset="0"/>
+                <a:cs typeface="Arial" panose="020B0604020202020204" pitchFamily="34" charset="0"/>
+              </a:rPr>
+              <a:t>Jira</a:t>
+            </a:r>
+            <a:r>
+              <a:rPr lang="de-AT" sz="1600">
+                <a:latin typeface="Arial" panose="020B0604020202020204" pitchFamily="34" charset="0"/>
+                <a:cs typeface="Arial" panose="020B0604020202020204" pitchFamily="34" charset="0"/>
+              </a:rPr>
+              <a:t>, </a:t>
+            </a:r>
+            <a:r>
+              <a:rPr lang="de-AT" sz="1600" err="1">
+                <a:latin typeface="Arial" panose="020B0604020202020204" pitchFamily="34" charset="0"/>
+                <a:cs typeface="Arial" panose="020B0604020202020204" pitchFamily="34" charset="0"/>
+              </a:rPr>
+              <a:t>Bitbucket</a:t>
+            </a:r>
+            <a:r>
+              <a:rPr lang="de-AT" sz="1600">
+                <a:latin typeface="Arial" panose="020B0604020202020204" pitchFamily="34" charset="0"/>
+                <a:cs typeface="Arial" panose="020B0604020202020204" pitchFamily="34" charset="0"/>
+              </a:rPr>
+              <a:t>, </a:t>
+            </a:r>
+            <a:r>
+              <a:rPr lang="de-AT" sz="1600" err="1">
+                <a:latin typeface="Arial" panose="020B0604020202020204" pitchFamily="34" charset="0"/>
+                <a:cs typeface="Arial" panose="020B0604020202020204" pitchFamily="34" charset="0"/>
+              </a:rPr>
+              <a:t>SonarQube</a:t>
+            </a:r>
+            <a:r>
+              <a:rPr lang="de-AT" sz="1600">
+                <a:latin typeface="Arial" panose="020B0604020202020204" pitchFamily="34" charset="0"/>
+                <a:cs typeface="Arial" panose="020B0604020202020204" pitchFamily="34" charset="0"/>
+              </a:rPr>
+              <a:t> und zur Speicherung und Visualisierung diente ein </a:t>
+            </a:r>
+            <a:r>
+              <a:rPr lang="de-AT" sz="1600" err="1">
+                <a:latin typeface="Arial" panose="020B0604020202020204" pitchFamily="34" charset="0"/>
+                <a:cs typeface="Arial" panose="020B0604020202020204" pitchFamily="34" charset="0"/>
+              </a:rPr>
+              <a:t>Elastic</a:t>
+            </a:r>
+            <a:r>
+              <a:rPr lang="de-AT" sz="1600">
+                <a:latin typeface="Arial" panose="020B0604020202020204" pitchFamily="34" charset="0"/>
+                <a:cs typeface="Arial" panose="020B0604020202020204" pitchFamily="34" charset="0"/>
+              </a:rPr>
+              <a:t> Stack.</a:t>
+            </a:r>
+          </a:p>
+        </p:txBody>
+      </p:sp>
+      <p:sp>
+        <p:nvSpPr>
+          <p:cNvPr id="39" name="Rechteck 38">
+            <a:extLst>
+              <a:ext uri="{FF2B5EF4-FFF2-40B4-BE49-F238E27FC236}">
+                <a16:creationId xmlns:a16="http://schemas.microsoft.com/office/drawing/2014/main" id="{BB1C5018-D549-634A-B42F-4AF957BFB22F}"/>
+              </a:ext>
+            </a:extLst>
+          </p:cNvPr>
+          <p:cNvSpPr/>
+          <p:nvPr/>
+        </p:nvSpPr>
+        <p:spPr bwMode="auto">
+          <a:xfrm>
+            <a:off x="13762062" y="6426870"/>
+            <a:ext cx="6257384" cy="5930705"/>
+          </a:xfrm>
+          <a:prstGeom prst="rect">
+            <a:avLst/>
+          </a:prstGeom>
+          <a:solidFill>
+            <a:srgbClr val="0070C0">
+              <a:alpha val="69000"/>
+            </a:srgbClr>
+          </a:solidFill>
+          <a:ln w="25400" cap="flat" cmpd="sng" algn="ctr">
+            <a:solidFill>
+              <a:srgbClr val="000000"/>
+            </a:solidFill>
+            <a:prstDash val="solid"/>
+            <a:round/>
+            <a:headEnd type="none" w="med" len="med"/>
+            <a:tailEnd type="none" w="med" len="med"/>
+          </a:ln>
+          <a:effectLst/>
+        </p:spPr>
+        <p:txBody>
+          <a:bodyPr vert="horz" wrap="square" lIns="360000" tIns="180000" rIns="360000" bIns="180000" numCol="1" rtlCol="0" anchor="t" anchorCtr="0" compatLnSpc="1">
+            <a:prstTxWarp prst="textNoShape">
+              <a:avLst/>
+            </a:prstTxWarp>
+          </a:bodyPr>
+          <a:lstStyle/>
+          <a:p>
+            <a:pPr marL="0" marR="0" indent="0" algn="l" defTabSz="914400" rtl="0" eaLnBrk="1" fontAlgn="base" latinLnBrk="0" hangingPunct="1">
+              <a:lnSpc>
+                <a:spcPct val="100000"/>
+              </a:lnSpc>
+              <a:spcBef>
+                <a:spcPct val="0"/>
+              </a:spcBef>
+              <a:spcAft>
+                <a:spcPct val="0"/>
+              </a:spcAft>
+              <a:buClrTx/>
+              <a:buSzTx/>
+              <a:buFontTx/>
+              <a:buNone/>
+              <a:tabLst/>
+            </a:pPr>
+            <a:r>
+              <a:rPr kumimoji="0" lang="de-DE" sz="2400" b="1" i="0" strike="noStrike" cap="none" normalizeH="0" baseline="0" dirty="0">
+                <a:ln>
+                  <a:noFill/>
+                </a:ln>
+                <a:solidFill>
+                  <a:srgbClr val="000000"/>
+                </a:solidFill>
+                <a:effectLst/>
+                <a:latin typeface="Arial" panose="020B0604020202020204" pitchFamily="34" charset="0"/>
+                <a:cs typeface="Arial" panose="020B0604020202020204" pitchFamily="34" charset="0"/>
+                <a:sym typeface="Gill Sans" pitchFamily="-109" charset="0"/>
+              </a:rPr>
+              <a:t>Evaluierung</a:t>
+            </a:r>
+          </a:p>
+          <a:p>
+            <a:pPr marL="0" marR="0" indent="0" algn="l" defTabSz="914400" rtl="0" eaLnBrk="1" fontAlgn="base" latinLnBrk="0" hangingPunct="1">
+              <a:lnSpc>
+                <a:spcPct val="100000"/>
+              </a:lnSpc>
+              <a:spcBef>
+                <a:spcPct val="0"/>
+              </a:spcBef>
+              <a:spcAft>
+                <a:spcPct val="0"/>
+              </a:spcAft>
+              <a:buClrTx/>
+              <a:buSzTx/>
+              <a:buFontTx/>
+              <a:buNone/>
+              <a:tabLst/>
+            </a:pPr>
+            <a:endParaRPr lang="de-DE" sz="1200" u="sng" dirty="0">
+              <a:latin typeface="Arial" panose="020B0604020202020204" pitchFamily="34" charset="0"/>
+              <a:cs typeface="Arial" panose="020B0604020202020204" pitchFamily="34" charset="0"/>
+            </a:endParaRPr>
+          </a:p>
+          <a:p>
+            <a:pPr algn="l"/>
+            <a:r>
+              <a:rPr lang="de-AT" sz="1600" dirty="0">
+                <a:latin typeface="Arial" panose="020B0604020202020204" pitchFamily="34" charset="0"/>
+                <a:cs typeface="Arial" panose="020B0604020202020204" pitchFamily="34" charset="0"/>
+              </a:rPr>
+              <a:t>Zur </a:t>
+            </a:r>
+            <a:r>
+              <a:rPr lang="de-AT" sz="1600" u="sng" dirty="0">
+                <a:latin typeface="Arial" panose="020B0604020202020204" pitchFamily="34" charset="0"/>
+                <a:cs typeface="Arial" panose="020B0604020202020204" pitchFamily="34" charset="0"/>
+              </a:rPr>
+              <a:t>quantitativen Evaluierung</a:t>
+            </a:r>
+            <a:r>
+              <a:rPr lang="de-AT" sz="1600" dirty="0">
+                <a:latin typeface="Arial" panose="020B0604020202020204" pitchFamily="34" charset="0"/>
+                <a:cs typeface="Arial" panose="020B0604020202020204" pitchFamily="34" charset="0"/>
+              </a:rPr>
+              <a:t> wurden die Metriken beobachtet. Es waren nach diesen drei Sprints bereits Tendenzen erkennbar, ob diese durch das Dashboard eingetreten sind, war in diesem kurzen Zeitraum nicht eindeutig feststellbar. Was aber klar erkennbar war, war die Wahl der Metriken, da durch diese viele Schwachstellen sichtbar gemacht werden konnten.</a:t>
+            </a:r>
+          </a:p>
+          <a:p>
+            <a:pPr algn="l"/>
+            <a:r>
+              <a:rPr lang="de-AT" sz="1600" dirty="0">
+                <a:latin typeface="Arial" panose="020B0604020202020204" pitchFamily="34" charset="0"/>
+                <a:cs typeface="Arial" panose="020B0604020202020204" pitchFamily="34" charset="0"/>
+              </a:rPr>
+              <a:t>Ergänzend wurde eine </a:t>
+            </a:r>
+            <a:r>
+              <a:rPr lang="de-AT" sz="1600" u="sng" dirty="0">
+                <a:latin typeface="Arial" panose="020B0604020202020204" pitchFamily="34" charset="0"/>
+                <a:cs typeface="Arial" panose="020B0604020202020204" pitchFamily="34" charset="0"/>
+              </a:rPr>
+              <a:t>qualitative Evaluierung</a:t>
+            </a:r>
+            <a:r>
+              <a:rPr lang="de-AT" sz="1600" dirty="0">
+                <a:latin typeface="Arial" panose="020B0604020202020204" pitchFamily="34" charset="0"/>
+                <a:cs typeface="Arial" panose="020B0604020202020204" pitchFamily="34" charset="0"/>
+              </a:rPr>
+              <a:t> in Form von Interviews durchgeführt. Interviewt wurden dabei eine Entwicklerin, der </a:t>
+            </a:r>
+            <a:r>
+              <a:rPr lang="de-AT" sz="1600" dirty="0" err="1">
+                <a:latin typeface="Arial" panose="020B0604020202020204" pitchFamily="34" charset="0"/>
+                <a:cs typeface="Arial" panose="020B0604020202020204" pitchFamily="34" charset="0"/>
+              </a:rPr>
+              <a:t>Product</a:t>
+            </a:r>
+            <a:r>
+              <a:rPr lang="de-AT" sz="1600" dirty="0">
+                <a:latin typeface="Arial" panose="020B0604020202020204" pitchFamily="34" charset="0"/>
+                <a:cs typeface="Arial" panose="020B0604020202020204" pitchFamily="34" charset="0"/>
+              </a:rPr>
+              <a:t> </a:t>
+            </a:r>
+            <a:r>
+              <a:rPr lang="de-AT" sz="1600" dirty="0" err="1">
+                <a:latin typeface="Arial" panose="020B0604020202020204" pitchFamily="34" charset="0"/>
+                <a:cs typeface="Arial" panose="020B0604020202020204" pitchFamily="34" charset="0"/>
+              </a:rPr>
+              <a:t>Owner</a:t>
+            </a:r>
+            <a:r>
+              <a:rPr lang="de-AT" sz="1600" dirty="0">
+                <a:latin typeface="Arial" panose="020B0604020202020204" pitchFamily="34" charset="0"/>
+                <a:cs typeface="Arial" panose="020B0604020202020204" pitchFamily="34" charset="0"/>
+              </a:rPr>
+              <a:t> und der </a:t>
+            </a:r>
+            <a:r>
+              <a:rPr lang="de-AT" sz="1600" dirty="0" err="1">
+                <a:latin typeface="Arial" panose="020B0604020202020204" pitchFamily="34" charset="0"/>
+                <a:cs typeface="Arial" panose="020B0604020202020204" pitchFamily="34" charset="0"/>
+              </a:rPr>
+              <a:t>Scrum</a:t>
+            </a:r>
+            <a:r>
+              <a:rPr lang="de-AT" sz="1600" dirty="0">
+                <a:latin typeface="Arial" panose="020B0604020202020204" pitchFamily="34" charset="0"/>
+                <a:cs typeface="Arial" panose="020B0604020202020204" pitchFamily="34" charset="0"/>
+              </a:rPr>
+              <a:t> Master. Auffallend dabei war, dass jeder der drei das Dashboard bereits für seine Zwecke zu nutzen wusste. </a:t>
+            </a:r>
+            <a:r>
+              <a:rPr lang="de-AT" sz="1600" dirty="0" err="1">
+                <a:latin typeface="Arial" panose="020B0604020202020204" pitchFamily="34" charset="0"/>
+                <a:cs typeface="Arial" panose="020B0604020202020204" pitchFamily="34" charset="0"/>
+              </a:rPr>
+              <a:t>Während</a:t>
+            </a:r>
+            <a:r>
+              <a:rPr lang="de-AT" sz="1600" dirty="0">
+                <a:latin typeface="Arial" panose="020B0604020202020204" pitchFamily="34" charset="0"/>
+                <a:cs typeface="Arial" panose="020B0604020202020204" pitchFamily="34" charset="0"/>
+              </a:rPr>
+              <a:t> der </a:t>
+            </a:r>
+            <a:r>
+              <a:rPr lang="de-AT" sz="1600" dirty="0" err="1">
+                <a:latin typeface="Arial" panose="020B0604020202020204" pitchFamily="34" charset="0"/>
+                <a:cs typeface="Arial" panose="020B0604020202020204" pitchFamily="34" charset="0"/>
+              </a:rPr>
+              <a:t>Product-Owner</a:t>
+            </a:r>
+            <a:r>
+              <a:rPr lang="de-AT" sz="1600" dirty="0">
+                <a:latin typeface="Arial" panose="020B0604020202020204" pitchFamily="34" charset="0"/>
+                <a:cs typeface="Arial" panose="020B0604020202020204" pitchFamily="34" charset="0"/>
+              </a:rPr>
+              <a:t> das Dashboard mehr </a:t>
+            </a:r>
+            <a:r>
+              <a:rPr lang="de-AT" sz="1600" dirty="0" err="1">
+                <a:latin typeface="Arial" panose="020B0604020202020204" pitchFamily="34" charset="0"/>
+                <a:cs typeface="Arial" panose="020B0604020202020204" pitchFamily="34" charset="0"/>
+              </a:rPr>
+              <a:t>für</a:t>
+            </a:r>
+            <a:r>
+              <a:rPr lang="de-AT" sz="1600" dirty="0">
+                <a:latin typeface="Arial" panose="020B0604020202020204" pitchFamily="34" charset="0"/>
+                <a:cs typeface="Arial" panose="020B0604020202020204" pitchFamily="34" charset="0"/>
+              </a:rPr>
+              <a:t> Werbezwecke genutzt hat, um andere Abteilungen auf die </a:t>
+            </a:r>
+            <a:r>
+              <a:rPr lang="de-AT" sz="1600" dirty="0" err="1">
+                <a:latin typeface="Arial" panose="020B0604020202020204" pitchFamily="34" charset="0"/>
+                <a:cs typeface="Arial" panose="020B0604020202020204" pitchFamily="34" charset="0"/>
+              </a:rPr>
+              <a:t>Möglichkeit</a:t>
+            </a:r>
+            <a:r>
+              <a:rPr lang="de-AT" sz="1600" dirty="0">
+                <a:latin typeface="Arial" panose="020B0604020202020204" pitchFamily="34" charset="0"/>
+                <a:cs typeface="Arial" panose="020B0604020202020204" pitchFamily="34" charset="0"/>
+              </a:rPr>
+              <a:t> von Metriken aufmerksam zu machen, hat es der </a:t>
+            </a:r>
+            <a:r>
+              <a:rPr lang="de-AT" sz="1600" dirty="0" err="1">
+                <a:latin typeface="Arial" panose="020B0604020202020204" pitchFamily="34" charset="0"/>
+                <a:cs typeface="Arial" panose="020B0604020202020204" pitchFamily="34" charset="0"/>
+              </a:rPr>
+              <a:t>Scrum</a:t>
+            </a:r>
+            <a:r>
+              <a:rPr lang="de-AT" sz="1600" dirty="0">
+                <a:latin typeface="Arial" panose="020B0604020202020204" pitchFamily="34" charset="0"/>
+                <a:cs typeface="Arial" panose="020B0604020202020204" pitchFamily="34" charset="0"/>
+              </a:rPr>
+              <a:t>-Master eher </a:t>
+            </a:r>
+            <a:r>
+              <a:rPr lang="de-AT" sz="1600" dirty="0" err="1">
+                <a:latin typeface="Arial" panose="020B0604020202020204" pitchFamily="34" charset="0"/>
+                <a:cs typeface="Arial" panose="020B0604020202020204" pitchFamily="34" charset="0"/>
+              </a:rPr>
+              <a:t>für</a:t>
+            </a:r>
+            <a:r>
+              <a:rPr lang="de-AT" sz="1600" dirty="0">
+                <a:latin typeface="Arial" panose="020B0604020202020204" pitchFamily="34" charset="0"/>
+                <a:cs typeface="Arial" panose="020B0604020202020204" pitchFamily="34" charset="0"/>
+              </a:rPr>
+              <a:t> die Langzeit-Sicht des Teams genutzt und seinen Fokus auf die Verbesserung des Prozesses gelegt. Die Entwicklerin wiederum hatte den Fokus auf die kurzfristigen Metriken, wie den Bug Count, um schnell auf Probleme reagieren zu </a:t>
+            </a:r>
+            <a:r>
+              <a:rPr lang="de-AT" sz="1600" dirty="0" err="1">
+                <a:latin typeface="Arial" panose="020B0604020202020204" pitchFamily="34" charset="0"/>
+                <a:cs typeface="Arial" panose="020B0604020202020204" pitchFamily="34" charset="0"/>
+              </a:rPr>
+              <a:t>können</a:t>
+            </a:r>
+            <a:r>
+              <a:rPr lang="de-AT" sz="1600" dirty="0">
+                <a:latin typeface="Arial" panose="020B0604020202020204" pitchFamily="34" charset="0"/>
+                <a:cs typeface="Arial" panose="020B0604020202020204" pitchFamily="34" charset="0"/>
+              </a:rPr>
+              <a:t>. </a:t>
+            </a:r>
+          </a:p>
+          <a:p>
+            <a:pPr algn="l"/>
+            <a:endParaRPr lang="de-AT" sz="1600" dirty="0">
+              <a:latin typeface="Arial" panose="020B0604020202020204" pitchFamily="34" charset="0"/>
+              <a:cs typeface="Arial" panose="020B0604020202020204" pitchFamily="34" charset="0"/>
+            </a:endParaRPr>
+          </a:p>
+        </p:txBody>
+      </p:sp>
+      <p:sp>
+        <p:nvSpPr>
+          <p:cNvPr id="40" name="Rechteck 39">
+            <a:extLst>
+              <a:ext uri="{FF2B5EF4-FFF2-40B4-BE49-F238E27FC236}">
+                <a16:creationId xmlns:a16="http://schemas.microsoft.com/office/drawing/2014/main" id="{2021293E-B8D7-C64C-81A1-075F59CE3A5D}"/>
+              </a:ext>
+            </a:extLst>
+          </p:cNvPr>
+          <p:cNvSpPr/>
+          <p:nvPr/>
+        </p:nvSpPr>
+        <p:spPr bwMode="auto">
+          <a:xfrm>
+            <a:off x="1679348" y="19370902"/>
+            <a:ext cx="18340098" cy="1721450"/>
+          </a:xfrm>
+          <a:prstGeom prst="rect">
+            <a:avLst/>
+          </a:prstGeom>
+          <a:solidFill>
+            <a:srgbClr val="0070C0">
+              <a:alpha val="69000"/>
+            </a:srgbClr>
+          </a:solidFill>
+          <a:ln w="25400" cap="flat" cmpd="sng" algn="ctr">
+            <a:solidFill>
+              <a:srgbClr val="000000"/>
+            </a:solidFill>
+            <a:prstDash val="solid"/>
+            <a:round/>
+            <a:headEnd type="none" w="med" len="med"/>
+            <a:tailEnd type="none" w="med" len="med"/>
+          </a:ln>
+          <a:effectLst/>
+        </p:spPr>
+        <p:txBody>
+          <a:bodyPr vert="horz" wrap="square" lIns="360000" tIns="180000" rIns="360000" bIns="180000" numCol="1" rtlCol="0" anchor="t" anchorCtr="0" compatLnSpc="1">
+            <a:prstTxWarp prst="textNoShape">
+              <a:avLst/>
+            </a:prstTxWarp>
+          </a:bodyPr>
+          <a:lstStyle/>
+          <a:p>
+            <a:pPr algn="l"/>
+            <a:r>
+              <a:rPr lang="de-AT" sz="2400" b="1" dirty="0">
+                <a:latin typeface="Arial" panose="020B0604020202020204" pitchFamily="34" charset="0"/>
+                <a:cs typeface="Arial" panose="020B0604020202020204" pitchFamily="34" charset="0"/>
+              </a:rPr>
+              <a:t>Quellen</a:t>
+            </a:r>
+          </a:p>
+          <a:p>
+            <a:pPr algn="l"/>
+            <a:endParaRPr lang="de-AT" sz="800" dirty="0">
+              <a:latin typeface="Arial" panose="020B0604020202020204" pitchFamily="34" charset="0"/>
+              <a:cs typeface="Arial" panose="020B0604020202020204" pitchFamily="34" charset="0"/>
+            </a:endParaRPr>
+          </a:p>
+          <a:p>
+            <a:pPr algn="l"/>
+            <a:r>
+              <a:rPr lang="de-AT" sz="1600" baseline="30000" dirty="0">
+                <a:latin typeface="Arial" panose="020B0604020202020204" pitchFamily="34" charset="0"/>
+                <a:cs typeface="Arial" panose="020B0604020202020204" pitchFamily="34" charset="0"/>
+              </a:rPr>
+              <a:t>1</a:t>
+            </a:r>
+            <a:r>
+              <a:rPr lang="de-AT" sz="1600" dirty="0">
+                <a:latin typeface="Arial" panose="020B0604020202020204" pitchFamily="34" charset="0"/>
+                <a:cs typeface="Arial" panose="020B0604020202020204" pitchFamily="34" charset="0"/>
+              </a:rPr>
+              <a:t> vgl. Rolf </a:t>
+            </a:r>
+            <a:r>
+              <a:rPr lang="de-AT" sz="1600" dirty="0" err="1">
+                <a:latin typeface="Arial" panose="020B0604020202020204" pitchFamily="34" charset="0"/>
+                <a:cs typeface="Arial" panose="020B0604020202020204" pitchFamily="34" charset="0"/>
+              </a:rPr>
+              <a:t>Dräther</a:t>
+            </a:r>
+            <a:r>
+              <a:rPr lang="de-AT" sz="1600" dirty="0">
+                <a:latin typeface="Arial" panose="020B0604020202020204" pitchFamily="34" charset="0"/>
+                <a:cs typeface="Arial" panose="020B0604020202020204" pitchFamily="34" charset="0"/>
+              </a:rPr>
+              <a:t>, Holger </a:t>
+            </a:r>
+            <a:r>
+              <a:rPr lang="de-AT" sz="1600" dirty="0" err="1">
+                <a:latin typeface="Arial" panose="020B0604020202020204" pitchFamily="34" charset="0"/>
+                <a:cs typeface="Arial" panose="020B0604020202020204" pitchFamily="34" charset="0"/>
+              </a:rPr>
+              <a:t>Koschek</a:t>
+            </a:r>
+            <a:r>
+              <a:rPr lang="de-AT" sz="1600" dirty="0">
+                <a:latin typeface="Arial" panose="020B0604020202020204" pitchFamily="34" charset="0"/>
+                <a:cs typeface="Arial" panose="020B0604020202020204" pitchFamily="34" charset="0"/>
+              </a:rPr>
+              <a:t> und Carsten </a:t>
+            </a:r>
+            <a:r>
+              <a:rPr lang="de-AT" sz="1600" dirty="0" err="1">
+                <a:latin typeface="Arial" panose="020B0604020202020204" pitchFamily="34" charset="0"/>
+                <a:cs typeface="Arial" panose="020B0604020202020204" pitchFamily="34" charset="0"/>
+              </a:rPr>
+              <a:t>Sahling</a:t>
+            </a:r>
+            <a:r>
+              <a:rPr lang="de-AT" sz="1600" dirty="0">
+                <a:latin typeface="Arial" panose="020B0604020202020204" pitchFamily="34" charset="0"/>
+                <a:cs typeface="Arial" panose="020B0604020202020204" pitchFamily="34" charset="0"/>
+              </a:rPr>
+              <a:t>. </a:t>
+            </a:r>
+            <a:r>
+              <a:rPr lang="de-AT" sz="1600" dirty="0" err="1">
+                <a:latin typeface="Arial" panose="020B0604020202020204" pitchFamily="34" charset="0"/>
+                <a:cs typeface="Arial" panose="020B0604020202020204" pitchFamily="34" charset="0"/>
+              </a:rPr>
+              <a:t>Scrum</a:t>
+            </a:r>
+            <a:r>
+              <a:rPr lang="de-AT" sz="1600" dirty="0">
+                <a:latin typeface="Arial" panose="020B0604020202020204" pitchFamily="34" charset="0"/>
+                <a:cs typeface="Arial" panose="020B0604020202020204" pitchFamily="34" charset="0"/>
+              </a:rPr>
+              <a:t>: kurz &amp; gut. 1. Auflage. </a:t>
+            </a:r>
+            <a:r>
+              <a:rPr lang="de-AT" sz="1600" dirty="0" err="1">
+                <a:latin typeface="Arial" panose="020B0604020202020204" pitchFamily="34" charset="0"/>
+                <a:cs typeface="Arial" panose="020B0604020202020204" pitchFamily="34" charset="0"/>
+              </a:rPr>
+              <a:t>O’Reillys</a:t>
+            </a:r>
+            <a:r>
+              <a:rPr lang="de-AT" sz="1600" dirty="0">
+                <a:latin typeface="Arial" panose="020B0604020202020204" pitchFamily="34" charset="0"/>
+                <a:cs typeface="Arial" panose="020B0604020202020204" pitchFamily="34" charset="0"/>
+              </a:rPr>
+              <a:t> Taschenbibliothek. Beijing Cambridge </a:t>
+            </a:r>
+            <a:r>
+              <a:rPr lang="de-AT" sz="1600" dirty="0" err="1">
+                <a:latin typeface="Arial" panose="020B0604020202020204" pitchFamily="34" charset="0"/>
+                <a:cs typeface="Arial" panose="020B0604020202020204" pitchFamily="34" charset="0"/>
+              </a:rPr>
+              <a:t>Farnham</a:t>
+            </a:r>
+            <a:r>
+              <a:rPr lang="de-AT" sz="1600" dirty="0">
+                <a:latin typeface="Arial" panose="020B0604020202020204" pitchFamily="34" charset="0"/>
+                <a:cs typeface="Arial" panose="020B0604020202020204" pitchFamily="34" charset="0"/>
+              </a:rPr>
+              <a:t> </a:t>
+            </a:r>
+            <a:r>
+              <a:rPr lang="de-AT" sz="1600" dirty="0" err="1">
+                <a:latin typeface="Arial" panose="020B0604020202020204" pitchFamily="34" charset="0"/>
+                <a:cs typeface="Arial" panose="020B0604020202020204" pitchFamily="34" charset="0"/>
+              </a:rPr>
+              <a:t>Köln</a:t>
+            </a:r>
+            <a:r>
+              <a:rPr lang="de-AT" sz="1600" dirty="0">
+                <a:latin typeface="Arial" panose="020B0604020202020204" pitchFamily="34" charset="0"/>
+                <a:cs typeface="Arial" panose="020B0604020202020204" pitchFamily="34" charset="0"/>
+              </a:rPr>
+              <a:t> </a:t>
+            </a:r>
+            <a:r>
+              <a:rPr lang="de-AT" sz="1600" dirty="0" err="1">
+                <a:latin typeface="Arial" panose="020B0604020202020204" pitchFamily="34" charset="0"/>
+                <a:cs typeface="Arial" panose="020B0604020202020204" pitchFamily="34" charset="0"/>
+              </a:rPr>
+              <a:t>Sebastopol</a:t>
+            </a:r>
+            <a:r>
+              <a:rPr lang="de-AT" sz="1600" dirty="0">
+                <a:latin typeface="Arial" panose="020B0604020202020204" pitchFamily="34" charset="0"/>
+                <a:cs typeface="Arial" panose="020B0604020202020204" pitchFamily="34" charset="0"/>
+              </a:rPr>
+              <a:t>, Tokyo: </a:t>
+            </a:r>
+            <a:r>
+              <a:rPr lang="de-AT" sz="1600" dirty="0" err="1">
+                <a:latin typeface="Arial" panose="020B0604020202020204" pitchFamily="34" charset="0"/>
+                <a:cs typeface="Arial" panose="020B0604020202020204" pitchFamily="34" charset="0"/>
+              </a:rPr>
+              <a:t>O’Reilly</a:t>
+            </a:r>
+            <a:r>
+              <a:rPr lang="de-AT" sz="1600" dirty="0">
+                <a:latin typeface="Arial" panose="020B0604020202020204" pitchFamily="34" charset="0"/>
+                <a:cs typeface="Arial" panose="020B0604020202020204" pitchFamily="34" charset="0"/>
+              </a:rPr>
+              <a:t>, 2013. </a:t>
+            </a:r>
+            <a:r>
+              <a:rPr lang="de-AT" sz="1600" dirty="0" err="1">
+                <a:latin typeface="Arial" panose="020B0604020202020204" pitchFamily="34" charset="0"/>
+                <a:cs typeface="Arial" panose="020B0604020202020204" pitchFamily="34" charset="0"/>
+              </a:rPr>
+              <a:t>isbn</a:t>
+            </a:r>
+            <a:r>
+              <a:rPr lang="de-AT" sz="1600" dirty="0">
+                <a:latin typeface="Arial" panose="020B0604020202020204" pitchFamily="34" charset="0"/>
+                <a:cs typeface="Arial" panose="020B0604020202020204" pitchFamily="34" charset="0"/>
+              </a:rPr>
+              <a:t>: 978- 3-86899-833-7, S.14ff</a:t>
+            </a:r>
+          </a:p>
+          <a:p>
+            <a:pPr algn="l"/>
+            <a:r>
+              <a:rPr lang="de-AT" sz="1600" baseline="30000" dirty="0">
+                <a:latin typeface="Arial" panose="020B0604020202020204" pitchFamily="34" charset="0"/>
+                <a:cs typeface="Arial" panose="020B0604020202020204" pitchFamily="34" charset="0"/>
+              </a:rPr>
+              <a:t>2</a:t>
+            </a:r>
+            <a:r>
+              <a:rPr lang="de-AT" sz="1600" dirty="0">
+                <a:latin typeface="Arial" panose="020B0604020202020204" pitchFamily="34" charset="0"/>
+                <a:cs typeface="Arial" panose="020B0604020202020204" pitchFamily="34" charset="0"/>
+              </a:rPr>
+              <a:t> Christopher W. H. Davis. Agile </a:t>
+            </a:r>
+            <a:r>
+              <a:rPr lang="de-AT" sz="1600" dirty="0" err="1">
+                <a:latin typeface="Arial" panose="020B0604020202020204" pitchFamily="34" charset="0"/>
+                <a:cs typeface="Arial" panose="020B0604020202020204" pitchFamily="34" charset="0"/>
+              </a:rPr>
+              <a:t>Metrics</a:t>
+            </a:r>
+            <a:r>
+              <a:rPr lang="de-AT" sz="1600" dirty="0">
+                <a:latin typeface="Arial" panose="020B0604020202020204" pitchFamily="34" charset="0"/>
+                <a:cs typeface="Arial" panose="020B0604020202020204" pitchFamily="34" charset="0"/>
+              </a:rPr>
+              <a:t> in Action: </a:t>
+            </a:r>
+            <a:r>
+              <a:rPr lang="de-AT" sz="1600" dirty="0" err="1">
+                <a:latin typeface="Arial" panose="020B0604020202020204" pitchFamily="34" charset="0"/>
+                <a:cs typeface="Arial" panose="020B0604020202020204" pitchFamily="34" charset="0"/>
+              </a:rPr>
+              <a:t>Measuring</a:t>
+            </a:r>
+            <a:r>
+              <a:rPr lang="de-AT" sz="1600" dirty="0">
+                <a:latin typeface="Arial" panose="020B0604020202020204" pitchFamily="34" charset="0"/>
+                <a:cs typeface="Arial" panose="020B0604020202020204" pitchFamily="34" charset="0"/>
+              </a:rPr>
+              <a:t> </a:t>
+            </a:r>
+            <a:r>
+              <a:rPr lang="de-AT" sz="1600" dirty="0" err="1">
+                <a:latin typeface="Arial" panose="020B0604020202020204" pitchFamily="34" charset="0"/>
+                <a:cs typeface="Arial" panose="020B0604020202020204" pitchFamily="34" charset="0"/>
+              </a:rPr>
+              <a:t>and</a:t>
+            </a:r>
+            <a:r>
+              <a:rPr lang="de-AT" sz="1600" dirty="0">
+                <a:latin typeface="Arial" panose="020B0604020202020204" pitchFamily="34" charset="0"/>
+                <a:cs typeface="Arial" panose="020B0604020202020204" pitchFamily="34" charset="0"/>
+              </a:rPr>
+              <a:t> </a:t>
+            </a:r>
+            <a:r>
+              <a:rPr lang="de-AT" sz="1600" dirty="0" err="1">
+                <a:latin typeface="Arial" panose="020B0604020202020204" pitchFamily="34" charset="0"/>
+                <a:cs typeface="Arial" panose="020B0604020202020204" pitchFamily="34" charset="0"/>
+              </a:rPr>
+              <a:t>Enhancing</a:t>
+            </a:r>
+            <a:r>
+              <a:rPr lang="de-AT" sz="1600" dirty="0">
+                <a:latin typeface="Arial" panose="020B0604020202020204" pitchFamily="34" charset="0"/>
+                <a:cs typeface="Arial" panose="020B0604020202020204" pitchFamily="34" charset="0"/>
+              </a:rPr>
+              <a:t> </a:t>
+            </a:r>
+            <a:r>
+              <a:rPr lang="de-AT" sz="1600" dirty="0" err="1">
+                <a:latin typeface="Arial" panose="020B0604020202020204" pitchFamily="34" charset="0"/>
+                <a:cs typeface="Arial" panose="020B0604020202020204" pitchFamily="34" charset="0"/>
+              </a:rPr>
+              <a:t>the</a:t>
+            </a:r>
+            <a:r>
+              <a:rPr lang="de-AT" sz="1600" dirty="0">
+                <a:latin typeface="Arial" panose="020B0604020202020204" pitchFamily="34" charset="0"/>
+                <a:cs typeface="Arial" panose="020B0604020202020204" pitchFamily="34" charset="0"/>
+              </a:rPr>
+              <a:t> Performance </a:t>
+            </a:r>
+            <a:r>
+              <a:rPr lang="de-AT" sz="1600" dirty="0" err="1">
+                <a:latin typeface="Arial" panose="020B0604020202020204" pitchFamily="34" charset="0"/>
+                <a:cs typeface="Arial" panose="020B0604020202020204" pitchFamily="34" charset="0"/>
+              </a:rPr>
+              <a:t>of</a:t>
+            </a:r>
+            <a:r>
+              <a:rPr lang="de-AT" sz="1600" dirty="0">
+                <a:latin typeface="Arial" panose="020B0604020202020204" pitchFamily="34" charset="0"/>
+                <a:cs typeface="Arial" panose="020B0604020202020204" pitchFamily="34" charset="0"/>
+              </a:rPr>
+              <a:t> Agile Teams. 1st. Greenwich, CT, USA: Manning Publications Co., 2015. </a:t>
+            </a:r>
+            <a:r>
+              <a:rPr lang="de-AT" sz="1600" dirty="0" err="1">
+                <a:latin typeface="Arial" panose="020B0604020202020204" pitchFamily="34" charset="0"/>
+                <a:cs typeface="Arial" panose="020B0604020202020204" pitchFamily="34" charset="0"/>
+              </a:rPr>
+              <a:t>isbn</a:t>
+            </a:r>
+            <a:r>
+              <a:rPr lang="de-AT" sz="1600" dirty="0">
+                <a:latin typeface="Arial" panose="020B0604020202020204" pitchFamily="34" charset="0"/>
+                <a:cs typeface="Arial" panose="020B0604020202020204" pitchFamily="34" charset="0"/>
+              </a:rPr>
+              <a:t>: 978-1-61729-248-4</a:t>
+            </a:r>
+          </a:p>
+          <a:p>
+            <a:pPr algn="l"/>
+            <a:endParaRPr lang="de-AT" sz="1600" dirty="0">
+              <a:latin typeface="Arial" panose="020B0604020202020204" pitchFamily="34" charset="0"/>
+              <a:cs typeface="Arial" panose="020B0604020202020204" pitchFamily="34" charset="0"/>
+            </a:endParaRPr>
+          </a:p>
+        </p:txBody>
+      </p:sp>
+      <p:grpSp>
+        <p:nvGrpSpPr>
+          <p:cNvPr id="9" name="Gruppieren 8">
+            <a:extLst>
+              <a:ext uri="{FF2B5EF4-FFF2-40B4-BE49-F238E27FC236}">
+                <a16:creationId xmlns:a16="http://schemas.microsoft.com/office/drawing/2014/main" id="{EED8FCC8-185B-384B-9C58-E691C9EE668C}"/>
+              </a:ext>
+            </a:extLst>
+          </p:cNvPr>
+          <p:cNvGrpSpPr/>
+          <p:nvPr/>
+        </p:nvGrpSpPr>
+        <p:grpSpPr>
+          <a:xfrm>
+            <a:off x="8433470" y="6426870"/>
+            <a:ext cx="4824536" cy="5220740"/>
+            <a:chOff x="8433470" y="6426870"/>
+            <a:chExt cx="4824536" cy="5220740"/>
+          </a:xfrm>
+        </p:grpSpPr>
+        <p:pic>
+          <p:nvPicPr>
+            <p:cNvPr id="5" name="Grafik 4">
+              <a:extLst>
+                <a:ext uri="{FF2B5EF4-FFF2-40B4-BE49-F238E27FC236}">
+                  <a16:creationId xmlns:a16="http://schemas.microsoft.com/office/drawing/2014/main" id="{22E6A6A4-81DF-4847-8208-DB850593ABA9}"/>
+                </a:ext>
+              </a:extLst>
+            </p:cNvPr>
+            <p:cNvPicPr>
+              <a:picLocks noChangeAspect="1"/>
+            </p:cNvPicPr>
+            <p:nvPr/>
+          </p:nvPicPr>
+          <p:blipFill>
+            <a:blip r:embed="rId5"/>
+            <a:stretch>
+              <a:fillRect/>
+            </a:stretch>
+          </p:blipFill>
+          <p:spPr>
+            <a:xfrm>
+              <a:off x="8433470" y="6426870"/>
+              <a:ext cx="4824536" cy="4495388"/>
+            </a:xfrm>
+            <a:prstGeom prst="rect">
+              <a:avLst/>
+            </a:prstGeom>
+          </p:spPr>
+        </p:pic>
+        <p:sp>
+          <p:nvSpPr>
+            <p:cNvPr id="25" name="Textfeld 24">
+              <a:extLst>
+                <a:ext uri="{FF2B5EF4-FFF2-40B4-BE49-F238E27FC236}">
+                  <a16:creationId xmlns:a16="http://schemas.microsoft.com/office/drawing/2014/main" id="{D40FCE55-0142-4E4C-A0C3-FA9FC98F28E9}"/>
+                </a:ext>
+              </a:extLst>
+            </p:cNvPr>
+            <p:cNvSpPr txBox="1"/>
+            <p:nvPr/>
+          </p:nvSpPr>
+          <p:spPr>
+            <a:xfrm>
+              <a:off x="8819811" y="11062835"/>
+              <a:ext cx="4051854" cy="584775"/>
+            </a:xfrm>
+            <a:prstGeom prst="rect">
+              <a:avLst/>
+            </a:prstGeom>
+            <a:noFill/>
+          </p:spPr>
+          <p:txBody>
+            <a:bodyPr wrap="square" rtlCol="0">
+              <a:spAutoFit/>
+            </a:bodyPr>
+            <a:lstStyle/>
+            <a:p>
+              <a:r>
+                <a:rPr lang="de-DE" sz="1600" dirty="0">
+                  <a:latin typeface="Arial" panose="020B0604020202020204" pitchFamily="34" charset="0"/>
+                  <a:cs typeface="Arial" panose="020B0604020202020204" pitchFamily="34" charset="0"/>
+                </a:rPr>
+                <a:t>Langzeit-Metriken auf dem Team-Dashboard in </a:t>
+              </a:r>
+              <a:r>
+                <a:rPr lang="de-DE" sz="1600" dirty="0" err="1">
+                  <a:latin typeface="Arial" panose="020B0604020202020204" pitchFamily="34" charset="0"/>
+                  <a:cs typeface="Arial" panose="020B0604020202020204" pitchFamily="34" charset="0"/>
+                </a:rPr>
+                <a:t>Kibana</a:t>
+              </a:r>
+              <a:endParaRPr lang="de-DE" sz="1600" dirty="0">
+                <a:latin typeface="Arial" panose="020B0604020202020204" pitchFamily="34" charset="0"/>
+                <a:cs typeface="Arial" panose="020B0604020202020204" pitchFamily="34" charset="0"/>
+              </a:endParaRPr>
+            </a:p>
+          </p:txBody>
+        </p:sp>
+      </p:grpSp>
+      <p:grpSp>
+        <p:nvGrpSpPr>
+          <p:cNvPr id="10" name="Gruppieren 9">
+            <a:extLst>
+              <a:ext uri="{FF2B5EF4-FFF2-40B4-BE49-F238E27FC236}">
+                <a16:creationId xmlns:a16="http://schemas.microsoft.com/office/drawing/2014/main" id="{7B585D4F-78FF-394F-9B2F-7D80FF0760E7}"/>
+              </a:ext>
+            </a:extLst>
+          </p:cNvPr>
+          <p:cNvGrpSpPr/>
+          <p:nvPr/>
+        </p:nvGrpSpPr>
+        <p:grpSpPr>
+          <a:xfrm>
+            <a:off x="8439860" y="12806462"/>
+            <a:ext cx="4818146" cy="5252060"/>
+            <a:chOff x="8439860" y="12603673"/>
+            <a:chExt cx="4818146" cy="5252060"/>
+          </a:xfrm>
+        </p:grpSpPr>
+        <p:pic>
+          <p:nvPicPr>
+            <p:cNvPr id="12" name="Grafik 11">
+              <a:extLst>
+                <a:ext uri="{FF2B5EF4-FFF2-40B4-BE49-F238E27FC236}">
+                  <a16:creationId xmlns:a16="http://schemas.microsoft.com/office/drawing/2014/main" id="{F0AD8092-0A1B-CD41-9728-BB1DFA2A9EC5}"/>
+                </a:ext>
+              </a:extLst>
+            </p:cNvPr>
+            <p:cNvPicPr>
+              <a:picLocks noChangeAspect="1"/>
+            </p:cNvPicPr>
+            <p:nvPr/>
+          </p:nvPicPr>
+          <p:blipFill>
+            <a:blip r:embed="rId6"/>
+            <a:stretch>
+              <a:fillRect/>
+            </a:stretch>
+          </p:blipFill>
+          <p:spPr>
+            <a:xfrm>
+              <a:off x="8439860" y="12603673"/>
+              <a:ext cx="4818146" cy="4495357"/>
+            </a:xfrm>
+            <a:prstGeom prst="rect">
+              <a:avLst/>
+            </a:prstGeom>
+          </p:spPr>
+        </p:pic>
+        <p:sp>
+          <p:nvSpPr>
+            <p:cNvPr id="45" name="Textfeld 44">
+              <a:extLst>
+                <a:ext uri="{FF2B5EF4-FFF2-40B4-BE49-F238E27FC236}">
+                  <a16:creationId xmlns:a16="http://schemas.microsoft.com/office/drawing/2014/main" id="{D0753500-9659-D541-BF55-D63ACD6ED2F5}"/>
+                </a:ext>
+              </a:extLst>
+            </p:cNvPr>
+            <p:cNvSpPr txBox="1"/>
+            <p:nvPr/>
+          </p:nvSpPr>
+          <p:spPr>
+            <a:xfrm>
+              <a:off x="9007488" y="17270958"/>
+              <a:ext cx="3850419" cy="584775"/>
+            </a:xfrm>
+            <a:prstGeom prst="rect">
+              <a:avLst/>
+            </a:prstGeom>
+            <a:noFill/>
+          </p:spPr>
+          <p:txBody>
+            <a:bodyPr wrap="square" rtlCol="0">
+              <a:spAutoFit/>
+            </a:bodyPr>
+            <a:lstStyle/>
+            <a:p>
+              <a:r>
+                <a:rPr lang="de-DE" sz="1600" dirty="0">
+                  <a:latin typeface="Arial" panose="020B0604020202020204" pitchFamily="34" charset="0"/>
+                  <a:cs typeface="Arial" panose="020B0604020202020204" pitchFamily="34" charset="0"/>
+                </a:rPr>
+                <a:t>Kurzzeit-Metriken auf dem Team-Dashboard in </a:t>
+              </a:r>
+              <a:r>
+                <a:rPr lang="de-DE" sz="1600" dirty="0" err="1">
+                  <a:latin typeface="Arial" panose="020B0604020202020204" pitchFamily="34" charset="0"/>
+                  <a:cs typeface="Arial" panose="020B0604020202020204" pitchFamily="34" charset="0"/>
+                </a:rPr>
+                <a:t>Kibana</a:t>
+              </a:r>
+              <a:endParaRPr lang="de-DE" sz="1600" dirty="0">
+                <a:latin typeface="Arial" panose="020B0604020202020204" pitchFamily="34" charset="0"/>
+                <a:cs typeface="Arial" panose="020B0604020202020204" pitchFamily="34" charset="0"/>
+              </a:endParaRPr>
+            </a:p>
+          </p:txBody>
+        </p:sp>
+      </p:grpSp>
+      <p:sp>
+        <p:nvSpPr>
+          <p:cNvPr id="46" name="Rechteck 45">
+            <a:extLst>
+              <a:ext uri="{FF2B5EF4-FFF2-40B4-BE49-F238E27FC236}">
+                <a16:creationId xmlns:a16="http://schemas.microsoft.com/office/drawing/2014/main" id="{E4CA037B-48CC-DA45-8837-231137E100D2}"/>
+              </a:ext>
+            </a:extLst>
+          </p:cNvPr>
+          <p:cNvSpPr/>
+          <p:nvPr/>
+        </p:nvSpPr>
+        <p:spPr bwMode="auto">
+          <a:xfrm>
+            <a:off x="13762062" y="12818330"/>
+            <a:ext cx="6257384" cy="6109988"/>
+          </a:xfrm>
+          <a:prstGeom prst="rect">
+            <a:avLst/>
+          </a:prstGeom>
+          <a:solidFill>
+            <a:srgbClr val="0070C0">
+              <a:alpha val="69000"/>
+            </a:srgbClr>
+          </a:solidFill>
+          <a:ln w="25400" cap="flat" cmpd="sng" algn="ctr">
+            <a:solidFill>
+              <a:srgbClr val="000000"/>
+            </a:solidFill>
+            <a:prstDash val="solid"/>
+            <a:round/>
+            <a:headEnd type="none" w="med" len="med"/>
+            <a:tailEnd type="none" w="med" len="med"/>
+          </a:ln>
+          <a:effectLst/>
+        </p:spPr>
+        <p:txBody>
+          <a:bodyPr vert="horz" wrap="square" lIns="360000" tIns="180000" rIns="360000" bIns="180000" numCol="1" rtlCol="0" anchor="t" anchorCtr="0" compatLnSpc="1">
+            <a:prstTxWarp prst="textNoShape">
+              <a:avLst/>
+            </a:prstTxWarp>
+          </a:bodyPr>
+          <a:lstStyle/>
+          <a:p>
+            <a:pPr marL="0" marR="0" indent="0" algn="l" defTabSz="914400" rtl="0" eaLnBrk="1" fontAlgn="base" latinLnBrk="0" hangingPunct="1">
+              <a:lnSpc>
+                <a:spcPct val="100000"/>
+              </a:lnSpc>
+              <a:spcBef>
+                <a:spcPct val="0"/>
+              </a:spcBef>
+              <a:spcAft>
+                <a:spcPct val="0"/>
+              </a:spcAft>
+              <a:buClrTx/>
+              <a:buSzTx/>
+              <a:buFontTx/>
+              <a:buNone/>
+              <a:tabLst/>
+            </a:pPr>
+            <a:r>
+              <a:rPr kumimoji="0" lang="de-DE" sz="2400" b="1" i="0" strike="noStrike" cap="none" normalizeH="0" baseline="0" dirty="0">
+                <a:ln>
+                  <a:noFill/>
+                </a:ln>
+                <a:solidFill>
+                  <a:srgbClr val="000000"/>
+                </a:solidFill>
+                <a:effectLst/>
+                <a:latin typeface="Arial" panose="020B0604020202020204" pitchFamily="34" charset="0"/>
+                <a:cs typeface="Arial" panose="020B0604020202020204" pitchFamily="34" charset="0"/>
+                <a:sym typeface="Gill Sans" pitchFamily="-109" charset="0"/>
+              </a:rPr>
+              <a:t>Schlussfolgerungen</a:t>
+            </a:r>
+          </a:p>
+          <a:p>
+            <a:pPr marL="0" marR="0" indent="0" algn="l" defTabSz="914400" rtl="0" eaLnBrk="1" fontAlgn="base" latinLnBrk="0" hangingPunct="1">
+              <a:lnSpc>
+                <a:spcPct val="100000"/>
+              </a:lnSpc>
+              <a:spcBef>
+                <a:spcPct val="0"/>
+              </a:spcBef>
+              <a:spcAft>
+                <a:spcPct val="0"/>
+              </a:spcAft>
+              <a:buClrTx/>
+              <a:buSzTx/>
+              <a:buFontTx/>
+              <a:buNone/>
+              <a:tabLst/>
+            </a:pPr>
+            <a:endParaRPr lang="de-DE" sz="1200" u="sng" dirty="0">
+              <a:latin typeface="Arial" panose="020B0604020202020204" pitchFamily="34" charset="0"/>
+              <a:cs typeface="Arial" panose="020B0604020202020204" pitchFamily="34" charset="0"/>
+            </a:endParaRPr>
+          </a:p>
+          <a:p>
+            <a:pPr algn="l"/>
+            <a:r>
+              <a:rPr lang="de-AT" sz="1600" dirty="0">
+                <a:latin typeface="Arial" panose="020B0604020202020204" pitchFamily="34" charset="0"/>
+                <a:cs typeface="Arial" panose="020B0604020202020204" pitchFamily="34" charset="0"/>
+              </a:rPr>
+              <a:t>In dieser Arbeit konnte in einer Fallstudie gezeigt werden, dass mithilfe der GQM- Methodik, </a:t>
+            </a:r>
+            <a:r>
+              <a:rPr lang="de-AT" sz="1600" dirty="0" err="1">
+                <a:latin typeface="Arial" panose="020B0604020202020204" pitchFamily="34" charset="0"/>
+                <a:cs typeface="Arial" panose="020B0604020202020204" pitchFamily="34" charset="0"/>
+              </a:rPr>
+              <a:t>ergänzt</a:t>
+            </a:r>
+            <a:r>
+              <a:rPr lang="de-AT" sz="1600" dirty="0">
+                <a:latin typeface="Arial" panose="020B0604020202020204" pitchFamily="34" charset="0"/>
+                <a:cs typeface="Arial" panose="020B0604020202020204" pitchFamily="34" charset="0"/>
+              </a:rPr>
+              <a:t> durch eine Umfrage im entsprechenden </a:t>
+            </a:r>
+            <a:r>
+              <a:rPr lang="de-AT" sz="1600" dirty="0" err="1">
+                <a:latin typeface="Arial" panose="020B0604020202020204" pitchFamily="34" charset="0"/>
+                <a:cs typeface="Arial" panose="020B0604020202020204" pitchFamily="34" charset="0"/>
+              </a:rPr>
+              <a:t>Scrum</a:t>
+            </a:r>
+            <a:r>
+              <a:rPr lang="de-AT" sz="1600" dirty="0">
+                <a:latin typeface="Arial" panose="020B0604020202020204" pitchFamily="34" charset="0"/>
+                <a:cs typeface="Arial" panose="020B0604020202020204" pitchFamily="34" charset="0"/>
+              </a:rPr>
+              <a:t>-Team, Metriken er- mittelt werden </a:t>
+            </a:r>
+            <a:r>
+              <a:rPr lang="de-AT" sz="1600" dirty="0" err="1">
+                <a:latin typeface="Arial" panose="020B0604020202020204" pitchFamily="34" charset="0"/>
+                <a:cs typeface="Arial" panose="020B0604020202020204" pitchFamily="34" charset="0"/>
+              </a:rPr>
+              <a:t>können</a:t>
+            </a:r>
+            <a:r>
+              <a:rPr lang="de-AT" sz="1600" dirty="0">
+                <a:latin typeface="Arial" panose="020B0604020202020204" pitchFamily="34" charset="0"/>
+                <a:cs typeface="Arial" panose="020B0604020202020204" pitchFamily="34" charset="0"/>
+              </a:rPr>
+              <a:t>, die es </a:t>
+            </a:r>
+            <a:r>
+              <a:rPr lang="de-AT" sz="1600" dirty="0" err="1">
+                <a:latin typeface="Arial" panose="020B0604020202020204" pitchFamily="34" charset="0"/>
+                <a:cs typeface="Arial" panose="020B0604020202020204" pitchFamily="34" charset="0"/>
+              </a:rPr>
+              <a:t>ermöglichen</a:t>
+            </a:r>
+            <a:r>
+              <a:rPr lang="de-AT" sz="1600" dirty="0">
+                <a:latin typeface="Arial" panose="020B0604020202020204" pitchFamily="34" charset="0"/>
+                <a:cs typeface="Arial" panose="020B0604020202020204" pitchFamily="34" charset="0"/>
+              </a:rPr>
+              <a:t>, die Schwachstellen in einem Produkt und im agilen Prozess in Zahlen zu fassen. Die entwickelte Software hilft dabei, die Daten aus den unterschiedlichen Systemen im Entwicklungsprozess als Metriken aufzubereiten und zu speichern. </a:t>
+            </a:r>
+            <a:r>
+              <a:rPr lang="de-AT" sz="1600" dirty="0" err="1">
+                <a:latin typeface="Arial" panose="020B0604020202020204" pitchFamily="34" charset="0"/>
+                <a:cs typeface="Arial" panose="020B0604020202020204" pitchFamily="34" charset="0"/>
+              </a:rPr>
+              <a:t>Für</a:t>
+            </a:r>
+            <a:r>
+              <a:rPr lang="de-AT" sz="1600" dirty="0">
+                <a:latin typeface="Arial" panose="020B0604020202020204" pitchFamily="34" charset="0"/>
+                <a:cs typeface="Arial" panose="020B0604020202020204" pitchFamily="34" charset="0"/>
+              </a:rPr>
+              <a:t> einen einfachen Zugang und eine </a:t>
+            </a:r>
+            <a:r>
+              <a:rPr lang="de-AT" sz="1600" dirty="0" err="1">
+                <a:latin typeface="Arial" panose="020B0604020202020204" pitchFamily="34" charset="0"/>
+                <a:cs typeface="Arial" panose="020B0604020202020204" pitchFamily="34" charset="0"/>
+              </a:rPr>
+              <a:t>uneingeschränkte</a:t>
+            </a:r>
+            <a:r>
+              <a:rPr lang="de-AT" sz="1600" dirty="0">
+                <a:latin typeface="Arial" panose="020B0604020202020204" pitchFamily="34" charset="0"/>
+                <a:cs typeface="Arial" panose="020B0604020202020204" pitchFamily="34" charset="0"/>
+              </a:rPr>
+              <a:t> Erweiterbarkeit wurde der Quellcode der Software unter der quelloffenen MIT-Lizenz </a:t>
+            </a:r>
+            <a:r>
+              <a:rPr lang="de-AT" sz="1600" dirty="0" err="1">
+                <a:latin typeface="Arial" panose="020B0604020202020204" pitchFamily="34" charset="0"/>
+                <a:cs typeface="Arial" panose="020B0604020202020204" pitchFamily="34" charset="0"/>
+              </a:rPr>
+              <a:t>veröffentlicht</a:t>
+            </a:r>
+            <a:r>
+              <a:rPr lang="de-AT" sz="1600" dirty="0">
+                <a:latin typeface="Arial" panose="020B0604020202020204" pitchFamily="34" charset="0"/>
+                <a:cs typeface="Arial" panose="020B0604020202020204" pitchFamily="34" charset="0"/>
+              </a:rPr>
+              <a:t>. </a:t>
+            </a:r>
+          </a:p>
+          <a:p>
+            <a:pPr algn="l"/>
+            <a:r>
+              <a:rPr lang="de-AT" sz="1600" dirty="0">
+                <a:latin typeface="Arial" panose="020B0604020202020204" pitchFamily="34" charset="0"/>
+                <a:cs typeface="Arial" panose="020B0604020202020204" pitchFamily="34" charset="0"/>
+              </a:rPr>
+              <a:t>Bei der Visualisierung von Metriken bietet </a:t>
+            </a:r>
+            <a:r>
+              <a:rPr lang="de-AT" sz="1600" dirty="0" err="1">
+                <a:latin typeface="Arial" panose="020B0604020202020204" pitchFamily="34" charset="0"/>
+                <a:cs typeface="Arial" panose="020B0604020202020204" pitchFamily="34" charset="0"/>
+              </a:rPr>
+              <a:t>Kibana</a:t>
+            </a:r>
+            <a:r>
+              <a:rPr lang="de-AT" sz="1600" dirty="0">
+                <a:latin typeface="Arial" panose="020B0604020202020204" pitchFamily="34" charset="0"/>
+                <a:cs typeface="Arial" panose="020B0604020202020204" pitchFamily="34" charset="0"/>
+              </a:rPr>
+              <a:t> eine geeignete Plattform, um aus den gespeicherten Metriken einfach Dashboards mit unterschiedlichen Visualisierungen bereitzustellen. Durch den Einsatz der entwickelten Software und der vorgestellten Modelle zur Identifizierung von relevanten Metriken, kann die </a:t>
+            </a:r>
+            <a:r>
+              <a:rPr lang="de-AT" sz="1600" dirty="0" err="1">
+                <a:latin typeface="Arial" panose="020B0604020202020204" pitchFamily="34" charset="0"/>
+                <a:cs typeface="Arial" panose="020B0604020202020204" pitchFamily="34" charset="0"/>
+              </a:rPr>
+              <a:t>Qualität</a:t>
+            </a:r>
+            <a:r>
+              <a:rPr lang="de-AT" sz="1600" dirty="0">
+                <a:latin typeface="Arial" panose="020B0604020202020204" pitchFamily="34" charset="0"/>
+                <a:cs typeface="Arial" panose="020B0604020202020204" pitchFamily="34" charset="0"/>
+              </a:rPr>
+              <a:t> in einem agilen Team dadurch </a:t>
+            </a:r>
+            <a:r>
+              <a:rPr lang="de-AT" sz="1600" dirty="0" err="1">
+                <a:latin typeface="Arial" panose="020B0604020202020204" pitchFamily="34" charset="0"/>
+                <a:cs typeface="Arial" panose="020B0604020202020204" pitchFamily="34" charset="0"/>
+              </a:rPr>
+              <a:t>erhöht</a:t>
+            </a:r>
+            <a:r>
+              <a:rPr lang="de-AT" sz="1600" dirty="0">
+                <a:latin typeface="Arial" panose="020B0604020202020204" pitchFamily="34" charset="0"/>
+                <a:cs typeface="Arial" panose="020B0604020202020204" pitchFamily="34" charset="0"/>
+              </a:rPr>
+              <a:t> werden, dass </a:t>
+            </a:r>
+            <a:r>
+              <a:rPr lang="de-AT" sz="1600" dirty="0" err="1">
+                <a:latin typeface="Arial" panose="020B0604020202020204" pitchFamily="34" charset="0"/>
+                <a:cs typeface="Arial" panose="020B0604020202020204" pitchFamily="34" charset="0"/>
+              </a:rPr>
+              <a:t>Qualitätsprobleme</a:t>
+            </a:r>
+            <a:r>
+              <a:rPr lang="de-AT" sz="1600" dirty="0">
+                <a:latin typeface="Arial" panose="020B0604020202020204" pitchFamily="34" charset="0"/>
+                <a:cs typeface="Arial" panose="020B0604020202020204" pitchFamily="34" charset="0"/>
+              </a:rPr>
+              <a:t> durch Metriken sichtbar gemacht und in den Retrospektiven Gegenmaßnahmen </a:t>
+            </a:r>
+            <a:r>
+              <a:rPr lang="de-AT" sz="1600" dirty="0" err="1">
+                <a:latin typeface="Arial" panose="020B0604020202020204" pitchFamily="34" charset="0"/>
+                <a:cs typeface="Arial" panose="020B0604020202020204" pitchFamily="34" charset="0"/>
+              </a:rPr>
+              <a:t>dafür</a:t>
+            </a:r>
+            <a:r>
+              <a:rPr lang="de-AT" sz="1600" dirty="0">
+                <a:latin typeface="Arial" panose="020B0604020202020204" pitchFamily="34" charset="0"/>
+                <a:cs typeface="Arial" panose="020B0604020202020204" pitchFamily="34" charset="0"/>
+              </a:rPr>
+              <a:t> getroffen werden </a:t>
+            </a:r>
+            <a:r>
+              <a:rPr lang="de-AT" sz="1600" dirty="0" err="1">
+                <a:latin typeface="Arial" panose="020B0604020202020204" pitchFamily="34" charset="0"/>
+                <a:cs typeface="Arial" panose="020B0604020202020204" pitchFamily="34" charset="0"/>
+              </a:rPr>
+              <a:t>können</a:t>
+            </a:r>
+            <a:r>
+              <a:rPr lang="de-AT" sz="1600" dirty="0">
+                <a:latin typeface="Arial" panose="020B0604020202020204" pitchFamily="34" charset="0"/>
+                <a:cs typeface="Arial" panose="020B0604020202020204" pitchFamily="34" charset="0"/>
+              </a:rPr>
+              <a:t>. </a:t>
+            </a:r>
+          </a:p>
+          <a:p>
+            <a:pPr algn="l"/>
+            <a:endParaRPr lang="de-AT" sz="1600" dirty="0">
+              <a:latin typeface="Arial" panose="020B0604020202020204" pitchFamily="34" charset="0"/>
+              <a:cs typeface="Arial" panose="020B0604020202020204" pitchFamily="34" charset="0"/>
+            </a:endParaRPr>
+          </a:p>
+          <a:p>
+            <a:pPr algn="l"/>
+            <a:endParaRPr lang="de-AT" sz="1600" dirty="0">
+              <a:latin typeface="Arial" panose="020B0604020202020204" pitchFamily="34" charset="0"/>
+              <a:cs typeface="Arial" panose="020B0604020202020204" pitchFamily="34" charset="0"/>
+            </a:endParaRPr>
+          </a:p>
+        </p:txBody>
+      </p:sp>
+      <p:grpSp>
+        <p:nvGrpSpPr>
+          <p:cNvPr id="43" name="Gruppieren 42">
+            <a:extLst>
+              <a:ext uri="{FF2B5EF4-FFF2-40B4-BE49-F238E27FC236}">
+                <a16:creationId xmlns:a16="http://schemas.microsoft.com/office/drawing/2014/main" id="{9652E12F-5AB1-F142-A9AC-E062604FF847}"/>
+              </a:ext>
+            </a:extLst>
+          </p:cNvPr>
+          <p:cNvGrpSpPr/>
+          <p:nvPr/>
+        </p:nvGrpSpPr>
+        <p:grpSpPr>
+          <a:xfrm>
+            <a:off x="1736726" y="23031598"/>
+            <a:ext cx="2799449" cy="2443763"/>
+            <a:chOff x="1153480" y="23045760"/>
+            <a:chExt cx="2799449" cy="2443763"/>
+          </a:xfrm>
+        </p:grpSpPr>
+        <p:pic>
+          <p:nvPicPr>
+            <p:cNvPr id="30" name="Grafik 29">
+              <a:extLst>
+                <a:ext uri="{FF2B5EF4-FFF2-40B4-BE49-F238E27FC236}">
+                  <a16:creationId xmlns:a16="http://schemas.microsoft.com/office/drawing/2014/main" id="{FEABAA87-F9D0-F649-8BE4-AD11724654BA}"/>
+                </a:ext>
+              </a:extLst>
+            </p:cNvPr>
+            <p:cNvPicPr>
+              <a:picLocks noChangeAspect="1"/>
+            </p:cNvPicPr>
+            <p:nvPr/>
+          </p:nvPicPr>
+          <p:blipFill>
+            <a:blip r:embed="rId7"/>
+            <a:stretch>
+              <a:fillRect/>
+            </a:stretch>
+          </p:blipFill>
+          <p:spPr>
+            <a:xfrm>
+              <a:off x="1800777" y="23045760"/>
+              <a:ext cx="1504856" cy="504204"/>
+            </a:xfrm>
+            <a:prstGeom prst="rect">
+              <a:avLst/>
+            </a:prstGeom>
+          </p:spPr>
+        </p:pic>
+        <p:pic>
+          <p:nvPicPr>
+            <p:cNvPr id="31" name="Grafik 30">
+              <a:extLst>
+                <a:ext uri="{FF2B5EF4-FFF2-40B4-BE49-F238E27FC236}">
+                  <a16:creationId xmlns:a16="http://schemas.microsoft.com/office/drawing/2014/main" id="{A19BAF3C-79EC-814A-8831-2EF26901203D}"/>
+                </a:ext>
+              </a:extLst>
+            </p:cNvPr>
+            <p:cNvPicPr>
+              <a:picLocks noChangeAspect="1"/>
+            </p:cNvPicPr>
+            <p:nvPr/>
+          </p:nvPicPr>
+          <p:blipFill>
+            <a:blip r:embed="rId8"/>
+            <a:stretch>
+              <a:fillRect/>
+            </a:stretch>
+          </p:blipFill>
+          <p:spPr>
+            <a:xfrm>
+              <a:off x="1153480" y="23987152"/>
+              <a:ext cx="2799449" cy="403524"/>
+            </a:xfrm>
+            <a:prstGeom prst="rect">
+              <a:avLst/>
+            </a:prstGeom>
+          </p:spPr>
+        </p:pic>
+        <p:pic>
+          <p:nvPicPr>
+            <p:cNvPr id="42" name="Grafik 41">
+              <a:extLst>
+                <a:ext uri="{FF2B5EF4-FFF2-40B4-BE49-F238E27FC236}">
+                  <a16:creationId xmlns:a16="http://schemas.microsoft.com/office/drawing/2014/main" id="{11661ABB-83CA-3742-BB8B-F276A5BC02D9}"/>
+                </a:ext>
+              </a:extLst>
+            </p:cNvPr>
+            <p:cNvPicPr>
+              <a:picLocks noChangeAspect="1"/>
+            </p:cNvPicPr>
+            <p:nvPr/>
+          </p:nvPicPr>
+          <p:blipFill>
+            <a:blip r:embed="rId9"/>
+            <a:stretch>
+              <a:fillRect/>
+            </a:stretch>
+          </p:blipFill>
+          <p:spPr>
+            <a:xfrm>
+              <a:off x="1291723" y="24827864"/>
+              <a:ext cx="2522962" cy="661659"/>
+            </a:xfrm>
+            <a:prstGeom prst="rect">
+              <a:avLst/>
+            </a:prstGeom>
+          </p:spPr>
+        </p:pic>
+      </p:grpSp>
+      <p:pic>
+        <p:nvPicPr>
+          <p:cNvPr id="47" name="Grafik 46">
+            <a:extLst>
+              <a:ext uri="{FF2B5EF4-FFF2-40B4-BE49-F238E27FC236}">
+                <a16:creationId xmlns:a16="http://schemas.microsoft.com/office/drawing/2014/main" id="{2B580384-21A1-BB4D-B6FE-8B56606B2C5D}"/>
+              </a:ext>
+            </a:extLst>
+          </p:cNvPr>
+          <p:cNvPicPr>
+            <a:picLocks noChangeAspect="1"/>
+          </p:cNvPicPr>
+          <p:nvPr/>
+        </p:nvPicPr>
+        <p:blipFill>
+          <a:blip r:embed="rId10"/>
+          <a:stretch>
+            <a:fillRect/>
+          </a:stretch>
+        </p:blipFill>
+        <p:spPr>
+          <a:xfrm>
+            <a:off x="17403865" y="23819212"/>
+            <a:ext cx="2882900" cy="698500"/>
+          </a:xfrm>
+          <a:prstGeom prst="rect">
+            <a:avLst/>
+          </a:prstGeom>
+        </p:spPr>
+      </p:pic>
+      <p:sp>
+        <p:nvSpPr>
+          <p:cNvPr id="48" name="Textfeld 47">
+            <a:extLst>
+              <a:ext uri="{FF2B5EF4-FFF2-40B4-BE49-F238E27FC236}">
+                <a16:creationId xmlns:a16="http://schemas.microsoft.com/office/drawing/2014/main" id="{97696C29-3642-0041-8E75-82C90B8DB477}"/>
+              </a:ext>
+            </a:extLst>
+          </p:cNvPr>
+          <p:cNvSpPr txBox="1"/>
+          <p:nvPr/>
+        </p:nvSpPr>
+        <p:spPr>
+          <a:xfrm>
+            <a:off x="3829397" y="25830974"/>
+            <a:ext cx="14263479" cy="338554"/>
+          </a:xfrm>
+          <a:prstGeom prst="rect">
+            <a:avLst/>
+          </a:prstGeom>
+          <a:noFill/>
+        </p:spPr>
+        <p:txBody>
+          <a:bodyPr wrap="square" rtlCol="0">
+            <a:spAutoFit/>
+          </a:bodyPr>
+          <a:lstStyle/>
+          <a:p>
+            <a:r>
+              <a:rPr lang="de-DE" sz="1600" dirty="0">
+                <a:latin typeface="Arial" panose="020B0604020202020204" pitchFamily="34" charset="0"/>
+                <a:cs typeface="Arial" panose="020B0604020202020204" pitchFamily="34" charset="0"/>
+              </a:rPr>
+              <a:t>Die entwickelte Software sammelt Metriken in den Systemen entlang des Entwicklungsprozesses und speichert diese aufbereitet zur Visualisierung ab.</a:t>
+            </a:r>
+          </a:p>
+        </p:txBody>
+      </p:sp>
+    </p:spTree>
+    <p:extLst>
+      <p:ext uri="{BB962C8B-B14F-4D97-AF65-F5344CB8AC3E}">
+        <p14:creationId xmlns:p14="http://schemas.microsoft.com/office/powerpoint/2010/main" val="2326269737"/>
+      </p:ext>
+    </p:extLst>
+  </p:cSld>
+  <p:clrMapOvr>
+    <a:masterClrMapping/>
+  </p:clrMapOvr>
+  <p:transition/>
+</p:sld>
+</file>
+
+<file path=ppt/slides/slide3.xml><?xml version="1.0" encoding="utf-8"?>
+<p:sld xmlns:a="http://schemas.openxmlformats.org/drawingml/2006/main" xmlns:r="http://schemas.openxmlformats.org/officeDocument/2006/relationships" xmlns:p="http://schemas.openxmlformats.org/presentationml/2006/main">
+  <p:cSld>
+    <p:spTree>
+      <p:nvGrpSpPr>
+        <p:cNvPr id="1" name=""/>
+        <p:cNvGrpSpPr/>
+        <p:nvPr/>
+      </p:nvGrpSpPr>
+      <p:grpSpPr>
+        <a:xfrm>
+          <a:off x="0" y="0"/>
+          <a:ext cx="0" cy="0"/>
+          <a:chOff x="0" y="0"/>
+          <a:chExt cx="0" cy="0"/>
+        </a:xfrm>
+      </p:grpSpPr>
+      <p:sp>
+        <p:nvSpPr>
+          <p:cNvPr id="56" name="Rechteck 55">
+            <a:extLst>
+              <a:ext uri="{FF2B5EF4-FFF2-40B4-BE49-F238E27FC236}">
+                <a16:creationId xmlns:a16="http://schemas.microsoft.com/office/drawing/2014/main" id="{B764E1EE-3C81-6E43-AE08-C76F59CE23E3}"/>
+              </a:ext>
+            </a:extLst>
+          </p:cNvPr>
+          <p:cNvSpPr/>
+          <p:nvPr/>
+        </p:nvSpPr>
+        <p:spPr bwMode="auto">
+          <a:xfrm>
+            <a:off x="1672030" y="19051836"/>
+            <a:ext cx="18334572" cy="523104"/>
+          </a:xfrm>
+          <a:prstGeom prst="rect">
+            <a:avLst/>
+          </a:prstGeom>
+          <a:solidFill>
+            <a:srgbClr val="0070C0">
+              <a:alpha val="69000"/>
+            </a:srgbClr>
+          </a:solidFill>
+          <a:ln w="25400" cap="flat" cmpd="sng" algn="ctr">
+            <a:solidFill>
+              <a:srgbClr val="000000"/>
+            </a:solidFill>
+            <a:prstDash val="solid"/>
+            <a:round/>
+            <a:headEnd type="none" w="med" len="med"/>
+            <a:tailEnd type="none" w="med" len="med"/>
+          </a:ln>
+          <a:effectLst/>
+        </p:spPr>
+        <p:txBody>
+          <a:bodyPr vert="horz" wrap="square" lIns="360000" tIns="90000" rIns="360000" bIns="90000" numCol="1" rtlCol="0" anchor="t" anchorCtr="0" compatLnSpc="1">
+            <a:prstTxWarp prst="textNoShape">
+              <a:avLst/>
+            </a:prstTxWarp>
+          </a:bodyPr>
+          <a:lstStyle/>
+          <a:p>
+            <a:pPr algn="l"/>
+            <a:r>
+              <a:rPr lang="de-AT" sz="2400" b="1" dirty="0">
+                <a:latin typeface="Arial" panose="020B0604020202020204" pitchFamily="34" charset="0"/>
+                <a:cs typeface="Arial" panose="020B0604020202020204" pitchFamily="34" charset="0"/>
+              </a:rPr>
+              <a:t>Quellen</a:t>
+            </a:r>
+            <a:endParaRPr kumimoji="0" lang="de-DE" sz="2400" b="1" i="0" strike="noStrike" cap="none" normalizeH="0" baseline="0" dirty="0">
+              <a:ln>
+                <a:noFill/>
+              </a:ln>
+              <a:solidFill>
+                <a:srgbClr val="000000"/>
+              </a:solidFill>
+              <a:effectLst/>
+              <a:latin typeface="Arial" panose="020B0604020202020204" pitchFamily="34" charset="0"/>
+              <a:cs typeface="Arial" panose="020B0604020202020204" pitchFamily="34" charset="0"/>
+              <a:sym typeface="Gill Sans" pitchFamily="-109" charset="0"/>
+            </a:endParaRPr>
+          </a:p>
+          <a:p>
+            <a:pPr marL="0" marR="0" indent="0" algn="l" defTabSz="914400" rtl="0" eaLnBrk="1" fontAlgn="base" latinLnBrk="0" hangingPunct="1">
+              <a:lnSpc>
+                <a:spcPct val="100000"/>
+              </a:lnSpc>
+              <a:spcBef>
+                <a:spcPct val="0"/>
+              </a:spcBef>
+              <a:spcAft>
+                <a:spcPct val="0"/>
+              </a:spcAft>
+              <a:buClrTx/>
+              <a:buSzTx/>
+              <a:buFontTx/>
+              <a:buNone/>
+              <a:tabLst/>
+            </a:pPr>
+            <a:endParaRPr lang="de-DE" sz="1200" u="sng" dirty="0">
+              <a:latin typeface="Arial" panose="020B0604020202020204" pitchFamily="34" charset="0"/>
+              <a:cs typeface="Arial" panose="020B0604020202020204" pitchFamily="34" charset="0"/>
+            </a:endParaRPr>
+          </a:p>
+          <a:p>
+            <a:pPr algn="l"/>
+            <a:endParaRPr lang="de-AT" sz="1600" dirty="0">
+              <a:latin typeface="Arial" panose="020B0604020202020204" pitchFamily="34" charset="0"/>
+              <a:cs typeface="Arial" panose="020B0604020202020204" pitchFamily="34" charset="0"/>
+            </a:endParaRPr>
+          </a:p>
+        </p:txBody>
+      </p:sp>
+      <p:sp>
+        <p:nvSpPr>
+          <p:cNvPr id="54" name="Rechteck 53">
+            <a:extLst>
+              <a:ext uri="{FF2B5EF4-FFF2-40B4-BE49-F238E27FC236}">
+                <a16:creationId xmlns:a16="http://schemas.microsoft.com/office/drawing/2014/main" id="{493C4A6D-81C6-2547-BB08-9C449A42C1C2}"/>
+              </a:ext>
+            </a:extLst>
+          </p:cNvPr>
+          <p:cNvSpPr/>
+          <p:nvPr/>
+        </p:nvSpPr>
+        <p:spPr bwMode="auto">
+          <a:xfrm>
+            <a:off x="13749218" y="13046839"/>
+            <a:ext cx="6257384" cy="5573945"/>
+          </a:xfrm>
+          <a:prstGeom prst="rect">
+            <a:avLst/>
+          </a:prstGeom>
+          <a:ln>
+            <a:headEnd type="none" w="med" len="med"/>
+            <a:tailEnd type="none" w="med" len="med"/>
+          </a:ln>
+        </p:spPr>
+        <p:style>
+          <a:lnRef idx="2">
+            <a:schemeClr val="dk1"/>
+          </a:lnRef>
+          <a:fillRef idx="1">
+            <a:schemeClr val="lt1"/>
+          </a:fillRef>
+          <a:effectRef idx="0">
+            <a:schemeClr val="dk1"/>
+          </a:effectRef>
+          <a:fontRef idx="minor">
+            <a:schemeClr val="dk1"/>
+          </a:fontRef>
+        </p:style>
+        <p:txBody>
+          <a:bodyPr vert="horz" wrap="square" lIns="360000" tIns="180000" rIns="360000" bIns="90000" numCol="1" rtlCol="0" anchor="t" anchorCtr="0" compatLnSpc="1">
+            <a:prstTxWarp prst="textNoShape">
+              <a:avLst/>
+            </a:prstTxWarp>
+          </a:bodyPr>
+          <a:lstStyle/>
+          <a:p>
+            <a:pPr algn="l"/>
+            <a:r>
+              <a:rPr lang="de-AT" sz="1600" dirty="0">
+                <a:latin typeface="Arial" panose="020B0604020202020204" pitchFamily="34" charset="0"/>
+                <a:cs typeface="Arial" panose="020B0604020202020204" pitchFamily="34" charset="0"/>
+              </a:rPr>
+              <a:t>In dieser Arbeit konnte in einer Fallstudie gezeigt werden, dass mithilfe der GQM- Methodik, </a:t>
+            </a:r>
+            <a:r>
+              <a:rPr lang="de-AT" sz="1600" dirty="0" err="1">
+                <a:latin typeface="Arial" panose="020B0604020202020204" pitchFamily="34" charset="0"/>
+                <a:cs typeface="Arial" panose="020B0604020202020204" pitchFamily="34" charset="0"/>
+              </a:rPr>
+              <a:t>ergänzt</a:t>
+            </a:r>
+            <a:r>
+              <a:rPr lang="de-AT" sz="1600" dirty="0">
+                <a:latin typeface="Arial" panose="020B0604020202020204" pitchFamily="34" charset="0"/>
+                <a:cs typeface="Arial" panose="020B0604020202020204" pitchFamily="34" charset="0"/>
+              </a:rPr>
+              <a:t> durch eine Umfrage im entsprechenden </a:t>
+            </a:r>
+            <a:r>
+              <a:rPr lang="de-AT" sz="1600" dirty="0" err="1">
+                <a:latin typeface="Arial" panose="020B0604020202020204" pitchFamily="34" charset="0"/>
+                <a:cs typeface="Arial" panose="020B0604020202020204" pitchFamily="34" charset="0"/>
+              </a:rPr>
+              <a:t>Scrum</a:t>
+            </a:r>
+            <a:r>
+              <a:rPr lang="de-AT" sz="1600" dirty="0">
+                <a:latin typeface="Arial" panose="020B0604020202020204" pitchFamily="34" charset="0"/>
+                <a:cs typeface="Arial" panose="020B0604020202020204" pitchFamily="34" charset="0"/>
+              </a:rPr>
+              <a:t>-Team, Metriken er- mittelt werden </a:t>
+            </a:r>
+            <a:r>
+              <a:rPr lang="de-AT" sz="1600" dirty="0" err="1">
+                <a:latin typeface="Arial" panose="020B0604020202020204" pitchFamily="34" charset="0"/>
+                <a:cs typeface="Arial" panose="020B0604020202020204" pitchFamily="34" charset="0"/>
+              </a:rPr>
+              <a:t>können</a:t>
+            </a:r>
+            <a:r>
+              <a:rPr lang="de-AT" sz="1600" dirty="0">
+                <a:latin typeface="Arial" panose="020B0604020202020204" pitchFamily="34" charset="0"/>
+                <a:cs typeface="Arial" panose="020B0604020202020204" pitchFamily="34" charset="0"/>
+              </a:rPr>
+              <a:t>, die es </a:t>
+            </a:r>
+            <a:r>
+              <a:rPr lang="de-AT" sz="1600" dirty="0" err="1">
+                <a:latin typeface="Arial" panose="020B0604020202020204" pitchFamily="34" charset="0"/>
+                <a:cs typeface="Arial" panose="020B0604020202020204" pitchFamily="34" charset="0"/>
+              </a:rPr>
+              <a:t>ermöglichen</a:t>
+            </a:r>
+            <a:r>
+              <a:rPr lang="de-AT" sz="1600" dirty="0">
+                <a:latin typeface="Arial" panose="020B0604020202020204" pitchFamily="34" charset="0"/>
+                <a:cs typeface="Arial" panose="020B0604020202020204" pitchFamily="34" charset="0"/>
+              </a:rPr>
+              <a:t>, die Schwachstellen in einem Produkt und im agilen Prozess in Zahlen zu fassen. Die entwickelte Software hilft dabei, die Daten aus den unterschiedlichen Systemen im Entwicklungsprozess als Metriken aufzubereiten und zu speichern. </a:t>
+            </a:r>
+            <a:r>
+              <a:rPr lang="de-AT" sz="1600" dirty="0" err="1">
+                <a:latin typeface="Arial" panose="020B0604020202020204" pitchFamily="34" charset="0"/>
+                <a:cs typeface="Arial" panose="020B0604020202020204" pitchFamily="34" charset="0"/>
+              </a:rPr>
+              <a:t>Für</a:t>
+            </a:r>
+            <a:r>
+              <a:rPr lang="de-AT" sz="1600" dirty="0">
+                <a:latin typeface="Arial" panose="020B0604020202020204" pitchFamily="34" charset="0"/>
+                <a:cs typeface="Arial" panose="020B0604020202020204" pitchFamily="34" charset="0"/>
+              </a:rPr>
+              <a:t> einen einfachen Zugang und eine </a:t>
+            </a:r>
+            <a:r>
+              <a:rPr lang="de-AT" sz="1600" dirty="0" err="1">
+                <a:latin typeface="Arial" panose="020B0604020202020204" pitchFamily="34" charset="0"/>
+                <a:cs typeface="Arial" panose="020B0604020202020204" pitchFamily="34" charset="0"/>
+              </a:rPr>
+              <a:t>uneingeschränkte</a:t>
+            </a:r>
+            <a:r>
+              <a:rPr lang="de-AT" sz="1600" dirty="0">
+                <a:latin typeface="Arial" panose="020B0604020202020204" pitchFamily="34" charset="0"/>
+                <a:cs typeface="Arial" panose="020B0604020202020204" pitchFamily="34" charset="0"/>
+              </a:rPr>
+              <a:t> Erweiterbarkeit wurde der Quellcode der Software unter der quelloffenen MIT-Lizenz </a:t>
+            </a:r>
+            <a:r>
+              <a:rPr lang="de-AT" sz="1600" dirty="0" err="1">
+                <a:latin typeface="Arial" panose="020B0604020202020204" pitchFamily="34" charset="0"/>
+                <a:cs typeface="Arial" panose="020B0604020202020204" pitchFamily="34" charset="0"/>
+              </a:rPr>
+              <a:t>veröffentlicht</a:t>
+            </a:r>
+            <a:r>
+              <a:rPr lang="de-AT" sz="1600" dirty="0">
+                <a:latin typeface="Arial" panose="020B0604020202020204" pitchFamily="34" charset="0"/>
+                <a:cs typeface="Arial" panose="020B0604020202020204" pitchFamily="34" charset="0"/>
+              </a:rPr>
+              <a:t>. </a:t>
+            </a:r>
+          </a:p>
+          <a:p>
+            <a:pPr algn="l"/>
+            <a:r>
+              <a:rPr lang="de-AT" sz="1600" dirty="0">
+                <a:latin typeface="Arial" panose="020B0604020202020204" pitchFamily="34" charset="0"/>
+                <a:cs typeface="Arial" panose="020B0604020202020204" pitchFamily="34" charset="0"/>
+              </a:rPr>
+              <a:t>Bei der Visualisierung von Metriken bietet </a:t>
+            </a:r>
+            <a:r>
+              <a:rPr lang="de-AT" sz="1600" dirty="0" err="1">
+                <a:latin typeface="Arial" panose="020B0604020202020204" pitchFamily="34" charset="0"/>
+                <a:cs typeface="Arial" panose="020B0604020202020204" pitchFamily="34" charset="0"/>
+              </a:rPr>
+              <a:t>Kibana</a:t>
+            </a:r>
+            <a:r>
+              <a:rPr lang="de-AT" sz="1600" dirty="0">
+                <a:latin typeface="Arial" panose="020B0604020202020204" pitchFamily="34" charset="0"/>
+                <a:cs typeface="Arial" panose="020B0604020202020204" pitchFamily="34" charset="0"/>
+              </a:rPr>
+              <a:t> eine geeignete Plattform, um aus den gespeicherten Metriken einfach Dashboards mit unterschiedlichen Visualisierungen bereitzustellen. Durch den Einsatz der entwickelten Software und der vorgestellten Modelle zur Identifizierung von relevanten Metriken, kann die </a:t>
+            </a:r>
+            <a:r>
+              <a:rPr lang="de-AT" sz="1600" dirty="0" err="1">
+                <a:latin typeface="Arial" panose="020B0604020202020204" pitchFamily="34" charset="0"/>
+                <a:cs typeface="Arial" panose="020B0604020202020204" pitchFamily="34" charset="0"/>
+              </a:rPr>
+              <a:t>Qualität</a:t>
+            </a:r>
+            <a:r>
+              <a:rPr lang="de-AT" sz="1600" dirty="0">
+                <a:latin typeface="Arial" panose="020B0604020202020204" pitchFamily="34" charset="0"/>
+                <a:cs typeface="Arial" panose="020B0604020202020204" pitchFamily="34" charset="0"/>
+              </a:rPr>
+              <a:t> in einem agilen Team dadurch </a:t>
+            </a:r>
+            <a:r>
+              <a:rPr lang="de-AT" sz="1600" dirty="0" err="1">
+                <a:latin typeface="Arial" panose="020B0604020202020204" pitchFamily="34" charset="0"/>
+                <a:cs typeface="Arial" panose="020B0604020202020204" pitchFamily="34" charset="0"/>
+              </a:rPr>
+              <a:t>erhöht</a:t>
+            </a:r>
+            <a:r>
+              <a:rPr lang="de-AT" sz="1600" dirty="0">
+                <a:latin typeface="Arial" panose="020B0604020202020204" pitchFamily="34" charset="0"/>
+                <a:cs typeface="Arial" panose="020B0604020202020204" pitchFamily="34" charset="0"/>
+              </a:rPr>
+              <a:t> werden, dass </a:t>
+            </a:r>
+            <a:r>
+              <a:rPr lang="de-AT" sz="1600" dirty="0" err="1">
+                <a:latin typeface="Arial" panose="020B0604020202020204" pitchFamily="34" charset="0"/>
+                <a:cs typeface="Arial" panose="020B0604020202020204" pitchFamily="34" charset="0"/>
+              </a:rPr>
+              <a:t>Qualitätsprobleme</a:t>
+            </a:r>
+            <a:r>
+              <a:rPr lang="de-AT" sz="1600" dirty="0">
+                <a:latin typeface="Arial" panose="020B0604020202020204" pitchFamily="34" charset="0"/>
+                <a:cs typeface="Arial" panose="020B0604020202020204" pitchFamily="34" charset="0"/>
+              </a:rPr>
+              <a:t> durch Metriken sichtbar gemacht und in den Retrospektiven Gegenmaßnahmen </a:t>
+            </a:r>
+            <a:r>
+              <a:rPr lang="de-AT" sz="1600" dirty="0" err="1">
+                <a:latin typeface="Arial" panose="020B0604020202020204" pitchFamily="34" charset="0"/>
+                <a:cs typeface="Arial" panose="020B0604020202020204" pitchFamily="34" charset="0"/>
+              </a:rPr>
+              <a:t>dafür</a:t>
+            </a:r>
+            <a:r>
+              <a:rPr lang="de-AT" sz="1600" dirty="0">
+                <a:latin typeface="Arial" panose="020B0604020202020204" pitchFamily="34" charset="0"/>
+                <a:cs typeface="Arial" panose="020B0604020202020204" pitchFamily="34" charset="0"/>
+              </a:rPr>
+              <a:t> getroffen werden </a:t>
+            </a:r>
+            <a:r>
+              <a:rPr lang="de-AT" sz="1600" dirty="0" err="1">
+                <a:latin typeface="Arial" panose="020B0604020202020204" pitchFamily="34" charset="0"/>
+                <a:cs typeface="Arial" panose="020B0604020202020204" pitchFamily="34" charset="0"/>
+              </a:rPr>
+              <a:t>können</a:t>
+            </a:r>
+            <a:r>
+              <a:rPr lang="de-AT" sz="1600" dirty="0">
+                <a:latin typeface="Arial" panose="020B0604020202020204" pitchFamily="34" charset="0"/>
+                <a:cs typeface="Arial" panose="020B0604020202020204" pitchFamily="34" charset="0"/>
+              </a:rPr>
+              <a:t>.</a:t>
+            </a:r>
+          </a:p>
+        </p:txBody>
+      </p:sp>
+      <p:sp>
+        <p:nvSpPr>
+          <p:cNvPr id="53" name="Rechteck 52">
+            <a:extLst>
+              <a:ext uri="{FF2B5EF4-FFF2-40B4-BE49-F238E27FC236}">
+                <a16:creationId xmlns:a16="http://schemas.microsoft.com/office/drawing/2014/main" id="{714561DD-DEE4-F44B-98CC-E714A747E23D}"/>
+              </a:ext>
+            </a:extLst>
+          </p:cNvPr>
+          <p:cNvSpPr/>
+          <p:nvPr/>
+        </p:nvSpPr>
+        <p:spPr bwMode="auto">
+          <a:xfrm>
+            <a:off x="13759389" y="6667760"/>
+            <a:ext cx="6257384" cy="5390833"/>
+          </a:xfrm>
+          <a:prstGeom prst="rect">
+            <a:avLst/>
+          </a:prstGeom>
+          <a:ln>
+            <a:headEnd type="none" w="med" len="med"/>
+            <a:tailEnd type="none" w="med" len="med"/>
+          </a:ln>
+        </p:spPr>
+        <p:style>
+          <a:lnRef idx="2">
+            <a:schemeClr val="dk1"/>
+          </a:lnRef>
+          <a:fillRef idx="1">
+            <a:schemeClr val="lt1"/>
+          </a:fillRef>
+          <a:effectRef idx="0">
+            <a:schemeClr val="dk1"/>
+          </a:effectRef>
+          <a:fontRef idx="minor">
+            <a:schemeClr val="dk1"/>
+          </a:fontRef>
+        </p:style>
+        <p:txBody>
+          <a:bodyPr vert="horz" wrap="square" lIns="360000" tIns="180000" rIns="360000" bIns="90000" numCol="1" rtlCol="0" anchor="t" anchorCtr="0" compatLnSpc="1">
+            <a:prstTxWarp prst="textNoShape">
+              <a:avLst/>
+            </a:prstTxWarp>
+          </a:bodyPr>
+          <a:lstStyle/>
+          <a:p>
+            <a:pPr algn="l"/>
+            <a:r>
+              <a:rPr lang="de-AT" sz="1600" dirty="0">
+                <a:latin typeface="Arial" panose="020B0604020202020204" pitchFamily="34" charset="0"/>
+                <a:cs typeface="Arial" panose="020B0604020202020204" pitchFamily="34" charset="0"/>
+              </a:rPr>
+              <a:t>Zur </a:t>
+            </a:r>
+            <a:r>
+              <a:rPr lang="de-AT" sz="1600" u="sng" dirty="0">
+                <a:latin typeface="Arial" panose="020B0604020202020204" pitchFamily="34" charset="0"/>
+                <a:cs typeface="Arial" panose="020B0604020202020204" pitchFamily="34" charset="0"/>
+              </a:rPr>
+              <a:t>quantitativen Evaluierung</a:t>
+            </a:r>
+            <a:r>
+              <a:rPr lang="de-AT" sz="1600" dirty="0">
+                <a:latin typeface="Arial" panose="020B0604020202020204" pitchFamily="34" charset="0"/>
+                <a:cs typeface="Arial" panose="020B0604020202020204" pitchFamily="34" charset="0"/>
+              </a:rPr>
+              <a:t> wurden die Metriken beobachtet. Es waren nach diesen drei Sprints bereits Tendenzen erkennbar, ob diese durch das Dashboard eingetreten sind, war in diesem kurzen Zeitraum nicht eindeutig feststellbar. Was aber klar erkennbar war, war die Wahl der Metriken, da durch diese viele Schwachstellen sichtbar gemacht werden konnten.</a:t>
+            </a:r>
+          </a:p>
+          <a:p>
+            <a:pPr algn="l"/>
+            <a:r>
+              <a:rPr lang="de-AT" sz="1600" dirty="0">
+                <a:latin typeface="Arial" panose="020B0604020202020204" pitchFamily="34" charset="0"/>
+                <a:cs typeface="Arial" panose="020B0604020202020204" pitchFamily="34" charset="0"/>
+              </a:rPr>
+              <a:t>Ergänzend wurde eine </a:t>
+            </a:r>
+            <a:r>
+              <a:rPr lang="de-AT" sz="1600" u="sng" dirty="0">
+                <a:latin typeface="Arial" panose="020B0604020202020204" pitchFamily="34" charset="0"/>
+                <a:cs typeface="Arial" panose="020B0604020202020204" pitchFamily="34" charset="0"/>
+              </a:rPr>
+              <a:t>qualitative Evaluierung</a:t>
+            </a:r>
+            <a:r>
+              <a:rPr lang="de-AT" sz="1600" dirty="0">
+                <a:latin typeface="Arial" panose="020B0604020202020204" pitchFamily="34" charset="0"/>
+                <a:cs typeface="Arial" panose="020B0604020202020204" pitchFamily="34" charset="0"/>
+              </a:rPr>
+              <a:t> in Form von Interviews durchgeführt. Interviewt wurden dabei eine Entwicklerin, der </a:t>
+            </a:r>
+            <a:r>
+              <a:rPr lang="de-AT" sz="1600" dirty="0" err="1">
+                <a:latin typeface="Arial" panose="020B0604020202020204" pitchFamily="34" charset="0"/>
+                <a:cs typeface="Arial" panose="020B0604020202020204" pitchFamily="34" charset="0"/>
+              </a:rPr>
+              <a:t>Product</a:t>
+            </a:r>
+            <a:r>
+              <a:rPr lang="de-AT" sz="1600" dirty="0">
+                <a:latin typeface="Arial" panose="020B0604020202020204" pitchFamily="34" charset="0"/>
+                <a:cs typeface="Arial" panose="020B0604020202020204" pitchFamily="34" charset="0"/>
+              </a:rPr>
+              <a:t> </a:t>
+            </a:r>
+            <a:r>
+              <a:rPr lang="de-AT" sz="1600" dirty="0" err="1">
+                <a:latin typeface="Arial" panose="020B0604020202020204" pitchFamily="34" charset="0"/>
+                <a:cs typeface="Arial" panose="020B0604020202020204" pitchFamily="34" charset="0"/>
+              </a:rPr>
+              <a:t>Owner</a:t>
+            </a:r>
+            <a:r>
+              <a:rPr lang="de-AT" sz="1600" dirty="0">
+                <a:latin typeface="Arial" panose="020B0604020202020204" pitchFamily="34" charset="0"/>
+                <a:cs typeface="Arial" panose="020B0604020202020204" pitchFamily="34" charset="0"/>
+              </a:rPr>
+              <a:t> und der </a:t>
+            </a:r>
+            <a:r>
+              <a:rPr lang="de-AT" sz="1600" dirty="0" err="1">
+                <a:latin typeface="Arial" panose="020B0604020202020204" pitchFamily="34" charset="0"/>
+                <a:cs typeface="Arial" panose="020B0604020202020204" pitchFamily="34" charset="0"/>
+              </a:rPr>
+              <a:t>Scrum</a:t>
+            </a:r>
+            <a:r>
+              <a:rPr lang="de-AT" sz="1600" dirty="0">
+                <a:latin typeface="Arial" panose="020B0604020202020204" pitchFamily="34" charset="0"/>
+                <a:cs typeface="Arial" panose="020B0604020202020204" pitchFamily="34" charset="0"/>
+              </a:rPr>
+              <a:t> Master. Auffallend dabei war, dass jeder </a:t>
+            </a:r>
+            <a:r>
+              <a:rPr lang="de-AT" sz="1600">
+                <a:latin typeface="Arial" panose="020B0604020202020204" pitchFamily="34" charset="0"/>
+                <a:cs typeface="Arial" panose="020B0604020202020204" pitchFamily="34" charset="0"/>
+              </a:rPr>
+              <a:t>der Drei </a:t>
+            </a:r>
+            <a:r>
+              <a:rPr lang="de-AT" sz="1600" dirty="0">
+                <a:latin typeface="Arial" panose="020B0604020202020204" pitchFamily="34" charset="0"/>
+                <a:cs typeface="Arial" panose="020B0604020202020204" pitchFamily="34" charset="0"/>
+              </a:rPr>
+              <a:t>das Dashboard bereits für seine Zwecke zu nutzen wusste. </a:t>
+            </a:r>
+            <a:r>
+              <a:rPr lang="de-AT" sz="1600" dirty="0" err="1">
+                <a:latin typeface="Arial" panose="020B0604020202020204" pitchFamily="34" charset="0"/>
+                <a:cs typeface="Arial" panose="020B0604020202020204" pitchFamily="34" charset="0"/>
+              </a:rPr>
+              <a:t>Während</a:t>
+            </a:r>
+            <a:r>
+              <a:rPr lang="de-AT" sz="1600" dirty="0">
+                <a:latin typeface="Arial" panose="020B0604020202020204" pitchFamily="34" charset="0"/>
+                <a:cs typeface="Arial" panose="020B0604020202020204" pitchFamily="34" charset="0"/>
+              </a:rPr>
+              <a:t> der </a:t>
+            </a:r>
+            <a:r>
+              <a:rPr lang="de-AT" sz="1600" dirty="0" err="1">
+                <a:latin typeface="Arial" panose="020B0604020202020204" pitchFamily="34" charset="0"/>
+                <a:cs typeface="Arial" panose="020B0604020202020204" pitchFamily="34" charset="0"/>
+              </a:rPr>
+              <a:t>Product-Owner</a:t>
+            </a:r>
+            <a:r>
+              <a:rPr lang="de-AT" sz="1600" dirty="0">
+                <a:latin typeface="Arial" panose="020B0604020202020204" pitchFamily="34" charset="0"/>
+                <a:cs typeface="Arial" panose="020B0604020202020204" pitchFamily="34" charset="0"/>
+              </a:rPr>
+              <a:t> das Dashboard mehr </a:t>
+            </a:r>
+            <a:r>
+              <a:rPr lang="de-AT" sz="1600" dirty="0" err="1">
+                <a:latin typeface="Arial" panose="020B0604020202020204" pitchFamily="34" charset="0"/>
+                <a:cs typeface="Arial" panose="020B0604020202020204" pitchFamily="34" charset="0"/>
+              </a:rPr>
+              <a:t>für</a:t>
+            </a:r>
+            <a:r>
+              <a:rPr lang="de-AT" sz="1600" dirty="0">
+                <a:latin typeface="Arial" panose="020B0604020202020204" pitchFamily="34" charset="0"/>
+                <a:cs typeface="Arial" panose="020B0604020202020204" pitchFamily="34" charset="0"/>
+              </a:rPr>
+              <a:t> Werbezwecke genutzt hat, um andere Abteilungen auf die </a:t>
+            </a:r>
+            <a:r>
+              <a:rPr lang="de-AT" sz="1600" dirty="0" err="1">
+                <a:latin typeface="Arial" panose="020B0604020202020204" pitchFamily="34" charset="0"/>
+                <a:cs typeface="Arial" panose="020B0604020202020204" pitchFamily="34" charset="0"/>
+              </a:rPr>
+              <a:t>Möglichkeit</a:t>
+            </a:r>
+            <a:r>
+              <a:rPr lang="de-AT" sz="1600" dirty="0">
+                <a:latin typeface="Arial" panose="020B0604020202020204" pitchFamily="34" charset="0"/>
+                <a:cs typeface="Arial" panose="020B0604020202020204" pitchFamily="34" charset="0"/>
+              </a:rPr>
+              <a:t> von Metriken aufmerksam zu machen, hat es der </a:t>
+            </a:r>
+            <a:r>
+              <a:rPr lang="de-AT" sz="1600" dirty="0" err="1">
+                <a:latin typeface="Arial" panose="020B0604020202020204" pitchFamily="34" charset="0"/>
+                <a:cs typeface="Arial" panose="020B0604020202020204" pitchFamily="34" charset="0"/>
+              </a:rPr>
+              <a:t>Scrum</a:t>
+            </a:r>
+            <a:r>
+              <a:rPr lang="de-AT" sz="1600" dirty="0">
+                <a:latin typeface="Arial" panose="020B0604020202020204" pitchFamily="34" charset="0"/>
+                <a:cs typeface="Arial" panose="020B0604020202020204" pitchFamily="34" charset="0"/>
+              </a:rPr>
+              <a:t>-Master eher </a:t>
+            </a:r>
+            <a:r>
+              <a:rPr lang="de-AT" sz="1600" dirty="0" err="1">
+                <a:latin typeface="Arial" panose="020B0604020202020204" pitchFamily="34" charset="0"/>
+                <a:cs typeface="Arial" panose="020B0604020202020204" pitchFamily="34" charset="0"/>
+              </a:rPr>
+              <a:t>für</a:t>
+            </a:r>
+            <a:r>
+              <a:rPr lang="de-AT" sz="1600" dirty="0">
+                <a:latin typeface="Arial" panose="020B0604020202020204" pitchFamily="34" charset="0"/>
+                <a:cs typeface="Arial" panose="020B0604020202020204" pitchFamily="34" charset="0"/>
+              </a:rPr>
+              <a:t> die Langzeit-Sicht des Teams genutzt und seinen Fokus auf die Verbesserung des Prozesses gelegt. Die Entwicklerin wiederum hatte den Fokus auf die kurzfristigen Metriken, wie den Bug Count, um schnell auf Probleme reagieren zu </a:t>
+            </a:r>
+            <a:r>
+              <a:rPr lang="de-AT" sz="1600" dirty="0" err="1">
+                <a:latin typeface="Arial" panose="020B0604020202020204" pitchFamily="34" charset="0"/>
+                <a:cs typeface="Arial" panose="020B0604020202020204" pitchFamily="34" charset="0"/>
+              </a:rPr>
+              <a:t>können</a:t>
+            </a:r>
+            <a:r>
+              <a:rPr lang="de-AT" sz="1600" dirty="0">
+                <a:latin typeface="Arial" panose="020B0604020202020204" pitchFamily="34" charset="0"/>
+                <a:cs typeface="Arial" panose="020B0604020202020204" pitchFamily="34" charset="0"/>
+              </a:rPr>
+              <a:t>. </a:t>
+            </a:r>
+          </a:p>
+          <a:p>
+            <a:pPr marL="0" marR="0" indent="0" algn="ctr" defTabSz="914400" rtl="0" eaLnBrk="1" fontAlgn="base" latinLnBrk="0" hangingPunct="1">
+              <a:lnSpc>
+                <a:spcPct val="100000"/>
+              </a:lnSpc>
+              <a:spcBef>
+                <a:spcPct val="0"/>
+              </a:spcBef>
+              <a:spcAft>
+                <a:spcPct val="0"/>
+              </a:spcAft>
+              <a:buClrTx/>
+              <a:buSzTx/>
+              <a:buFontTx/>
+              <a:buNone/>
+              <a:tabLst/>
+            </a:pPr>
+            <a:endParaRPr kumimoji="0" lang="de-DE" sz="1600" b="0" i="0" u="none" strike="noStrike" cap="none" normalizeH="0" baseline="0" dirty="0">
+              <a:ln>
+                <a:noFill/>
+              </a:ln>
+              <a:solidFill>
+                <a:srgbClr val="000000"/>
+              </a:solidFill>
+              <a:effectLst/>
+              <a:latin typeface="Arial" panose="020B0604020202020204" pitchFamily="34" charset="0"/>
+              <a:ea typeface="ヒラギノ角ゴ ProN W3" charset="-128"/>
+              <a:cs typeface="Arial" panose="020B0604020202020204" pitchFamily="34" charset="0"/>
+              <a:sym typeface="Gill Sans" pitchFamily="-109" charset="0"/>
+            </a:endParaRPr>
+          </a:p>
+        </p:txBody>
+      </p:sp>
+      <p:sp>
+        <p:nvSpPr>
+          <p:cNvPr id="50" name="Rechteck 49">
+            <a:extLst>
+              <a:ext uri="{FF2B5EF4-FFF2-40B4-BE49-F238E27FC236}">
+                <a16:creationId xmlns:a16="http://schemas.microsoft.com/office/drawing/2014/main" id="{7C168356-9DA2-824E-B632-1DC14C604B01}"/>
+              </a:ext>
+            </a:extLst>
+          </p:cNvPr>
+          <p:cNvSpPr/>
+          <p:nvPr/>
+        </p:nvSpPr>
+        <p:spPr bwMode="auto">
+          <a:xfrm>
+            <a:off x="1672030" y="16076075"/>
+            <a:ext cx="6257384" cy="561013"/>
+          </a:xfrm>
+          <a:prstGeom prst="rect">
+            <a:avLst/>
+          </a:prstGeom>
+          <a:solidFill>
+            <a:srgbClr val="0070C0">
+              <a:alpha val="69000"/>
+            </a:srgbClr>
+          </a:solidFill>
+          <a:ln w="25400" cap="flat" cmpd="sng" algn="ctr">
+            <a:solidFill>
+              <a:srgbClr val="000000"/>
+            </a:solidFill>
+            <a:prstDash val="solid"/>
+            <a:round/>
+            <a:headEnd type="none" w="med" len="med"/>
+            <a:tailEnd type="none" w="med" len="med"/>
+          </a:ln>
+          <a:effectLst/>
+        </p:spPr>
+        <p:txBody>
+          <a:bodyPr vert="horz" wrap="square" lIns="360000" tIns="90000" rIns="360000" bIns="90000" numCol="1" rtlCol="0" anchor="t" anchorCtr="0" compatLnSpc="1">
+            <a:prstTxWarp prst="textNoShape">
+              <a:avLst/>
+            </a:prstTxWarp>
+          </a:bodyPr>
+          <a:lstStyle/>
+          <a:p>
+            <a:pPr algn="l"/>
+            <a:r>
+              <a:rPr lang="de-DE" sz="2400" b="1" dirty="0">
+                <a:latin typeface="Arial" panose="020B0604020202020204" pitchFamily="34" charset="0"/>
+                <a:cs typeface="Arial" panose="020B0604020202020204" pitchFamily="34" charset="0"/>
+              </a:rPr>
+              <a:t>Umsetzung</a:t>
+            </a:r>
+            <a:endParaRPr kumimoji="0" lang="de-DE" sz="2400" b="1" i="0" strike="noStrike" cap="none" normalizeH="0" baseline="0" dirty="0">
+              <a:ln>
+                <a:noFill/>
+              </a:ln>
+              <a:solidFill>
+                <a:srgbClr val="000000"/>
+              </a:solidFill>
+              <a:effectLst/>
+              <a:latin typeface="Arial" panose="020B0604020202020204" pitchFamily="34" charset="0"/>
+              <a:cs typeface="Arial" panose="020B0604020202020204" pitchFamily="34" charset="0"/>
+              <a:sym typeface="Gill Sans" pitchFamily="-109" charset="0"/>
+            </a:endParaRPr>
+          </a:p>
+          <a:p>
+            <a:pPr marL="0" marR="0" indent="0" algn="l" defTabSz="914400" rtl="0" eaLnBrk="1" fontAlgn="base" latinLnBrk="0" hangingPunct="1">
+              <a:lnSpc>
+                <a:spcPct val="100000"/>
+              </a:lnSpc>
+              <a:spcBef>
+                <a:spcPct val="0"/>
+              </a:spcBef>
+              <a:spcAft>
+                <a:spcPct val="0"/>
+              </a:spcAft>
+              <a:buClrTx/>
+              <a:buSzTx/>
+              <a:buFontTx/>
+              <a:buNone/>
+              <a:tabLst/>
+            </a:pPr>
+            <a:endParaRPr lang="de-DE" sz="1200" u="sng" dirty="0">
+              <a:latin typeface="Arial" panose="020B0604020202020204" pitchFamily="34" charset="0"/>
+              <a:cs typeface="Arial" panose="020B0604020202020204" pitchFamily="34" charset="0"/>
+            </a:endParaRPr>
+          </a:p>
+          <a:p>
+            <a:pPr algn="l"/>
+            <a:endParaRPr lang="de-AT" sz="1600" dirty="0">
+              <a:latin typeface="Arial" panose="020B0604020202020204" pitchFamily="34" charset="0"/>
+              <a:cs typeface="Arial" panose="020B0604020202020204" pitchFamily="34" charset="0"/>
+            </a:endParaRPr>
+          </a:p>
+        </p:txBody>
+      </p:sp>
+      <p:sp>
+        <p:nvSpPr>
+          <p:cNvPr id="51" name="Rechteck 50">
+            <a:extLst>
+              <a:ext uri="{FF2B5EF4-FFF2-40B4-BE49-F238E27FC236}">
+                <a16:creationId xmlns:a16="http://schemas.microsoft.com/office/drawing/2014/main" id="{65917D4E-EA22-3B4E-8DE7-4A8A288A27C9}"/>
+              </a:ext>
+            </a:extLst>
+          </p:cNvPr>
+          <p:cNvSpPr/>
+          <p:nvPr/>
+        </p:nvSpPr>
+        <p:spPr bwMode="auto">
+          <a:xfrm>
+            <a:off x="1672029" y="16637088"/>
+            <a:ext cx="6257385" cy="1983696"/>
+          </a:xfrm>
+          <a:prstGeom prst="rect">
+            <a:avLst/>
+          </a:prstGeom>
+          <a:ln>
+            <a:headEnd type="none" w="med" len="med"/>
+            <a:tailEnd type="none" w="med" len="med"/>
+          </a:ln>
+        </p:spPr>
+        <p:style>
+          <a:lnRef idx="2">
+            <a:schemeClr val="dk1"/>
+          </a:lnRef>
+          <a:fillRef idx="1">
+            <a:schemeClr val="lt1"/>
+          </a:fillRef>
+          <a:effectRef idx="0">
+            <a:schemeClr val="dk1"/>
+          </a:effectRef>
+          <a:fontRef idx="minor">
+            <a:schemeClr val="dk1"/>
+          </a:fontRef>
+        </p:style>
+        <p:txBody>
+          <a:bodyPr vert="horz" wrap="square" lIns="360000" tIns="180000" rIns="360000" bIns="90000" numCol="1" rtlCol="0" anchor="t" anchorCtr="0" compatLnSpc="1">
+            <a:prstTxWarp prst="textNoShape">
+              <a:avLst/>
+            </a:prstTxWarp>
+          </a:bodyPr>
+          <a:lstStyle/>
+          <a:p>
+            <a:pPr algn="l"/>
+            <a:r>
+              <a:rPr lang="de-AT" sz="1600" dirty="0">
+                <a:latin typeface="Arial" panose="020B0604020202020204" pitchFamily="34" charset="0"/>
+                <a:cs typeface="Arial" panose="020B0604020202020204" pitchFamily="34" charset="0"/>
+              </a:rPr>
+              <a:t>Es wurde eine Java-Software erstellt, die eigenständig betrieben werden kann und Daten von den einzelnen Systemen im Entwicklungsprozess abholen, aufbereiten und als Metriken in einer Datenbank speichern kann. In der Fall-studie waren es die Systeme </a:t>
+            </a:r>
+            <a:r>
+              <a:rPr lang="de-AT" sz="1600" dirty="0" err="1">
+                <a:latin typeface="Arial" panose="020B0604020202020204" pitchFamily="34" charset="0"/>
+                <a:cs typeface="Arial" panose="020B0604020202020204" pitchFamily="34" charset="0"/>
+              </a:rPr>
+              <a:t>Jira</a:t>
+            </a:r>
+            <a:r>
+              <a:rPr lang="de-AT" sz="1600" dirty="0">
+                <a:latin typeface="Arial" panose="020B0604020202020204" pitchFamily="34" charset="0"/>
+                <a:cs typeface="Arial" panose="020B0604020202020204" pitchFamily="34" charset="0"/>
+              </a:rPr>
+              <a:t>, </a:t>
+            </a:r>
+            <a:r>
+              <a:rPr lang="de-AT" sz="1600" dirty="0" err="1">
+                <a:latin typeface="Arial" panose="020B0604020202020204" pitchFamily="34" charset="0"/>
+                <a:cs typeface="Arial" panose="020B0604020202020204" pitchFamily="34" charset="0"/>
+              </a:rPr>
+              <a:t>Bitbucket</a:t>
+            </a:r>
+            <a:r>
+              <a:rPr lang="de-AT" sz="1600" dirty="0">
+                <a:latin typeface="Arial" panose="020B0604020202020204" pitchFamily="34" charset="0"/>
+                <a:cs typeface="Arial" panose="020B0604020202020204" pitchFamily="34" charset="0"/>
+              </a:rPr>
+              <a:t>, </a:t>
+            </a:r>
+            <a:r>
+              <a:rPr lang="de-AT" sz="1600" dirty="0" err="1">
+                <a:latin typeface="Arial" panose="020B0604020202020204" pitchFamily="34" charset="0"/>
+                <a:cs typeface="Arial" panose="020B0604020202020204" pitchFamily="34" charset="0"/>
+              </a:rPr>
+              <a:t>SonarQube</a:t>
+            </a:r>
+            <a:r>
+              <a:rPr lang="de-AT" sz="1600" dirty="0">
+                <a:latin typeface="Arial" panose="020B0604020202020204" pitchFamily="34" charset="0"/>
+                <a:cs typeface="Arial" panose="020B0604020202020204" pitchFamily="34" charset="0"/>
+              </a:rPr>
+              <a:t> und zur Speicherung und Visualisierung diente ein </a:t>
+            </a:r>
+            <a:r>
+              <a:rPr lang="de-AT" sz="1600" dirty="0" err="1">
+                <a:latin typeface="Arial" panose="020B0604020202020204" pitchFamily="34" charset="0"/>
+                <a:cs typeface="Arial" panose="020B0604020202020204" pitchFamily="34" charset="0"/>
+              </a:rPr>
+              <a:t>Elastic</a:t>
+            </a:r>
+            <a:r>
+              <a:rPr lang="de-AT" sz="1600" dirty="0">
+                <a:latin typeface="Arial" panose="020B0604020202020204" pitchFamily="34" charset="0"/>
+                <a:cs typeface="Arial" panose="020B0604020202020204" pitchFamily="34" charset="0"/>
+              </a:rPr>
+              <a:t> Stack.</a:t>
+            </a:r>
+          </a:p>
+        </p:txBody>
+      </p:sp>
+      <p:sp>
+        <p:nvSpPr>
+          <p:cNvPr id="44" name="Rechteck 43">
+            <a:extLst>
+              <a:ext uri="{FF2B5EF4-FFF2-40B4-BE49-F238E27FC236}">
+                <a16:creationId xmlns:a16="http://schemas.microsoft.com/office/drawing/2014/main" id="{E4CE7653-9336-4E4A-B609-BA64C3F7DDBE}"/>
+              </a:ext>
+            </a:extLst>
+          </p:cNvPr>
+          <p:cNvSpPr/>
+          <p:nvPr/>
+        </p:nvSpPr>
+        <p:spPr bwMode="auto">
+          <a:xfrm>
+            <a:off x="1662963" y="10329070"/>
+            <a:ext cx="6257384" cy="543695"/>
+          </a:xfrm>
+          <a:prstGeom prst="rect">
+            <a:avLst/>
+          </a:prstGeom>
+          <a:solidFill>
+            <a:srgbClr val="0070C0">
+              <a:alpha val="69000"/>
+            </a:srgbClr>
+          </a:solidFill>
+          <a:ln w="25400" cap="flat" cmpd="sng" algn="ctr">
+            <a:solidFill>
+              <a:srgbClr val="000000"/>
+            </a:solidFill>
+            <a:prstDash val="solid"/>
+            <a:round/>
+            <a:headEnd type="none" w="med" len="med"/>
+            <a:tailEnd type="none" w="med" len="med"/>
+          </a:ln>
+          <a:effectLst/>
+        </p:spPr>
+        <p:txBody>
+          <a:bodyPr vert="horz" wrap="square" lIns="360000" tIns="90000" rIns="360000" bIns="90000" numCol="1" rtlCol="0" anchor="t" anchorCtr="0" compatLnSpc="1">
+            <a:prstTxWarp prst="textNoShape">
+              <a:avLst/>
+            </a:prstTxWarp>
+          </a:bodyPr>
+          <a:lstStyle/>
+          <a:p>
+            <a:pPr algn="l"/>
+            <a:r>
+              <a:rPr lang="de-DE" sz="2400" b="1" dirty="0">
+                <a:latin typeface="Arial" panose="020B0604020202020204" pitchFamily="34" charset="0"/>
+                <a:cs typeface="Arial" panose="020B0604020202020204" pitchFamily="34" charset="0"/>
+              </a:rPr>
+              <a:t>Vorgehensweise</a:t>
+            </a:r>
+            <a:endParaRPr kumimoji="0" lang="de-DE" sz="2400" b="1" i="0" strike="noStrike" cap="none" normalizeH="0" baseline="0" dirty="0">
+              <a:ln>
+                <a:noFill/>
+              </a:ln>
+              <a:solidFill>
+                <a:srgbClr val="000000"/>
+              </a:solidFill>
+              <a:effectLst/>
+              <a:latin typeface="Arial" panose="020B0604020202020204" pitchFamily="34" charset="0"/>
+              <a:cs typeface="Arial" panose="020B0604020202020204" pitchFamily="34" charset="0"/>
+              <a:sym typeface="Gill Sans" pitchFamily="-109" charset="0"/>
+            </a:endParaRPr>
+          </a:p>
+          <a:p>
+            <a:pPr marL="0" marR="0" indent="0" algn="l" defTabSz="914400" rtl="0" eaLnBrk="1" fontAlgn="base" latinLnBrk="0" hangingPunct="1">
+              <a:lnSpc>
+                <a:spcPct val="100000"/>
+              </a:lnSpc>
+              <a:spcBef>
+                <a:spcPct val="0"/>
+              </a:spcBef>
+              <a:spcAft>
+                <a:spcPct val="0"/>
+              </a:spcAft>
+              <a:buClrTx/>
+              <a:buSzTx/>
+              <a:buFontTx/>
+              <a:buNone/>
+              <a:tabLst/>
+            </a:pPr>
+            <a:endParaRPr lang="de-DE" sz="1200" u="sng" dirty="0">
+              <a:latin typeface="Arial" panose="020B0604020202020204" pitchFamily="34" charset="0"/>
+              <a:cs typeface="Arial" panose="020B0604020202020204" pitchFamily="34" charset="0"/>
+            </a:endParaRPr>
+          </a:p>
+          <a:p>
+            <a:pPr algn="l"/>
+            <a:endParaRPr lang="de-AT" sz="1600" dirty="0">
+              <a:latin typeface="Arial" panose="020B0604020202020204" pitchFamily="34" charset="0"/>
+              <a:cs typeface="Arial" panose="020B0604020202020204" pitchFamily="34" charset="0"/>
+            </a:endParaRPr>
+          </a:p>
+        </p:txBody>
+      </p:sp>
+      <p:sp>
+        <p:nvSpPr>
+          <p:cNvPr id="2" name="Rectangle 1"/>
+          <p:cNvSpPr/>
+          <p:nvPr/>
+        </p:nvSpPr>
+        <p:spPr bwMode="auto">
+          <a:xfrm>
+            <a:off x="108000" y="27640110"/>
+            <a:ext cx="21646950" cy="3024336"/>
+          </a:xfrm>
+          <a:prstGeom prst="rect">
+            <a:avLst/>
+          </a:prstGeom>
+          <a:solidFill>
+            <a:schemeClr val="tx1"/>
+          </a:solidFill>
+          <a:ln w="25400" cap="flat" cmpd="sng" algn="ctr">
+            <a:noFill/>
+            <a:prstDash val="solid"/>
+            <a:round/>
+            <a:headEnd type="none" w="med" len="med"/>
+            <a:tailEnd type="none" w="med" len="med"/>
+          </a:ln>
+          <a:effectLst/>
+        </p:spPr>
+        <p:txBody>
+          <a:bodyPr vert="horz" wrap="square" lIns="91440" tIns="45720" rIns="91440" bIns="45720" numCol="1" rtlCol="0" anchor="t" anchorCtr="0" compatLnSpc="1">
+            <a:prstTxWarp prst="textNoShape">
+              <a:avLst/>
+            </a:prstTxWarp>
+          </a:bodyPr>
+          <a:lstStyle/>
+          <a:p>
+            <a:pPr marL="0" marR="0" indent="0" algn="ctr" defTabSz="914400" rtl="0" eaLnBrk="1" fontAlgn="base" latinLnBrk="0" hangingPunct="1">
+              <a:lnSpc>
+                <a:spcPct val="100000"/>
+              </a:lnSpc>
+              <a:spcBef>
+                <a:spcPct val="0"/>
+              </a:spcBef>
+              <a:spcAft>
+                <a:spcPct val="0"/>
+              </a:spcAft>
+              <a:buClrTx/>
+              <a:buSzTx/>
+              <a:buFontTx/>
+              <a:buNone/>
+              <a:tabLst/>
+            </a:pPr>
+            <a:endParaRPr kumimoji="0" lang="en-US" sz="13200" b="0" i="0" u="none" strike="noStrike" cap="none" normalizeH="0" baseline="0" dirty="0">
+              <a:ln>
+                <a:noFill/>
+              </a:ln>
+              <a:solidFill>
+                <a:srgbClr val="000000"/>
+              </a:solidFill>
+              <a:effectLst/>
+              <a:latin typeface="Gill Sans" pitchFamily="-109" charset="0"/>
+              <a:ea typeface="ヒラギノ角ゴ ProN W3" charset="-128"/>
+              <a:cs typeface="ヒラギノ角ゴ ProN W3" charset="-128"/>
+              <a:sym typeface="Gill Sans" pitchFamily="-109" charset="0"/>
+            </a:endParaRPr>
+          </a:p>
+        </p:txBody>
+      </p:sp>
+      <p:sp>
+        <p:nvSpPr>
+          <p:cNvPr id="173059" name="Rectangle 2"/>
+          <p:cNvSpPr>
+            <a:spLocks/>
+          </p:cNvSpPr>
+          <p:nvPr/>
+        </p:nvSpPr>
+        <p:spPr bwMode="auto">
+          <a:xfrm>
+            <a:off x="1672030" y="2437310"/>
+            <a:ext cx="10998200" cy="1816100"/>
+          </a:xfrm>
+          <a:prstGeom prst="rect">
+            <a:avLst/>
+          </a:prstGeom>
+          <a:noFill/>
+          <a:ln w="12700">
+            <a:noFill/>
+            <a:miter lim="800000"/>
+            <a:headEnd/>
+            <a:tailEnd/>
+          </a:ln>
+        </p:spPr>
+        <p:txBody>
+          <a:bodyPr lIns="0" tIns="0" rIns="0" bIns="0"/>
+          <a:lstStyle/>
+          <a:p>
+            <a:pPr algn="l">
+              <a:lnSpc>
+                <a:spcPct val="110000"/>
+              </a:lnSpc>
+            </a:pPr>
+            <a:r>
+              <a:rPr lang="en-US" sz="5600" dirty="0">
+                <a:solidFill>
+                  <a:schemeClr val="tx1"/>
+                </a:solidFill>
+                <a:latin typeface="Arial Bold" charset="0"/>
+                <a:sym typeface="Arial Bold" charset="0"/>
+              </a:rPr>
+              <a:t>Agile </a:t>
+            </a:r>
+            <a:r>
+              <a:rPr lang="en-US" sz="5600" dirty="0" err="1">
+                <a:solidFill>
+                  <a:schemeClr val="tx1"/>
+                </a:solidFill>
+                <a:latin typeface="Arial Bold" charset="0"/>
+                <a:sym typeface="Arial Bold" charset="0"/>
+              </a:rPr>
+              <a:t>Metriken</a:t>
+            </a:r>
+            <a:endParaRPr lang="en-US" sz="5600" dirty="0">
+              <a:solidFill>
+                <a:schemeClr val="tx1"/>
+              </a:solidFill>
+              <a:latin typeface="Arial Bold" charset="0"/>
+              <a:sym typeface="Arial Bold" charset="0"/>
+            </a:endParaRPr>
+          </a:p>
+          <a:p>
+            <a:pPr algn="l">
+              <a:lnSpc>
+                <a:spcPct val="120000"/>
+              </a:lnSpc>
+            </a:pPr>
+            <a:r>
+              <a:rPr lang="en-US" sz="4500" dirty="0" err="1">
+                <a:solidFill>
+                  <a:schemeClr val="tx1"/>
+                </a:solidFill>
+                <a:latin typeface="Arial" charset="0"/>
+                <a:cs typeface="Arial" charset="0"/>
+                <a:sym typeface="Arial" charset="0"/>
+              </a:rPr>
+              <a:t>Qualitätssicherung</a:t>
+            </a:r>
+            <a:r>
+              <a:rPr lang="en-US" sz="4500" dirty="0">
+                <a:solidFill>
+                  <a:schemeClr val="tx1"/>
+                </a:solidFill>
+                <a:latin typeface="Arial" charset="0"/>
+                <a:cs typeface="Arial" charset="0"/>
+                <a:sym typeface="Arial" charset="0"/>
+              </a:rPr>
+              <a:t> in </a:t>
+            </a:r>
+            <a:r>
+              <a:rPr lang="en-US" sz="4500" dirty="0" err="1">
+                <a:solidFill>
+                  <a:schemeClr val="tx1"/>
+                </a:solidFill>
+                <a:latin typeface="Arial" charset="0"/>
+                <a:cs typeface="Arial" charset="0"/>
+                <a:sym typeface="Arial" charset="0"/>
+              </a:rPr>
+              <a:t>agilen</a:t>
+            </a:r>
+            <a:r>
+              <a:rPr lang="en-US" sz="4500" dirty="0">
+                <a:solidFill>
+                  <a:schemeClr val="tx1"/>
+                </a:solidFill>
+                <a:latin typeface="Arial" charset="0"/>
+                <a:cs typeface="Arial" charset="0"/>
+                <a:sym typeface="Arial" charset="0"/>
+              </a:rPr>
+              <a:t> Teams</a:t>
+            </a:r>
+          </a:p>
+        </p:txBody>
+      </p:sp>
+      <p:sp>
+        <p:nvSpPr>
+          <p:cNvPr id="173061" name="Rectangle 4"/>
+          <p:cNvSpPr>
+            <a:spLocks/>
+          </p:cNvSpPr>
+          <p:nvPr/>
+        </p:nvSpPr>
+        <p:spPr bwMode="auto">
+          <a:xfrm>
+            <a:off x="953501" y="28254659"/>
+            <a:ext cx="4175298" cy="965200"/>
+          </a:xfrm>
+          <a:prstGeom prst="rect">
+            <a:avLst/>
+          </a:prstGeom>
+          <a:noFill/>
+          <a:ln w="12700">
+            <a:noFill/>
+            <a:miter lim="800000"/>
+            <a:headEnd/>
+            <a:tailEnd/>
+          </a:ln>
+        </p:spPr>
+        <p:txBody>
+          <a:bodyPr lIns="0" tIns="0" rIns="0" bIns="0"/>
+          <a:lstStyle/>
+          <a:p>
+            <a:pPr algn="l">
+              <a:lnSpc>
+                <a:spcPts val="2600"/>
+              </a:lnSpc>
+            </a:pPr>
+            <a:r>
+              <a:rPr lang="en-US" sz="2000">
+                <a:solidFill>
+                  <a:schemeClr val="bg1"/>
+                </a:solidFill>
+                <a:latin typeface="Arial"/>
+                <a:cs typeface="Arial"/>
+                <a:sym typeface="Arial Bold" charset="0"/>
+              </a:rPr>
+              <a:t>Master </a:t>
+            </a:r>
+          </a:p>
+          <a:p>
+            <a:pPr algn="l">
+              <a:lnSpc>
+                <a:spcPts val="2800"/>
+              </a:lnSpc>
+            </a:pPr>
+            <a:r>
+              <a:rPr lang="en-US" sz="2000" b="1" err="1">
+                <a:solidFill>
+                  <a:schemeClr val="bg1"/>
+                </a:solidFill>
+                <a:latin typeface="Arial"/>
+                <a:sym typeface="Arial Bold" charset="0"/>
+              </a:rPr>
+              <a:t>Informatik</a:t>
+            </a:r>
+            <a:endParaRPr lang="en-US" sz="2000" b="1">
+              <a:solidFill>
+                <a:schemeClr val="bg1"/>
+              </a:solidFill>
+              <a:latin typeface="Arial"/>
+              <a:sym typeface="Arial Bold" charset="0"/>
+            </a:endParaRPr>
+          </a:p>
+          <a:p>
+            <a:pPr algn="l">
+              <a:lnSpc>
+                <a:spcPts val="2600"/>
+              </a:lnSpc>
+            </a:pPr>
+            <a:r>
+              <a:rPr lang="en-US" sz="2000" b="1">
+                <a:solidFill>
+                  <a:schemeClr val="bg1"/>
+                </a:solidFill>
+                <a:latin typeface="Arial"/>
+                <a:cs typeface="Arial" charset="0"/>
+                <a:sym typeface="Arial" charset="0"/>
+              </a:rPr>
+              <a:t>2018</a:t>
+            </a:r>
+          </a:p>
+        </p:txBody>
+      </p:sp>
+      <p:sp>
+        <p:nvSpPr>
+          <p:cNvPr id="173062" name="Rectangle 5"/>
+          <p:cNvSpPr>
+            <a:spLocks/>
+          </p:cNvSpPr>
+          <p:nvPr/>
+        </p:nvSpPr>
+        <p:spPr bwMode="auto">
+          <a:xfrm>
+            <a:off x="5265118" y="28216174"/>
+            <a:ext cx="5029200" cy="965200"/>
+          </a:xfrm>
+          <a:prstGeom prst="rect">
+            <a:avLst/>
+          </a:prstGeom>
+          <a:noFill/>
+          <a:ln w="12700">
+            <a:noFill/>
+            <a:miter lim="800000"/>
+            <a:headEnd/>
+            <a:tailEnd/>
+          </a:ln>
+        </p:spPr>
+        <p:txBody>
+          <a:bodyPr wrap="none" lIns="0" tIns="0" rIns="0" bIns="0"/>
+          <a:lstStyle/>
+          <a:p>
+            <a:pPr algn="l">
+              <a:lnSpc>
+                <a:spcPts val="2800"/>
+              </a:lnSpc>
+            </a:pPr>
+            <a:r>
+              <a:rPr lang="en-US" sz="2000" err="1">
+                <a:solidFill>
+                  <a:schemeClr val="bg1"/>
+                </a:solidFill>
+                <a:latin typeface="Arial Bold" charset="0"/>
+                <a:sym typeface="Arial Bold" charset="0"/>
+              </a:rPr>
+              <a:t>Studierender</a:t>
+            </a:r>
+            <a:endParaRPr lang="en-US" sz="2000">
+              <a:solidFill>
+                <a:schemeClr val="bg1"/>
+              </a:solidFill>
+              <a:latin typeface="Arial Bold" charset="0"/>
+              <a:sym typeface="Arial Bold" charset="0"/>
+            </a:endParaRPr>
+          </a:p>
+          <a:p>
+            <a:pPr algn="l">
+              <a:lnSpc>
+                <a:spcPts val="2800"/>
+              </a:lnSpc>
+            </a:pPr>
+            <a:r>
+              <a:rPr lang="en-US" sz="2000" b="1">
+                <a:solidFill>
+                  <a:schemeClr val="bg1"/>
+                </a:solidFill>
+                <a:latin typeface="Arial" charset="0"/>
+                <a:cs typeface="Arial" charset="0"/>
+                <a:sym typeface="Arial" charset="0"/>
+              </a:rPr>
+              <a:t>Daniel </a:t>
+            </a:r>
+            <a:r>
+              <a:rPr lang="en-US" sz="2000" b="1" err="1">
+                <a:solidFill>
+                  <a:schemeClr val="bg1"/>
+                </a:solidFill>
+                <a:latin typeface="Arial" charset="0"/>
+                <a:cs typeface="Arial" charset="0"/>
+                <a:sym typeface="Arial" charset="0"/>
+              </a:rPr>
+              <a:t>Grießer</a:t>
+            </a:r>
+            <a:endParaRPr lang="en-US" sz="2000" b="1">
+              <a:solidFill>
+                <a:schemeClr val="bg1"/>
+              </a:solidFill>
+              <a:latin typeface="Arial" charset="0"/>
+              <a:cs typeface="Arial" charset="0"/>
+              <a:sym typeface="Arial" charset="0"/>
+            </a:endParaRPr>
+          </a:p>
+        </p:txBody>
+      </p:sp>
+      <p:sp>
+        <p:nvSpPr>
+          <p:cNvPr id="173063" name="Rectangle 6"/>
+          <p:cNvSpPr>
+            <a:spLocks/>
+          </p:cNvSpPr>
+          <p:nvPr/>
+        </p:nvSpPr>
+        <p:spPr bwMode="auto">
+          <a:xfrm>
+            <a:off x="10080000" y="28216174"/>
+            <a:ext cx="5029200" cy="673100"/>
+          </a:xfrm>
+          <a:prstGeom prst="rect">
+            <a:avLst/>
+          </a:prstGeom>
+          <a:noFill/>
+          <a:ln w="12700">
+            <a:noFill/>
+            <a:miter lim="800000"/>
+            <a:headEnd/>
+            <a:tailEnd/>
+          </a:ln>
+        </p:spPr>
+        <p:txBody>
+          <a:bodyPr lIns="0" tIns="0" rIns="0" bIns="0"/>
+          <a:lstStyle/>
+          <a:p>
+            <a:pPr algn="l">
+              <a:lnSpc>
+                <a:spcPts val="2800"/>
+              </a:lnSpc>
+            </a:pPr>
+            <a:r>
+              <a:rPr lang="en-US" sz="2000" err="1">
+                <a:solidFill>
+                  <a:schemeClr val="bg1"/>
+                </a:solidFill>
+                <a:latin typeface="Arial Bold" charset="0"/>
+                <a:sym typeface="Arial Bold" charset="0"/>
+              </a:rPr>
+              <a:t>Betreuende</a:t>
+            </a:r>
+            <a:r>
+              <a:rPr lang="en-US" sz="2000">
+                <a:solidFill>
+                  <a:schemeClr val="bg1"/>
+                </a:solidFill>
+                <a:latin typeface="Arial Bold" charset="0"/>
+                <a:sym typeface="Arial Bold" charset="0"/>
+              </a:rPr>
+              <a:t> </a:t>
+            </a:r>
+            <a:r>
+              <a:rPr lang="en-US" sz="2000" err="1">
+                <a:solidFill>
+                  <a:schemeClr val="bg1"/>
+                </a:solidFill>
+                <a:latin typeface="Arial Bold" charset="0"/>
+                <a:sym typeface="Arial Bold" charset="0"/>
+              </a:rPr>
+              <a:t>Lehrperson</a:t>
+            </a:r>
+            <a:r>
+              <a:rPr lang="en-US" sz="2000">
+                <a:solidFill>
+                  <a:schemeClr val="bg1"/>
+                </a:solidFill>
+                <a:latin typeface="Arial Bold" charset="0"/>
+                <a:sym typeface="Arial Bold" charset="0"/>
+              </a:rPr>
+              <a:t> der FHV</a:t>
+            </a:r>
+          </a:p>
+          <a:p>
+            <a:pPr algn="l">
+              <a:lnSpc>
+                <a:spcPts val="2800"/>
+              </a:lnSpc>
+            </a:pPr>
+            <a:r>
+              <a:rPr lang="en-US" sz="2000" b="1">
+                <a:solidFill>
+                  <a:schemeClr val="bg1"/>
+                </a:solidFill>
+                <a:latin typeface="Arial" charset="0"/>
+                <a:cs typeface="Arial" charset="0"/>
+                <a:sym typeface="Arial" charset="0"/>
+              </a:rPr>
+              <a:t>Michael </a:t>
+            </a:r>
+            <a:r>
+              <a:rPr lang="en-US" sz="2000" b="1" err="1">
+                <a:solidFill>
+                  <a:schemeClr val="bg1"/>
+                </a:solidFill>
+                <a:latin typeface="Arial" charset="0"/>
+                <a:cs typeface="Arial" charset="0"/>
+                <a:sym typeface="Arial" charset="0"/>
+              </a:rPr>
+              <a:t>Felderer</a:t>
+            </a:r>
+            <a:endParaRPr lang="en-US" sz="2000" b="1">
+              <a:solidFill>
+                <a:schemeClr val="bg1"/>
+              </a:solidFill>
+              <a:latin typeface="Arial" charset="0"/>
+              <a:cs typeface="Arial" charset="0"/>
+              <a:sym typeface="Arial" charset="0"/>
+            </a:endParaRPr>
+          </a:p>
+        </p:txBody>
+      </p:sp>
+      <p:sp>
+        <p:nvSpPr>
+          <p:cNvPr id="173064" name="Rectangle 7"/>
+          <p:cNvSpPr>
+            <a:spLocks/>
+          </p:cNvSpPr>
+          <p:nvPr/>
+        </p:nvSpPr>
+        <p:spPr bwMode="auto">
+          <a:xfrm>
+            <a:off x="10080000" y="29224286"/>
+            <a:ext cx="5029200" cy="673100"/>
+          </a:xfrm>
+          <a:prstGeom prst="rect">
+            <a:avLst/>
+          </a:prstGeom>
+          <a:noFill/>
+          <a:ln w="12700">
+            <a:noFill/>
+            <a:miter lim="800000"/>
+            <a:headEnd/>
+            <a:tailEnd/>
+          </a:ln>
+        </p:spPr>
+        <p:txBody>
+          <a:bodyPr lIns="0" tIns="0" rIns="0" bIns="0"/>
+          <a:lstStyle/>
+          <a:p>
+            <a:pPr algn="l">
+              <a:lnSpc>
+                <a:spcPts val="2800"/>
+              </a:lnSpc>
+            </a:pPr>
+            <a:endParaRPr lang="en-US" sz="2000">
+              <a:solidFill>
+                <a:schemeClr val="bg1"/>
+              </a:solidFill>
+              <a:latin typeface="Arial Bold" charset="0"/>
+              <a:sym typeface="Arial Bold" charset="0"/>
+            </a:endParaRPr>
+          </a:p>
+        </p:txBody>
+      </p:sp>
+      <p:pic>
+        <p:nvPicPr>
+          <p:cNvPr id="4" name="Picture 3" descr="Logo A2_negativ.eps"/>
+          <p:cNvPicPr>
+            <a:picLocks noChangeAspect="1"/>
+          </p:cNvPicPr>
+          <p:nvPr/>
+        </p:nvPicPr>
+        <p:blipFill>
+          <a:blip r:embed="rId2">
+            <a:extLst>
+              <a:ext uri="{28A0092B-C50C-407E-A947-70E740481C1C}">
+                <a14:useLocalDpi xmlns:a14="http://schemas.microsoft.com/office/drawing/2010/main" val="0"/>
+              </a:ext>
+            </a:extLst>
+          </a:blip>
+          <a:stretch>
+            <a:fillRect/>
+          </a:stretch>
+        </p:blipFill>
+        <p:spPr>
+          <a:xfrm>
+            <a:off x="16282342" y="28186499"/>
+            <a:ext cx="4800600" cy="1066800"/>
+          </a:xfrm>
+          <a:prstGeom prst="rect">
+            <a:avLst/>
+          </a:prstGeom>
+        </p:spPr>
+      </p:pic>
+      <p:grpSp>
+        <p:nvGrpSpPr>
+          <p:cNvPr id="11" name="Group 10"/>
+          <p:cNvGrpSpPr/>
+          <p:nvPr/>
+        </p:nvGrpSpPr>
+        <p:grpSpPr>
+          <a:xfrm>
+            <a:off x="36000" y="36000"/>
+            <a:ext cx="216000" cy="216000"/>
+            <a:chOff x="0" y="0"/>
+            <a:chExt cx="216000" cy="216000"/>
+          </a:xfrm>
+        </p:grpSpPr>
+        <p:cxnSp>
+          <p:nvCxnSpPr>
+            <p:cNvPr id="6" name="Straight Connector 5"/>
+            <p:cNvCxnSpPr/>
+            <p:nvPr/>
+          </p:nvCxnSpPr>
+          <p:spPr bwMode="auto">
+            <a:xfrm>
+              <a:off x="216000" y="0"/>
+              <a:ext cx="0" cy="180000"/>
+            </a:xfrm>
+            <a:prstGeom prst="line">
+              <a:avLst/>
+            </a:prstGeom>
+            <a:blipFill dpi="0" rotWithShape="0">
+              <a:blip r:embed="rId3"/>
+              <a:srcRect/>
+              <a:tile tx="0" ty="0" sx="100000" sy="100000" flip="none" algn="tl"/>
+            </a:blipFill>
+            <a:ln w="3175" cap="flat" cmpd="sng" algn="ctr">
+              <a:solidFill>
+                <a:schemeClr val="tx1"/>
+              </a:solidFill>
+              <a:prstDash val="solid"/>
+              <a:round/>
+              <a:headEnd type="none" w="med" len="med"/>
+              <a:tailEnd type="none" w="med" len="med"/>
+            </a:ln>
+            <a:effectLst/>
+          </p:spPr>
+        </p:cxnSp>
+        <p:cxnSp>
+          <p:nvCxnSpPr>
+            <p:cNvPr id="8" name="Straight Connector 7"/>
+            <p:cNvCxnSpPr/>
+            <p:nvPr/>
+          </p:nvCxnSpPr>
+          <p:spPr bwMode="auto">
+            <a:xfrm flipH="1">
+              <a:off x="0" y="216000"/>
+              <a:ext cx="180000" cy="0"/>
+            </a:xfrm>
+            <a:prstGeom prst="line">
+              <a:avLst/>
+            </a:prstGeom>
+            <a:blipFill dpi="0" rotWithShape="0">
+              <a:blip r:embed="rId3"/>
+              <a:srcRect/>
+              <a:tile tx="0" ty="0" sx="100000" sy="100000" flip="none" algn="tl"/>
+            </a:blipFill>
+            <a:ln w="3175" cap="flat" cmpd="sng" algn="ctr">
+              <a:solidFill>
+                <a:schemeClr val="tx1"/>
+              </a:solidFill>
+              <a:prstDash val="solid"/>
+              <a:round/>
+              <a:headEnd type="none" w="med" len="med"/>
+              <a:tailEnd type="none" w="med" len="med"/>
+            </a:ln>
+            <a:effectLst/>
+          </p:spPr>
+        </p:cxnSp>
+      </p:grpSp>
+      <p:grpSp>
+        <p:nvGrpSpPr>
+          <p:cNvPr id="20" name="Group 19"/>
+          <p:cNvGrpSpPr/>
+          <p:nvPr/>
+        </p:nvGrpSpPr>
+        <p:grpSpPr>
+          <a:xfrm rot="5400000">
+            <a:off x="21657600" y="36000"/>
+            <a:ext cx="216000" cy="216000"/>
+            <a:chOff x="0" y="0"/>
+            <a:chExt cx="216000" cy="216000"/>
+          </a:xfrm>
+        </p:grpSpPr>
+        <p:cxnSp>
+          <p:nvCxnSpPr>
+            <p:cNvPr id="21" name="Straight Connector 20"/>
+            <p:cNvCxnSpPr/>
+            <p:nvPr/>
+          </p:nvCxnSpPr>
+          <p:spPr bwMode="auto">
+            <a:xfrm>
+              <a:off x="216000" y="0"/>
+              <a:ext cx="0" cy="180000"/>
+            </a:xfrm>
+            <a:prstGeom prst="line">
+              <a:avLst/>
+            </a:prstGeom>
+            <a:blipFill dpi="0" rotWithShape="0">
+              <a:blip r:embed="rId3"/>
+              <a:srcRect/>
+              <a:tile tx="0" ty="0" sx="100000" sy="100000" flip="none" algn="tl"/>
+            </a:blipFill>
+            <a:ln w="3175" cap="flat" cmpd="sng" algn="ctr">
+              <a:solidFill>
+                <a:schemeClr val="tx1"/>
+              </a:solidFill>
+              <a:prstDash val="solid"/>
+              <a:round/>
+              <a:headEnd type="none" w="med" len="med"/>
+              <a:tailEnd type="none" w="med" len="med"/>
+            </a:ln>
+            <a:effectLst/>
+          </p:spPr>
+        </p:cxnSp>
+        <p:cxnSp>
+          <p:nvCxnSpPr>
+            <p:cNvPr id="22" name="Straight Connector 21"/>
+            <p:cNvCxnSpPr/>
+            <p:nvPr/>
+          </p:nvCxnSpPr>
+          <p:spPr bwMode="auto">
+            <a:xfrm flipH="1">
+              <a:off x="0" y="216000"/>
+              <a:ext cx="180000" cy="0"/>
+            </a:xfrm>
+            <a:prstGeom prst="line">
+              <a:avLst/>
+            </a:prstGeom>
+            <a:blipFill dpi="0" rotWithShape="0">
+              <a:blip r:embed="rId3"/>
+              <a:srcRect/>
+              <a:tile tx="0" ty="0" sx="100000" sy="100000" flip="none" algn="tl"/>
+            </a:blipFill>
+            <a:ln w="3175" cap="flat" cmpd="sng" algn="ctr">
+              <a:solidFill>
+                <a:schemeClr val="tx1"/>
+              </a:solidFill>
+              <a:prstDash val="solid"/>
+              <a:round/>
+              <a:headEnd type="none" w="med" len="med"/>
+              <a:tailEnd type="none" w="med" len="med"/>
+            </a:ln>
+            <a:effectLst/>
+          </p:spPr>
+        </p:cxnSp>
+      </p:grpSp>
+      <p:grpSp>
+        <p:nvGrpSpPr>
+          <p:cNvPr id="26" name="Group 25"/>
+          <p:cNvGrpSpPr/>
+          <p:nvPr/>
+        </p:nvGrpSpPr>
+        <p:grpSpPr>
+          <a:xfrm rot="10800000">
+            <a:off x="21654000" y="30546000"/>
+            <a:ext cx="216000" cy="216000"/>
+            <a:chOff x="0" y="0"/>
+            <a:chExt cx="216000" cy="216000"/>
+          </a:xfrm>
+        </p:grpSpPr>
+        <p:cxnSp>
+          <p:nvCxnSpPr>
+            <p:cNvPr id="27" name="Straight Connector 26"/>
+            <p:cNvCxnSpPr/>
+            <p:nvPr/>
+          </p:nvCxnSpPr>
+          <p:spPr bwMode="auto">
+            <a:xfrm>
+              <a:off x="216000" y="0"/>
+              <a:ext cx="0" cy="180000"/>
+            </a:xfrm>
+            <a:prstGeom prst="line">
+              <a:avLst/>
+            </a:prstGeom>
+            <a:blipFill dpi="0" rotWithShape="0">
+              <a:blip r:embed="rId3"/>
+              <a:srcRect/>
+              <a:tile tx="0" ty="0" sx="100000" sy="100000" flip="none" algn="tl"/>
+            </a:blipFill>
+            <a:ln w="3175" cap="flat" cmpd="sng" algn="ctr">
+              <a:solidFill>
+                <a:schemeClr val="tx1"/>
+              </a:solidFill>
+              <a:prstDash val="solid"/>
+              <a:round/>
+              <a:headEnd type="none" w="med" len="med"/>
+              <a:tailEnd type="none" w="med" len="med"/>
+            </a:ln>
+            <a:effectLst/>
+          </p:spPr>
+        </p:cxnSp>
+        <p:cxnSp>
+          <p:nvCxnSpPr>
+            <p:cNvPr id="28" name="Straight Connector 27"/>
+            <p:cNvCxnSpPr/>
+            <p:nvPr/>
+          </p:nvCxnSpPr>
+          <p:spPr bwMode="auto">
+            <a:xfrm flipH="1">
+              <a:off x="0" y="216000"/>
+              <a:ext cx="180000" cy="0"/>
+            </a:xfrm>
+            <a:prstGeom prst="line">
+              <a:avLst/>
+            </a:prstGeom>
+            <a:blipFill dpi="0" rotWithShape="0">
+              <a:blip r:embed="rId3"/>
+              <a:srcRect/>
+              <a:tile tx="0" ty="0" sx="100000" sy="100000" flip="none" algn="tl"/>
+            </a:blipFill>
+            <a:ln w="3175" cap="flat" cmpd="sng" algn="ctr">
+              <a:solidFill>
+                <a:schemeClr val="tx1"/>
+              </a:solidFill>
+              <a:prstDash val="solid"/>
+              <a:round/>
+              <a:headEnd type="none" w="med" len="med"/>
+              <a:tailEnd type="none" w="med" len="med"/>
+            </a:ln>
+            <a:effectLst/>
+          </p:spPr>
+        </p:cxnSp>
+      </p:grpSp>
+      <p:grpSp>
+        <p:nvGrpSpPr>
+          <p:cNvPr id="32" name="Group 31"/>
+          <p:cNvGrpSpPr/>
+          <p:nvPr/>
+        </p:nvGrpSpPr>
+        <p:grpSpPr>
+          <a:xfrm rot="16200000">
+            <a:off x="36000" y="30546000"/>
+            <a:ext cx="216000" cy="216000"/>
+            <a:chOff x="0" y="0"/>
+            <a:chExt cx="216000" cy="216000"/>
+          </a:xfrm>
+        </p:grpSpPr>
+        <p:cxnSp>
+          <p:nvCxnSpPr>
+            <p:cNvPr id="33" name="Straight Connector 32"/>
+            <p:cNvCxnSpPr/>
+            <p:nvPr/>
+          </p:nvCxnSpPr>
+          <p:spPr bwMode="auto">
+            <a:xfrm>
+              <a:off x="216000" y="0"/>
+              <a:ext cx="0" cy="180000"/>
+            </a:xfrm>
+            <a:prstGeom prst="line">
+              <a:avLst/>
+            </a:prstGeom>
+            <a:blipFill dpi="0" rotWithShape="0">
+              <a:blip r:embed="rId3"/>
+              <a:srcRect/>
+              <a:tile tx="0" ty="0" sx="100000" sy="100000" flip="none" algn="tl"/>
+            </a:blipFill>
+            <a:ln w="3175" cap="flat" cmpd="sng" algn="ctr">
+              <a:solidFill>
+                <a:schemeClr val="tx1"/>
+              </a:solidFill>
+              <a:prstDash val="solid"/>
+              <a:round/>
+              <a:headEnd type="none" w="med" len="med"/>
+              <a:tailEnd type="none" w="med" len="med"/>
+            </a:ln>
+            <a:effectLst/>
+          </p:spPr>
+        </p:cxnSp>
+        <p:cxnSp>
+          <p:nvCxnSpPr>
+            <p:cNvPr id="34" name="Straight Connector 33"/>
+            <p:cNvCxnSpPr/>
+            <p:nvPr/>
+          </p:nvCxnSpPr>
+          <p:spPr bwMode="auto">
+            <a:xfrm flipH="1">
+              <a:off x="0" y="216000"/>
+              <a:ext cx="180000" cy="0"/>
+            </a:xfrm>
+            <a:prstGeom prst="line">
+              <a:avLst/>
+            </a:prstGeom>
+            <a:blipFill dpi="0" rotWithShape="0">
+              <a:blip r:embed="rId3"/>
+              <a:srcRect/>
+              <a:tile tx="0" ty="0" sx="100000" sy="100000" flip="none" algn="tl"/>
+            </a:blipFill>
+            <a:ln w="3175" cap="flat" cmpd="sng" algn="ctr">
+              <a:solidFill>
+                <a:schemeClr val="tx1"/>
+              </a:solidFill>
+              <a:prstDash val="solid"/>
+              <a:round/>
+              <a:headEnd type="none" w="med" len="med"/>
+              <a:tailEnd type="none" w="med" len="med"/>
+            </a:ln>
+            <a:effectLst/>
+          </p:spPr>
+        </p:cxnSp>
+      </p:grpSp>
+      <p:pic>
+        <p:nvPicPr>
+          <p:cNvPr id="14" name="Grafik 13">
+            <a:extLst>
+              <a:ext uri="{FF2B5EF4-FFF2-40B4-BE49-F238E27FC236}">
+                <a16:creationId xmlns:a16="http://schemas.microsoft.com/office/drawing/2014/main" id="{12891B2E-88C8-C34A-A1DF-A88A0ADBD7E2}"/>
+              </a:ext>
+            </a:extLst>
+          </p:cNvPr>
+          <p:cNvPicPr>
+            <a:picLocks noChangeAspect="1"/>
+          </p:cNvPicPr>
+          <p:nvPr/>
+        </p:nvPicPr>
+        <p:blipFill>
+          <a:blip r:embed="rId4"/>
+          <a:stretch>
+            <a:fillRect/>
+          </a:stretch>
+        </p:blipFill>
+        <p:spPr>
+          <a:xfrm>
+            <a:off x="5128799" y="22815574"/>
+            <a:ext cx="11416512" cy="2273729"/>
+          </a:xfrm>
+          <a:prstGeom prst="rect">
+            <a:avLst/>
+          </a:prstGeom>
+        </p:spPr>
+      </p:pic>
+      <p:sp>
+        <p:nvSpPr>
+          <p:cNvPr id="18" name="Rechteck 17">
+            <a:extLst>
+              <a:ext uri="{FF2B5EF4-FFF2-40B4-BE49-F238E27FC236}">
+                <a16:creationId xmlns:a16="http://schemas.microsoft.com/office/drawing/2014/main" id="{1A3F1EEF-BF59-7247-AC6F-9320EC7E6BCB}"/>
+              </a:ext>
+            </a:extLst>
+          </p:cNvPr>
+          <p:cNvSpPr/>
+          <p:nvPr/>
+        </p:nvSpPr>
+        <p:spPr bwMode="auto">
+          <a:xfrm>
+            <a:off x="1672030" y="6109718"/>
+            <a:ext cx="6257384" cy="543695"/>
+          </a:xfrm>
+          <a:prstGeom prst="rect">
+            <a:avLst/>
+          </a:prstGeom>
+          <a:solidFill>
+            <a:srgbClr val="0070C0">
+              <a:alpha val="69000"/>
+            </a:srgbClr>
+          </a:solidFill>
+          <a:ln w="25400" cap="flat" cmpd="sng" algn="ctr">
+            <a:solidFill>
+              <a:srgbClr val="000000"/>
+            </a:solidFill>
+            <a:prstDash val="solid"/>
+            <a:round/>
+            <a:headEnd type="none" w="med" len="med"/>
+            <a:tailEnd type="none" w="med" len="med"/>
+          </a:ln>
+          <a:effectLst/>
+        </p:spPr>
+        <p:txBody>
+          <a:bodyPr vert="horz" wrap="square" lIns="360000" tIns="90000" rIns="360000" bIns="90000" numCol="1" rtlCol="0" anchor="t" anchorCtr="0" compatLnSpc="1">
+            <a:prstTxWarp prst="textNoShape">
+              <a:avLst/>
+            </a:prstTxWarp>
+          </a:bodyPr>
+          <a:lstStyle/>
+          <a:p>
+            <a:pPr marL="0" marR="0" indent="0" algn="l" defTabSz="914400" rtl="0" eaLnBrk="1" fontAlgn="base" latinLnBrk="0" hangingPunct="1">
+              <a:lnSpc>
+                <a:spcPct val="100000"/>
+              </a:lnSpc>
+              <a:spcBef>
+                <a:spcPct val="0"/>
+              </a:spcBef>
+              <a:spcAft>
+                <a:spcPct val="0"/>
+              </a:spcAft>
+              <a:buClrTx/>
+              <a:buSzTx/>
+              <a:buFontTx/>
+              <a:buNone/>
+              <a:tabLst/>
+            </a:pPr>
+            <a:r>
+              <a:rPr kumimoji="0" lang="de-DE" sz="2400" b="1" i="0" strike="noStrike" cap="none" normalizeH="0" baseline="0" dirty="0">
+                <a:ln>
+                  <a:noFill/>
+                </a:ln>
+                <a:solidFill>
+                  <a:srgbClr val="000000"/>
+                </a:solidFill>
+                <a:effectLst/>
+                <a:latin typeface="Arial" panose="020B0604020202020204" pitchFamily="34" charset="0"/>
+                <a:cs typeface="Arial" panose="020B0604020202020204" pitchFamily="34" charset="0"/>
+                <a:sym typeface="Gill Sans" pitchFamily="-109" charset="0"/>
+              </a:rPr>
+              <a:t>Zielsetzung</a:t>
+            </a:r>
+          </a:p>
+          <a:p>
+            <a:pPr marL="0" marR="0" indent="0" algn="l" defTabSz="914400" rtl="0" eaLnBrk="1" fontAlgn="base" latinLnBrk="0" hangingPunct="1">
+              <a:lnSpc>
+                <a:spcPct val="100000"/>
+              </a:lnSpc>
+              <a:spcBef>
+                <a:spcPct val="0"/>
+              </a:spcBef>
+              <a:spcAft>
+                <a:spcPct val="0"/>
+              </a:spcAft>
+              <a:buClrTx/>
+              <a:buSzTx/>
+              <a:buFontTx/>
+              <a:buNone/>
+              <a:tabLst/>
+            </a:pPr>
+            <a:endParaRPr lang="de-DE" sz="1200" u="sng" dirty="0">
+              <a:latin typeface="Arial" panose="020B0604020202020204" pitchFamily="34" charset="0"/>
+              <a:cs typeface="Arial" panose="020B0604020202020204" pitchFamily="34" charset="0"/>
+            </a:endParaRPr>
+          </a:p>
+          <a:p>
+            <a:pPr algn="l"/>
+            <a:endParaRPr lang="de-AT" sz="1600" dirty="0">
+              <a:latin typeface="Arial" panose="020B0604020202020204" pitchFamily="34" charset="0"/>
+              <a:cs typeface="Arial" panose="020B0604020202020204" pitchFamily="34" charset="0"/>
+            </a:endParaRPr>
+          </a:p>
+        </p:txBody>
+      </p:sp>
+      <p:grpSp>
+        <p:nvGrpSpPr>
+          <p:cNvPr id="9" name="Gruppieren 8">
+            <a:extLst>
+              <a:ext uri="{FF2B5EF4-FFF2-40B4-BE49-F238E27FC236}">
+                <a16:creationId xmlns:a16="http://schemas.microsoft.com/office/drawing/2014/main" id="{EED8FCC8-185B-384B-9C58-E691C9EE668C}"/>
+              </a:ext>
+            </a:extLst>
+          </p:cNvPr>
+          <p:cNvGrpSpPr/>
+          <p:nvPr/>
+        </p:nvGrpSpPr>
+        <p:grpSpPr>
+          <a:xfrm>
+            <a:off x="8433470" y="6109718"/>
+            <a:ext cx="4824536" cy="5220740"/>
+            <a:chOff x="8433470" y="6426870"/>
+            <a:chExt cx="4824536" cy="5220740"/>
+          </a:xfrm>
+        </p:grpSpPr>
+        <p:pic>
+          <p:nvPicPr>
+            <p:cNvPr id="5" name="Grafik 4">
+              <a:extLst>
+                <a:ext uri="{FF2B5EF4-FFF2-40B4-BE49-F238E27FC236}">
+                  <a16:creationId xmlns:a16="http://schemas.microsoft.com/office/drawing/2014/main" id="{22E6A6A4-81DF-4847-8208-DB850593ABA9}"/>
+                </a:ext>
+              </a:extLst>
+            </p:cNvPr>
+            <p:cNvPicPr>
+              <a:picLocks noChangeAspect="1"/>
+            </p:cNvPicPr>
+            <p:nvPr/>
+          </p:nvPicPr>
+          <p:blipFill>
+            <a:blip r:embed="rId5"/>
+            <a:stretch>
+              <a:fillRect/>
+            </a:stretch>
+          </p:blipFill>
+          <p:spPr>
+            <a:xfrm>
+              <a:off x="8433470" y="6426870"/>
+              <a:ext cx="4824536" cy="4495388"/>
+            </a:xfrm>
+            <a:prstGeom prst="rect">
+              <a:avLst/>
+            </a:prstGeom>
+          </p:spPr>
+        </p:pic>
+        <p:sp>
+          <p:nvSpPr>
+            <p:cNvPr id="25" name="Textfeld 24">
+              <a:extLst>
+                <a:ext uri="{FF2B5EF4-FFF2-40B4-BE49-F238E27FC236}">
+                  <a16:creationId xmlns:a16="http://schemas.microsoft.com/office/drawing/2014/main" id="{D40FCE55-0142-4E4C-A0C3-FA9FC98F28E9}"/>
+                </a:ext>
+              </a:extLst>
+            </p:cNvPr>
+            <p:cNvSpPr txBox="1"/>
+            <p:nvPr/>
+          </p:nvSpPr>
+          <p:spPr>
+            <a:xfrm>
+              <a:off x="8819811" y="11062835"/>
+              <a:ext cx="4051854" cy="584775"/>
+            </a:xfrm>
+            <a:prstGeom prst="rect">
+              <a:avLst/>
+            </a:prstGeom>
+            <a:noFill/>
+          </p:spPr>
+          <p:txBody>
+            <a:bodyPr wrap="square" rtlCol="0">
+              <a:spAutoFit/>
+            </a:bodyPr>
+            <a:lstStyle/>
+            <a:p>
+              <a:r>
+                <a:rPr lang="de-DE" sz="1600" dirty="0">
+                  <a:latin typeface="Arial" panose="020B0604020202020204" pitchFamily="34" charset="0"/>
+                  <a:cs typeface="Arial" panose="020B0604020202020204" pitchFamily="34" charset="0"/>
+                </a:rPr>
+                <a:t>Langzeit-Metriken auf dem Team-Dashboard in </a:t>
+              </a:r>
+              <a:r>
+                <a:rPr lang="de-DE" sz="1600" dirty="0" err="1">
+                  <a:latin typeface="Arial" panose="020B0604020202020204" pitchFamily="34" charset="0"/>
+                  <a:cs typeface="Arial" panose="020B0604020202020204" pitchFamily="34" charset="0"/>
+                </a:rPr>
+                <a:t>Kibana</a:t>
+              </a:r>
+              <a:endParaRPr lang="de-DE" sz="1600" dirty="0">
+                <a:latin typeface="Arial" panose="020B0604020202020204" pitchFamily="34" charset="0"/>
+                <a:cs typeface="Arial" panose="020B0604020202020204" pitchFamily="34" charset="0"/>
+              </a:endParaRPr>
+            </a:p>
+          </p:txBody>
+        </p:sp>
+      </p:grpSp>
+      <p:grpSp>
+        <p:nvGrpSpPr>
+          <p:cNvPr id="10" name="Gruppieren 9">
+            <a:extLst>
+              <a:ext uri="{FF2B5EF4-FFF2-40B4-BE49-F238E27FC236}">
+                <a16:creationId xmlns:a16="http://schemas.microsoft.com/office/drawing/2014/main" id="{7B585D4F-78FF-394F-9B2F-7D80FF0760E7}"/>
+              </a:ext>
+            </a:extLst>
+          </p:cNvPr>
+          <p:cNvGrpSpPr/>
+          <p:nvPr/>
+        </p:nvGrpSpPr>
+        <p:grpSpPr>
+          <a:xfrm>
+            <a:off x="8439860" y="12489310"/>
+            <a:ext cx="4818146" cy="5252060"/>
+            <a:chOff x="8439860" y="12603673"/>
+            <a:chExt cx="4818146" cy="5252060"/>
+          </a:xfrm>
+        </p:grpSpPr>
+        <p:pic>
+          <p:nvPicPr>
+            <p:cNvPr id="12" name="Grafik 11">
+              <a:extLst>
+                <a:ext uri="{FF2B5EF4-FFF2-40B4-BE49-F238E27FC236}">
+                  <a16:creationId xmlns:a16="http://schemas.microsoft.com/office/drawing/2014/main" id="{F0AD8092-0A1B-CD41-9728-BB1DFA2A9EC5}"/>
+                </a:ext>
+              </a:extLst>
+            </p:cNvPr>
+            <p:cNvPicPr>
+              <a:picLocks noChangeAspect="1"/>
+            </p:cNvPicPr>
+            <p:nvPr/>
+          </p:nvPicPr>
+          <p:blipFill>
+            <a:blip r:embed="rId6"/>
+            <a:stretch>
+              <a:fillRect/>
+            </a:stretch>
+          </p:blipFill>
+          <p:spPr>
+            <a:xfrm>
+              <a:off x="8439860" y="12603673"/>
+              <a:ext cx="4818146" cy="4495357"/>
+            </a:xfrm>
+            <a:prstGeom prst="rect">
+              <a:avLst/>
+            </a:prstGeom>
+          </p:spPr>
+        </p:pic>
+        <p:sp>
+          <p:nvSpPr>
+            <p:cNvPr id="45" name="Textfeld 44">
+              <a:extLst>
+                <a:ext uri="{FF2B5EF4-FFF2-40B4-BE49-F238E27FC236}">
+                  <a16:creationId xmlns:a16="http://schemas.microsoft.com/office/drawing/2014/main" id="{D0753500-9659-D541-BF55-D63ACD6ED2F5}"/>
+                </a:ext>
+              </a:extLst>
+            </p:cNvPr>
+            <p:cNvSpPr txBox="1"/>
+            <p:nvPr/>
+          </p:nvSpPr>
+          <p:spPr>
+            <a:xfrm>
+              <a:off x="9007488" y="17270958"/>
+              <a:ext cx="3850419" cy="584775"/>
+            </a:xfrm>
+            <a:prstGeom prst="rect">
+              <a:avLst/>
+            </a:prstGeom>
+            <a:noFill/>
+          </p:spPr>
+          <p:txBody>
+            <a:bodyPr wrap="square" rtlCol="0">
+              <a:spAutoFit/>
+            </a:bodyPr>
+            <a:lstStyle/>
+            <a:p>
+              <a:r>
+                <a:rPr lang="de-DE" sz="1600" dirty="0">
+                  <a:latin typeface="Arial" panose="020B0604020202020204" pitchFamily="34" charset="0"/>
+                  <a:cs typeface="Arial" panose="020B0604020202020204" pitchFamily="34" charset="0"/>
+                </a:rPr>
+                <a:t>Kurzzeit-Metriken auf dem Team-Dashboard in </a:t>
+              </a:r>
+              <a:r>
+                <a:rPr lang="de-DE" sz="1600" dirty="0" err="1">
+                  <a:latin typeface="Arial" panose="020B0604020202020204" pitchFamily="34" charset="0"/>
+                  <a:cs typeface="Arial" panose="020B0604020202020204" pitchFamily="34" charset="0"/>
+                </a:rPr>
+                <a:t>Kibana</a:t>
+              </a:r>
+              <a:endParaRPr lang="de-DE" sz="1600" dirty="0">
+                <a:latin typeface="Arial" panose="020B0604020202020204" pitchFamily="34" charset="0"/>
+                <a:cs typeface="Arial" panose="020B0604020202020204" pitchFamily="34" charset="0"/>
+              </a:endParaRPr>
+            </a:p>
+          </p:txBody>
+        </p:sp>
+      </p:grpSp>
+      <p:grpSp>
+        <p:nvGrpSpPr>
+          <p:cNvPr id="43" name="Gruppieren 42">
+            <a:extLst>
+              <a:ext uri="{FF2B5EF4-FFF2-40B4-BE49-F238E27FC236}">
+                <a16:creationId xmlns:a16="http://schemas.microsoft.com/office/drawing/2014/main" id="{9652E12F-5AB1-F142-A9AC-E062604FF847}"/>
+              </a:ext>
+            </a:extLst>
+          </p:cNvPr>
+          <p:cNvGrpSpPr/>
+          <p:nvPr/>
+        </p:nvGrpSpPr>
+        <p:grpSpPr>
+          <a:xfrm>
+            <a:off x="1816431" y="22815574"/>
+            <a:ext cx="2799449" cy="2443763"/>
+            <a:chOff x="1153480" y="23045760"/>
+            <a:chExt cx="2799449" cy="2443763"/>
+          </a:xfrm>
+        </p:grpSpPr>
+        <p:pic>
+          <p:nvPicPr>
+            <p:cNvPr id="30" name="Grafik 29">
+              <a:extLst>
+                <a:ext uri="{FF2B5EF4-FFF2-40B4-BE49-F238E27FC236}">
+                  <a16:creationId xmlns:a16="http://schemas.microsoft.com/office/drawing/2014/main" id="{FEABAA87-F9D0-F649-8BE4-AD11724654BA}"/>
+                </a:ext>
+              </a:extLst>
+            </p:cNvPr>
+            <p:cNvPicPr>
+              <a:picLocks noChangeAspect="1"/>
+            </p:cNvPicPr>
+            <p:nvPr/>
+          </p:nvPicPr>
+          <p:blipFill>
+            <a:blip r:embed="rId7"/>
+            <a:stretch>
+              <a:fillRect/>
+            </a:stretch>
+          </p:blipFill>
+          <p:spPr>
+            <a:xfrm>
+              <a:off x="1800777" y="23045760"/>
+              <a:ext cx="1504856" cy="504204"/>
+            </a:xfrm>
+            <a:prstGeom prst="rect">
+              <a:avLst/>
+            </a:prstGeom>
+          </p:spPr>
+        </p:pic>
+        <p:pic>
+          <p:nvPicPr>
+            <p:cNvPr id="31" name="Grafik 30">
+              <a:extLst>
+                <a:ext uri="{FF2B5EF4-FFF2-40B4-BE49-F238E27FC236}">
+                  <a16:creationId xmlns:a16="http://schemas.microsoft.com/office/drawing/2014/main" id="{A19BAF3C-79EC-814A-8831-2EF26901203D}"/>
+                </a:ext>
+              </a:extLst>
+            </p:cNvPr>
+            <p:cNvPicPr>
+              <a:picLocks noChangeAspect="1"/>
+            </p:cNvPicPr>
+            <p:nvPr/>
+          </p:nvPicPr>
+          <p:blipFill>
+            <a:blip r:embed="rId8"/>
+            <a:stretch>
+              <a:fillRect/>
+            </a:stretch>
+          </p:blipFill>
+          <p:spPr>
+            <a:xfrm>
+              <a:off x="1153480" y="23987152"/>
+              <a:ext cx="2799449" cy="403524"/>
+            </a:xfrm>
+            <a:prstGeom prst="rect">
+              <a:avLst/>
+            </a:prstGeom>
+          </p:spPr>
+        </p:pic>
+        <p:pic>
+          <p:nvPicPr>
+            <p:cNvPr id="42" name="Grafik 41">
+              <a:extLst>
+                <a:ext uri="{FF2B5EF4-FFF2-40B4-BE49-F238E27FC236}">
+                  <a16:creationId xmlns:a16="http://schemas.microsoft.com/office/drawing/2014/main" id="{11661ABB-83CA-3742-BB8B-F276A5BC02D9}"/>
+                </a:ext>
+              </a:extLst>
+            </p:cNvPr>
+            <p:cNvPicPr>
+              <a:picLocks noChangeAspect="1"/>
+            </p:cNvPicPr>
+            <p:nvPr/>
+          </p:nvPicPr>
+          <p:blipFill>
+            <a:blip r:embed="rId9"/>
+            <a:stretch>
+              <a:fillRect/>
+            </a:stretch>
+          </p:blipFill>
+          <p:spPr>
+            <a:xfrm>
+              <a:off x="1291723" y="24827864"/>
+              <a:ext cx="2522962" cy="661659"/>
+            </a:xfrm>
+            <a:prstGeom prst="rect">
+              <a:avLst/>
+            </a:prstGeom>
+          </p:spPr>
+        </p:pic>
+      </p:grpSp>
+      <p:pic>
+        <p:nvPicPr>
+          <p:cNvPr id="47" name="Grafik 46">
+            <a:extLst>
+              <a:ext uri="{FF2B5EF4-FFF2-40B4-BE49-F238E27FC236}">
+                <a16:creationId xmlns:a16="http://schemas.microsoft.com/office/drawing/2014/main" id="{2B580384-21A1-BB4D-B6FE-8B56606B2C5D}"/>
+              </a:ext>
+            </a:extLst>
+          </p:cNvPr>
+          <p:cNvPicPr>
+            <a:picLocks noChangeAspect="1"/>
+          </p:cNvPicPr>
+          <p:nvPr/>
+        </p:nvPicPr>
+        <p:blipFill>
+          <a:blip r:embed="rId10"/>
+          <a:stretch>
+            <a:fillRect/>
+          </a:stretch>
+        </p:blipFill>
+        <p:spPr>
+          <a:xfrm>
+            <a:off x="17150774" y="23603188"/>
+            <a:ext cx="2882900" cy="698500"/>
+          </a:xfrm>
+          <a:prstGeom prst="rect">
+            <a:avLst/>
+          </a:prstGeom>
+        </p:spPr>
+      </p:pic>
+      <p:sp>
+        <p:nvSpPr>
+          <p:cNvPr id="48" name="Textfeld 47">
+            <a:extLst>
+              <a:ext uri="{FF2B5EF4-FFF2-40B4-BE49-F238E27FC236}">
+                <a16:creationId xmlns:a16="http://schemas.microsoft.com/office/drawing/2014/main" id="{97696C29-3642-0041-8E75-82C90B8DB477}"/>
+              </a:ext>
+            </a:extLst>
+          </p:cNvPr>
+          <p:cNvSpPr txBox="1"/>
+          <p:nvPr/>
+        </p:nvSpPr>
+        <p:spPr>
+          <a:xfrm>
+            <a:off x="3909102" y="25614950"/>
+            <a:ext cx="14263479" cy="338554"/>
+          </a:xfrm>
+          <a:prstGeom prst="rect">
+            <a:avLst/>
+          </a:prstGeom>
+          <a:noFill/>
+        </p:spPr>
+        <p:txBody>
+          <a:bodyPr wrap="square" rtlCol="0">
+            <a:spAutoFit/>
+          </a:bodyPr>
+          <a:lstStyle/>
+          <a:p>
+            <a:r>
+              <a:rPr lang="de-DE" sz="1600" dirty="0">
+                <a:latin typeface="Arial" panose="020B0604020202020204" pitchFamily="34" charset="0"/>
+                <a:cs typeface="Arial" panose="020B0604020202020204" pitchFamily="34" charset="0"/>
+              </a:rPr>
+              <a:t>Die entwickelte Software sammelt Metriken in den Systemen entlang des Entwicklungsprozesses und speichert diese aufbereitet zur Visualisierung ab.</a:t>
+            </a:r>
+          </a:p>
+        </p:txBody>
+      </p:sp>
+      <p:sp>
+        <p:nvSpPr>
+          <p:cNvPr id="7" name="Rechteck 6">
+            <a:extLst>
+              <a:ext uri="{FF2B5EF4-FFF2-40B4-BE49-F238E27FC236}">
+                <a16:creationId xmlns:a16="http://schemas.microsoft.com/office/drawing/2014/main" id="{5F566B21-DD57-F740-80D8-DC4865BCE13B}"/>
+              </a:ext>
+            </a:extLst>
+          </p:cNvPr>
+          <p:cNvSpPr/>
+          <p:nvPr/>
+        </p:nvSpPr>
+        <p:spPr bwMode="auto">
+          <a:xfrm>
+            <a:off x="1672030" y="6651500"/>
+            <a:ext cx="6257384" cy="3219974"/>
+          </a:xfrm>
+          <a:prstGeom prst="rect">
+            <a:avLst/>
+          </a:prstGeom>
+          <a:ln>
+            <a:headEnd type="none" w="med" len="med"/>
+            <a:tailEnd type="none" w="med" len="med"/>
+          </a:ln>
+        </p:spPr>
+        <p:style>
+          <a:lnRef idx="2">
+            <a:schemeClr val="dk1"/>
+          </a:lnRef>
+          <a:fillRef idx="1">
+            <a:schemeClr val="lt1"/>
+          </a:fillRef>
+          <a:effectRef idx="0">
+            <a:schemeClr val="dk1"/>
+          </a:effectRef>
+          <a:fontRef idx="minor">
+            <a:schemeClr val="dk1"/>
+          </a:fontRef>
+        </p:style>
+        <p:txBody>
+          <a:bodyPr vert="horz" wrap="square" lIns="360000" tIns="180000" rIns="360000" bIns="90000" numCol="1" rtlCol="0" anchor="t" anchorCtr="0" compatLnSpc="1">
+            <a:prstTxWarp prst="textNoShape">
+              <a:avLst/>
+            </a:prstTxWarp>
+          </a:bodyPr>
+          <a:lstStyle/>
+          <a:p>
+            <a:pPr algn="l"/>
+            <a:r>
+              <a:rPr lang="de-AT" sz="1600" dirty="0">
+                <a:latin typeface="Arial" panose="020B0604020202020204" pitchFamily="34" charset="0"/>
+                <a:cs typeface="Arial" panose="020B0604020202020204" pitchFamily="34" charset="0"/>
+              </a:rPr>
+              <a:t>„</a:t>
+            </a:r>
+            <a:r>
+              <a:rPr lang="de-AT" sz="1600" dirty="0" err="1">
+                <a:latin typeface="Arial" panose="020B0604020202020204" pitchFamily="34" charset="0"/>
+                <a:cs typeface="Arial" panose="020B0604020202020204" pitchFamily="34" charset="0"/>
+              </a:rPr>
+              <a:t>Scrum</a:t>
+            </a:r>
+            <a:r>
+              <a:rPr lang="de-AT" sz="1600" dirty="0">
+                <a:latin typeface="Arial" panose="020B0604020202020204" pitchFamily="34" charset="0"/>
+                <a:cs typeface="Arial" panose="020B0604020202020204" pitchFamily="34" charset="0"/>
+              </a:rPr>
+              <a:t> ist eine Implementierung der Theorie des Empirismus, der zufolge Wissen auf Erfahrung beruht und Entscheidungen auf der Grundlage dieses Wissens getroffen werden. Dazu sind drei Voraussetzungen zu schaffen:</a:t>
+            </a:r>
+          </a:p>
+          <a:p>
+            <a:pPr marL="457200" indent="-457200" algn="l">
+              <a:buFont typeface="+mj-lt"/>
+              <a:buAutoNum type="arabicPeriod"/>
+            </a:pPr>
+            <a:r>
+              <a:rPr lang="de-AT" sz="1600" dirty="0">
+                <a:latin typeface="Arial" panose="020B0604020202020204" pitchFamily="34" charset="0"/>
+                <a:cs typeface="Arial" panose="020B0604020202020204" pitchFamily="34" charset="0"/>
+              </a:rPr>
+              <a:t>Transparenz</a:t>
+            </a:r>
+          </a:p>
+          <a:p>
+            <a:pPr marL="457200" indent="-457200" algn="l">
+              <a:buFont typeface="+mj-lt"/>
+              <a:buAutoNum type="arabicPeriod"/>
+            </a:pPr>
+            <a:r>
+              <a:rPr lang="de-AT" sz="1600" dirty="0">
+                <a:latin typeface="Arial" panose="020B0604020202020204" pitchFamily="34" charset="0"/>
+                <a:cs typeface="Arial" panose="020B0604020202020204" pitchFamily="34" charset="0"/>
+              </a:rPr>
+              <a:t>Überprüfung</a:t>
+            </a:r>
+          </a:p>
+          <a:p>
+            <a:pPr marL="457200" indent="-457200" algn="l">
+              <a:buFont typeface="+mj-lt"/>
+              <a:buAutoNum type="arabicPeriod"/>
+            </a:pPr>
+            <a:r>
+              <a:rPr lang="de-AT" sz="1600" dirty="0">
+                <a:latin typeface="Arial" panose="020B0604020202020204" pitchFamily="34" charset="0"/>
+                <a:cs typeface="Arial" panose="020B0604020202020204" pitchFamily="34" charset="0"/>
+              </a:rPr>
+              <a:t>Anpassung“ </a:t>
+            </a:r>
+            <a:r>
+              <a:rPr lang="de-AT" sz="1600" baseline="30000" dirty="0">
+                <a:latin typeface="Arial" panose="020B0604020202020204" pitchFamily="34" charset="0"/>
+                <a:cs typeface="Arial" panose="020B0604020202020204" pitchFamily="34" charset="0"/>
+              </a:rPr>
+              <a:t>1</a:t>
+            </a:r>
+          </a:p>
+          <a:p>
+            <a:pPr algn="l"/>
+            <a:endParaRPr lang="de-AT" sz="800" dirty="0">
+              <a:latin typeface="Arial" panose="020B0604020202020204" pitchFamily="34" charset="0"/>
+              <a:cs typeface="Arial" panose="020B0604020202020204" pitchFamily="34" charset="0"/>
+            </a:endParaRPr>
+          </a:p>
+          <a:p>
+            <a:pPr algn="l"/>
+            <a:r>
+              <a:rPr lang="de-AT" sz="1600" dirty="0">
+                <a:latin typeface="Arial" panose="020B0604020202020204" pitchFamily="34" charset="0"/>
+                <a:cs typeface="Arial" panose="020B0604020202020204" pitchFamily="34" charset="0"/>
+              </a:rPr>
+              <a:t>Ziel dieser Arbeit war es, Metriken zu ermitteln, die </a:t>
+            </a:r>
+            <a:r>
+              <a:rPr lang="de-AT" sz="1600" dirty="0" err="1">
+                <a:latin typeface="Arial" panose="020B0604020202020204" pitchFamily="34" charset="0"/>
+                <a:cs typeface="Arial" panose="020B0604020202020204" pitchFamily="34" charset="0"/>
+              </a:rPr>
+              <a:t>Qualitätsprobleme</a:t>
+            </a:r>
+            <a:r>
+              <a:rPr lang="de-AT" sz="1600" dirty="0">
+                <a:latin typeface="Arial" panose="020B0604020202020204" pitchFamily="34" charset="0"/>
+                <a:cs typeface="Arial" panose="020B0604020202020204" pitchFamily="34" charset="0"/>
+              </a:rPr>
+              <a:t> im Entwicklungsprozess oder im Softwareprodukt quantitativ abbilden </a:t>
+            </a:r>
+            <a:r>
+              <a:rPr lang="de-AT" sz="1600" dirty="0" err="1">
+                <a:latin typeface="Arial" panose="020B0604020202020204" pitchFamily="34" charset="0"/>
+                <a:cs typeface="Arial" panose="020B0604020202020204" pitchFamily="34" charset="0"/>
+              </a:rPr>
+              <a:t>können</a:t>
+            </a:r>
+            <a:r>
+              <a:rPr lang="de-AT" sz="1600" dirty="0">
+                <a:latin typeface="Arial" panose="020B0604020202020204" pitchFamily="34" charset="0"/>
+                <a:cs typeface="Arial" panose="020B0604020202020204" pitchFamily="34" charset="0"/>
+              </a:rPr>
+              <a:t> und somit der Forderung nach Überprüfung gerecht werden.</a:t>
+            </a:r>
+          </a:p>
+          <a:p>
+            <a:pPr marL="0" marR="0" indent="0" algn="ctr" defTabSz="914400" rtl="0" eaLnBrk="1" fontAlgn="base" latinLnBrk="0" hangingPunct="1">
+              <a:lnSpc>
+                <a:spcPct val="100000"/>
+              </a:lnSpc>
+              <a:spcBef>
+                <a:spcPct val="0"/>
+              </a:spcBef>
+              <a:spcAft>
+                <a:spcPct val="0"/>
+              </a:spcAft>
+              <a:buClrTx/>
+              <a:buSzTx/>
+              <a:buFontTx/>
+              <a:buNone/>
+              <a:tabLst/>
+            </a:pPr>
+            <a:endParaRPr kumimoji="0" lang="de-DE" sz="1600" b="0" i="0" u="none" strike="noStrike" cap="none" normalizeH="0" baseline="0" dirty="0">
+              <a:ln>
+                <a:noFill/>
+              </a:ln>
+              <a:solidFill>
+                <a:srgbClr val="000000"/>
+              </a:solidFill>
+              <a:effectLst/>
+              <a:latin typeface="Arial" panose="020B0604020202020204" pitchFamily="34" charset="0"/>
+              <a:ea typeface="ヒラギノ角ゴ ProN W3" charset="-128"/>
+              <a:cs typeface="Arial" panose="020B0604020202020204" pitchFamily="34" charset="0"/>
+              <a:sym typeface="Gill Sans" pitchFamily="-109" charset="0"/>
+            </a:endParaRPr>
+          </a:p>
+        </p:txBody>
+      </p:sp>
+      <p:sp>
+        <p:nvSpPr>
+          <p:cNvPr id="49" name="Rechteck 48">
+            <a:extLst>
+              <a:ext uri="{FF2B5EF4-FFF2-40B4-BE49-F238E27FC236}">
+                <a16:creationId xmlns:a16="http://schemas.microsoft.com/office/drawing/2014/main" id="{CFB03BC8-38D8-EF47-AE47-B441BBDC3BDA}"/>
+              </a:ext>
+            </a:extLst>
+          </p:cNvPr>
+          <p:cNvSpPr/>
+          <p:nvPr/>
+        </p:nvSpPr>
+        <p:spPr bwMode="auto">
+          <a:xfrm>
+            <a:off x="1662962" y="10872765"/>
+            <a:ext cx="6257385" cy="4760725"/>
+          </a:xfrm>
+          <a:prstGeom prst="rect">
+            <a:avLst/>
+          </a:prstGeom>
+          <a:ln>
+            <a:headEnd type="none" w="med" len="med"/>
+            <a:tailEnd type="none" w="med" len="med"/>
+          </a:ln>
+        </p:spPr>
+        <p:style>
+          <a:lnRef idx="2">
+            <a:schemeClr val="dk1"/>
+          </a:lnRef>
+          <a:fillRef idx="1">
+            <a:schemeClr val="lt1"/>
+          </a:fillRef>
+          <a:effectRef idx="0">
+            <a:schemeClr val="dk1"/>
+          </a:effectRef>
+          <a:fontRef idx="minor">
+            <a:schemeClr val="dk1"/>
+          </a:fontRef>
+        </p:style>
+        <p:txBody>
+          <a:bodyPr vert="horz" wrap="square" lIns="360000" tIns="180000" rIns="360000" bIns="90000" numCol="1" rtlCol="0" anchor="t" anchorCtr="0" compatLnSpc="1">
+            <a:prstTxWarp prst="textNoShape">
+              <a:avLst/>
+            </a:prstTxWarp>
+          </a:bodyPr>
+          <a:lstStyle/>
+          <a:p>
+            <a:pPr algn="l"/>
+            <a:r>
+              <a:rPr lang="de-AT" sz="1600" dirty="0">
+                <a:latin typeface="Arial" panose="020B0604020202020204" pitchFamily="34" charset="0"/>
+                <a:cs typeface="Arial" panose="020B0604020202020204" pitchFamily="34" charset="0"/>
+              </a:rPr>
+              <a:t>Es wurde eine Fallstudie, wie in “Agile </a:t>
+            </a:r>
+            <a:r>
+              <a:rPr lang="de-AT" sz="1600" dirty="0" err="1">
+                <a:latin typeface="Arial" panose="020B0604020202020204" pitchFamily="34" charset="0"/>
+                <a:cs typeface="Arial" panose="020B0604020202020204" pitchFamily="34" charset="0"/>
+              </a:rPr>
+              <a:t>Metrics</a:t>
+            </a:r>
+            <a:r>
+              <a:rPr lang="de-AT" sz="1600" dirty="0">
+                <a:latin typeface="Arial" panose="020B0604020202020204" pitchFamily="34" charset="0"/>
+                <a:cs typeface="Arial" panose="020B0604020202020204" pitchFamily="34" charset="0"/>
+              </a:rPr>
+              <a:t> In Action“ </a:t>
+            </a:r>
+            <a:r>
+              <a:rPr lang="de-AT" sz="1600" baseline="30000" dirty="0">
+                <a:latin typeface="Arial" panose="020B0604020202020204" pitchFamily="34" charset="0"/>
+                <a:cs typeface="Arial" panose="020B0604020202020204" pitchFamily="34" charset="0"/>
+              </a:rPr>
+              <a:t>2</a:t>
+            </a:r>
+            <a:r>
+              <a:rPr lang="de-AT" sz="1600" dirty="0">
+                <a:latin typeface="Arial" panose="020B0604020202020204" pitchFamily="34" charset="0"/>
+                <a:cs typeface="Arial" panose="020B0604020202020204" pitchFamily="34" charset="0"/>
+              </a:rPr>
+              <a:t> beschrieben, mit einem </a:t>
+            </a:r>
+            <a:r>
+              <a:rPr lang="de-AT" sz="1600" dirty="0" err="1">
+                <a:latin typeface="Arial" panose="020B0604020202020204" pitchFamily="34" charset="0"/>
+                <a:cs typeface="Arial" panose="020B0604020202020204" pitchFamily="34" charset="0"/>
+              </a:rPr>
+              <a:t>Scrum</a:t>
+            </a:r>
+            <a:r>
+              <a:rPr lang="de-AT" sz="1600" dirty="0">
+                <a:latin typeface="Arial" panose="020B0604020202020204" pitchFamily="34" charset="0"/>
+                <a:cs typeface="Arial" panose="020B0604020202020204" pitchFamily="34" charset="0"/>
+              </a:rPr>
+              <a:t> Team durchgeführt und dabei in folgenden Schritten vorgegangen:</a:t>
+            </a:r>
+          </a:p>
+          <a:p>
+            <a:pPr algn="l"/>
+            <a:endParaRPr lang="de-AT" sz="1200" dirty="0">
+              <a:latin typeface="Arial" panose="020B0604020202020204" pitchFamily="34" charset="0"/>
+              <a:cs typeface="Arial" panose="020B0604020202020204" pitchFamily="34" charset="0"/>
+            </a:endParaRPr>
+          </a:p>
+          <a:p>
+            <a:pPr marL="342900" indent="-342900" algn="l">
+              <a:buFont typeface="+mj-lt"/>
+              <a:buAutoNum type="arabicPeriod"/>
+            </a:pPr>
+            <a:r>
+              <a:rPr lang="de-AT" sz="1600" dirty="0">
+                <a:latin typeface="Arial" panose="020B0604020202020204" pitchFamily="34" charset="0"/>
+                <a:cs typeface="Arial" panose="020B0604020202020204" pitchFamily="34" charset="0"/>
+              </a:rPr>
+              <a:t>Metriken ermitteln</a:t>
+            </a:r>
+          </a:p>
+          <a:p>
+            <a:pPr lvl="1" algn="l"/>
+            <a:r>
+              <a:rPr lang="de-AT" sz="1600" dirty="0">
+                <a:latin typeface="Arial" panose="020B0604020202020204" pitchFamily="34" charset="0"/>
+                <a:cs typeface="Arial" panose="020B0604020202020204" pitchFamily="34" charset="0"/>
+              </a:rPr>
+              <a:t>Die Metriken wurden über die sogenannte GQM (Goal-</a:t>
+            </a:r>
+            <a:r>
+              <a:rPr lang="de-AT" sz="1600" dirty="0" err="1">
+                <a:latin typeface="Arial" panose="020B0604020202020204" pitchFamily="34" charset="0"/>
+                <a:cs typeface="Arial" panose="020B0604020202020204" pitchFamily="34" charset="0"/>
+              </a:rPr>
+              <a:t>Question</a:t>
+            </a:r>
+            <a:r>
+              <a:rPr lang="de-AT" sz="1600" dirty="0">
+                <a:latin typeface="Arial" panose="020B0604020202020204" pitchFamily="34" charset="0"/>
+                <a:cs typeface="Arial" panose="020B0604020202020204" pitchFamily="34" charset="0"/>
+              </a:rPr>
+              <a:t>-</a:t>
+            </a:r>
+            <a:r>
+              <a:rPr lang="de-AT" sz="1600" dirty="0" err="1">
+                <a:latin typeface="Arial" panose="020B0604020202020204" pitchFamily="34" charset="0"/>
+                <a:cs typeface="Arial" panose="020B0604020202020204" pitchFamily="34" charset="0"/>
+              </a:rPr>
+              <a:t>Metric</a:t>
+            </a:r>
+            <a:r>
+              <a:rPr lang="de-AT" sz="1600" dirty="0">
+                <a:latin typeface="Arial" panose="020B0604020202020204" pitchFamily="34" charset="0"/>
+                <a:cs typeface="Arial" panose="020B0604020202020204" pitchFamily="34" charset="0"/>
+              </a:rPr>
+              <a:t>)-Methode, bei der die Daten der letzten Sprint Retrospektiven ausgewertet wurden, und ergänzend über eine Umfrage im Team ermittelt.</a:t>
+            </a:r>
+          </a:p>
+          <a:p>
+            <a:pPr marL="342900" indent="-342900" algn="l">
+              <a:buFont typeface="+mj-lt"/>
+              <a:buAutoNum type="arabicPeriod"/>
+            </a:pPr>
+            <a:r>
+              <a:rPr lang="de-AT" sz="1600" dirty="0">
+                <a:latin typeface="Arial" panose="020B0604020202020204" pitchFamily="34" charset="0"/>
+                <a:cs typeface="Arial" panose="020B0604020202020204" pitchFamily="34" charset="0"/>
+              </a:rPr>
+              <a:t>Software erstellen</a:t>
+            </a:r>
+          </a:p>
+          <a:p>
+            <a:pPr lvl="1" algn="l"/>
+            <a:r>
+              <a:rPr lang="de-AT" sz="1600" dirty="0">
+                <a:latin typeface="Arial" panose="020B0604020202020204" pitchFamily="34" charset="0"/>
+                <a:cs typeface="Arial" panose="020B0604020202020204" pitchFamily="34" charset="0"/>
+              </a:rPr>
+              <a:t>Die im ersten Schritt ermittelten Metriken wurden über eine eigens erstellte Software ermittelt, aufbereitet und in einem </a:t>
+            </a:r>
+            <a:r>
+              <a:rPr lang="de-AT" sz="1600" dirty="0" err="1">
+                <a:latin typeface="Arial" panose="020B0604020202020204" pitchFamily="34" charset="0"/>
+                <a:cs typeface="Arial" panose="020B0604020202020204" pitchFamily="34" charset="0"/>
+              </a:rPr>
+              <a:t>Elastic</a:t>
+            </a:r>
+            <a:r>
+              <a:rPr lang="de-AT" sz="1600" dirty="0">
+                <a:latin typeface="Arial" panose="020B0604020202020204" pitchFamily="34" charset="0"/>
+                <a:cs typeface="Arial" panose="020B0604020202020204" pitchFamily="34" charset="0"/>
+              </a:rPr>
+              <a:t> Stack gespeichert und dargestellt.</a:t>
+            </a:r>
+          </a:p>
+          <a:p>
+            <a:pPr marL="342900" indent="-342900" algn="l">
+              <a:buFont typeface="+mj-lt"/>
+              <a:buAutoNum type="arabicPeriod"/>
+            </a:pPr>
+            <a:r>
+              <a:rPr lang="de-AT" sz="1600" dirty="0">
+                <a:latin typeface="Arial" panose="020B0604020202020204" pitchFamily="34" charset="0"/>
+                <a:cs typeface="Arial" panose="020B0604020202020204" pitchFamily="34" charset="0"/>
+              </a:rPr>
+              <a:t>Ergebnisse evaluieren</a:t>
+            </a:r>
+          </a:p>
+          <a:p>
+            <a:pPr lvl="1" algn="l"/>
+            <a:r>
+              <a:rPr lang="de-AT" sz="1600" dirty="0">
+                <a:latin typeface="Arial" panose="020B0604020202020204" pitchFamily="34" charset="0"/>
+                <a:cs typeface="Arial" panose="020B0604020202020204" pitchFamily="34" charset="0"/>
+              </a:rPr>
+              <a:t>Das </a:t>
+            </a:r>
+            <a:r>
+              <a:rPr lang="de-AT" sz="1600" dirty="0" err="1">
+                <a:latin typeface="Arial" panose="020B0604020202020204" pitchFamily="34" charset="0"/>
+                <a:cs typeface="Arial" panose="020B0604020202020204" pitchFamily="34" charset="0"/>
+              </a:rPr>
+              <a:t>Scrum</a:t>
+            </a:r>
+            <a:r>
+              <a:rPr lang="de-AT" sz="1600" dirty="0">
+                <a:latin typeface="Arial" panose="020B0604020202020204" pitchFamily="34" charset="0"/>
+                <a:cs typeface="Arial" panose="020B0604020202020204" pitchFamily="34" charset="0"/>
+              </a:rPr>
+              <a:t> Team nutzte diese Metriken über einen Zeitraum von nicht ganz drei Sprints in den Retrospektiven, um eine bessere Einsicht in den Entwicklungsprozess zu bekommen.</a:t>
+            </a:r>
+          </a:p>
+          <a:p>
+            <a:pPr marL="0" marR="0" indent="0" algn="ctr" defTabSz="914400" rtl="0" eaLnBrk="1" fontAlgn="base" latinLnBrk="0" hangingPunct="1">
+              <a:lnSpc>
+                <a:spcPct val="100000"/>
+              </a:lnSpc>
+              <a:spcBef>
+                <a:spcPct val="0"/>
+              </a:spcBef>
+              <a:spcAft>
+                <a:spcPct val="0"/>
+              </a:spcAft>
+              <a:buClrTx/>
+              <a:buSzTx/>
+              <a:buFontTx/>
+              <a:buNone/>
+              <a:tabLst/>
+            </a:pPr>
+            <a:endParaRPr kumimoji="0" lang="de-DE" sz="1600" b="0" i="0" u="none" strike="noStrike" cap="none" normalizeH="0" baseline="0" dirty="0">
+              <a:ln>
+                <a:noFill/>
+              </a:ln>
+              <a:solidFill>
+                <a:srgbClr val="000000"/>
+              </a:solidFill>
+              <a:effectLst/>
+              <a:latin typeface="Arial" panose="020B0604020202020204" pitchFamily="34" charset="0"/>
+              <a:ea typeface="ヒラギノ角ゴ ProN W3" charset="-128"/>
+              <a:cs typeface="Arial" panose="020B0604020202020204" pitchFamily="34" charset="0"/>
+              <a:sym typeface="Gill Sans" pitchFamily="-109" charset="0"/>
+            </a:endParaRPr>
+          </a:p>
+        </p:txBody>
+      </p:sp>
+      <p:sp>
+        <p:nvSpPr>
+          <p:cNvPr id="52" name="Rechteck 51">
+            <a:extLst>
+              <a:ext uri="{FF2B5EF4-FFF2-40B4-BE49-F238E27FC236}">
+                <a16:creationId xmlns:a16="http://schemas.microsoft.com/office/drawing/2014/main" id="{A50159FC-2635-8B48-AA6D-E4BD6C0C859E}"/>
+              </a:ext>
+            </a:extLst>
+          </p:cNvPr>
+          <p:cNvSpPr/>
+          <p:nvPr/>
+        </p:nvSpPr>
+        <p:spPr bwMode="auto">
+          <a:xfrm>
+            <a:off x="13759388" y="6110231"/>
+            <a:ext cx="6257384" cy="557529"/>
+          </a:xfrm>
+          <a:prstGeom prst="rect">
+            <a:avLst/>
+          </a:prstGeom>
+          <a:solidFill>
+            <a:srgbClr val="0070C0">
+              <a:alpha val="69000"/>
+            </a:srgbClr>
+          </a:solidFill>
+          <a:ln w="25400" cap="flat" cmpd="sng" algn="ctr">
+            <a:solidFill>
+              <a:srgbClr val="000000"/>
+            </a:solidFill>
+            <a:prstDash val="solid"/>
+            <a:round/>
+            <a:headEnd type="none" w="med" len="med"/>
+            <a:tailEnd type="none" w="med" len="med"/>
+          </a:ln>
+          <a:effectLst/>
+        </p:spPr>
+        <p:txBody>
+          <a:bodyPr vert="horz" wrap="square" lIns="360000" tIns="90000" rIns="360000" bIns="90000" numCol="1" rtlCol="0" anchor="t" anchorCtr="0" compatLnSpc="1">
+            <a:prstTxWarp prst="textNoShape">
+              <a:avLst/>
+            </a:prstTxWarp>
+          </a:bodyPr>
+          <a:lstStyle/>
+          <a:p>
+            <a:pPr algn="l"/>
+            <a:r>
+              <a:rPr lang="de-DE" sz="2400" b="1" dirty="0">
+                <a:latin typeface="Arial" panose="020B0604020202020204" pitchFamily="34" charset="0"/>
+                <a:cs typeface="Arial" panose="020B0604020202020204" pitchFamily="34" charset="0"/>
+              </a:rPr>
+              <a:t>Evaluierung</a:t>
+            </a:r>
+            <a:endParaRPr lang="de-DE" sz="1200" u="sng" dirty="0">
+              <a:latin typeface="Arial" panose="020B0604020202020204" pitchFamily="34" charset="0"/>
+              <a:cs typeface="Arial" panose="020B0604020202020204" pitchFamily="34" charset="0"/>
+            </a:endParaRPr>
+          </a:p>
+          <a:p>
+            <a:pPr algn="l"/>
+            <a:endParaRPr lang="de-AT" sz="1600" dirty="0">
+              <a:latin typeface="Arial" panose="020B0604020202020204" pitchFamily="34" charset="0"/>
+              <a:cs typeface="Arial" panose="020B0604020202020204" pitchFamily="34" charset="0"/>
+            </a:endParaRPr>
+          </a:p>
+        </p:txBody>
+      </p:sp>
+      <p:sp>
+        <p:nvSpPr>
+          <p:cNvPr id="55" name="Rechteck 54">
+            <a:extLst>
+              <a:ext uri="{FF2B5EF4-FFF2-40B4-BE49-F238E27FC236}">
+                <a16:creationId xmlns:a16="http://schemas.microsoft.com/office/drawing/2014/main" id="{D36C8883-ABB4-214D-8C2F-13975F3D1158}"/>
+              </a:ext>
+            </a:extLst>
+          </p:cNvPr>
+          <p:cNvSpPr/>
+          <p:nvPr/>
+        </p:nvSpPr>
+        <p:spPr bwMode="auto">
+          <a:xfrm>
+            <a:off x="13749218" y="12489310"/>
+            <a:ext cx="6257384" cy="557529"/>
+          </a:xfrm>
+          <a:prstGeom prst="rect">
+            <a:avLst/>
+          </a:prstGeom>
+          <a:solidFill>
+            <a:srgbClr val="0070C0">
+              <a:alpha val="69000"/>
+            </a:srgbClr>
+          </a:solidFill>
+          <a:ln w="25400" cap="flat" cmpd="sng" algn="ctr">
+            <a:solidFill>
+              <a:srgbClr val="000000"/>
+            </a:solidFill>
+            <a:prstDash val="solid"/>
+            <a:round/>
+            <a:headEnd type="none" w="med" len="med"/>
+            <a:tailEnd type="none" w="med" len="med"/>
+          </a:ln>
+          <a:effectLst/>
+        </p:spPr>
+        <p:txBody>
+          <a:bodyPr vert="horz" wrap="square" lIns="360000" tIns="90000" rIns="360000" bIns="90000" numCol="1" rtlCol="0" anchor="t" anchorCtr="0" compatLnSpc="1">
+            <a:prstTxWarp prst="textNoShape">
+              <a:avLst/>
+            </a:prstTxWarp>
+          </a:bodyPr>
+          <a:lstStyle/>
+          <a:p>
+            <a:pPr algn="l"/>
+            <a:r>
+              <a:rPr lang="de-DE" sz="2400" b="1" dirty="0">
+                <a:latin typeface="Arial" panose="020B0604020202020204" pitchFamily="34" charset="0"/>
+                <a:cs typeface="Arial" panose="020B0604020202020204" pitchFamily="34" charset="0"/>
+              </a:rPr>
+              <a:t>Schlussfolgerungen</a:t>
+            </a:r>
+            <a:endParaRPr lang="de-DE" sz="1200" u="sng" dirty="0">
+              <a:latin typeface="Arial" panose="020B0604020202020204" pitchFamily="34" charset="0"/>
+              <a:cs typeface="Arial" panose="020B0604020202020204" pitchFamily="34" charset="0"/>
+            </a:endParaRPr>
+          </a:p>
+          <a:p>
+            <a:pPr algn="l"/>
+            <a:endParaRPr lang="de-AT" sz="1600" dirty="0">
+              <a:latin typeface="Arial" panose="020B0604020202020204" pitchFamily="34" charset="0"/>
+              <a:cs typeface="Arial" panose="020B0604020202020204" pitchFamily="34" charset="0"/>
+            </a:endParaRPr>
+          </a:p>
+        </p:txBody>
+      </p:sp>
+      <p:sp>
+        <p:nvSpPr>
+          <p:cNvPr id="57" name="Rechteck 56">
+            <a:extLst>
+              <a:ext uri="{FF2B5EF4-FFF2-40B4-BE49-F238E27FC236}">
+                <a16:creationId xmlns:a16="http://schemas.microsoft.com/office/drawing/2014/main" id="{38D23FA9-F2D8-7A4A-90BF-73021131A653}"/>
+              </a:ext>
+            </a:extLst>
+          </p:cNvPr>
+          <p:cNvSpPr/>
+          <p:nvPr/>
+        </p:nvSpPr>
+        <p:spPr bwMode="auto">
+          <a:xfrm>
+            <a:off x="1672029" y="19574940"/>
+            <a:ext cx="18334574" cy="1195290"/>
+          </a:xfrm>
+          <a:prstGeom prst="rect">
+            <a:avLst/>
+          </a:prstGeom>
+          <a:ln>
+            <a:headEnd type="none" w="med" len="med"/>
+            <a:tailEnd type="none" w="med" len="med"/>
+          </a:ln>
+        </p:spPr>
+        <p:style>
+          <a:lnRef idx="2">
+            <a:schemeClr val="dk1"/>
+          </a:lnRef>
+          <a:fillRef idx="1">
+            <a:schemeClr val="lt1"/>
+          </a:fillRef>
+          <a:effectRef idx="0">
+            <a:schemeClr val="dk1"/>
+          </a:effectRef>
+          <a:fontRef idx="minor">
+            <a:schemeClr val="dk1"/>
+          </a:fontRef>
+        </p:style>
+        <p:txBody>
+          <a:bodyPr vert="horz" wrap="square" lIns="360000" tIns="180000" rIns="360000" bIns="90000" numCol="1" rtlCol="0" anchor="t" anchorCtr="0" compatLnSpc="1">
+            <a:prstTxWarp prst="textNoShape">
+              <a:avLst/>
+            </a:prstTxWarp>
+          </a:bodyPr>
+          <a:lstStyle/>
+          <a:p>
+            <a:pPr algn="l"/>
+            <a:r>
+              <a:rPr lang="de-AT" sz="1600" baseline="30000" dirty="0">
+                <a:latin typeface="Arial" panose="020B0604020202020204" pitchFamily="34" charset="0"/>
+                <a:cs typeface="Arial" panose="020B0604020202020204" pitchFamily="34" charset="0"/>
+              </a:rPr>
+              <a:t>1</a:t>
+            </a:r>
+            <a:r>
+              <a:rPr lang="de-AT" sz="1600" dirty="0">
+                <a:latin typeface="Arial" panose="020B0604020202020204" pitchFamily="34" charset="0"/>
+                <a:cs typeface="Arial" panose="020B0604020202020204" pitchFamily="34" charset="0"/>
+              </a:rPr>
+              <a:t> vgl. Rolf </a:t>
+            </a:r>
+            <a:r>
+              <a:rPr lang="de-AT" sz="1600" dirty="0" err="1">
+                <a:latin typeface="Arial" panose="020B0604020202020204" pitchFamily="34" charset="0"/>
+                <a:cs typeface="Arial" panose="020B0604020202020204" pitchFamily="34" charset="0"/>
+              </a:rPr>
+              <a:t>Dräther</a:t>
+            </a:r>
+            <a:r>
+              <a:rPr lang="de-AT" sz="1600" dirty="0">
+                <a:latin typeface="Arial" panose="020B0604020202020204" pitchFamily="34" charset="0"/>
+                <a:cs typeface="Arial" panose="020B0604020202020204" pitchFamily="34" charset="0"/>
+              </a:rPr>
+              <a:t>, Holger </a:t>
+            </a:r>
+            <a:r>
+              <a:rPr lang="de-AT" sz="1600" dirty="0" err="1">
+                <a:latin typeface="Arial" panose="020B0604020202020204" pitchFamily="34" charset="0"/>
+                <a:cs typeface="Arial" panose="020B0604020202020204" pitchFamily="34" charset="0"/>
+              </a:rPr>
+              <a:t>Koschek</a:t>
+            </a:r>
+            <a:r>
+              <a:rPr lang="de-AT" sz="1600" dirty="0">
+                <a:latin typeface="Arial" panose="020B0604020202020204" pitchFamily="34" charset="0"/>
+                <a:cs typeface="Arial" panose="020B0604020202020204" pitchFamily="34" charset="0"/>
+              </a:rPr>
+              <a:t> und Carsten </a:t>
+            </a:r>
+            <a:r>
+              <a:rPr lang="de-AT" sz="1600" dirty="0" err="1">
+                <a:latin typeface="Arial" panose="020B0604020202020204" pitchFamily="34" charset="0"/>
+                <a:cs typeface="Arial" panose="020B0604020202020204" pitchFamily="34" charset="0"/>
+              </a:rPr>
+              <a:t>Sahling</a:t>
+            </a:r>
+            <a:r>
+              <a:rPr lang="de-AT" sz="1600" dirty="0">
+                <a:latin typeface="Arial" panose="020B0604020202020204" pitchFamily="34" charset="0"/>
+                <a:cs typeface="Arial" panose="020B0604020202020204" pitchFamily="34" charset="0"/>
+              </a:rPr>
+              <a:t>. </a:t>
+            </a:r>
+            <a:r>
+              <a:rPr lang="de-AT" sz="1600" dirty="0" err="1">
+                <a:latin typeface="Arial" panose="020B0604020202020204" pitchFamily="34" charset="0"/>
+                <a:cs typeface="Arial" panose="020B0604020202020204" pitchFamily="34" charset="0"/>
+              </a:rPr>
+              <a:t>Scrum</a:t>
+            </a:r>
+            <a:r>
+              <a:rPr lang="de-AT" sz="1600" dirty="0">
+                <a:latin typeface="Arial" panose="020B0604020202020204" pitchFamily="34" charset="0"/>
+                <a:cs typeface="Arial" panose="020B0604020202020204" pitchFamily="34" charset="0"/>
+              </a:rPr>
+              <a:t>: kurz &amp; gut. 1. Auflage. </a:t>
+            </a:r>
+            <a:r>
+              <a:rPr lang="de-AT" sz="1600" dirty="0" err="1">
+                <a:latin typeface="Arial" panose="020B0604020202020204" pitchFamily="34" charset="0"/>
+                <a:cs typeface="Arial" panose="020B0604020202020204" pitchFamily="34" charset="0"/>
+              </a:rPr>
+              <a:t>O’Reillys</a:t>
+            </a:r>
+            <a:r>
+              <a:rPr lang="de-AT" sz="1600" dirty="0">
+                <a:latin typeface="Arial" panose="020B0604020202020204" pitchFamily="34" charset="0"/>
+                <a:cs typeface="Arial" panose="020B0604020202020204" pitchFamily="34" charset="0"/>
+              </a:rPr>
+              <a:t> Taschenbibliothek. Beijing Cambridge </a:t>
+            </a:r>
+            <a:r>
+              <a:rPr lang="de-AT" sz="1600" dirty="0" err="1">
+                <a:latin typeface="Arial" panose="020B0604020202020204" pitchFamily="34" charset="0"/>
+                <a:cs typeface="Arial" panose="020B0604020202020204" pitchFamily="34" charset="0"/>
+              </a:rPr>
+              <a:t>Farnham</a:t>
+            </a:r>
+            <a:r>
+              <a:rPr lang="de-AT" sz="1600" dirty="0">
+                <a:latin typeface="Arial" panose="020B0604020202020204" pitchFamily="34" charset="0"/>
+                <a:cs typeface="Arial" panose="020B0604020202020204" pitchFamily="34" charset="0"/>
+              </a:rPr>
+              <a:t> </a:t>
+            </a:r>
+            <a:r>
+              <a:rPr lang="de-AT" sz="1600" dirty="0" err="1">
+                <a:latin typeface="Arial" panose="020B0604020202020204" pitchFamily="34" charset="0"/>
+                <a:cs typeface="Arial" panose="020B0604020202020204" pitchFamily="34" charset="0"/>
+              </a:rPr>
+              <a:t>Köln</a:t>
+            </a:r>
+            <a:r>
+              <a:rPr lang="de-AT" sz="1600" dirty="0">
+                <a:latin typeface="Arial" panose="020B0604020202020204" pitchFamily="34" charset="0"/>
+                <a:cs typeface="Arial" panose="020B0604020202020204" pitchFamily="34" charset="0"/>
+              </a:rPr>
+              <a:t> </a:t>
+            </a:r>
+            <a:r>
+              <a:rPr lang="de-AT" sz="1600" dirty="0" err="1">
+                <a:latin typeface="Arial" panose="020B0604020202020204" pitchFamily="34" charset="0"/>
+                <a:cs typeface="Arial" panose="020B0604020202020204" pitchFamily="34" charset="0"/>
+              </a:rPr>
+              <a:t>Sebastopol</a:t>
+            </a:r>
+            <a:r>
+              <a:rPr lang="de-AT" sz="1600" dirty="0">
+                <a:latin typeface="Arial" panose="020B0604020202020204" pitchFamily="34" charset="0"/>
+                <a:cs typeface="Arial" panose="020B0604020202020204" pitchFamily="34" charset="0"/>
+              </a:rPr>
+              <a:t>, Tokyo: </a:t>
+            </a:r>
+            <a:r>
+              <a:rPr lang="de-AT" sz="1600" dirty="0" err="1">
+                <a:latin typeface="Arial" panose="020B0604020202020204" pitchFamily="34" charset="0"/>
+                <a:cs typeface="Arial" panose="020B0604020202020204" pitchFamily="34" charset="0"/>
+              </a:rPr>
+              <a:t>O’Reilly</a:t>
+            </a:r>
+            <a:r>
+              <a:rPr lang="de-AT" sz="1600" dirty="0">
+                <a:latin typeface="Arial" panose="020B0604020202020204" pitchFamily="34" charset="0"/>
+                <a:cs typeface="Arial" panose="020B0604020202020204" pitchFamily="34" charset="0"/>
+              </a:rPr>
+              <a:t>, 2013. </a:t>
+            </a:r>
+            <a:r>
+              <a:rPr lang="de-AT" sz="1600" dirty="0" err="1">
+                <a:latin typeface="Arial" panose="020B0604020202020204" pitchFamily="34" charset="0"/>
+                <a:cs typeface="Arial" panose="020B0604020202020204" pitchFamily="34" charset="0"/>
+              </a:rPr>
+              <a:t>isbn</a:t>
+            </a:r>
+            <a:r>
+              <a:rPr lang="de-AT" sz="1600" dirty="0">
+                <a:latin typeface="Arial" panose="020B0604020202020204" pitchFamily="34" charset="0"/>
+                <a:cs typeface="Arial" panose="020B0604020202020204" pitchFamily="34" charset="0"/>
+              </a:rPr>
+              <a:t>: 978- 3-86899-833-7, S.14ff</a:t>
+            </a:r>
+          </a:p>
+          <a:p>
+            <a:pPr algn="l"/>
+            <a:r>
+              <a:rPr lang="de-AT" sz="1600" baseline="30000" dirty="0">
+                <a:latin typeface="Arial" panose="020B0604020202020204" pitchFamily="34" charset="0"/>
+                <a:cs typeface="Arial" panose="020B0604020202020204" pitchFamily="34" charset="0"/>
+              </a:rPr>
+              <a:t>2</a:t>
+            </a:r>
+            <a:r>
+              <a:rPr lang="de-AT" sz="1600" dirty="0">
+                <a:latin typeface="Arial" panose="020B0604020202020204" pitchFamily="34" charset="0"/>
+                <a:cs typeface="Arial" panose="020B0604020202020204" pitchFamily="34" charset="0"/>
+              </a:rPr>
+              <a:t> Christopher W. H. Davis. Agile </a:t>
+            </a:r>
+            <a:r>
+              <a:rPr lang="de-AT" sz="1600" dirty="0" err="1">
+                <a:latin typeface="Arial" panose="020B0604020202020204" pitchFamily="34" charset="0"/>
+                <a:cs typeface="Arial" panose="020B0604020202020204" pitchFamily="34" charset="0"/>
+              </a:rPr>
+              <a:t>Metrics</a:t>
+            </a:r>
+            <a:r>
+              <a:rPr lang="de-AT" sz="1600" dirty="0">
+                <a:latin typeface="Arial" panose="020B0604020202020204" pitchFamily="34" charset="0"/>
+                <a:cs typeface="Arial" panose="020B0604020202020204" pitchFamily="34" charset="0"/>
+              </a:rPr>
+              <a:t> in Action: </a:t>
+            </a:r>
+            <a:r>
+              <a:rPr lang="de-AT" sz="1600" dirty="0" err="1">
+                <a:latin typeface="Arial" panose="020B0604020202020204" pitchFamily="34" charset="0"/>
+                <a:cs typeface="Arial" panose="020B0604020202020204" pitchFamily="34" charset="0"/>
+              </a:rPr>
+              <a:t>Measuring</a:t>
+            </a:r>
+            <a:r>
+              <a:rPr lang="de-AT" sz="1600" dirty="0">
+                <a:latin typeface="Arial" panose="020B0604020202020204" pitchFamily="34" charset="0"/>
+                <a:cs typeface="Arial" panose="020B0604020202020204" pitchFamily="34" charset="0"/>
+              </a:rPr>
+              <a:t> </a:t>
+            </a:r>
+            <a:r>
+              <a:rPr lang="de-AT" sz="1600" dirty="0" err="1">
+                <a:latin typeface="Arial" panose="020B0604020202020204" pitchFamily="34" charset="0"/>
+                <a:cs typeface="Arial" panose="020B0604020202020204" pitchFamily="34" charset="0"/>
+              </a:rPr>
+              <a:t>and</a:t>
+            </a:r>
+            <a:r>
+              <a:rPr lang="de-AT" sz="1600" dirty="0">
+                <a:latin typeface="Arial" panose="020B0604020202020204" pitchFamily="34" charset="0"/>
+                <a:cs typeface="Arial" panose="020B0604020202020204" pitchFamily="34" charset="0"/>
+              </a:rPr>
+              <a:t> </a:t>
+            </a:r>
+            <a:r>
+              <a:rPr lang="de-AT" sz="1600" dirty="0" err="1">
+                <a:latin typeface="Arial" panose="020B0604020202020204" pitchFamily="34" charset="0"/>
+                <a:cs typeface="Arial" panose="020B0604020202020204" pitchFamily="34" charset="0"/>
+              </a:rPr>
+              <a:t>Enhancing</a:t>
+            </a:r>
+            <a:r>
+              <a:rPr lang="de-AT" sz="1600" dirty="0">
+                <a:latin typeface="Arial" panose="020B0604020202020204" pitchFamily="34" charset="0"/>
+                <a:cs typeface="Arial" panose="020B0604020202020204" pitchFamily="34" charset="0"/>
+              </a:rPr>
+              <a:t> </a:t>
+            </a:r>
+            <a:r>
+              <a:rPr lang="de-AT" sz="1600" dirty="0" err="1">
+                <a:latin typeface="Arial" panose="020B0604020202020204" pitchFamily="34" charset="0"/>
+                <a:cs typeface="Arial" panose="020B0604020202020204" pitchFamily="34" charset="0"/>
+              </a:rPr>
+              <a:t>the</a:t>
+            </a:r>
+            <a:r>
+              <a:rPr lang="de-AT" sz="1600" dirty="0">
+                <a:latin typeface="Arial" panose="020B0604020202020204" pitchFamily="34" charset="0"/>
+                <a:cs typeface="Arial" panose="020B0604020202020204" pitchFamily="34" charset="0"/>
+              </a:rPr>
+              <a:t> Performance </a:t>
+            </a:r>
+            <a:r>
+              <a:rPr lang="de-AT" sz="1600" dirty="0" err="1">
+                <a:latin typeface="Arial" panose="020B0604020202020204" pitchFamily="34" charset="0"/>
+                <a:cs typeface="Arial" panose="020B0604020202020204" pitchFamily="34" charset="0"/>
+              </a:rPr>
+              <a:t>of</a:t>
+            </a:r>
+            <a:r>
+              <a:rPr lang="de-AT" sz="1600" dirty="0">
+                <a:latin typeface="Arial" panose="020B0604020202020204" pitchFamily="34" charset="0"/>
+                <a:cs typeface="Arial" panose="020B0604020202020204" pitchFamily="34" charset="0"/>
+              </a:rPr>
+              <a:t> Agile Teams. 1st. Greenwich, CT, USA: Manning Publications Co., 2015. </a:t>
+            </a:r>
+            <a:r>
+              <a:rPr lang="de-AT" sz="1600" dirty="0" err="1">
+                <a:latin typeface="Arial" panose="020B0604020202020204" pitchFamily="34" charset="0"/>
+                <a:cs typeface="Arial" panose="020B0604020202020204" pitchFamily="34" charset="0"/>
+              </a:rPr>
+              <a:t>isbn</a:t>
+            </a:r>
+            <a:r>
+              <a:rPr lang="de-AT" sz="1600" dirty="0">
+                <a:latin typeface="Arial" panose="020B0604020202020204" pitchFamily="34" charset="0"/>
+                <a:cs typeface="Arial" panose="020B0604020202020204" pitchFamily="34" charset="0"/>
+              </a:rPr>
+              <a:t>: 978-1-61729-248-4</a:t>
+            </a:r>
+          </a:p>
+        </p:txBody>
+      </p:sp>
+    </p:spTree>
+    <p:extLst>
+      <p:ext uri="{BB962C8B-B14F-4D97-AF65-F5344CB8AC3E}">
+        <p14:creationId xmlns:p14="http://schemas.microsoft.com/office/powerpoint/2010/main" val="653896128"/>
+      </p:ext>
+    </p:extLst>
+  </p:cSld>
+  <p:clrMapOvr>
+    <a:masterClrMapping/>
+  </p:clrMapOvr>
+  <p:transition/>
+</p:sld>
+</file>
+
 <file path=ppt/theme/theme1.xml><?xml version="1.0" encoding="utf-8"?>
 <a:theme xmlns:a="http://schemas.openxmlformats.org/drawingml/2006/main" name="Title &amp; Subtitle">
   <a:themeElements>

--- a/poster/poster.pptx
+++ b/poster/poster.pptx
@@ -18,12 +18,13 @@
     <p:sldMasterId id="2147483661" r:id="rId14"/>
   </p:sldMasterIdLst>
   <p:notesMasterIdLst>
-    <p:notesMasterId r:id="rId18"/>
+    <p:notesMasterId r:id="rId19"/>
   </p:notesMasterIdLst>
   <p:sldIdLst>
     <p:sldId id="257" r:id="rId15"/>
     <p:sldId id="258" r:id="rId16"/>
     <p:sldId id="259" r:id="rId17"/>
+    <p:sldId id="260" r:id="rId18"/>
   </p:sldIdLst>
   <p:sldSz cx="21907500" cy="30797500"/>
   <p:notesSz cx="6858000" cy="9144000"/>
@@ -38952,7 +38953,7 @@
                   <a:latin typeface="Arial" panose="020B0604020202020204" pitchFamily="34" charset="0"/>
                   <a:cs typeface="Arial" panose="020B0604020202020204" pitchFamily="34" charset="0"/>
                 </a:rPr>
-                <a:t>Langzeit-Metriken auf dem Team-Dashboard in </a:t>
+                <a:t>langfristige Metriken auf dem Team-Dashboard in </a:t>
               </a:r>
               <a:r>
                 <a:rPr lang="de-DE" sz="1600" dirty="0" err="1">
@@ -39052,7 +39053,7 @@
                   <a:latin typeface="Arial" panose="020B0604020202020204" pitchFamily="34" charset="0"/>
                   <a:cs typeface="Arial" panose="020B0604020202020204" pitchFamily="34" charset="0"/>
                 </a:rPr>
-                <a:t>Kurzzeit-Metriken auf dem Team-Dashboard in </a:t>
+                <a:t>kurzfristige Metriken auf dem Team-Dashboard in </a:t>
               </a:r>
               <a:r>
                 <a:rPr lang="de-DE" sz="1600" dirty="0" err="1">
@@ -40161,6 +40162,3290 @@
     <p:extLst>
       <p:ext uri="{BB962C8B-B14F-4D97-AF65-F5344CB8AC3E}">
         <p14:creationId xmlns:p14="http://schemas.microsoft.com/office/powerpoint/2010/main" val="653896128"/>
+      </p:ext>
+    </p:extLst>
+  </p:cSld>
+  <p:clrMapOvr>
+    <a:masterClrMapping/>
+  </p:clrMapOvr>
+  <p:transition/>
+</p:sld>
+</file>
+
+<file path=ppt/slides/slide4.xml><?xml version="1.0" encoding="utf-8"?>
+<p:sld xmlns:a="http://schemas.openxmlformats.org/drawingml/2006/main" xmlns:r="http://schemas.openxmlformats.org/officeDocument/2006/relationships" xmlns:p="http://schemas.openxmlformats.org/presentationml/2006/main">
+  <p:cSld>
+    <p:spTree>
+      <p:nvGrpSpPr>
+        <p:cNvPr id="1" name=""/>
+        <p:cNvGrpSpPr/>
+        <p:nvPr/>
+      </p:nvGrpSpPr>
+      <p:grpSpPr>
+        <a:xfrm>
+          <a:off x="0" y="0"/>
+          <a:ext cx="0" cy="0"/>
+          <a:chOff x="0" y="0"/>
+          <a:chExt cx="0" cy="0"/>
+        </a:xfrm>
+      </p:grpSpPr>
+      <p:sp>
+        <p:nvSpPr>
+          <p:cNvPr id="56" name="Rechteck 55">
+            <a:extLst>
+              <a:ext uri="{FF2B5EF4-FFF2-40B4-BE49-F238E27FC236}">
+                <a16:creationId xmlns:a16="http://schemas.microsoft.com/office/drawing/2014/main" id="{B764E1EE-3C81-6E43-AE08-C76F59CE23E3}"/>
+              </a:ext>
+            </a:extLst>
+          </p:cNvPr>
+          <p:cNvSpPr/>
+          <p:nvPr/>
+        </p:nvSpPr>
+        <p:spPr bwMode="auto">
+          <a:xfrm>
+            <a:off x="1672030" y="19051836"/>
+            <a:ext cx="18334572" cy="523104"/>
+          </a:xfrm>
+          <a:prstGeom prst="rect">
+            <a:avLst/>
+          </a:prstGeom>
+          <a:solidFill>
+            <a:srgbClr val="0070C0">
+              <a:alpha val="69000"/>
+            </a:srgbClr>
+          </a:solidFill>
+          <a:ln w="25400" cap="flat" cmpd="sng" algn="ctr">
+            <a:solidFill>
+              <a:srgbClr val="000000"/>
+            </a:solidFill>
+            <a:prstDash val="solid"/>
+            <a:round/>
+            <a:headEnd type="none" w="med" len="med"/>
+            <a:tailEnd type="none" w="med" len="med"/>
+          </a:ln>
+          <a:effectLst/>
+          <a:scene3d>
+            <a:camera prst="orthographicFront"/>
+            <a:lightRig rig="threePt" dir="t"/>
+          </a:scene3d>
+          <a:sp3d>
+            <a:bevelT/>
+          </a:sp3d>
+        </p:spPr>
+        <p:txBody>
+          <a:bodyPr vert="horz" wrap="square" lIns="360000" tIns="90000" rIns="360000" bIns="90000" numCol="1" rtlCol="0" anchor="t" anchorCtr="0" compatLnSpc="1">
+            <a:prstTxWarp prst="textNoShape">
+              <a:avLst/>
+            </a:prstTxWarp>
+          </a:bodyPr>
+          <a:lstStyle/>
+          <a:p>
+            <a:pPr algn="l"/>
+            <a:r>
+              <a:rPr lang="de-AT" sz="2400" b="1" dirty="0">
+                <a:latin typeface="Arial" panose="020B0604020202020204" pitchFamily="34" charset="0"/>
+                <a:cs typeface="Arial" panose="020B0604020202020204" pitchFamily="34" charset="0"/>
+              </a:rPr>
+              <a:t>Quellen</a:t>
+            </a:r>
+            <a:endParaRPr kumimoji="0" lang="de-DE" sz="2400" b="1" i="0" strike="noStrike" cap="none" normalizeH="0" baseline="0" dirty="0">
+              <a:ln>
+                <a:noFill/>
+              </a:ln>
+              <a:solidFill>
+                <a:srgbClr val="000000"/>
+              </a:solidFill>
+              <a:effectLst/>
+              <a:latin typeface="Arial" panose="020B0604020202020204" pitchFamily="34" charset="0"/>
+              <a:cs typeface="Arial" panose="020B0604020202020204" pitchFamily="34" charset="0"/>
+              <a:sym typeface="Gill Sans" pitchFamily="-109" charset="0"/>
+            </a:endParaRPr>
+          </a:p>
+          <a:p>
+            <a:pPr marL="0" marR="0" indent="0" algn="l" defTabSz="914400" rtl="0" eaLnBrk="1" fontAlgn="base" latinLnBrk="0" hangingPunct="1">
+              <a:lnSpc>
+                <a:spcPct val="100000"/>
+              </a:lnSpc>
+              <a:spcBef>
+                <a:spcPct val="0"/>
+              </a:spcBef>
+              <a:spcAft>
+                <a:spcPct val="0"/>
+              </a:spcAft>
+              <a:buClrTx/>
+              <a:buSzTx/>
+              <a:buFontTx/>
+              <a:buNone/>
+              <a:tabLst/>
+            </a:pPr>
+            <a:endParaRPr lang="de-DE" sz="1200" u="sng" dirty="0">
+              <a:latin typeface="Arial" panose="020B0604020202020204" pitchFamily="34" charset="0"/>
+              <a:cs typeface="Arial" panose="020B0604020202020204" pitchFamily="34" charset="0"/>
+            </a:endParaRPr>
+          </a:p>
+          <a:p>
+            <a:pPr algn="l"/>
+            <a:endParaRPr lang="de-AT" sz="1600" dirty="0">
+              <a:latin typeface="Arial" panose="020B0604020202020204" pitchFamily="34" charset="0"/>
+              <a:cs typeface="Arial" panose="020B0604020202020204" pitchFamily="34" charset="0"/>
+            </a:endParaRPr>
+          </a:p>
+        </p:txBody>
+      </p:sp>
+      <p:sp>
+        <p:nvSpPr>
+          <p:cNvPr id="54" name="Rechteck 53">
+            <a:extLst>
+              <a:ext uri="{FF2B5EF4-FFF2-40B4-BE49-F238E27FC236}">
+                <a16:creationId xmlns:a16="http://schemas.microsoft.com/office/drawing/2014/main" id="{493C4A6D-81C6-2547-BB08-9C449A42C1C2}"/>
+              </a:ext>
+            </a:extLst>
+          </p:cNvPr>
+          <p:cNvSpPr/>
+          <p:nvPr/>
+        </p:nvSpPr>
+        <p:spPr bwMode="auto">
+          <a:xfrm>
+            <a:off x="13749218" y="13046839"/>
+            <a:ext cx="6257384" cy="5573945"/>
+          </a:xfrm>
+          <a:prstGeom prst="rect">
+            <a:avLst/>
+          </a:prstGeom>
+          <a:ln>
+            <a:headEnd type="none" w="med" len="med"/>
+            <a:tailEnd type="none" w="med" len="med"/>
+          </a:ln>
+        </p:spPr>
+        <p:style>
+          <a:lnRef idx="2">
+            <a:schemeClr val="dk1"/>
+          </a:lnRef>
+          <a:fillRef idx="1">
+            <a:schemeClr val="lt1"/>
+          </a:fillRef>
+          <a:effectRef idx="0">
+            <a:schemeClr val="dk1"/>
+          </a:effectRef>
+          <a:fontRef idx="minor">
+            <a:schemeClr val="dk1"/>
+          </a:fontRef>
+        </p:style>
+        <p:txBody>
+          <a:bodyPr vert="horz" wrap="square" lIns="360000" tIns="180000" rIns="360000" bIns="90000" numCol="1" rtlCol="0" anchor="t" anchorCtr="0" compatLnSpc="1">
+            <a:prstTxWarp prst="textNoShape">
+              <a:avLst/>
+            </a:prstTxWarp>
+          </a:bodyPr>
+          <a:lstStyle/>
+          <a:p>
+            <a:pPr algn="l"/>
+            <a:r>
+              <a:rPr lang="de-AT" sz="1600" dirty="0">
+                <a:latin typeface="Arial" panose="020B0604020202020204" pitchFamily="34" charset="0"/>
+                <a:cs typeface="Arial" panose="020B0604020202020204" pitchFamily="34" charset="0"/>
+              </a:rPr>
+              <a:t>In dieser Arbeit konnte in einer Fallstudie gezeigt werden, dass mithilfe der GQM- Methodik, </a:t>
+            </a:r>
+            <a:r>
+              <a:rPr lang="de-AT" sz="1600" dirty="0" err="1">
+                <a:latin typeface="Arial" panose="020B0604020202020204" pitchFamily="34" charset="0"/>
+                <a:cs typeface="Arial" panose="020B0604020202020204" pitchFamily="34" charset="0"/>
+              </a:rPr>
+              <a:t>ergänzt</a:t>
+            </a:r>
+            <a:r>
+              <a:rPr lang="de-AT" sz="1600" dirty="0">
+                <a:latin typeface="Arial" panose="020B0604020202020204" pitchFamily="34" charset="0"/>
+                <a:cs typeface="Arial" panose="020B0604020202020204" pitchFamily="34" charset="0"/>
+              </a:rPr>
+              <a:t> durch eine Umfrage im entsprechenden </a:t>
+            </a:r>
+            <a:r>
+              <a:rPr lang="de-AT" sz="1600" dirty="0" err="1">
+                <a:latin typeface="Arial" panose="020B0604020202020204" pitchFamily="34" charset="0"/>
+                <a:cs typeface="Arial" panose="020B0604020202020204" pitchFamily="34" charset="0"/>
+              </a:rPr>
+              <a:t>Scrum</a:t>
+            </a:r>
+            <a:r>
+              <a:rPr lang="de-AT" sz="1600" dirty="0">
+                <a:latin typeface="Arial" panose="020B0604020202020204" pitchFamily="34" charset="0"/>
+                <a:cs typeface="Arial" panose="020B0604020202020204" pitchFamily="34" charset="0"/>
+              </a:rPr>
+              <a:t>-Team, Metriken er- mittelt werden </a:t>
+            </a:r>
+            <a:r>
+              <a:rPr lang="de-AT" sz="1600" dirty="0" err="1">
+                <a:latin typeface="Arial" panose="020B0604020202020204" pitchFamily="34" charset="0"/>
+                <a:cs typeface="Arial" panose="020B0604020202020204" pitchFamily="34" charset="0"/>
+              </a:rPr>
+              <a:t>können</a:t>
+            </a:r>
+            <a:r>
+              <a:rPr lang="de-AT" sz="1600" dirty="0">
+                <a:latin typeface="Arial" panose="020B0604020202020204" pitchFamily="34" charset="0"/>
+                <a:cs typeface="Arial" panose="020B0604020202020204" pitchFamily="34" charset="0"/>
+              </a:rPr>
+              <a:t>, die es </a:t>
+            </a:r>
+            <a:r>
+              <a:rPr lang="de-AT" sz="1600" dirty="0" err="1">
+                <a:latin typeface="Arial" panose="020B0604020202020204" pitchFamily="34" charset="0"/>
+                <a:cs typeface="Arial" panose="020B0604020202020204" pitchFamily="34" charset="0"/>
+              </a:rPr>
+              <a:t>ermöglichen</a:t>
+            </a:r>
+            <a:r>
+              <a:rPr lang="de-AT" sz="1600" dirty="0">
+                <a:latin typeface="Arial" panose="020B0604020202020204" pitchFamily="34" charset="0"/>
+                <a:cs typeface="Arial" panose="020B0604020202020204" pitchFamily="34" charset="0"/>
+              </a:rPr>
+              <a:t>, die Schwachstellen in einem Produkt und im agilen Prozess in Zahlen zu fassen. Die entwickelte Software hilft dabei, die Daten aus den unterschiedlichen Systemen im Entwicklungsprozess als Metriken aufzubereiten und zu speichern. </a:t>
+            </a:r>
+            <a:r>
+              <a:rPr lang="de-AT" sz="1600" dirty="0" err="1">
+                <a:latin typeface="Arial" panose="020B0604020202020204" pitchFamily="34" charset="0"/>
+                <a:cs typeface="Arial" panose="020B0604020202020204" pitchFamily="34" charset="0"/>
+              </a:rPr>
+              <a:t>Für</a:t>
+            </a:r>
+            <a:r>
+              <a:rPr lang="de-AT" sz="1600" dirty="0">
+                <a:latin typeface="Arial" panose="020B0604020202020204" pitchFamily="34" charset="0"/>
+                <a:cs typeface="Arial" panose="020B0604020202020204" pitchFamily="34" charset="0"/>
+              </a:rPr>
+              <a:t> einen einfachen Zugang und eine </a:t>
+            </a:r>
+            <a:r>
+              <a:rPr lang="de-AT" sz="1600" dirty="0" err="1">
+                <a:latin typeface="Arial" panose="020B0604020202020204" pitchFamily="34" charset="0"/>
+                <a:cs typeface="Arial" panose="020B0604020202020204" pitchFamily="34" charset="0"/>
+              </a:rPr>
+              <a:t>uneingeschränkte</a:t>
+            </a:r>
+            <a:r>
+              <a:rPr lang="de-AT" sz="1600" dirty="0">
+                <a:latin typeface="Arial" panose="020B0604020202020204" pitchFamily="34" charset="0"/>
+                <a:cs typeface="Arial" panose="020B0604020202020204" pitchFamily="34" charset="0"/>
+              </a:rPr>
+              <a:t> Erweiterbarkeit wurde der Quellcode der Software unter der quelloffenen MIT-Lizenz </a:t>
+            </a:r>
+            <a:r>
+              <a:rPr lang="de-AT" sz="1600" dirty="0" err="1">
+                <a:latin typeface="Arial" panose="020B0604020202020204" pitchFamily="34" charset="0"/>
+                <a:cs typeface="Arial" panose="020B0604020202020204" pitchFamily="34" charset="0"/>
+              </a:rPr>
+              <a:t>veröffentlicht</a:t>
+            </a:r>
+            <a:r>
+              <a:rPr lang="de-AT" sz="1600" dirty="0">
+                <a:latin typeface="Arial" panose="020B0604020202020204" pitchFamily="34" charset="0"/>
+                <a:cs typeface="Arial" panose="020B0604020202020204" pitchFamily="34" charset="0"/>
+              </a:rPr>
+              <a:t>. </a:t>
+            </a:r>
+          </a:p>
+          <a:p>
+            <a:pPr algn="l"/>
+            <a:r>
+              <a:rPr lang="de-AT" sz="1600" dirty="0">
+                <a:latin typeface="Arial" panose="020B0604020202020204" pitchFamily="34" charset="0"/>
+                <a:cs typeface="Arial" panose="020B0604020202020204" pitchFamily="34" charset="0"/>
+              </a:rPr>
+              <a:t>Bei der Visualisierung von Metriken bietet </a:t>
+            </a:r>
+            <a:r>
+              <a:rPr lang="de-AT" sz="1600" dirty="0" err="1">
+                <a:latin typeface="Arial" panose="020B0604020202020204" pitchFamily="34" charset="0"/>
+                <a:cs typeface="Arial" panose="020B0604020202020204" pitchFamily="34" charset="0"/>
+              </a:rPr>
+              <a:t>Kibana</a:t>
+            </a:r>
+            <a:r>
+              <a:rPr lang="de-AT" sz="1600" dirty="0">
+                <a:latin typeface="Arial" panose="020B0604020202020204" pitchFamily="34" charset="0"/>
+                <a:cs typeface="Arial" panose="020B0604020202020204" pitchFamily="34" charset="0"/>
+              </a:rPr>
+              <a:t> eine geeignete Plattform, um aus den gespeicherten Metriken einfach Dashboards mit unterschiedlichen Visualisierungen bereitzustellen. Durch den Einsatz der entwickelten Software und der vorgestellten Modelle zur Identifizierung von relevanten Metriken, kann die </a:t>
+            </a:r>
+            <a:r>
+              <a:rPr lang="de-AT" sz="1600" dirty="0" err="1">
+                <a:latin typeface="Arial" panose="020B0604020202020204" pitchFamily="34" charset="0"/>
+                <a:cs typeface="Arial" panose="020B0604020202020204" pitchFamily="34" charset="0"/>
+              </a:rPr>
+              <a:t>Qualität</a:t>
+            </a:r>
+            <a:r>
+              <a:rPr lang="de-AT" sz="1600" dirty="0">
+                <a:latin typeface="Arial" panose="020B0604020202020204" pitchFamily="34" charset="0"/>
+                <a:cs typeface="Arial" panose="020B0604020202020204" pitchFamily="34" charset="0"/>
+              </a:rPr>
+              <a:t> in einem agilen Team dadurch </a:t>
+            </a:r>
+            <a:r>
+              <a:rPr lang="de-AT" sz="1600" dirty="0" err="1">
+                <a:latin typeface="Arial" panose="020B0604020202020204" pitchFamily="34" charset="0"/>
+                <a:cs typeface="Arial" panose="020B0604020202020204" pitchFamily="34" charset="0"/>
+              </a:rPr>
+              <a:t>erhöht</a:t>
+            </a:r>
+            <a:r>
+              <a:rPr lang="de-AT" sz="1600" dirty="0">
+                <a:latin typeface="Arial" panose="020B0604020202020204" pitchFamily="34" charset="0"/>
+                <a:cs typeface="Arial" panose="020B0604020202020204" pitchFamily="34" charset="0"/>
+              </a:rPr>
+              <a:t> werden, dass </a:t>
+            </a:r>
+            <a:r>
+              <a:rPr lang="de-AT" sz="1600" dirty="0" err="1">
+                <a:latin typeface="Arial" panose="020B0604020202020204" pitchFamily="34" charset="0"/>
+                <a:cs typeface="Arial" panose="020B0604020202020204" pitchFamily="34" charset="0"/>
+              </a:rPr>
+              <a:t>Qualitätsprobleme</a:t>
+            </a:r>
+            <a:r>
+              <a:rPr lang="de-AT" sz="1600" dirty="0">
+                <a:latin typeface="Arial" panose="020B0604020202020204" pitchFamily="34" charset="0"/>
+                <a:cs typeface="Arial" panose="020B0604020202020204" pitchFamily="34" charset="0"/>
+              </a:rPr>
+              <a:t> durch Metriken sichtbar gemacht und in den Retrospektiven Gegenmaßnahmen </a:t>
+            </a:r>
+            <a:r>
+              <a:rPr lang="de-AT" sz="1600" dirty="0" err="1">
+                <a:latin typeface="Arial" panose="020B0604020202020204" pitchFamily="34" charset="0"/>
+                <a:cs typeface="Arial" panose="020B0604020202020204" pitchFamily="34" charset="0"/>
+              </a:rPr>
+              <a:t>dafür</a:t>
+            </a:r>
+            <a:r>
+              <a:rPr lang="de-AT" sz="1600" dirty="0">
+                <a:latin typeface="Arial" panose="020B0604020202020204" pitchFamily="34" charset="0"/>
+                <a:cs typeface="Arial" panose="020B0604020202020204" pitchFamily="34" charset="0"/>
+              </a:rPr>
+              <a:t> getroffen werden </a:t>
+            </a:r>
+            <a:r>
+              <a:rPr lang="de-AT" sz="1600" dirty="0" err="1">
+                <a:latin typeface="Arial" panose="020B0604020202020204" pitchFamily="34" charset="0"/>
+                <a:cs typeface="Arial" panose="020B0604020202020204" pitchFamily="34" charset="0"/>
+              </a:rPr>
+              <a:t>können</a:t>
+            </a:r>
+            <a:r>
+              <a:rPr lang="de-AT" sz="1600" dirty="0">
+                <a:latin typeface="Arial" panose="020B0604020202020204" pitchFamily="34" charset="0"/>
+                <a:cs typeface="Arial" panose="020B0604020202020204" pitchFamily="34" charset="0"/>
+              </a:rPr>
+              <a:t>.</a:t>
+            </a:r>
+          </a:p>
+        </p:txBody>
+      </p:sp>
+      <p:sp>
+        <p:nvSpPr>
+          <p:cNvPr id="53" name="Rechteck 52">
+            <a:extLst>
+              <a:ext uri="{FF2B5EF4-FFF2-40B4-BE49-F238E27FC236}">
+                <a16:creationId xmlns:a16="http://schemas.microsoft.com/office/drawing/2014/main" id="{714561DD-DEE4-F44B-98CC-E714A747E23D}"/>
+              </a:ext>
+            </a:extLst>
+          </p:cNvPr>
+          <p:cNvSpPr/>
+          <p:nvPr/>
+        </p:nvSpPr>
+        <p:spPr bwMode="auto">
+          <a:xfrm>
+            <a:off x="13759389" y="6667760"/>
+            <a:ext cx="6257384" cy="5390833"/>
+          </a:xfrm>
+          <a:prstGeom prst="rect">
+            <a:avLst/>
+          </a:prstGeom>
+          <a:ln>
+            <a:headEnd type="none" w="med" len="med"/>
+            <a:tailEnd type="none" w="med" len="med"/>
+          </a:ln>
+        </p:spPr>
+        <p:style>
+          <a:lnRef idx="2">
+            <a:schemeClr val="dk1"/>
+          </a:lnRef>
+          <a:fillRef idx="1">
+            <a:schemeClr val="lt1"/>
+          </a:fillRef>
+          <a:effectRef idx="0">
+            <a:schemeClr val="dk1"/>
+          </a:effectRef>
+          <a:fontRef idx="minor">
+            <a:schemeClr val="dk1"/>
+          </a:fontRef>
+        </p:style>
+        <p:txBody>
+          <a:bodyPr vert="horz" wrap="square" lIns="360000" tIns="180000" rIns="360000" bIns="90000" numCol="1" rtlCol="0" anchor="t" anchorCtr="0" compatLnSpc="1">
+            <a:prstTxWarp prst="textNoShape">
+              <a:avLst/>
+            </a:prstTxWarp>
+          </a:bodyPr>
+          <a:lstStyle/>
+          <a:p>
+            <a:pPr algn="l"/>
+            <a:r>
+              <a:rPr lang="de-AT" sz="1600" dirty="0">
+                <a:latin typeface="Arial" panose="020B0604020202020204" pitchFamily="34" charset="0"/>
+                <a:cs typeface="Arial" panose="020B0604020202020204" pitchFamily="34" charset="0"/>
+              </a:rPr>
+              <a:t>Zur </a:t>
+            </a:r>
+            <a:r>
+              <a:rPr lang="de-AT" sz="1600" u="sng" dirty="0">
+                <a:latin typeface="Arial" panose="020B0604020202020204" pitchFamily="34" charset="0"/>
+                <a:cs typeface="Arial" panose="020B0604020202020204" pitchFamily="34" charset="0"/>
+              </a:rPr>
+              <a:t>quantitativen Evaluierung</a:t>
+            </a:r>
+            <a:r>
+              <a:rPr lang="de-AT" sz="1600" dirty="0">
+                <a:latin typeface="Arial" panose="020B0604020202020204" pitchFamily="34" charset="0"/>
+                <a:cs typeface="Arial" panose="020B0604020202020204" pitchFamily="34" charset="0"/>
+              </a:rPr>
+              <a:t> wurden die Metriken beobachtet. Es waren nach diesen drei Sprints bereits Tendenzen erkennbar, ob diese durch das Dashboard eingetreten sind, war in diesem kurzen Zeitraum nicht eindeutig feststellbar. Was aber klar erkennbar war, war die Wahl der Metriken, da durch diese viele Schwachstellen sichtbar gemacht werden konnten.</a:t>
+            </a:r>
+          </a:p>
+          <a:p>
+            <a:pPr algn="l"/>
+            <a:r>
+              <a:rPr lang="de-AT" sz="1600" dirty="0">
+                <a:latin typeface="Arial" panose="020B0604020202020204" pitchFamily="34" charset="0"/>
+                <a:cs typeface="Arial" panose="020B0604020202020204" pitchFamily="34" charset="0"/>
+              </a:rPr>
+              <a:t>Ergänzend wurde eine </a:t>
+            </a:r>
+            <a:r>
+              <a:rPr lang="de-AT" sz="1600" u="sng" dirty="0">
+                <a:latin typeface="Arial" panose="020B0604020202020204" pitchFamily="34" charset="0"/>
+                <a:cs typeface="Arial" panose="020B0604020202020204" pitchFamily="34" charset="0"/>
+              </a:rPr>
+              <a:t>qualitative Evaluierung</a:t>
+            </a:r>
+            <a:r>
+              <a:rPr lang="de-AT" sz="1600" dirty="0">
+                <a:latin typeface="Arial" panose="020B0604020202020204" pitchFamily="34" charset="0"/>
+                <a:cs typeface="Arial" panose="020B0604020202020204" pitchFamily="34" charset="0"/>
+              </a:rPr>
+              <a:t> in Form von Interviews durchgeführt. Interviewt wurden dabei eine Entwicklerin, der </a:t>
+            </a:r>
+            <a:r>
+              <a:rPr lang="de-AT" sz="1600" dirty="0" err="1">
+                <a:latin typeface="Arial" panose="020B0604020202020204" pitchFamily="34" charset="0"/>
+                <a:cs typeface="Arial" panose="020B0604020202020204" pitchFamily="34" charset="0"/>
+              </a:rPr>
+              <a:t>Product</a:t>
+            </a:r>
+            <a:r>
+              <a:rPr lang="de-AT" sz="1600" dirty="0">
+                <a:latin typeface="Arial" panose="020B0604020202020204" pitchFamily="34" charset="0"/>
+                <a:cs typeface="Arial" panose="020B0604020202020204" pitchFamily="34" charset="0"/>
+              </a:rPr>
+              <a:t> </a:t>
+            </a:r>
+            <a:r>
+              <a:rPr lang="de-AT" sz="1600" dirty="0" err="1">
+                <a:latin typeface="Arial" panose="020B0604020202020204" pitchFamily="34" charset="0"/>
+                <a:cs typeface="Arial" panose="020B0604020202020204" pitchFamily="34" charset="0"/>
+              </a:rPr>
+              <a:t>Owner</a:t>
+            </a:r>
+            <a:r>
+              <a:rPr lang="de-AT" sz="1600" dirty="0">
+                <a:latin typeface="Arial" panose="020B0604020202020204" pitchFamily="34" charset="0"/>
+                <a:cs typeface="Arial" panose="020B0604020202020204" pitchFamily="34" charset="0"/>
+              </a:rPr>
+              <a:t> und der </a:t>
+            </a:r>
+            <a:r>
+              <a:rPr lang="de-AT" sz="1600" dirty="0" err="1">
+                <a:latin typeface="Arial" panose="020B0604020202020204" pitchFamily="34" charset="0"/>
+                <a:cs typeface="Arial" panose="020B0604020202020204" pitchFamily="34" charset="0"/>
+              </a:rPr>
+              <a:t>Scrum</a:t>
+            </a:r>
+            <a:r>
+              <a:rPr lang="de-AT" sz="1600" dirty="0">
+                <a:latin typeface="Arial" panose="020B0604020202020204" pitchFamily="34" charset="0"/>
+                <a:cs typeface="Arial" panose="020B0604020202020204" pitchFamily="34" charset="0"/>
+              </a:rPr>
+              <a:t> Master. Auffallend dabei war, dass jeder </a:t>
+            </a:r>
+            <a:r>
+              <a:rPr lang="de-AT" sz="1600">
+                <a:latin typeface="Arial" panose="020B0604020202020204" pitchFamily="34" charset="0"/>
+                <a:cs typeface="Arial" panose="020B0604020202020204" pitchFamily="34" charset="0"/>
+              </a:rPr>
+              <a:t>der Drei </a:t>
+            </a:r>
+            <a:r>
+              <a:rPr lang="de-AT" sz="1600" dirty="0">
+                <a:latin typeface="Arial" panose="020B0604020202020204" pitchFamily="34" charset="0"/>
+                <a:cs typeface="Arial" panose="020B0604020202020204" pitchFamily="34" charset="0"/>
+              </a:rPr>
+              <a:t>das Dashboard bereits für seine Zwecke zu nutzen wusste. </a:t>
+            </a:r>
+            <a:r>
+              <a:rPr lang="de-AT" sz="1600" dirty="0" err="1">
+                <a:latin typeface="Arial" panose="020B0604020202020204" pitchFamily="34" charset="0"/>
+                <a:cs typeface="Arial" panose="020B0604020202020204" pitchFamily="34" charset="0"/>
+              </a:rPr>
+              <a:t>Während</a:t>
+            </a:r>
+            <a:r>
+              <a:rPr lang="de-AT" sz="1600" dirty="0">
+                <a:latin typeface="Arial" panose="020B0604020202020204" pitchFamily="34" charset="0"/>
+                <a:cs typeface="Arial" panose="020B0604020202020204" pitchFamily="34" charset="0"/>
+              </a:rPr>
+              <a:t> der </a:t>
+            </a:r>
+            <a:r>
+              <a:rPr lang="de-AT" sz="1600" dirty="0" err="1">
+                <a:latin typeface="Arial" panose="020B0604020202020204" pitchFamily="34" charset="0"/>
+                <a:cs typeface="Arial" panose="020B0604020202020204" pitchFamily="34" charset="0"/>
+              </a:rPr>
+              <a:t>Product-Owner</a:t>
+            </a:r>
+            <a:r>
+              <a:rPr lang="de-AT" sz="1600" dirty="0">
+                <a:latin typeface="Arial" panose="020B0604020202020204" pitchFamily="34" charset="0"/>
+                <a:cs typeface="Arial" panose="020B0604020202020204" pitchFamily="34" charset="0"/>
+              </a:rPr>
+              <a:t> das Dashboard mehr </a:t>
+            </a:r>
+            <a:r>
+              <a:rPr lang="de-AT" sz="1600" dirty="0" err="1">
+                <a:latin typeface="Arial" panose="020B0604020202020204" pitchFamily="34" charset="0"/>
+                <a:cs typeface="Arial" panose="020B0604020202020204" pitchFamily="34" charset="0"/>
+              </a:rPr>
+              <a:t>für</a:t>
+            </a:r>
+            <a:r>
+              <a:rPr lang="de-AT" sz="1600" dirty="0">
+                <a:latin typeface="Arial" panose="020B0604020202020204" pitchFamily="34" charset="0"/>
+                <a:cs typeface="Arial" panose="020B0604020202020204" pitchFamily="34" charset="0"/>
+              </a:rPr>
+              <a:t> Werbezwecke genutzt hat, um andere Abteilungen auf die </a:t>
+            </a:r>
+            <a:r>
+              <a:rPr lang="de-AT" sz="1600" dirty="0" err="1">
+                <a:latin typeface="Arial" panose="020B0604020202020204" pitchFamily="34" charset="0"/>
+                <a:cs typeface="Arial" panose="020B0604020202020204" pitchFamily="34" charset="0"/>
+              </a:rPr>
+              <a:t>Möglichkeit</a:t>
+            </a:r>
+            <a:r>
+              <a:rPr lang="de-AT" sz="1600" dirty="0">
+                <a:latin typeface="Arial" panose="020B0604020202020204" pitchFamily="34" charset="0"/>
+                <a:cs typeface="Arial" panose="020B0604020202020204" pitchFamily="34" charset="0"/>
+              </a:rPr>
+              <a:t> von Metriken aufmerksam zu machen, hat es der </a:t>
+            </a:r>
+            <a:r>
+              <a:rPr lang="de-AT" sz="1600" dirty="0" err="1">
+                <a:latin typeface="Arial" panose="020B0604020202020204" pitchFamily="34" charset="0"/>
+                <a:cs typeface="Arial" panose="020B0604020202020204" pitchFamily="34" charset="0"/>
+              </a:rPr>
+              <a:t>Scrum</a:t>
+            </a:r>
+            <a:r>
+              <a:rPr lang="de-AT" sz="1600" dirty="0">
+                <a:latin typeface="Arial" panose="020B0604020202020204" pitchFamily="34" charset="0"/>
+                <a:cs typeface="Arial" panose="020B0604020202020204" pitchFamily="34" charset="0"/>
+              </a:rPr>
+              <a:t>-Master eher </a:t>
+            </a:r>
+            <a:r>
+              <a:rPr lang="de-AT" sz="1600" dirty="0" err="1">
+                <a:latin typeface="Arial" panose="020B0604020202020204" pitchFamily="34" charset="0"/>
+                <a:cs typeface="Arial" panose="020B0604020202020204" pitchFamily="34" charset="0"/>
+              </a:rPr>
+              <a:t>für</a:t>
+            </a:r>
+            <a:r>
+              <a:rPr lang="de-AT" sz="1600" dirty="0">
+                <a:latin typeface="Arial" panose="020B0604020202020204" pitchFamily="34" charset="0"/>
+                <a:cs typeface="Arial" panose="020B0604020202020204" pitchFamily="34" charset="0"/>
+              </a:rPr>
+              <a:t> die Langzeit-Sicht des Teams genutzt und seinen Fokus auf die Verbesserung des Prozesses gelegt. Die Entwicklerin wiederum hatte den Fokus auf die kurzfristigen Metriken, wie den Bug Count, um schnell auf Probleme reagieren zu </a:t>
+            </a:r>
+            <a:r>
+              <a:rPr lang="de-AT" sz="1600" dirty="0" err="1">
+                <a:latin typeface="Arial" panose="020B0604020202020204" pitchFamily="34" charset="0"/>
+                <a:cs typeface="Arial" panose="020B0604020202020204" pitchFamily="34" charset="0"/>
+              </a:rPr>
+              <a:t>können</a:t>
+            </a:r>
+            <a:r>
+              <a:rPr lang="de-AT" sz="1600" dirty="0">
+                <a:latin typeface="Arial" panose="020B0604020202020204" pitchFamily="34" charset="0"/>
+                <a:cs typeface="Arial" panose="020B0604020202020204" pitchFamily="34" charset="0"/>
+              </a:rPr>
+              <a:t>. </a:t>
+            </a:r>
+          </a:p>
+          <a:p>
+            <a:pPr marL="0" marR="0" indent="0" algn="ctr" defTabSz="914400" rtl="0" eaLnBrk="1" fontAlgn="base" latinLnBrk="0" hangingPunct="1">
+              <a:lnSpc>
+                <a:spcPct val="100000"/>
+              </a:lnSpc>
+              <a:spcBef>
+                <a:spcPct val="0"/>
+              </a:spcBef>
+              <a:spcAft>
+                <a:spcPct val="0"/>
+              </a:spcAft>
+              <a:buClrTx/>
+              <a:buSzTx/>
+              <a:buFontTx/>
+              <a:buNone/>
+              <a:tabLst/>
+            </a:pPr>
+            <a:endParaRPr kumimoji="0" lang="de-DE" sz="1600" b="0" i="0" u="none" strike="noStrike" cap="none" normalizeH="0" baseline="0" dirty="0">
+              <a:ln>
+                <a:noFill/>
+              </a:ln>
+              <a:solidFill>
+                <a:srgbClr val="000000"/>
+              </a:solidFill>
+              <a:effectLst/>
+              <a:latin typeface="Arial" panose="020B0604020202020204" pitchFamily="34" charset="0"/>
+              <a:ea typeface="ヒラギノ角ゴ ProN W3" charset="-128"/>
+              <a:cs typeface="Arial" panose="020B0604020202020204" pitchFamily="34" charset="0"/>
+              <a:sym typeface="Gill Sans" pitchFamily="-109" charset="0"/>
+            </a:endParaRPr>
+          </a:p>
+        </p:txBody>
+      </p:sp>
+      <p:sp>
+        <p:nvSpPr>
+          <p:cNvPr id="50" name="Rechteck 49">
+            <a:extLst>
+              <a:ext uri="{FF2B5EF4-FFF2-40B4-BE49-F238E27FC236}">
+                <a16:creationId xmlns:a16="http://schemas.microsoft.com/office/drawing/2014/main" id="{7C168356-9DA2-824E-B632-1DC14C604B01}"/>
+              </a:ext>
+            </a:extLst>
+          </p:cNvPr>
+          <p:cNvSpPr/>
+          <p:nvPr/>
+        </p:nvSpPr>
+        <p:spPr bwMode="auto">
+          <a:xfrm>
+            <a:off x="1672030" y="16076075"/>
+            <a:ext cx="6257384" cy="561013"/>
+          </a:xfrm>
+          <a:prstGeom prst="rect">
+            <a:avLst/>
+          </a:prstGeom>
+          <a:solidFill>
+            <a:srgbClr val="0070C0">
+              <a:alpha val="69000"/>
+            </a:srgbClr>
+          </a:solidFill>
+          <a:ln w="25400" cap="flat" cmpd="sng" algn="ctr">
+            <a:solidFill>
+              <a:srgbClr val="000000"/>
+            </a:solidFill>
+            <a:prstDash val="solid"/>
+            <a:round/>
+            <a:headEnd type="none" w="med" len="med"/>
+            <a:tailEnd type="none" w="med" len="med"/>
+          </a:ln>
+          <a:effectLst/>
+          <a:scene3d>
+            <a:camera prst="orthographicFront"/>
+            <a:lightRig rig="threePt" dir="t"/>
+          </a:scene3d>
+          <a:sp3d>
+            <a:bevelT/>
+          </a:sp3d>
+        </p:spPr>
+        <p:txBody>
+          <a:bodyPr vert="horz" wrap="square" lIns="360000" tIns="90000" rIns="360000" bIns="90000" numCol="1" rtlCol="0" anchor="t" anchorCtr="0" compatLnSpc="1">
+            <a:prstTxWarp prst="textNoShape">
+              <a:avLst/>
+            </a:prstTxWarp>
+          </a:bodyPr>
+          <a:lstStyle/>
+          <a:p>
+            <a:pPr algn="l"/>
+            <a:r>
+              <a:rPr lang="de-DE" sz="2400" b="1" dirty="0">
+                <a:latin typeface="Arial" panose="020B0604020202020204" pitchFamily="34" charset="0"/>
+                <a:cs typeface="Arial" panose="020B0604020202020204" pitchFamily="34" charset="0"/>
+              </a:rPr>
+              <a:t>Umsetzung</a:t>
+            </a:r>
+            <a:endParaRPr kumimoji="0" lang="de-DE" sz="2400" b="1" i="0" strike="noStrike" cap="none" normalizeH="0" baseline="0" dirty="0">
+              <a:ln>
+                <a:noFill/>
+              </a:ln>
+              <a:solidFill>
+                <a:srgbClr val="000000"/>
+              </a:solidFill>
+              <a:effectLst/>
+              <a:latin typeface="Arial" panose="020B0604020202020204" pitchFamily="34" charset="0"/>
+              <a:cs typeface="Arial" panose="020B0604020202020204" pitchFamily="34" charset="0"/>
+              <a:sym typeface="Gill Sans" pitchFamily="-109" charset="0"/>
+            </a:endParaRPr>
+          </a:p>
+          <a:p>
+            <a:pPr marL="0" marR="0" indent="0" algn="l" defTabSz="914400" rtl="0" eaLnBrk="1" fontAlgn="base" latinLnBrk="0" hangingPunct="1">
+              <a:lnSpc>
+                <a:spcPct val="100000"/>
+              </a:lnSpc>
+              <a:spcBef>
+                <a:spcPct val="0"/>
+              </a:spcBef>
+              <a:spcAft>
+                <a:spcPct val="0"/>
+              </a:spcAft>
+              <a:buClrTx/>
+              <a:buSzTx/>
+              <a:buFontTx/>
+              <a:buNone/>
+              <a:tabLst/>
+            </a:pPr>
+            <a:endParaRPr lang="de-DE" sz="1200" u="sng" dirty="0">
+              <a:latin typeface="Arial" panose="020B0604020202020204" pitchFamily="34" charset="0"/>
+              <a:cs typeface="Arial" panose="020B0604020202020204" pitchFamily="34" charset="0"/>
+            </a:endParaRPr>
+          </a:p>
+          <a:p>
+            <a:pPr algn="l"/>
+            <a:endParaRPr lang="de-AT" sz="1600" dirty="0">
+              <a:latin typeface="Arial" panose="020B0604020202020204" pitchFamily="34" charset="0"/>
+              <a:cs typeface="Arial" panose="020B0604020202020204" pitchFamily="34" charset="0"/>
+            </a:endParaRPr>
+          </a:p>
+        </p:txBody>
+      </p:sp>
+      <p:sp>
+        <p:nvSpPr>
+          <p:cNvPr id="51" name="Rechteck 50">
+            <a:extLst>
+              <a:ext uri="{FF2B5EF4-FFF2-40B4-BE49-F238E27FC236}">
+                <a16:creationId xmlns:a16="http://schemas.microsoft.com/office/drawing/2014/main" id="{65917D4E-EA22-3B4E-8DE7-4A8A288A27C9}"/>
+              </a:ext>
+            </a:extLst>
+          </p:cNvPr>
+          <p:cNvSpPr/>
+          <p:nvPr/>
+        </p:nvSpPr>
+        <p:spPr bwMode="auto">
+          <a:xfrm>
+            <a:off x="1672029" y="16637088"/>
+            <a:ext cx="6257385" cy="1983696"/>
+          </a:xfrm>
+          <a:prstGeom prst="rect">
+            <a:avLst/>
+          </a:prstGeom>
+          <a:ln>
+            <a:headEnd type="none" w="med" len="med"/>
+            <a:tailEnd type="none" w="med" len="med"/>
+          </a:ln>
+        </p:spPr>
+        <p:style>
+          <a:lnRef idx="2">
+            <a:schemeClr val="dk1"/>
+          </a:lnRef>
+          <a:fillRef idx="1">
+            <a:schemeClr val="lt1"/>
+          </a:fillRef>
+          <a:effectRef idx="0">
+            <a:schemeClr val="dk1"/>
+          </a:effectRef>
+          <a:fontRef idx="minor">
+            <a:schemeClr val="dk1"/>
+          </a:fontRef>
+        </p:style>
+        <p:txBody>
+          <a:bodyPr vert="horz" wrap="square" lIns="360000" tIns="180000" rIns="360000" bIns="90000" numCol="1" rtlCol="0" anchor="t" anchorCtr="0" compatLnSpc="1">
+            <a:prstTxWarp prst="textNoShape">
+              <a:avLst/>
+            </a:prstTxWarp>
+          </a:bodyPr>
+          <a:lstStyle/>
+          <a:p>
+            <a:pPr algn="l"/>
+            <a:r>
+              <a:rPr lang="de-AT" sz="1600" dirty="0">
+                <a:latin typeface="Arial" panose="020B0604020202020204" pitchFamily="34" charset="0"/>
+                <a:cs typeface="Arial" panose="020B0604020202020204" pitchFamily="34" charset="0"/>
+              </a:rPr>
+              <a:t>Es wurde eine Java-Software erstellt, die eigenständig betrieben werden kann und Daten von den einzelnen Systemen im Entwicklungsprozess abholen, aufbereiten und als Metriken in einer Datenbank speichern kann. In der Fall-studie waren es die Systeme </a:t>
+            </a:r>
+            <a:r>
+              <a:rPr lang="de-AT" sz="1600" dirty="0" err="1">
+                <a:latin typeface="Arial" panose="020B0604020202020204" pitchFamily="34" charset="0"/>
+                <a:cs typeface="Arial" panose="020B0604020202020204" pitchFamily="34" charset="0"/>
+              </a:rPr>
+              <a:t>Jira</a:t>
+            </a:r>
+            <a:r>
+              <a:rPr lang="de-AT" sz="1600" dirty="0">
+                <a:latin typeface="Arial" panose="020B0604020202020204" pitchFamily="34" charset="0"/>
+                <a:cs typeface="Arial" panose="020B0604020202020204" pitchFamily="34" charset="0"/>
+              </a:rPr>
+              <a:t>, </a:t>
+            </a:r>
+            <a:r>
+              <a:rPr lang="de-AT" sz="1600" dirty="0" err="1">
+                <a:latin typeface="Arial" panose="020B0604020202020204" pitchFamily="34" charset="0"/>
+                <a:cs typeface="Arial" panose="020B0604020202020204" pitchFamily="34" charset="0"/>
+              </a:rPr>
+              <a:t>Bitbucket</a:t>
+            </a:r>
+            <a:r>
+              <a:rPr lang="de-AT" sz="1600" dirty="0">
+                <a:latin typeface="Arial" panose="020B0604020202020204" pitchFamily="34" charset="0"/>
+                <a:cs typeface="Arial" panose="020B0604020202020204" pitchFamily="34" charset="0"/>
+              </a:rPr>
+              <a:t>, </a:t>
+            </a:r>
+            <a:r>
+              <a:rPr lang="de-AT" sz="1600" dirty="0" err="1">
+                <a:latin typeface="Arial" panose="020B0604020202020204" pitchFamily="34" charset="0"/>
+                <a:cs typeface="Arial" panose="020B0604020202020204" pitchFamily="34" charset="0"/>
+              </a:rPr>
+              <a:t>SonarQube</a:t>
+            </a:r>
+            <a:r>
+              <a:rPr lang="de-AT" sz="1600" dirty="0">
+                <a:latin typeface="Arial" panose="020B0604020202020204" pitchFamily="34" charset="0"/>
+                <a:cs typeface="Arial" panose="020B0604020202020204" pitchFamily="34" charset="0"/>
+              </a:rPr>
+              <a:t> und zur Speicherung und Visualisierung diente ein </a:t>
+            </a:r>
+            <a:r>
+              <a:rPr lang="de-AT" sz="1600" dirty="0" err="1">
+                <a:latin typeface="Arial" panose="020B0604020202020204" pitchFamily="34" charset="0"/>
+                <a:cs typeface="Arial" panose="020B0604020202020204" pitchFamily="34" charset="0"/>
+              </a:rPr>
+              <a:t>Elastic</a:t>
+            </a:r>
+            <a:r>
+              <a:rPr lang="de-AT" sz="1600" dirty="0">
+                <a:latin typeface="Arial" panose="020B0604020202020204" pitchFamily="34" charset="0"/>
+                <a:cs typeface="Arial" panose="020B0604020202020204" pitchFamily="34" charset="0"/>
+              </a:rPr>
+              <a:t> Stack.</a:t>
+            </a:r>
+          </a:p>
+        </p:txBody>
+      </p:sp>
+      <p:sp>
+        <p:nvSpPr>
+          <p:cNvPr id="44" name="Rechteck 43">
+            <a:extLst>
+              <a:ext uri="{FF2B5EF4-FFF2-40B4-BE49-F238E27FC236}">
+                <a16:creationId xmlns:a16="http://schemas.microsoft.com/office/drawing/2014/main" id="{E4CE7653-9336-4E4A-B609-BA64C3F7DDBE}"/>
+              </a:ext>
+            </a:extLst>
+          </p:cNvPr>
+          <p:cNvSpPr/>
+          <p:nvPr/>
+        </p:nvSpPr>
+        <p:spPr bwMode="auto">
+          <a:xfrm>
+            <a:off x="1662963" y="10329070"/>
+            <a:ext cx="6257384" cy="543695"/>
+          </a:xfrm>
+          <a:prstGeom prst="rect">
+            <a:avLst/>
+          </a:prstGeom>
+          <a:solidFill>
+            <a:srgbClr val="0070C0">
+              <a:alpha val="69000"/>
+            </a:srgbClr>
+          </a:solidFill>
+          <a:ln w="25400" cap="flat" cmpd="sng" algn="ctr">
+            <a:solidFill>
+              <a:srgbClr val="000000"/>
+            </a:solidFill>
+            <a:prstDash val="solid"/>
+            <a:round/>
+            <a:headEnd type="none" w="med" len="med"/>
+            <a:tailEnd type="none" w="med" len="med"/>
+          </a:ln>
+          <a:effectLst/>
+          <a:scene3d>
+            <a:camera prst="orthographicFront"/>
+            <a:lightRig rig="threePt" dir="t"/>
+          </a:scene3d>
+          <a:sp3d>
+            <a:bevelT/>
+          </a:sp3d>
+        </p:spPr>
+        <p:txBody>
+          <a:bodyPr vert="horz" wrap="square" lIns="360000" tIns="90000" rIns="360000" bIns="90000" numCol="1" rtlCol="0" anchor="t" anchorCtr="0" compatLnSpc="1">
+            <a:prstTxWarp prst="textNoShape">
+              <a:avLst/>
+            </a:prstTxWarp>
+          </a:bodyPr>
+          <a:lstStyle/>
+          <a:p>
+            <a:pPr algn="l"/>
+            <a:r>
+              <a:rPr lang="de-DE" sz="2400" b="1" dirty="0">
+                <a:latin typeface="Arial" panose="020B0604020202020204" pitchFamily="34" charset="0"/>
+                <a:cs typeface="Arial" panose="020B0604020202020204" pitchFamily="34" charset="0"/>
+              </a:rPr>
+              <a:t>Vorgehensweise</a:t>
+            </a:r>
+            <a:endParaRPr kumimoji="0" lang="de-DE" sz="2400" b="1" i="0" strike="noStrike" cap="none" normalizeH="0" baseline="0" dirty="0">
+              <a:ln>
+                <a:noFill/>
+              </a:ln>
+              <a:solidFill>
+                <a:srgbClr val="000000"/>
+              </a:solidFill>
+              <a:effectLst/>
+              <a:latin typeface="Arial" panose="020B0604020202020204" pitchFamily="34" charset="0"/>
+              <a:cs typeface="Arial" panose="020B0604020202020204" pitchFamily="34" charset="0"/>
+              <a:sym typeface="Gill Sans" pitchFamily="-109" charset="0"/>
+            </a:endParaRPr>
+          </a:p>
+          <a:p>
+            <a:pPr marL="0" marR="0" indent="0" algn="l" defTabSz="914400" rtl="0" eaLnBrk="1" fontAlgn="base" latinLnBrk="0" hangingPunct="1">
+              <a:lnSpc>
+                <a:spcPct val="100000"/>
+              </a:lnSpc>
+              <a:spcBef>
+                <a:spcPct val="0"/>
+              </a:spcBef>
+              <a:spcAft>
+                <a:spcPct val="0"/>
+              </a:spcAft>
+              <a:buClrTx/>
+              <a:buSzTx/>
+              <a:buFontTx/>
+              <a:buNone/>
+              <a:tabLst/>
+            </a:pPr>
+            <a:endParaRPr lang="de-DE" sz="1200" u="sng" dirty="0">
+              <a:latin typeface="Arial" panose="020B0604020202020204" pitchFamily="34" charset="0"/>
+              <a:cs typeface="Arial" panose="020B0604020202020204" pitchFamily="34" charset="0"/>
+            </a:endParaRPr>
+          </a:p>
+          <a:p>
+            <a:pPr algn="l"/>
+            <a:endParaRPr lang="de-AT" sz="1600" dirty="0">
+              <a:latin typeface="Arial" panose="020B0604020202020204" pitchFamily="34" charset="0"/>
+              <a:cs typeface="Arial" panose="020B0604020202020204" pitchFamily="34" charset="0"/>
+            </a:endParaRPr>
+          </a:p>
+        </p:txBody>
+      </p:sp>
+      <p:sp>
+        <p:nvSpPr>
+          <p:cNvPr id="2" name="Rectangle 1"/>
+          <p:cNvSpPr/>
+          <p:nvPr/>
+        </p:nvSpPr>
+        <p:spPr bwMode="auto">
+          <a:xfrm>
+            <a:off x="108000" y="27640110"/>
+            <a:ext cx="21646950" cy="3024336"/>
+          </a:xfrm>
+          <a:prstGeom prst="rect">
+            <a:avLst/>
+          </a:prstGeom>
+          <a:solidFill>
+            <a:schemeClr val="tx1"/>
+          </a:solidFill>
+          <a:ln w="25400" cap="flat" cmpd="sng" algn="ctr">
+            <a:noFill/>
+            <a:prstDash val="solid"/>
+            <a:round/>
+            <a:headEnd type="none" w="med" len="med"/>
+            <a:tailEnd type="none" w="med" len="med"/>
+          </a:ln>
+          <a:effectLst/>
+        </p:spPr>
+        <p:txBody>
+          <a:bodyPr vert="horz" wrap="square" lIns="91440" tIns="45720" rIns="91440" bIns="45720" numCol="1" rtlCol="0" anchor="t" anchorCtr="0" compatLnSpc="1">
+            <a:prstTxWarp prst="textNoShape">
+              <a:avLst/>
+            </a:prstTxWarp>
+          </a:bodyPr>
+          <a:lstStyle/>
+          <a:p>
+            <a:pPr marL="0" marR="0" indent="0" algn="ctr" defTabSz="914400" rtl="0" eaLnBrk="1" fontAlgn="base" latinLnBrk="0" hangingPunct="1">
+              <a:lnSpc>
+                <a:spcPct val="100000"/>
+              </a:lnSpc>
+              <a:spcBef>
+                <a:spcPct val="0"/>
+              </a:spcBef>
+              <a:spcAft>
+                <a:spcPct val="0"/>
+              </a:spcAft>
+              <a:buClrTx/>
+              <a:buSzTx/>
+              <a:buFontTx/>
+              <a:buNone/>
+              <a:tabLst/>
+            </a:pPr>
+            <a:endParaRPr kumimoji="0" lang="en-US" sz="13200" b="0" i="0" u="none" strike="noStrike" cap="none" normalizeH="0" baseline="0" dirty="0">
+              <a:ln>
+                <a:noFill/>
+              </a:ln>
+              <a:solidFill>
+                <a:srgbClr val="000000"/>
+              </a:solidFill>
+              <a:effectLst/>
+              <a:latin typeface="Gill Sans" pitchFamily="-109" charset="0"/>
+              <a:ea typeface="ヒラギノ角ゴ ProN W3" charset="-128"/>
+              <a:cs typeface="ヒラギノ角ゴ ProN W3" charset="-128"/>
+              <a:sym typeface="Gill Sans" pitchFamily="-109" charset="0"/>
+            </a:endParaRPr>
+          </a:p>
+        </p:txBody>
+      </p:sp>
+      <p:sp>
+        <p:nvSpPr>
+          <p:cNvPr id="173059" name="Rectangle 2"/>
+          <p:cNvSpPr>
+            <a:spLocks/>
+          </p:cNvSpPr>
+          <p:nvPr/>
+        </p:nvSpPr>
+        <p:spPr bwMode="auto">
+          <a:xfrm>
+            <a:off x="1672030" y="2437310"/>
+            <a:ext cx="10998200" cy="1816100"/>
+          </a:xfrm>
+          <a:prstGeom prst="rect">
+            <a:avLst/>
+          </a:prstGeom>
+          <a:noFill/>
+          <a:ln w="12700">
+            <a:noFill/>
+            <a:miter lim="800000"/>
+            <a:headEnd/>
+            <a:tailEnd/>
+          </a:ln>
+        </p:spPr>
+        <p:txBody>
+          <a:bodyPr lIns="0" tIns="0" rIns="0" bIns="0"/>
+          <a:lstStyle/>
+          <a:p>
+            <a:pPr algn="l">
+              <a:lnSpc>
+                <a:spcPct val="110000"/>
+              </a:lnSpc>
+            </a:pPr>
+            <a:r>
+              <a:rPr lang="en-US" sz="5600" dirty="0">
+                <a:solidFill>
+                  <a:schemeClr val="tx1"/>
+                </a:solidFill>
+                <a:latin typeface="Arial Bold" charset="0"/>
+                <a:sym typeface="Arial Bold" charset="0"/>
+              </a:rPr>
+              <a:t>Agile </a:t>
+            </a:r>
+            <a:r>
+              <a:rPr lang="en-US" sz="5600" dirty="0" err="1">
+                <a:solidFill>
+                  <a:schemeClr val="tx1"/>
+                </a:solidFill>
+                <a:latin typeface="Arial Bold" charset="0"/>
+                <a:sym typeface="Arial Bold" charset="0"/>
+              </a:rPr>
+              <a:t>Metriken</a:t>
+            </a:r>
+            <a:endParaRPr lang="en-US" sz="5600" dirty="0">
+              <a:solidFill>
+                <a:schemeClr val="tx1"/>
+              </a:solidFill>
+              <a:latin typeface="Arial Bold" charset="0"/>
+              <a:sym typeface="Arial Bold" charset="0"/>
+            </a:endParaRPr>
+          </a:p>
+          <a:p>
+            <a:pPr algn="l">
+              <a:lnSpc>
+                <a:spcPct val="120000"/>
+              </a:lnSpc>
+            </a:pPr>
+            <a:r>
+              <a:rPr lang="en-US" sz="4500" dirty="0" err="1">
+                <a:solidFill>
+                  <a:schemeClr val="tx1"/>
+                </a:solidFill>
+                <a:latin typeface="Arial" charset="0"/>
+                <a:cs typeface="Arial" charset="0"/>
+                <a:sym typeface="Arial" charset="0"/>
+              </a:rPr>
+              <a:t>Qualitätssicherung</a:t>
+            </a:r>
+            <a:r>
+              <a:rPr lang="en-US" sz="4500" dirty="0">
+                <a:solidFill>
+                  <a:schemeClr val="tx1"/>
+                </a:solidFill>
+                <a:latin typeface="Arial" charset="0"/>
+                <a:cs typeface="Arial" charset="0"/>
+                <a:sym typeface="Arial" charset="0"/>
+              </a:rPr>
+              <a:t> in </a:t>
+            </a:r>
+            <a:r>
+              <a:rPr lang="en-US" sz="4500" dirty="0" err="1">
+                <a:solidFill>
+                  <a:schemeClr val="tx1"/>
+                </a:solidFill>
+                <a:latin typeface="Arial" charset="0"/>
+                <a:cs typeface="Arial" charset="0"/>
+                <a:sym typeface="Arial" charset="0"/>
+              </a:rPr>
+              <a:t>agilen</a:t>
+            </a:r>
+            <a:r>
+              <a:rPr lang="en-US" sz="4500" dirty="0">
+                <a:solidFill>
+                  <a:schemeClr val="tx1"/>
+                </a:solidFill>
+                <a:latin typeface="Arial" charset="0"/>
+                <a:cs typeface="Arial" charset="0"/>
+                <a:sym typeface="Arial" charset="0"/>
+              </a:rPr>
+              <a:t> Teams</a:t>
+            </a:r>
+          </a:p>
+        </p:txBody>
+      </p:sp>
+      <p:sp>
+        <p:nvSpPr>
+          <p:cNvPr id="173061" name="Rectangle 4"/>
+          <p:cNvSpPr>
+            <a:spLocks/>
+          </p:cNvSpPr>
+          <p:nvPr/>
+        </p:nvSpPr>
+        <p:spPr bwMode="auto">
+          <a:xfrm>
+            <a:off x="953501" y="28254659"/>
+            <a:ext cx="4175298" cy="965200"/>
+          </a:xfrm>
+          <a:prstGeom prst="rect">
+            <a:avLst/>
+          </a:prstGeom>
+          <a:noFill/>
+          <a:ln w="12700">
+            <a:noFill/>
+            <a:miter lim="800000"/>
+            <a:headEnd/>
+            <a:tailEnd/>
+          </a:ln>
+        </p:spPr>
+        <p:txBody>
+          <a:bodyPr lIns="0" tIns="0" rIns="0" bIns="0"/>
+          <a:lstStyle/>
+          <a:p>
+            <a:pPr algn="l">
+              <a:lnSpc>
+                <a:spcPts val="2600"/>
+              </a:lnSpc>
+            </a:pPr>
+            <a:r>
+              <a:rPr lang="en-US" sz="2000">
+                <a:solidFill>
+                  <a:schemeClr val="bg1"/>
+                </a:solidFill>
+                <a:latin typeface="Arial"/>
+                <a:cs typeface="Arial"/>
+                <a:sym typeface="Arial Bold" charset="0"/>
+              </a:rPr>
+              <a:t>Master </a:t>
+            </a:r>
+          </a:p>
+          <a:p>
+            <a:pPr algn="l">
+              <a:lnSpc>
+                <a:spcPts val="2800"/>
+              </a:lnSpc>
+            </a:pPr>
+            <a:r>
+              <a:rPr lang="en-US" sz="2000" b="1" err="1">
+                <a:solidFill>
+                  <a:schemeClr val="bg1"/>
+                </a:solidFill>
+                <a:latin typeface="Arial"/>
+                <a:sym typeface="Arial Bold" charset="0"/>
+              </a:rPr>
+              <a:t>Informatik</a:t>
+            </a:r>
+            <a:endParaRPr lang="en-US" sz="2000" b="1">
+              <a:solidFill>
+                <a:schemeClr val="bg1"/>
+              </a:solidFill>
+              <a:latin typeface="Arial"/>
+              <a:sym typeface="Arial Bold" charset="0"/>
+            </a:endParaRPr>
+          </a:p>
+          <a:p>
+            <a:pPr algn="l">
+              <a:lnSpc>
+                <a:spcPts val="2600"/>
+              </a:lnSpc>
+            </a:pPr>
+            <a:r>
+              <a:rPr lang="en-US" sz="2000" b="1">
+                <a:solidFill>
+                  <a:schemeClr val="bg1"/>
+                </a:solidFill>
+                <a:latin typeface="Arial"/>
+                <a:cs typeface="Arial" charset="0"/>
+                <a:sym typeface="Arial" charset="0"/>
+              </a:rPr>
+              <a:t>2018</a:t>
+            </a:r>
+          </a:p>
+        </p:txBody>
+      </p:sp>
+      <p:sp>
+        <p:nvSpPr>
+          <p:cNvPr id="173062" name="Rectangle 5"/>
+          <p:cNvSpPr>
+            <a:spLocks/>
+          </p:cNvSpPr>
+          <p:nvPr/>
+        </p:nvSpPr>
+        <p:spPr bwMode="auto">
+          <a:xfrm>
+            <a:off x="5265118" y="28216174"/>
+            <a:ext cx="5029200" cy="965200"/>
+          </a:xfrm>
+          <a:prstGeom prst="rect">
+            <a:avLst/>
+          </a:prstGeom>
+          <a:noFill/>
+          <a:ln w="12700">
+            <a:noFill/>
+            <a:miter lim="800000"/>
+            <a:headEnd/>
+            <a:tailEnd/>
+          </a:ln>
+        </p:spPr>
+        <p:txBody>
+          <a:bodyPr wrap="none" lIns="0" tIns="0" rIns="0" bIns="0"/>
+          <a:lstStyle/>
+          <a:p>
+            <a:pPr algn="l">
+              <a:lnSpc>
+                <a:spcPts val="2800"/>
+              </a:lnSpc>
+            </a:pPr>
+            <a:r>
+              <a:rPr lang="en-US" sz="2000" err="1">
+                <a:solidFill>
+                  <a:schemeClr val="bg1"/>
+                </a:solidFill>
+                <a:latin typeface="Arial Bold" charset="0"/>
+                <a:sym typeface="Arial Bold" charset="0"/>
+              </a:rPr>
+              <a:t>Studierender</a:t>
+            </a:r>
+            <a:endParaRPr lang="en-US" sz="2000">
+              <a:solidFill>
+                <a:schemeClr val="bg1"/>
+              </a:solidFill>
+              <a:latin typeface="Arial Bold" charset="0"/>
+              <a:sym typeface="Arial Bold" charset="0"/>
+            </a:endParaRPr>
+          </a:p>
+          <a:p>
+            <a:pPr algn="l">
+              <a:lnSpc>
+                <a:spcPts val="2800"/>
+              </a:lnSpc>
+            </a:pPr>
+            <a:r>
+              <a:rPr lang="en-US" sz="2000" b="1">
+                <a:solidFill>
+                  <a:schemeClr val="bg1"/>
+                </a:solidFill>
+                <a:latin typeface="Arial" charset="0"/>
+                <a:cs typeface="Arial" charset="0"/>
+                <a:sym typeface="Arial" charset="0"/>
+              </a:rPr>
+              <a:t>Daniel </a:t>
+            </a:r>
+            <a:r>
+              <a:rPr lang="en-US" sz="2000" b="1" err="1">
+                <a:solidFill>
+                  <a:schemeClr val="bg1"/>
+                </a:solidFill>
+                <a:latin typeface="Arial" charset="0"/>
+                <a:cs typeface="Arial" charset="0"/>
+                <a:sym typeface="Arial" charset="0"/>
+              </a:rPr>
+              <a:t>Grießer</a:t>
+            </a:r>
+            <a:endParaRPr lang="en-US" sz="2000" b="1">
+              <a:solidFill>
+                <a:schemeClr val="bg1"/>
+              </a:solidFill>
+              <a:latin typeface="Arial" charset="0"/>
+              <a:cs typeface="Arial" charset="0"/>
+              <a:sym typeface="Arial" charset="0"/>
+            </a:endParaRPr>
+          </a:p>
+        </p:txBody>
+      </p:sp>
+      <p:sp>
+        <p:nvSpPr>
+          <p:cNvPr id="173063" name="Rectangle 6"/>
+          <p:cNvSpPr>
+            <a:spLocks/>
+          </p:cNvSpPr>
+          <p:nvPr/>
+        </p:nvSpPr>
+        <p:spPr bwMode="auto">
+          <a:xfrm>
+            <a:off x="10080000" y="28216174"/>
+            <a:ext cx="5029200" cy="673100"/>
+          </a:xfrm>
+          <a:prstGeom prst="rect">
+            <a:avLst/>
+          </a:prstGeom>
+          <a:noFill/>
+          <a:ln w="12700">
+            <a:noFill/>
+            <a:miter lim="800000"/>
+            <a:headEnd/>
+            <a:tailEnd/>
+          </a:ln>
+        </p:spPr>
+        <p:txBody>
+          <a:bodyPr lIns="0" tIns="0" rIns="0" bIns="0"/>
+          <a:lstStyle/>
+          <a:p>
+            <a:pPr algn="l">
+              <a:lnSpc>
+                <a:spcPts val="2800"/>
+              </a:lnSpc>
+            </a:pPr>
+            <a:r>
+              <a:rPr lang="en-US" sz="2000" err="1">
+                <a:solidFill>
+                  <a:schemeClr val="bg1"/>
+                </a:solidFill>
+                <a:latin typeface="Arial Bold" charset="0"/>
+                <a:sym typeface="Arial Bold" charset="0"/>
+              </a:rPr>
+              <a:t>Betreuende</a:t>
+            </a:r>
+            <a:r>
+              <a:rPr lang="en-US" sz="2000">
+                <a:solidFill>
+                  <a:schemeClr val="bg1"/>
+                </a:solidFill>
+                <a:latin typeface="Arial Bold" charset="0"/>
+                <a:sym typeface="Arial Bold" charset="0"/>
+              </a:rPr>
+              <a:t> </a:t>
+            </a:r>
+            <a:r>
+              <a:rPr lang="en-US" sz="2000" err="1">
+                <a:solidFill>
+                  <a:schemeClr val="bg1"/>
+                </a:solidFill>
+                <a:latin typeface="Arial Bold" charset="0"/>
+                <a:sym typeface="Arial Bold" charset="0"/>
+              </a:rPr>
+              <a:t>Lehrperson</a:t>
+            </a:r>
+            <a:r>
+              <a:rPr lang="en-US" sz="2000">
+                <a:solidFill>
+                  <a:schemeClr val="bg1"/>
+                </a:solidFill>
+                <a:latin typeface="Arial Bold" charset="0"/>
+                <a:sym typeface="Arial Bold" charset="0"/>
+              </a:rPr>
+              <a:t> der FHV</a:t>
+            </a:r>
+          </a:p>
+          <a:p>
+            <a:pPr algn="l">
+              <a:lnSpc>
+                <a:spcPts val="2800"/>
+              </a:lnSpc>
+            </a:pPr>
+            <a:r>
+              <a:rPr lang="en-US" sz="2000" b="1">
+                <a:solidFill>
+                  <a:schemeClr val="bg1"/>
+                </a:solidFill>
+                <a:latin typeface="Arial" charset="0"/>
+                <a:cs typeface="Arial" charset="0"/>
+                <a:sym typeface="Arial" charset="0"/>
+              </a:rPr>
+              <a:t>Michael </a:t>
+            </a:r>
+            <a:r>
+              <a:rPr lang="en-US" sz="2000" b="1" err="1">
+                <a:solidFill>
+                  <a:schemeClr val="bg1"/>
+                </a:solidFill>
+                <a:latin typeface="Arial" charset="0"/>
+                <a:cs typeface="Arial" charset="0"/>
+                <a:sym typeface="Arial" charset="0"/>
+              </a:rPr>
+              <a:t>Felderer</a:t>
+            </a:r>
+            <a:endParaRPr lang="en-US" sz="2000" b="1">
+              <a:solidFill>
+                <a:schemeClr val="bg1"/>
+              </a:solidFill>
+              <a:latin typeface="Arial" charset="0"/>
+              <a:cs typeface="Arial" charset="0"/>
+              <a:sym typeface="Arial" charset="0"/>
+            </a:endParaRPr>
+          </a:p>
+        </p:txBody>
+      </p:sp>
+      <p:sp>
+        <p:nvSpPr>
+          <p:cNvPr id="173064" name="Rectangle 7"/>
+          <p:cNvSpPr>
+            <a:spLocks/>
+          </p:cNvSpPr>
+          <p:nvPr/>
+        </p:nvSpPr>
+        <p:spPr bwMode="auto">
+          <a:xfrm>
+            <a:off x="10080000" y="29224286"/>
+            <a:ext cx="5029200" cy="673100"/>
+          </a:xfrm>
+          <a:prstGeom prst="rect">
+            <a:avLst/>
+          </a:prstGeom>
+          <a:noFill/>
+          <a:ln w="12700">
+            <a:noFill/>
+            <a:miter lim="800000"/>
+            <a:headEnd/>
+            <a:tailEnd/>
+          </a:ln>
+        </p:spPr>
+        <p:txBody>
+          <a:bodyPr lIns="0" tIns="0" rIns="0" bIns="0"/>
+          <a:lstStyle/>
+          <a:p>
+            <a:pPr algn="l">
+              <a:lnSpc>
+                <a:spcPts val="2800"/>
+              </a:lnSpc>
+            </a:pPr>
+            <a:endParaRPr lang="en-US" sz="2000">
+              <a:solidFill>
+                <a:schemeClr val="bg1"/>
+              </a:solidFill>
+              <a:latin typeface="Arial Bold" charset="0"/>
+              <a:sym typeface="Arial Bold" charset="0"/>
+            </a:endParaRPr>
+          </a:p>
+        </p:txBody>
+      </p:sp>
+      <p:pic>
+        <p:nvPicPr>
+          <p:cNvPr id="4" name="Picture 3" descr="Logo A2_negativ.eps"/>
+          <p:cNvPicPr>
+            <a:picLocks noChangeAspect="1"/>
+          </p:cNvPicPr>
+          <p:nvPr/>
+        </p:nvPicPr>
+        <p:blipFill>
+          <a:blip r:embed="rId2">
+            <a:extLst>
+              <a:ext uri="{28A0092B-C50C-407E-A947-70E740481C1C}">
+                <a14:useLocalDpi xmlns:a14="http://schemas.microsoft.com/office/drawing/2010/main" val="0"/>
+              </a:ext>
+            </a:extLst>
+          </a:blip>
+          <a:stretch>
+            <a:fillRect/>
+          </a:stretch>
+        </p:blipFill>
+        <p:spPr>
+          <a:xfrm>
+            <a:off x="16282342" y="28186499"/>
+            <a:ext cx="4800600" cy="1066800"/>
+          </a:xfrm>
+          <a:prstGeom prst="rect">
+            <a:avLst/>
+          </a:prstGeom>
+        </p:spPr>
+      </p:pic>
+      <p:grpSp>
+        <p:nvGrpSpPr>
+          <p:cNvPr id="11" name="Group 10"/>
+          <p:cNvGrpSpPr/>
+          <p:nvPr/>
+        </p:nvGrpSpPr>
+        <p:grpSpPr>
+          <a:xfrm>
+            <a:off x="36000" y="36000"/>
+            <a:ext cx="216000" cy="216000"/>
+            <a:chOff x="0" y="0"/>
+            <a:chExt cx="216000" cy="216000"/>
+          </a:xfrm>
+        </p:grpSpPr>
+        <p:cxnSp>
+          <p:nvCxnSpPr>
+            <p:cNvPr id="6" name="Straight Connector 5"/>
+            <p:cNvCxnSpPr/>
+            <p:nvPr/>
+          </p:nvCxnSpPr>
+          <p:spPr bwMode="auto">
+            <a:xfrm>
+              <a:off x="216000" y="0"/>
+              <a:ext cx="0" cy="180000"/>
+            </a:xfrm>
+            <a:prstGeom prst="line">
+              <a:avLst/>
+            </a:prstGeom>
+            <a:blipFill dpi="0" rotWithShape="0">
+              <a:blip r:embed="rId3"/>
+              <a:srcRect/>
+              <a:tile tx="0" ty="0" sx="100000" sy="100000" flip="none" algn="tl"/>
+            </a:blipFill>
+            <a:ln w="3175" cap="flat" cmpd="sng" algn="ctr">
+              <a:solidFill>
+                <a:schemeClr val="tx1"/>
+              </a:solidFill>
+              <a:prstDash val="solid"/>
+              <a:round/>
+              <a:headEnd type="none" w="med" len="med"/>
+              <a:tailEnd type="none" w="med" len="med"/>
+            </a:ln>
+            <a:effectLst/>
+          </p:spPr>
+        </p:cxnSp>
+        <p:cxnSp>
+          <p:nvCxnSpPr>
+            <p:cNvPr id="8" name="Straight Connector 7"/>
+            <p:cNvCxnSpPr/>
+            <p:nvPr/>
+          </p:nvCxnSpPr>
+          <p:spPr bwMode="auto">
+            <a:xfrm flipH="1">
+              <a:off x="0" y="216000"/>
+              <a:ext cx="180000" cy="0"/>
+            </a:xfrm>
+            <a:prstGeom prst="line">
+              <a:avLst/>
+            </a:prstGeom>
+            <a:blipFill dpi="0" rotWithShape="0">
+              <a:blip r:embed="rId3"/>
+              <a:srcRect/>
+              <a:tile tx="0" ty="0" sx="100000" sy="100000" flip="none" algn="tl"/>
+            </a:blipFill>
+            <a:ln w="3175" cap="flat" cmpd="sng" algn="ctr">
+              <a:solidFill>
+                <a:schemeClr val="tx1"/>
+              </a:solidFill>
+              <a:prstDash val="solid"/>
+              <a:round/>
+              <a:headEnd type="none" w="med" len="med"/>
+              <a:tailEnd type="none" w="med" len="med"/>
+            </a:ln>
+            <a:effectLst/>
+          </p:spPr>
+        </p:cxnSp>
+      </p:grpSp>
+      <p:grpSp>
+        <p:nvGrpSpPr>
+          <p:cNvPr id="20" name="Group 19"/>
+          <p:cNvGrpSpPr/>
+          <p:nvPr/>
+        </p:nvGrpSpPr>
+        <p:grpSpPr>
+          <a:xfrm rot="5400000">
+            <a:off x="21657600" y="36000"/>
+            <a:ext cx="216000" cy="216000"/>
+            <a:chOff x="0" y="0"/>
+            <a:chExt cx="216000" cy="216000"/>
+          </a:xfrm>
+        </p:grpSpPr>
+        <p:cxnSp>
+          <p:nvCxnSpPr>
+            <p:cNvPr id="21" name="Straight Connector 20"/>
+            <p:cNvCxnSpPr/>
+            <p:nvPr/>
+          </p:nvCxnSpPr>
+          <p:spPr bwMode="auto">
+            <a:xfrm>
+              <a:off x="216000" y="0"/>
+              <a:ext cx="0" cy="180000"/>
+            </a:xfrm>
+            <a:prstGeom prst="line">
+              <a:avLst/>
+            </a:prstGeom>
+            <a:blipFill dpi="0" rotWithShape="0">
+              <a:blip r:embed="rId3"/>
+              <a:srcRect/>
+              <a:tile tx="0" ty="0" sx="100000" sy="100000" flip="none" algn="tl"/>
+            </a:blipFill>
+            <a:ln w="3175" cap="flat" cmpd="sng" algn="ctr">
+              <a:solidFill>
+                <a:schemeClr val="tx1"/>
+              </a:solidFill>
+              <a:prstDash val="solid"/>
+              <a:round/>
+              <a:headEnd type="none" w="med" len="med"/>
+              <a:tailEnd type="none" w="med" len="med"/>
+            </a:ln>
+            <a:effectLst/>
+          </p:spPr>
+        </p:cxnSp>
+        <p:cxnSp>
+          <p:nvCxnSpPr>
+            <p:cNvPr id="22" name="Straight Connector 21"/>
+            <p:cNvCxnSpPr/>
+            <p:nvPr/>
+          </p:nvCxnSpPr>
+          <p:spPr bwMode="auto">
+            <a:xfrm flipH="1">
+              <a:off x="0" y="216000"/>
+              <a:ext cx="180000" cy="0"/>
+            </a:xfrm>
+            <a:prstGeom prst="line">
+              <a:avLst/>
+            </a:prstGeom>
+            <a:blipFill dpi="0" rotWithShape="0">
+              <a:blip r:embed="rId3"/>
+              <a:srcRect/>
+              <a:tile tx="0" ty="0" sx="100000" sy="100000" flip="none" algn="tl"/>
+            </a:blipFill>
+            <a:ln w="3175" cap="flat" cmpd="sng" algn="ctr">
+              <a:solidFill>
+                <a:schemeClr val="tx1"/>
+              </a:solidFill>
+              <a:prstDash val="solid"/>
+              <a:round/>
+              <a:headEnd type="none" w="med" len="med"/>
+              <a:tailEnd type="none" w="med" len="med"/>
+            </a:ln>
+            <a:effectLst/>
+          </p:spPr>
+        </p:cxnSp>
+      </p:grpSp>
+      <p:grpSp>
+        <p:nvGrpSpPr>
+          <p:cNvPr id="26" name="Group 25"/>
+          <p:cNvGrpSpPr/>
+          <p:nvPr/>
+        </p:nvGrpSpPr>
+        <p:grpSpPr>
+          <a:xfrm rot="10800000">
+            <a:off x="21654000" y="30546000"/>
+            <a:ext cx="216000" cy="216000"/>
+            <a:chOff x="0" y="0"/>
+            <a:chExt cx="216000" cy="216000"/>
+          </a:xfrm>
+        </p:grpSpPr>
+        <p:cxnSp>
+          <p:nvCxnSpPr>
+            <p:cNvPr id="27" name="Straight Connector 26"/>
+            <p:cNvCxnSpPr/>
+            <p:nvPr/>
+          </p:nvCxnSpPr>
+          <p:spPr bwMode="auto">
+            <a:xfrm>
+              <a:off x="216000" y="0"/>
+              <a:ext cx="0" cy="180000"/>
+            </a:xfrm>
+            <a:prstGeom prst="line">
+              <a:avLst/>
+            </a:prstGeom>
+            <a:blipFill dpi="0" rotWithShape="0">
+              <a:blip r:embed="rId3"/>
+              <a:srcRect/>
+              <a:tile tx="0" ty="0" sx="100000" sy="100000" flip="none" algn="tl"/>
+            </a:blipFill>
+            <a:ln w="3175" cap="flat" cmpd="sng" algn="ctr">
+              <a:solidFill>
+                <a:schemeClr val="tx1"/>
+              </a:solidFill>
+              <a:prstDash val="solid"/>
+              <a:round/>
+              <a:headEnd type="none" w="med" len="med"/>
+              <a:tailEnd type="none" w="med" len="med"/>
+            </a:ln>
+            <a:effectLst/>
+          </p:spPr>
+        </p:cxnSp>
+        <p:cxnSp>
+          <p:nvCxnSpPr>
+            <p:cNvPr id="28" name="Straight Connector 27"/>
+            <p:cNvCxnSpPr/>
+            <p:nvPr/>
+          </p:nvCxnSpPr>
+          <p:spPr bwMode="auto">
+            <a:xfrm flipH="1">
+              <a:off x="0" y="216000"/>
+              <a:ext cx="180000" cy="0"/>
+            </a:xfrm>
+            <a:prstGeom prst="line">
+              <a:avLst/>
+            </a:prstGeom>
+            <a:blipFill dpi="0" rotWithShape="0">
+              <a:blip r:embed="rId3"/>
+              <a:srcRect/>
+              <a:tile tx="0" ty="0" sx="100000" sy="100000" flip="none" algn="tl"/>
+            </a:blipFill>
+            <a:ln w="3175" cap="flat" cmpd="sng" algn="ctr">
+              <a:solidFill>
+                <a:schemeClr val="tx1"/>
+              </a:solidFill>
+              <a:prstDash val="solid"/>
+              <a:round/>
+              <a:headEnd type="none" w="med" len="med"/>
+              <a:tailEnd type="none" w="med" len="med"/>
+            </a:ln>
+            <a:effectLst/>
+          </p:spPr>
+        </p:cxnSp>
+      </p:grpSp>
+      <p:grpSp>
+        <p:nvGrpSpPr>
+          <p:cNvPr id="32" name="Group 31"/>
+          <p:cNvGrpSpPr/>
+          <p:nvPr/>
+        </p:nvGrpSpPr>
+        <p:grpSpPr>
+          <a:xfrm rot="16200000">
+            <a:off x="36000" y="30546000"/>
+            <a:ext cx="216000" cy="216000"/>
+            <a:chOff x="0" y="0"/>
+            <a:chExt cx="216000" cy="216000"/>
+          </a:xfrm>
+        </p:grpSpPr>
+        <p:cxnSp>
+          <p:nvCxnSpPr>
+            <p:cNvPr id="33" name="Straight Connector 32"/>
+            <p:cNvCxnSpPr/>
+            <p:nvPr/>
+          </p:nvCxnSpPr>
+          <p:spPr bwMode="auto">
+            <a:xfrm>
+              <a:off x="216000" y="0"/>
+              <a:ext cx="0" cy="180000"/>
+            </a:xfrm>
+            <a:prstGeom prst="line">
+              <a:avLst/>
+            </a:prstGeom>
+            <a:blipFill dpi="0" rotWithShape="0">
+              <a:blip r:embed="rId3"/>
+              <a:srcRect/>
+              <a:tile tx="0" ty="0" sx="100000" sy="100000" flip="none" algn="tl"/>
+            </a:blipFill>
+            <a:ln w="3175" cap="flat" cmpd="sng" algn="ctr">
+              <a:solidFill>
+                <a:schemeClr val="tx1"/>
+              </a:solidFill>
+              <a:prstDash val="solid"/>
+              <a:round/>
+              <a:headEnd type="none" w="med" len="med"/>
+              <a:tailEnd type="none" w="med" len="med"/>
+            </a:ln>
+            <a:effectLst/>
+          </p:spPr>
+        </p:cxnSp>
+        <p:cxnSp>
+          <p:nvCxnSpPr>
+            <p:cNvPr id="34" name="Straight Connector 33"/>
+            <p:cNvCxnSpPr/>
+            <p:nvPr/>
+          </p:nvCxnSpPr>
+          <p:spPr bwMode="auto">
+            <a:xfrm flipH="1">
+              <a:off x="0" y="216000"/>
+              <a:ext cx="180000" cy="0"/>
+            </a:xfrm>
+            <a:prstGeom prst="line">
+              <a:avLst/>
+            </a:prstGeom>
+            <a:blipFill dpi="0" rotWithShape="0">
+              <a:blip r:embed="rId3"/>
+              <a:srcRect/>
+              <a:tile tx="0" ty="0" sx="100000" sy="100000" flip="none" algn="tl"/>
+            </a:blipFill>
+            <a:ln w="3175" cap="flat" cmpd="sng" algn="ctr">
+              <a:solidFill>
+                <a:schemeClr val="tx1"/>
+              </a:solidFill>
+              <a:prstDash val="solid"/>
+              <a:round/>
+              <a:headEnd type="none" w="med" len="med"/>
+              <a:tailEnd type="none" w="med" len="med"/>
+            </a:ln>
+            <a:effectLst/>
+          </p:spPr>
+        </p:cxnSp>
+      </p:grpSp>
+      <p:pic>
+        <p:nvPicPr>
+          <p:cNvPr id="14" name="Grafik 13">
+            <a:extLst>
+              <a:ext uri="{FF2B5EF4-FFF2-40B4-BE49-F238E27FC236}">
+                <a16:creationId xmlns:a16="http://schemas.microsoft.com/office/drawing/2014/main" id="{12891B2E-88C8-C34A-A1DF-A88A0ADBD7E2}"/>
+              </a:ext>
+            </a:extLst>
+          </p:cNvPr>
+          <p:cNvPicPr>
+            <a:picLocks noChangeAspect="1"/>
+          </p:cNvPicPr>
+          <p:nvPr/>
+        </p:nvPicPr>
+        <p:blipFill>
+          <a:blip r:embed="rId4"/>
+          <a:stretch>
+            <a:fillRect/>
+          </a:stretch>
+        </p:blipFill>
+        <p:spPr>
+          <a:xfrm>
+            <a:off x="5128799" y="22815574"/>
+            <a:ext cx="11416512" cy="2273729"/>
+          </a:xfrm>
+          <a:prstGeom prst="rect">
+            <a:avLst/>
+          </a:prstGeom>
+        </p:spPr>
+      </p:pic>
+      <p:sp>
+        <p:nvSpPr>
+          <p:cNvPr id="18" name="Rechteck 17">
+            <a:extLst>
+              <a:ext uri="{FF2B5EF4-FFF2-40B4-BE49-F238E27FC236}">
+                <a16:creationId xmlns:a16="http://schemas.microsoft.com/office/drawing/2014/main" id="{1A3F1EEF-BF59-7247-AC6F-9320EC7E6BCB}"/>
+              </a:ext>
+            </a:extLst>
+          </p:cNvPr>
+          <p:cNvSpPr/>
+          <p:nvPr/>
+        </p:nvSpPr>
+        <p:spPr bwMode="auto">
+          <a:xfrm>
+            <a:off x="1672030" y="6109718"/>
+            <a:ext cx="6257384" cy="543695"/>
+          </a:xfrm>
+          <a:prstGeom prst="rect">
+            <a:avLst/>
+          </a:prstGeom>
+          <a:solidFill>
+            <a:srgbClr val="0070C0">
+              <a:alpha val="69000"/>
+            </a:srgbClr>
+          </a:solidFill>
+          <a:ln w="25400" cap="flat" cmpd="sng" algn="ctr">
+            <a:solidFill>
+              <a:srgbClr val="000000"/>
+            </a:solidFill>
+            <a:prstDash val="solid"/>
+            <a:round/>
+            <a:headEnd type="none" w="med" len="med"/>
+            <a:tailEnd type="none" w="med" len="med"/>
+          </a:ln>
+          <a:effectLst/>
+          <a:scene3d>
+            <a:camera prst="orthographicFront"/>
+            <a:lightRig rig="threePt" dir="t"/>
+          </a:scene3d>
+          <a:sp3d>
+            <a:bevelT/>
+          </a:sp3d>
+        </p:spPr>
+        <p:txBody>
+          <a:bodyPr vert="horz" wrap="square" lIns="360000" tIns="90000" rIns="360000" bIns="90000" numCol="1" rtlCol="0" anchor="t" anchorCtr="0" compatLnSpc="1">
+            <a:prstTxWarp prst="textNoShape">
+              <a:avLst/>
+            </a:prstTxWarp>
+          </a:bodyPr>
+          <a:lstStyle/>
+          <a:p>
+            <a:pPr marL="0" marR="0" indent="0" algn="l" defTabSz="914400" rtl="0" eaLnBrk="1" fontAlgn="base" latinLnBrk="0" hangingPunct="1">
+              <a:lnSpc>
+                <a:spcPct val="100000"/>
+              </a:lnSpc>
+              <a:spcBef>
+                <a:spcPct val="0"/>
+              </a:spcBef>
+              <a:spcAft>
+                <a:spcPct val="0"/>
+              </a:spcAft>
+              <a:buClrTx/>
+              <a:buSzTx/>
+              <a:buFontTx/>
+              <a:buNone/>
+              <a:tabLst/>
+            </a:pPr>
+            <a:r>
+              <a:rPr kumimoji="0" lang="de-DE" sz="2400" b="1" i="0" strike="noStrike" cap="none" normalizeH="0" baseline="0" dirty="0">
+                <a:ln>
+                  <a:noFill/>
+                </a:ln>
+                <a:solidFill>
+                  <a:srgbClr val="000000"/>
+                </a:solidFill>
+                <a:effectLst/>
+                <a:latin typeface="Arial" panose="020B0604020202020204" pitchFamily="34" charset="0"/>
+                <a:cs typeface="Arial" panose="020B0604020202020204" pitchFamily="34" charset="0"/>
+                <a:sym typeface="Gill Sans" pitchFamily="-109" charset="0"/>
+              </a:rPr>
+              <a:t>Zielsetzung</a:t>
+            </a:r>
+          </a:p>
+          <a:p>
+            <a:pPr marL="0" marR="0" indent="0" algn="l" defTabSz="914400" rtl="0" eaLnBrk="1" fontAlgn="base" latinLnBrk="0" hangingPunct="1">
+              <a:lnSpc>
+                <a:spcPct val="100000"/>
+              </a:lnSpc>
+              <a:spcBef>
+                <a:spcPct val="0"/>
+              </a:spcBef>
+              <a:spcAft>
+                <a:spcPct val="0"/>
+              </a:spcAft>
+              <a:buClrTx/>
+              <a:buSzTx/>
+              <a:buFontTx/>
+              <a:buNone/>
+              <a:tabLst/>
+            </a:pPr>
+            <a:endParaRPr lang="de-DE" sz="1200" u="sng" dirty="0">
+              <a:latin typeface="Arial" panose="020B0604020202020204" pitchFamily="34" charset="0"/>
+              <a:cs typeface="Arial" panose="020B0604020202020204" pitchFamily="34" charset="0"/>
+            </a:endParaRPr>
+          </a:p>
+          <a:p>
+            <a:pPr algn="l"/>
+            <a:endParaRPr lang="de-AT" sz="1600" dirty="0">
+              <a:latin typeface="Arial" panose="020B0604020202020204" pitchFamily="34" charset="0"/>
+              <a:cs typeface="Arial" panose="020B0604020202020204" pitchFamily="34" charset="0"/>
+            </a:endParaRPr>
+          </a:p>
+        </p:txBody>
+      </p:sp>
+      <p:grpSp>
+        <p:nvGrpSpPr>
+          <p:cNvPr id="9" name="Gruppieren 8">
+            <a:extLst>
+              <a:ext uri="{FF2B5EF4-FFF2-40B4-BE49-F238E27FC236}">
+                <a16:creationId xmlns:a16="http://schemas.microsoft.com/office/drawing/2014/main" id="{EED8FCC8-185B-384B-9C58-E691C9EE668C}"/>
+              </a:ext>
+            </a:extLst>
+          </p:cNvPr>
+          <p:cNvGrpSpPr/>
+          <p:nvPr/>
+        </p:nvGrpSpPr>
+        <p:grpSpPr>
+          <a:xfrm>
+            <a:off x="8433470" y="6109718"/>
+            <a:ext cx="4824536" cy="5220740"/>
+            <a:chOff x="8433470" y="6426870"/>
+            <a:chExt cx="4824536" cy="5220740"/>
+          </a:xfrm>
+        </p:grpSpPr>
+        <p:pic>
+          <p:nvPicPr>
+            <p:cNvPr id="5" name="Grafik 4">
+              <a:extLst>
+                <a:ext uri="{FF2B5EF4-FFF2-40B4-BE49-F238E27FC236}">
+                  <a16:creationId xmlns:a16="http://schemas.microsoft.com/office/drawing/2014/main" id="{22E6A6A4-81DF-4847-8208-DB850593ABA9}"/>
+                </a:ext>
+              </a:extLst>
+            </p:cNvPr>
+            <p:cNvPicPr>
+              <a:picLocks noChangeAspect="1"/>
+            </p:cNvPicPr>
+            <p:nvPr/>
+          </p:nvPicPr>
+          <p:blipFill>
+            <a:blip r:embed="rId5"/>
+            <a:stretch>
+              <a:fillRect/>
+            </a:stretch>
+          </p:blipFill>
+          <p:spPr>
+            <a:xfrm>
+              <a:off x="8433470" y="6426870"/>
+              <a:ext cx="4824536" cy="4495388"/>
+            </a:xfrm>
+            <a:prstGeom prst="rect">
+              <a:avLst/>
+            </a:prstGeom>
+          </p:spPr>
+        </p:pic>
+        <p:sp>
+          <p:nvSpPr>
+            <p:cNvPr id="25" name="Textfeld 24">
+              <a:extLst>
+                <a:ext uri="{FF2B5EF4-FFF2-40B4-BE49-F238E27FC236}">
+                  <a16:creationId xmlns:a16="http://schemas.microsoft.com/office/drawing/2014/main" id="{D40FCE55-0142-4E4C-A0C3-FA9FC98F28E9}"/>
+                </a:ext>
+              </a:extLst>
+            </p:cNvPr>
+            <p:cNvSpPr txBox="1"/>
+            <p:nvPr/>
+          </p:nvSpPr>
+          <p:spPr>
+            <a:xfrm>
+              <a:off x="8819811" y="11062835"/>
+              <a:ext cx="4051854" cy="584775"/>
+            </a:xfrm>
+            <a:prstGeom prst="rect">
+              <a:avLst/>
+            </a:prstGeom>
+            <a:noFill/>
+          </p:spPr>
+          <p:txBody>
+            <a:bodyPr wrap="square" rtlCol="0">
+              <a:spAutoFit/>
+            </a:bodyPr>
+            <a:lstStyle/>
+            <a:p>
+              <a:r>
+                <a:rPr lang="de-DE" sz="1600" dirty="0">
+                  <a:latin typeface="Arial" panose="020B0604020202020204" pitchFamily="34" charset="0"/>
+                  <a:cs typeface="Arial" panose="020B0604020202020204" pitchFamily="34" charset="0"/>
+                </a:rPr>
+                <a:t>langfristige Metriken auf dem Team-Dashboard in </a:t>
+              </a:r>
+              <a:r>
+                <a:rPr lang="de-DE" sz="1600" dirty="0" err="1">
+                  <a:latin typeface="Arial" panose="020B0604020202020204" pitchFamily="34" charset="0"/>
+                  <a:cs typeface="Arial" panose="020B0604020202020204" pitchFamily="34" charset="0"/>
+                </a:rPr>
+                <a:t>Kibana</a:t>
+              </a:r>
+              <a:endParaRPr lang="de-DE" sz="1600" dirty="0">
+                <a:latin typeface="Arial" panose="020B0604020202020204" pitchFamily="34" charset="0"/>
+                <a:cs typeface="Arial" panose="020B0604020202020204" pitchFamily="34" charset="0"/>
+              </a:endParaRPr>
+            </a:p>
+          </p:txBody>
+        </p:sp>
+      </p:grpSp>
+      <p:grpSp>
+        <p:nvGrpSpPr>
+          <p:cNvPr id="10" name="Gruppieren 9">
+            <a:extLst>
+              <a:ext uri="{FF2B5EF4-FFF2-40B4-BE49-F238E27FC236}">
+                <a16:creationId xmlns:a16="http://schemas.microsoft.com/office/drawing/2014/main" id="{7B585D4F-78FF-394F-9B2F-7D80FF0760E7}"/>
+              </a:ext>
+            </a:extLst>
+          </p:cNvPr>
+          <p:cNvGrpSpPr/>
+          <p:nvPr/>
+        </p:nvGrpSpPr>
+        <p:grpSpPr>
+          <a:xfrm>
+            <a:off x="8439860" y="12489310"/>
+            <a:ext cx="4818146" cy="5252060"/>
+            <a:chOff x="8439860" y="12603673"/>
+            <a:chExt cx="4818146" cy="5252060"/>
+          </a:xfrm>
+        </p:grpSpPr>
+        <p:pic>
+          <p:nvPicPr>
+            <p:cNvPr id="12" name="Grafik 11">
+              <a:extLst>
+                <a:ext uri="{FF2B5EF4-FFF2-40B4-BE49-F238E27FC236}">
+                  <a16:creationId xmlns:a16="http://schemas.microsoft.com/office/drawing/2014/main" id="{F0AD8092-0A1B-CD41-9728-BB1DFA2A9EC5}"/>
+                </a:ext>
+              </a:extLst>
+            </p:cNvPr>
+            <p:cNvPicPr>
+              <a:picLocks noChangeAspect="1"/>
+            </p:cNvPicPr>
+            <p:nvPr/>
+          </p:nvPicPr>
+          <p:blipFill>
+            <a:blip r:embed="rId6"/>
+            <a:stretch>
+              <a:fillRect/>
+            </a:stretch>
+          </p:blipFill>
+          <p:spPr>
+            <a:xfrm>
+              <a:off x="8439860" y="12603673"/>
+              <a:ext cx="4818146" cy="4495357"/>
+            </a:xfrm>
+            <a:prstGeom prst="rect">
+              <a:avLst/>
+            </a:prstGeom>
+          </p:spPr>
+        </p:pic>
+        <p:sp>
+          <p:nvSpPr>
+            <p:cNvPr id="45" name="Textfeld 44">
+              <a:extLst>
+                <a:ext uri="{FF2B5EF4-FFF2-40B4-BE49-F238E27FC236}">
+                  <a16:creationId xmlns:a16="http://schemas.microsoft.com/office/drawing/2014/main" id="{D0753500-9659-D541-BF55-D63ACD6ED2F5}"/>
+                </a:ext>
+              </a:extLst>
+            </p:cNvPr>
+            <p:cNvSpPr txBox="1"/>
+            <p:nvPr/>
+          </p:nvSpPr>
+          <p:spPr>
+            <a:xfrm>
+              <a:off x="9007488" y="17270958"/>
+              <a:ext cx="3850419" cy="584775"/>
+            </a:xfrm>
+            <a:prstGeom prst="rect">
+              <a:avLst/>
+            </a:prstGeom>
+            <a:noFill/>
+          </p:spPr>
+          <p:txBody>
+            <a:bodyPr wrap="square" rtlCol="0">
+              <a:spAutoFit/>
+            </a:bodyPr>
+            <a:lstStyle/>
+            <a:p>
+              <a:r>
+                <a:rPr lang="de-DE" sz="1600" dirty="0">
+                  <a:latin typeface="Arial" panose="020B0604020202020204" pitchFamily="34" charset="0"/>
+                  <a:cs typeface="Arial" panose="020B0604020202020204" pitchFamily="34" charset="0"/>
+                </a:rPr>
+                <a:t>kurzfristige Metriken auf dem Team-Dashboard in </a:t>
+              </a:r>
+              <a:r>
+                <a:rPr lang="de-DE" sz="1600" dirty="0" err="1">
+                  <a:latin typeface="Arial" panose="020B0604020202020204" pitchFamily="34" charset="0"/>
+                  <a:cs typeface="Arial" panose="020B0604020202020204" pitchFamily="34" charset="0"/>
+                </a:rPr>
+                <a:t>Kibana</a:t>
+              </a:r>
+              <a:endParaRPr lang="de-DE" sz="1600" dirty="0">
+                <a:latin typeface="Arial" panose="020B0604020202020204" pitchFamily="34" charset="0"/>
+                <a:cs typeface="Arial" panose="020B0604020202020204" pitchFamily="34" charset="0"/>
+              </a:endParaRPr>
+            </a:p>
+          </p:txBody>
+        </p:sp>
+      </p:grpSp>
+      <p:grpSp>
+        <p:nvGrpSpPr>
+          <p:cNvPr id="43" name="Gruppieren 42">
+            <a:extLst>
+              <a:ext uri="{FF2B5EF4-FFF2-40B4-BE49-F238E27FC236}">
+                <a16:creationId xmlns:a16="http://schemas.microsoft.com/office/drawing/2014/main" id="{9652E12F-5AB1-F142-A9AC-E062604FF847}"/>
+              </a:ext>
+            </a:extLst>
+          </p:cNvPr>
+          <p:cNvGrpSpPr/>
+          <p:nvPr/>
+        </p:nvGrpSpPr>
+        <p:grpSpPr>
+          <a:xfrm>
+            <a:off x="1816431" y="22815574"/>
+            <a:ext cx="2799449" cy="2443763"/>
+            <a:chOff x="1153480" y="23045760"/>
+            <a:chExt cx="2799449" cy="2443763"/>
+          </a:xfrm>
+        </p:grpSpPr>
+        <p:pic>
+          <p:nvPicPr>
+            <p:cNvPr id="30" name="Grafik 29">
+              <a:extLst>
+                <a:ext uri="{FF2B5EF4-FFF2-40B4-BE49-F238E27FC236}">
+                  <a16:creationId xmlns:a16="http://schemas.microsoft.com/office/drawing/2014/main" id="{FEABAA87-F9D0-F649-8BE4-AD11724654BA}"/>
+                </a:ext>
+              </a:extLst>
+            </p:cNvPr>
+            <p:cNvPicPr>
+              <a:picLocks noChangeAspect="1"/>
+            </p:cNvPicPr>
+            <p:nvPr/>
+          </p:nvPicPr>
+          <p:blipFill>
+            <a:blip r:embed="rId7"/>
+            <a:stretch>
+              <a:fillRect/>
+            </a:stretch>
+          </p:blipFill>
+          <p:spPr>
+            <a:xfrm>
+              <a:off x="1800777" y="23045760"/>
+              <a:ext cx="1504856" cy="504204"/>
+            </a:xfrm>
+            <a:prstGeom prst="rect">
+              <a:avLst/>
+            </a:prstGeom>
+          </p:spPr>
+        </p:pic>
+        <p:pic>
+          <p:nvPicPr>
+            <p:cNvPr id="31" name="Grafik 30">
+              <a:extLst>
+                <a:ext uri="{FF2B5EF4-FFF2-40B4-BE49-F238E27FC236}">
+                  <a16:creationId xmlns:a16="http://schemas.microsoft.com/office/drawing/2014/main" id="{A19BAF3C-79EC-814A-8831-2EF26901203D}"/>
+                </a:ext>
+              </a:extLst>
+            </p:cNvPr>
+            <p:cNvPicPr>
+              <a:picLocks noChangeAspect="1"/>
+            </p:cNvPicPr>
+            <p:nvPr/>
+          </p:nvPicPr>
+          <p:blipFill>
+            <a:blip r:embed="rId8"/>
+            <a:stretch>
+              <a:fillRect/>
+            </a:stretch>
+          </p:blipFill>
+          <p:spPr>
+            <a:xfrm>
+              <a:off x="1153480" y="23987152"/>
+              <a:ext cx="2799449" cy="403524"/>
+            </a:xfrm>
+            <a:prstGeom prst="rect">
+              <a:avLst/>
+            </a:prstGeom>
+          </p:spPr>
+        </p:pic>
+        <p:pic>
+          <p:nvPicPr>
+            <p:cNvPr id="42" name="Grafik 41">
+              <a:extLst>
+                <a:ext uri="{FF2B5EF4-FFF2-40B4-BE49-F238E27FC236}">
+                  <a16:creationId xmlns:a16="http://schemas.microsoft.com/office/drawing/2014/main" id="{11661ABB-83CA-3742-BB8B-F276A5BC02D9}"/>
+                </a:ext>
+              </a:extLst>
+            </p:cNvPr>
+            <p:cNvPicPr>
+              <a:picLocks noChangeAspect="1"/>
+            </p:cNvPicPr>
+            <p:nvPr/>
+          </p:nvPicPr>
+          <p:blipFill>
+            <a:blip r:embed="rId9"/>
+            <a:stretch>
+              <a:fillRect/>
+            </a:stretch>
+          </p:blipFill>
+          <p:spPr>
+            <a:xfrm>
+              <a:off x="1291723" y="24827864"/>
+              <a:ext cx="2522962" cy="661659"/>
+            </a:xfrm>
+            <a:prstGeom prst="rect">
+              <a:avLst/>
+            </a:prstGeom>
+          </p:spPr>
+        </p:pic>
+      </p:grpSp>
+      <p:pic>
+        <p:nvPicPr>
+          <p:cNvPr id="47" name="Grafik 46">
+            <a:extLst>
+              <a:ext uri="{FF2B5EF4-FFF2-40B4-BE49-F238E27FC236}">
+                <a16:creationId xmlns:a16="http://schemas.microsoft.com/office/drawing/2014/main" id="{2B580384-21A1-BB4D-B6FE-8B56606B2C5D}"/>
+              </a:ext>
+            </a:extLst>
+          </p:cNvPr>
+          <p:cNvPicPr>
+            <a:picLocks noChangeAspect="1"/>
+          </p:cNvPicPr>
+          <p:nvPr/>
+        </p:nvPicPr>
+        <p:blipFill>
+          <a:blip r:embed="rId10"/>
+          <a:stretch>
+            <a:fillRect/>
+          </a:stretch>
+        </p:blipFill>
+        <p:spPr>
+          <a:xfrm>
+            <a:off x="17150774" y="23603188"/>
+            <a:ext cx="2882900" cy="698500"/>
+          </a:xfrm>
+          <a:prstGeom prst="rect">
+            <a:avLst/>
+          </a:prstGeom>
+        </p:spPr>
+      </p:pic>
+      <p:sp>
+        <p:nvSpPr>
+          <p:cNvPr id="48" name="Textfeld 47">
+            <a:extLst>
+              <a:ext uri="{FF2B5EF4-FFF2-40B4-BE49-F238E27FC236}">
+                <a16:creationId xmlns:a16="http://schemas.microsoft.com/office/drawing/2014/main" id="{97696C29-3642-0041-8E75-82C90B8DB477}"/>
+              </a:ext>
+            </a:extLst>
+          </p:cNvPr>
+          <p:cNvSpPr txBox="1"/>
+          <p:nvPr/>
+        </p:nvSpPr>
+        <p:spPr>
+          <a:xfrm>
+            <a:off x="3909102" y="25614950"/>
+            <a:ext cx="14263479" cy="338554"/>
+          </a:xfrm>
+          <a:prstGeom prst="rect">
+            <a:avLst/>
+          </a:prstGeom>
+          <a:noFill/>
+        </p:spPr>
+        <p:txBody>
+          <a:bodyPr wrap="square" rtlCol="0">
+            <a:spAutoFit/>
+          </a:bodyPr>
+          <a:lstStyle/>
+          <a:p>
+            <a:r>
+              <a:rPr lang="de-DE" sz="1600" dirty="0">
+                <a:latin typeface="Arial" panose="020B0604020202020204" pitchFamily="34" charset="0"/>
+                <a:cs typeface="Arial" panose="020B0604020202020204" pitchFamily="34" charset="0"/>
+              </a:rPr>
+              <a:t>Die entwickelte Software sammelt Metriken in den Systemen entlang des Entwicklungsprozesses und speichert diese aufbereitet zur Visualisierung ab.</a:t>
+            </a:r>
+          </a:p>
+        </p:txBody>
+      </p:sp>
+      <p:sp>
+        <p:nvSpPr>
+          <p:cNvPr id="7" name="Rechteck 6">
+            <a:extLst>
+              <a:ext uri="{FF2B5EF4-FFF2-40B4-BE49-F238E27FC236}">
+                <a16:creationId xmlns:a16="http://schemas.microsoft.com/office/drawing/2014/main" id="{5F566B21-DD57-F740-80D8-DC4865BCE13B}"/>
+              </a:ext>
+            </a:extLst>
+          </p:cNvPr>
+          <p:cNvSpPr/>
+          <p:nvPr/>
+        </p:nvSpPr>
+        <p:spPr bwMode="auto">
+          <a:xfrm>
+            <a:off x="1672030" y="6651500"/>
+            <a:ext cx="6257384" cy="3219974"/>
+          </a:xfrm>
+          <a:prstGeom prst="rect">
+            <a:avLst/>
+          </a:prstGeom>
+          <a:ln>
+            <a:headEnd type="none" w="med" len="med"/>
+            <a:tailEnd type="none" w="med" len="med"/>
+          </a:ln>
+        </p:spPr>
+        <p:style>
+          <a:lnRef idx="2">
+            <a:schemeClr val="dk1"/>
+          </a:lnRef>
+          <a:fillRef idx="1">
+            <a:schemeClr val="lt1"/>
+          </a:fillRef>
+          <a:effectRef idx="0">
+            <a:schemeClr val="dk1"/>
+          </a:effectRef>
+          <a:fontRef idx="minor">
+            <a:schemeClr val="dk1"/>
+          </a:fontRef>
+        </p:style>
+        <p:txBody>
+          <a:bodyPr vert="horz" wrap="square" lIns="360000" tIns="180000" rIns="360000" bIns="90000" numCol="1" rtlCol="0" anchor="t" anchorCtr="0" compatLnSpc="1">
+            <a:prstTxWarp prst="textNoShape">
+              <a:avLst/>
+            </a:prstTxWarp>
+          </a:bodyPr>
+          <a:lstStyle/>
+          <a:p>
+            <a:pPr algn="l"/>
+            <a:r>
+              <a:rPr lang="de-AT" sz="1600" dirty="0">
+                <a:latin typeface="Arial" panose="020B0604020202020204" pitchFamily="34" charset="0"/>
+                <a:cs typeface="Arial" panose="020B0604020202020204" pitchFamily="34" charset="0"/>
+              </a:rPr>
+              <a:t>„</a:t>
+            </a:r>
+            <a:r>
+              <a:rPr lang="de-AT" sz="1600" dirty="0" err="1">
+                <a:latin typeface="Arial" panose="020B0604020202020204" pitchFamily="34" charset="0"/>
+                <a:cs typeface="Arial" panose="020B0604020202020204" pitchFamily="34" charset="0"/>
+              </a:rPr>
+              <a:t>Scrum</a:t>
+            </a:r>
+            <a:r>
+              <a:rPr lang="de-AT" sz="1600" dirty="0">
+                <a:latin typeface="Arial" panose="020B0604020202020204" pitchFamily="34" charset="0"/>
+                <a:cs typeface="Arial" panose="020B0604020202020204" pitchFamily="34" charset="0"/>
+              </a:rPr>
+              <a:t> ist eine Implementierung der Theorie des Empirismus, der zufolge Wissen auf Erfahrung beruht und Entscheidungen auf der Grundlage dieses Wissens getroffen werden. Dazu sind drei Voraussetzungen zu schaffen:</a:t>
+            </a:r>
+          </a:p>
+          <a:p>
+            <a:pPr marL="457200" indent="-457200" algn="l">
+              <a:buFont typeface="+mj-lt"/>
+              <a:buAutoNum type="arabicPeriod"/>
+            </a:pPr>
+            <a:r>
+              <a:rPr lang="de-AT" sz="1600" dirty="0">
+                <a:latin typeface="Arial" panose="020B0604020202020204" pitchFamily="34" charset="0"/>
+                <a:cs typeface="Arial" panose="020B0604020202020204" pitchFamily="34" charset="0"/>
+              </a:rPr>
+              <a:t>Transparenz</a:t>
+            </a:r>
+          </a:p>
+          <a:p>
+            <a:pPr marL="457200" indent="-457200" algn="l">
+              <a:buFont typeface="+mj-lt"/>
+              <a:buAutoNum type="arabicPeriod"/>
+            </a:pPr>
+            <a:r>
+              <a:rPr lang="de-AT" sz="1600" dirty="0">
+                <a:latin typeface="Arial" panose="020B0604020202020204" pitchFamily="34" charset="0"/>
+                <a:cs typeface="Arial" panose="020B0604020202020204" pitchFamily="34" charset="0"/>
+              </a:rPr>
+              <a:t>Überprüfung</a:t>
+            </a:r>
+          </a:p>
+          <a:p>
+            <a:pPr marL="457200" indent="-457200" algn="l">
+              <a:buFont typeface="+mj-lt"/>
+              <a:buAutoNum type="arabicPeriod"/>
+            </a:pPr>
+            <a:r>
+              <a:rPr lang="de-AT" sz="1600" dirty="0">
+                <a:latin typeface="Arial" panose="020B0604020202020204" pitchFamily="34" charset="0"/>
+                <a:cs typeface="Arial" panose="020B0604020202020204" pitchFamily="34" charset="0"/>
+              </a:rPr>
+              <a:t>Anpassung“ </a:t>
+            </a:r>
+            <a:r>
+              <a:rPr lang="de-AT" sz="1600" baseline="30000" dirty="0">
+                <a:latin typeface="Arial" panose="020B0604020202020204" pitchFamily="34" charset="0"/>
+                <a:cs typeface="Arial" panose="020B0604020202020204" pitchFamily="34" charset="0"/>
+              </a:rPr>
+              <a:t>1</a:t>
+            </a:r>
+          </a:p>
+          <a:p>
+            <a:pPr algn="l"/>
+            <a:endParaRPr lang="de-AT" sz="800" dirty="0">
+              <a:latin typeface="Arial" panose="020B0604020202020204" pitchFamily="34" charset="0"/>
+              <a:cs typeface="Arial" panose="020B0604020202020204" pitchFamily="34" charset="0"/>
+            </a:endParaRPr>
+          </a:p>
+          <a:p>
+            <a:pPr algn="l"/>
+            <a:r>
+              <a:rPr lang="de-AT" sz="1600" dirty="0">
+                <a:latin typeface="Arial" panose="020B0604020202020204" pitchFamily="34" charset="0"/>
+                <a:cs typeface="Arial" panose="020B0604020202020204" pitchFamily="34" charset="0"/>
+              </a:rPr>
+              <a:t>Ziel dieser Arbeit war es, Metriken zu ermitteln, die </a:t>
+            </a:r>
+            <a:r>
+              <a:rPr lang="de-AT" sz="1600" dirty="0" err="1">
+                <a:latin typeface="Arial" panose="020B0604020202020204" pitchFamily="34" charset="0"/>
+                <a:cs typeface="Arial" panose="020B0604020202020204" pitchFamily="34" charset="0"/>
+              </a:rPr>
+              <a:t>Qualitätsprobleme</a:t>
+            </a:r>
+            <a:r>
+              <a:rPr lang="de-AT" sz="1600" dirty="0">
+                <a:latin typeface="Arial" panose="020B0604020202020204" pitchFamily="34" charset="0"/>
+                <a:cs typeface="Arial" panose="020B0604020202020204" pitchFamily="34" charset="0"/>
+              </a:rPr>
+              <a:t> im Entwicklungsprozess oder im Softwareprodukt quantitativ abbilden </a:t>
+            </a:r>
+            <a:r>
+              <a:rPr lang="de-AT" sz="1600" dirty="0" err="1">
+                <a:latin typeface="Arial" panose="020B0604020202020204" pitchFamily="34" charset="0"/>
+                <a:cs typeface="Arial" panose="020B0604020202020204" pitchFamily="34" charset="0"/>
+              </a:rPr>
+              <a:t>können</a:t>
+            </a:r>
+            <a:r>
+              <a:rPr lang="de-AT" sz="1600" dirty="0">
+                <a:latin typeface="Arial" panose="020B0604020202020204" pitchFamily="34" charset="0"/>
+                <a:cs typeface="Arial" panose="020B0604020202020204" pitchFamily="34" charset="0"/>
+              </a:rPr>
+              <a:t> und somit der Forderung nach Überprüfung gerecht werden.</a:t>
+            </a:r>
+          </a:p>
+          <a:p>
+            <a:pPr marL="0" marR="0" indent="0" algn="ctr" defTabSz="914400" rtl="0" eaLnBrk="1" fontAlgn="base" latinLnBrk="0" hangingPunct="1">
+              <a:lnSpc>
+                <a:spcPct val="100000"/>
+              </a:lnSpc>
+              <a:spcBef>
+                <a:spcPct val="0"/>
+              </a:spcBef>
+              <a:spcAft>
+                <a:spcPct val="0"/>
+              </a:spcAft>
+              <a:buClrTx/>
+              <a:buSzTx/>
+              <a:buFontTx/>
+              <a:buNone/>
+              <a:tabLst/>
+            </a:pPr>
+            <a:endParaRPr kumimoji="0" lang="de-DE" sz="1600" b="0" i="0" u="none" strike="noStrike" cap="none" normalizeH="0" baseline="0" dirty="0">
+              <a:ln>
+                <a:noFill/>
+              </a:ln>
+              <a:solidFill>
+                <a:srgbClr val="000000"/>
+              </a:solidFill>
+              <a:effectLst/>
+              <a:latin typeface="Arial" panose="020B0604020202020204" pitchFamily="34" charset="0"/>
+              <a:ea typeface="ヒラギノ角ゴ ProN W3" charset="-128"/>
+              <a:cs typeface="Arial" panose="020B0604020202020204" pitchFamily="34" charset="0"/>
+              <a:sym typeface="Gill Sans" pitchFamily="-109" charset="0"/>
+            </a:endParaRPr>
+          </a:p>
+        </p:txBody>
+      </p:sp>
+      <p:sp>
+        <p:nvSpPr>
+          <p:cNvPr id="49" name="Rechteck 48">
+            <a:extLst>
+              <a:ext uri="{FF2B5EF4-FFF2-40B4-BE49-F238E27FC236}">
+                <a16:creationId xmlns:a16="http://schemas.microsoft.com/office/drawing/2014/main" id="{CFB03BC8-38D8-EF47-AE47-B441BBDC3BDA}"/>
+              </a:ext>
+            </a:extLst>
+          </p:cNvPr>
+          <p:cNvSpPr/>
+          <p:nvPr/>
+        </p:nvSpPr>
+        <p:spPr bwMode="auto">
+          <a:xfrm>
+            <a:off x="1662962" y="10872765"/>
+            <a:ext cx="6257385" cy="4760725"/>
+          </a:xfrm>
+          <a:prstGeom prst="rect">
+            <a:avLst/>
+          </a:prstGeom>
+          <a:ln>
+            <a:headEnd type="none" w="med" len="med"/>
+            <a:tailEnd type="none" w="med" len="med"/>
+          </a:ln>
+        </p:spPr>
+        <p:style>
+          <a:lnRef idx="2">
+            <a:schemeClr val="dk1"/>
+          </a:lnRef>
+          <a:fillRef idx="1">
+            <a:schemeClr val="lt1"/>
+          </a:fillRef>
+          <a:effectRef idx="0">
+            <a:schemeClr val="dk1"/>
+          </a:effectRef>
+          <a:fontRef idx="minor">
+            <a:schemeClr val="dk1"/>
+          </a:fontRef>
+        </p:style>
+        <p:txBody>
+          <a:bodyPr vert="horz" wrap="square" lIns="360000" tIns="180000" rIns="360000" bIns="90000" numCol="1" rtlCol="0" anchor="t" anchorCtr="0" compatLnSpc="1">
+            <a:prstTxWarp prst="textNoShape">
+              <a:avLst/>
+            </a:prstTxWarp>
+          </a:bodyPr>
+          <a:lstStyle/>
+          <a:p>
+            <a:pPr algn="l"/>
+            <a:r>
+              <a:rPr lang="de-AT" sz="1600" dirty="0">
+                <a:latin typeface="Arial" panose="020B0604020202020204" pitchFamily="34" charset="0"/>
+                <a:cs typeface="Arial" panose="020B0604020202020204" pitchFamily="34" charset="0"/>
+              </a:rPr>
+              <a:t>Es wurde eine Fallstudie, wie in “Agile </a:t>
+            </a:r>
+            <a:r>
+              <a:rPr lang="de-AT" sz="1600" dirty="0" err="1">
+                <a:latin typeface="Arial" panose="020B0604020202020204" pitchFamily="34" charset="0"/>
+                <a:cs typeface="Arial" panose="020B0604020202020204" pitchFamily="34" charset="0"/>
+              </a:rPr>
+              <a:t>Metrics</a:t>
+            </a:r>
+            <a:r>
+              <a:rPr lang="de-AT" sz="1600" dirty="0">
+                <a:latin typeface="Arial" panose="020B0604020202020204" pitchFamily="34" charset="0"/>
+                <a:cs typeface="Arial" panose="020B0604020202020204" pitchFamily="34" charset="0"/>
+              </a:rPr>
+              <a:t> In Action“ </a:t>
+            </a:r>
+            <a:r>
+              <a:rPr lang="de-AT" sz="1600" baseline="30000" dirty="0">
+                <a:latin typeface="Arial" panose="020B0604020202020204" pitchFamily="34" charset="0"/>
+                <a:cs typeface="Arial" panose="020B0604020202020204" pitchFamily="34" charset="0"/>
+              </a:rPr>
+              <a:t>2</a:t>
+            </a:r>
+            <a:r>
+              <a:rPr lang="de-AT" sz="1600" dirty="0">
+                <a:latin typeface="Arial" panose="020B0604020202020204" pitchFamily="34" charset="0"/>
+                <a:cs typeface="Arial" panose="020B0604020202020204" pitchFamily="34" charset="0"/>
+              </a:rPr>
+              <a:t> beschrieben, mit einem </a:t>
+            </a:r>
+            <a:r>
+              <a:rPr lang="de-AT" sz="1600" dirty="0" err="1">
+                <a:latin typeface="Arial" panose="020B0604020202020204" pitchFamily="34" charset="0"/>
+                <a:cs typeface="Arial" panose="020B0604020202020204" pitchFamily="34" charset="0"/>
+              </a:rPr>
+              <a:t>Scrum</a:t>
+            </a:r>
+            <a:r>
+              <a:rPr lang="de-AT" sz="1600" dirty="0">
+                <a:latin typeface="Arial" panose="020B0604020202020204" pitchFamily="34" charset="0"/>
+                <a:cs typeface="Arial" panose="020B0604020202020204" pitchFamily="34" charset="0"/>
+              </a:rPr>
+              <a:t> Team durchgeführt und dabei in folgenden Schritten vorgegangen:</a:t>
+            </a:r>
+          </a:p>
+          <a:p>
+            <a:pPr algn="l"/>
+            <a:endParaRPr lang="de-AT" sz="1200" dirty="0">
+              <a:latin typeface="Arial" panose="020B0604020202020204" pitchFamily="34" charset="0"/>
+              <a:cs typeface="Arial" panose="020B0604020202020204" pitchFamily="34" charset="0"/>
+            </a:endParaRPr>
+          </a:p>
+          <a:p>
+            <a:pPr marL="342900" indent="-342900" algn="l">
+              <a:buFont typeface="+mj-lt"/>
+              <a:buAutoNum type="arabicPeriod"/>
+            </a:pPr>
+            <a:r>
+              <a:rPr lang="de-AT" sz="1600" dirty="0">
+                <a:latin typeface="Arial" panose="020B0604020202020204" pitchFamily="34" charset="0"/>
+                <a:cs typeface="Arial" panose="020B0604020202020204" pitchFamily="34" charset="0"/>
+              </a:rPr>
+              <a:t>Metriken ermitteln</a:t>
+            </a:r>
+          </a:p>
+          <a:p>
+            <a:pPr lvl="1" algn="l"/>
+            <a:r>
+              <a:rPr lang="de-AT" sz="1600" dirty="0">
+                <a:latin typeface="Arial" panose="020B0604020202020204" pitchFamily="34" charset="0"/>
+                <a:cs typeface="Arial" panose="020B0604020202020204" pitchFamily="34" charset="0"/>
+              </a:rPr>
+              <a:t>Die Metriken wurden über die sogenannte GQM (Goal-</a:t>
+            </a:r>
+            <a:r>
+              <a:rPr lang="de-AT" sz="1600" dirty="0" err="1">
+                <a:latin typeface="Arial" panose="020B0604020202020204" pitchFamily="34" charset="0"/>
+                <a:cs typeface="Arial" panose="020B0604020202020204" pitchFamily="34" charset="0"/>
+              </a:rPr>
+              <a:t>Question</a:t>
+            </a:r>
+            <a:r>
+              <a:rPr lang="de-AT" sz="1600" dirty="0">
+                <a:latin typeface="Arial" panose="020B0604020202020204" pitchFamily="34" charset="0"/>
+                <a:cs typeface="Arial" panose="020B0604020202020204" pitchFamily="34" charset="0"/>
+              </a:rPr>
+              <a:t>-</a:t>
+            </a:r>
+            <a:r>
+              <a:rPr lang="de-AT" sz="1600" dirty="0" err="1">
+                <a:latin typeface="Arial" panose="020B0604020202020204" pitchFamily="34" charset="0"/>
+                <a:cs typeface="Arial" panose="020B0604020202020204" pitchFamily="34" charset="0"/>
+              </a:rPr>
+              <a:t>Metric</a:t>
+            </a:r>
+            <a:r>
+              <a:rPr lang="de-AT" sz="1600" dirty="0">
+                <a:latin typeface="Arial" panose="020B0604020202020204" pitchFamily="34" charset="0"/>
+                <a:cs typeface="Arial" panose="020B0604020202020204" pitchFamily="34" charset="0"/>
+              </a:rPr>
+              <a:t>)-Methode, bei der die Daten der letzten Sprint Retrospektiven ausgewertet wurden, und ergänzend über eine Umfrage im Team ermittelt.</a:t>
+            </a:r>
+          </a:p>
+          <a:p>
+            <a:pPr marL="342900" indent="-342900" algn="l">
+              <a:buFont typeface="+mj-lt"/>
+              <a:buAutoNum type="arabicPeriod"/>
+            </a:pPr>
+            <a:r>
+              <a:rPr lang="de-AT" sz="1600" dirty="0">
+                <a:latin typeface="Arial" panose="020B0604020202020204" pitchFamily="34" charset="0"/>
+                <a:cs typeface="Arial" panose="020B0604020202020204" pitchFamily="34" charset="0"/>
+              </a:rPr>
+              <a:t>Software erstellen</a:t>
+            </a:r>
+          </a:p>
+          <a:p>
+            <a:pPr lvl="1" algn="l"/>
+            <a:r>
+              <a:rPr lang="de-AT" sz="1600" dirty="0">
+                <a:latin typeface="Arial" panose="020B0604020202020204" pitchFamily="34" charset="0"/>
+                <a:cs typeface="Arial" panose="020B0604020202020204" pitchFamily="34" charset="0"/>
+              </a:rPr>
+              <a:t>Die im ersten Schritt ermittelten Metriken wurden über eine eigens erstellte Software ermittelt, aufbereitet und in einem </a:t>
+            </a:r>
+            <a:r>
+              <a:rPr lang="de-AT" sz="1600" dirty="0" err="1">
+                <a:latin typeface="Arial" panose="020B0604020202020204" pitchFamily="34" charset="0"/>
+                <a:cs typeface="Arial" panose="020B0604020202020204" pitchFamily="34" charset="0"/>
+              </a:rPr>
+              <a:t>Elastic</a:t>
+            </a:r>
+            <a:r>
+              <a:rPr lang="de-AT" sz="1600" dirty="0">
+                <a:latin typeface="Arial" panose="020B0604020202020204" pitchFamily="34" charset="0"/>
+                <a:cs typeface="Arial" panose="020B0604020202020204" pitchFamily="34" charset="0"/>
+              </a:rPr>
+              <a:t> Stack gespeichert und dargestellt.</a:t>
+            </a:r>
+          </a:p>
+          <a:p>
+            <a:pPr marL="342900" indent="-342900" algn="l">
+              <a:buFont typeface="+mj-lt"/>
+              <a:buAutoNum type="arabicPeriod"/>
+            </a:pPr>
+            <a:r>
+              <a:rPr lang="de-AT" sz="1600" dirty="0">
+                <a:latin typeface="Arial" panose="020B0604020202020204" pitchFamily="34" charset="0"/>
+                <a:cs typeface="Arial" panose="020B0604020202020204" pitchFamily="34" charset="0"/>
+              </a:rPr>
+              <a:t>Ergebnisse evaluieren</a:t>
+            </a:r>
+          </a:p>
+          <a:p>
+            <a:pPr lvl="1" algn="l"/>
+            <a:r>
+              <a:rPr lang="de-AT" sz="1600" dirty="0">
+                <a:latin typeface="Arial" panose="020B0604020202020204" pitchFamily="34" charset="0"/>
+                <a:cs typeface="Arial" panose="020B0604020202020204" pitchFamily="34" charset="0"/>
+              </a:rPr>
+              <a:t>Das </a:t>
+            </a:r>
+            <a:r>
+              <a:rPr lang="de-AT" sz="1600" dirty="0" err="1">
+                <a:latin typeface="Arial" panose="020B0604020202020204" pitchFamily="34" charset="0"/>
+                <a:cs typeface="Arial" panose="020B0604020202020204" pitchFamily="34" charset="0"/>
+              </a:rPr>
+              <a:t>Scrum</a:t>
+            </a:r>
+            <a:r>
+              <a:rPr lang="de-AT" sz="1600" dirty="0">
+                <a:latin typeface="Arial" panose="020B0604020202020204" pitchFamily="34" charset="0"/>
+                <a:cs typeface="Arial" panose="020B0604020202020204" pitchFamily="34" charset="0"/>
+              </a:rPr>
+              <a:t> Team nutzte diese Metriken über einen Zeitraum von nicht ganz drei Sprints in den Retrospektiven, um eine bessere Einsicht in den Entwicklungsprozess zu bekommen.</a:t>
+            </a:r>
+          </a:p>
+          <a:p>
+            <a:pPr marL="0" marR="0" indent="0" algn="ctr" defTabSz="914400" rtl="0" eaLnBrk="1" fontAlgn="base" latinLnBrk="0" hangingPunct="1">
+              <a:lnSpc>
+                <a:spcPct val="100000"/>
+              </a:lnSpc>
+              <a:spcBef>
+                <a:spcPct val="0"/>
+              </a:spcBef>
+              <a:spcAft>
+                <a:spcPct val="0"/>
+              </a:spcAft>
+              <a:buClrTx/>
+              <a:buSzTx/>
+              <a:buFontTx/>
+              <a:buNone/>
+              <a:tabLst/>
+            </a:pPr>
+            <a:endParaRPr kumimoji="0" lang="de-DE" sz="1600" b="0" i="0" u="none" strike="noStrike" cap="none" normalizeH="0" baseline="0" dirty="0">
+              <a:ln>
+                <a:noFill/>
+              </a:ln>
+              <a:solidFill>
+                <a:srgbClr val="000000"/>
+              </a:solidFill>
+              <a:effectLst/>
+              <a:latin typeface="Arial" panose="020B0604020202020204" pitchFamily="34" charset="0"/>
+              <a:ea typeface="ヒラギノ角ゴ ProN W3" charset="-128"/>
+              <a:cs typeface="Arial" panose="020B0604020202020204" pitchFamily="34" charset="0"/>
+              <a:sym typeface="Gill Sans" pitchFamily="-109" charset="0"/>
+            </a:endParaRPr>
+          </a:p>
+        </p:txBody>
+      </p:sp>
+      <p:sp>
+        <p:nvSpPr>
+          <p:cNvPr id="52" name="Rechteck 51">
+            <a:extLst>
+              <a:ext uri="{FF2B5EF4-FFF2-40B4-BE49-F238E27FC236}">
+                <a16:creationId xmlns:a16="http://schemas.microsoft.com/office/drawing/2014/main" id="{A50159FC-2635-8B48-AA6D-E4BD6C0C859E}"/>
+              </a:ext>
+            </a:extLst>
+          </p:cNvPr>
+          <p:cNvSpPr/>
+          <p:nvPr/>
+        </p:nvSpPr>
+        <p:spPr bwMode="auto">
+          <a:xfrm>
+            <a:off x="13759388" y="6110231"/>
+            <a:ext cx="6257384" cy="557529"/>
+          </a:xfrm>
+          <a:prstGeom prst="rect">
+            <a:avLst/>
+          </a:prstGeom>
+          <a:solidFill>
+            <a:srgbClr val="0070C0">
+              <a:alpha val="69000"/>
+            </a:srgbClr>
+          </a:solidFill>
+          <a:ln w="25400" cap="flat" cmpd="sng" algn="ctr">
+            <a:solidFill>
+              <a:srgbClr val="000000"/>
+            </a:solidFill>
+            <a:prstDash val="solid"/>
+            <a:round/>
+            <a:headEnd type="none" w="med" len="med"/>
+            <a:tailEnd type="none" w="med" len="med"/>
+          </a:ln>
+          <a:effectLst/>
+          <a:scene3d>
+            <a:camera prst="orthographicFront"/>
+            <a:lightRig rig="threePt" dir="t"/>
+          </a:scene3d>
+          <a:sp3d>
+            <a:bevelT/>
+          </a:sp3d>
+        </p:spPr>
+        <p:txBody>
+          <a:bodyPr vert="horz" wrap="square" lIns="360000" tIns="90000" rIns="360000" bIns="90000" numCol="1" rtlCol="0" anchor="t" anchorCtr="0" compatLnSpc="1">
+            <a:prstTxWarp prst="textNoShape">
+              <a:avLst/>
+            </a:prstTxWarp>
+          </a:bodyPr>
+          <a:lstStyle/>
+          <a:p>
+            <a:pPr algn="l"/>
+            <a:r>
+              <a:rPr lang="de-DE" sz="2400" b="1" dirty="0">
+                <a:latin typeface="Arial" panose="020B0604020202020204" pitchFamily="34" charset="0"/>
+                <a:cs typeface="Arial" panose="020B0604020202020204" pitchFamily="34" charset="0"/>
+              </a:rPr>
+              <a:t>Evaluierung</a:t>
+            </a:r>
+            <a:endParaRPr lang="de-DE" sz="1200" u="sng" dirty="0">
+              <a:latin typeface="Arial" panose="020B0604020202020204" pitchFamily="34" charset="0"/>
+              <a:cs typeface="Arial" panose="020B0604020202020204" pitchFamily="34" charset="0"/>
+            </a:endParaRPr>
+          </a:p>
+          <a:p>
+            <a:pPr algn="l"/>
+            <a:endParaRPr lang="de-AT" sz="1600" dirty="0">
+              <a:latin typeface="Arial" panose="020B0604020202020204" pitchFamily="34" charset="0"/>
+              <a:cs typeface="Arial" panose="020B0604020202020204" pitchFamily="34" charset="0"/>
+            </a:endParaRPr>
+          </a:p>
+        </p:txBody>
+      </p:sp>
+      <p:sp>
+        <p:nvSpPr>
+          <p:cNvPr id="55" name="Rechteck 54">
+            <a:extLst>
+              <a:ext uri="{FF2B5EF4-FFF2-40B4-BE49-F238E27FC236}">
+                <a16:creationId xmlns:a16="http://schemas.microsoft.com/office/drawing/2014/main" id="{D36C8883-ABB4-214D-8C2F-13975F3D1158}"/>
+              </a:ext>
+            </a:extLst>
+          </p:cNvPr>
+          <p:cNvSpPr/>
+          <p:nvPr/>
+        </p:nvSpPr>
+        <p:spPr bwMode="auto">
+          <a:xfrm>
+            <a:off x="13749218" y="12489310"/>
+            <a:ext cx="6257384" cy="557529"/>
+          </a:xfrm>
+          <a:prstGeom prst="rect">
+            <a:avLst/>
+          </a:prstGeom>
+          <a:solidFill>
+            <a:srgbClr val="0070C0">
+              <a:alpha val="69000"/>
+            </a:srgbClr>
+          </a:solidFill>
+          <a:ln w="25400" cap="flat" cmpd="sng" algn="ctr">
+            <a:solidFill>
+              <a:srgbClr val="000000"/>
+            </a:solidFill>
+            <a:prstDash val="solid"/>
+            <a:round/>
+            <a:headEnd type="none" w="med" len="med"/>
+            <a:tailEnd type="none" w="med" len="med"/>
+          </a:ln>
+          <a:effectLst/>
+          <a:scene3d>
+            <a:camera prst="orthographicFront"/>
+            <a:lightRig rig="threePt" dir="t"/>
+          </a:scene3d>
+          <a:sp3d>
+            <a:bevelT/>
+          </a:sp3d>
+        </p:spPr>
+        <p:txBody>
+          <a:bodyPr vert="horz" wrap="square" lIns="360000" tIns="90000" rIns="360000" bIns="90000" numCol="1" rtlCol="0" anchor="t" anchorCtr="0" compatLnSpc="1">
+            <a:prstTxWarp prst="textNoShape">
+              <a:avLst/>
+            </a:prstTxWarp>
+          </a:bodyPr>
+          <a:lstStyle/>
+          <a:p>
+            <a:pPr algn="l"/>
+            <a:r>
+              <a:rPr lang="de-DE" sz="2400" b="1" dirty="0">
+                <a:latin typeface="Arial" panose="020B0604020202020204" pitchFamily="34" charset="0"/>
+                <a:cs typeface="Arial" panose="020B0604020202020204" pitchFamily="34" charset="0"/>
+              </a:rPr>
+              <a:t>Schlussfolgerungen</a:t>
+            </a:r>
+            <a:endParaRPr lang="de-DE" sz="1200" u="sng" dirty="0">
+              <a:latin typeface="Arial" panose="020B0604020202020204" pitchFamily="34" charset="0"/>
+              <a:cs typeface="Arial" panose="020B0604020202020204" pitchFamily="34" charset="0"/>
+            </a:endParaRPr>
+          </a:p>
+          <a:p>
+            <a:pPr algn="l"/>
+            <a:endParaRPr lang="de-AT" sz="1600" dirty="0">
+              <a:latin typeface="Arial" panose="020B0604020202020204" pitchFamily="34" charset="0"/>
+              <a:cs typeface="Arial" panose="020B0604020202020204" pitchFamily="34" charset="0"/>
+            </a:endParaRPr>
+          </a:p>
+        </p:txBody>
+      </p:sp>
+      <p:sp>
+        <p:nvSpPr>
+          <p:cNvPr id="57" name="Rechteck 56">
+            <a:extLst>
+              <a:ext uri="{FF2B5EF4-FFF2-40B4-BE49-F238E27FC236}">
+                <a16:creationId xmlns:a16="http://schemas.microsoft.com/office/drawing/2014/main" id="{38D23FA9-F2D8-7A4A-90BF-73021131A653}"/>
+              </a:ext>
+            </a:extLst>
+          </p:cNvPr>
+          <p:cNvSpPr/>
+          <p:nvPr/>
+        </p:nvSpPr>
+        <p:spPr bwMode="auto">
+          <a:xfrm>
+            <a:off x="1672029" y="19574940"/>
+            <a:ext cx="18334574" cy="1195290"/>
+          </a:xfrm>
+          <a:prstGeom prst="rect">
+            <a:avLst/>
+          </a:prstGeom>
+          <a:ln>
+            <a:headEnd type="none" w="med" len="med"/>
+            <a:tailEnd type="none" w="med" len="med"/>
+          </a:ln>
+        </p:spPr>
+        <p:style>
+          <a:lnRef idx="2">
+            <a:schemeClr val="dk1"/>
+          </a:lnRef>
+          <a:fillRef idx="1">
+            <a:schemeClr val="lt1"/>
+          </a:fillRef>
+          <a:effectRef idx="0">
+            <a:schemeClr val="dk1"/>
+          </a:effectRef>
+          <a:fontRef idx="minor">
+            <a:schemeClr val="dk1"/>
+          </a:fontRef>
+        </p:style>
+        <p:txBody>
+          <a:bodyPr vert="horz" wrap="square" lIns="360000" tIns="180000" rIns="360000" bIns="90000" numCol="1" rtlCol="0" anchor="t" anchorCtr="0" compatLnSpc="1">
+            <a:prstTxWarp prst="textNoShape">
+              <a:avLst/>
+            </a:prstTxWarp>
+          </a:bodyPr>
+          <a:lstStyle/>
+          <a:p>
+            <a:pPr algn="l"/>
+            <a:r>
+              <a:rPr lang="de-AT" sz="1600" baseline="30000" dirty="0">
+                <a:latin typeface="Arial" panose="020B0604020202020204" pitchFamily="34" charset="0"/>
+                <a:cs typeface="Arial" panose="020B0604020202020204" pitchFamily="34" charset="0"/>
+              </a:rPr>
+              <a:t>1</a:t>
+            </a:r>
+            <a:r>
+              <a:rPr lang="de-AT" sz="1600" dirty="0">
+                <a:latin typeface="Arial" panose="020B0604020202020204" pitchFamily="34" charset="0"/>
+                <a:cs typeface="Arial" panose="020B0604020202020204" pitchFamily="34" charset="0"/>
+              </a:rPr>
+              <a:t> vgl. Rolf </a:t>
+            </a:r>
+            <a:r>
+              <a:rPr lang="de-AT" sz="1600" dirty="0" err="1">
+                <a:latin typeface="Arial" panose="020B0604020202020204" pitchFamily="34" charset="0"/>
+                <a:cs typeface="Arial" panose="020B0604020202020204" pitchFamily="34" charset="0"/>
+              </a:rPr>
+              <a:t>Dräther</a:t>
+            </a:r>
+            <a:r>
+              <a:rPr lang="de-AT" sz="1600" dirty="0">
+                <a:latin typeface="Arial" panose="020B0604020202020204" pitchFamily="34" charset="0"/>
+                <a:cs typeface="Arial" panose="020B0604020202020204" pitchFamily="34" charset="0"/>
+              </a:rPr>
+              <a:t>, Holger </a:t>
+            </a:r>
+            <a:r>
+              <a:rPr lang="de-AT" sz="1600" dirty="0" err="1">
+                <a:latin typeface="Arial" panose="020B0604020202020204" pitchFamily="34" charset="0"/>
+                <a:cs typeface="Arial" panose="020B0604020202020204" pitchFamily="34" charset="0"/>
+              </a:rPr>
+              <a:t>Koschek</a:t>
+            </a:r>
+            <a:r>
+              <a:rPr lang="de-AT" sz="1600" dirty="0">
+                <a:latin typeface="Arial" panose="020B0604020202020204" pitchFamily="34" charset="0"/>
+                <a:cs typeface="Arial" panose="020B0604020202020204" pitchFamily="34" charset="0"/>
+              </a:rPr>
+              <a:t> und Carsten </a:t>
+            </a:r>
+            <a:r>
+              <a:rPr lang="de-AT" sz="1600" dirty="0" err="1">
+                <a:latin typeface="Arial" panose="020B0604020202020204" pitchFamily="34" charset="0"/>
+                <a:cs typeface="Arial" panose="020B0604020202020204" pitchFamily="34" charset="0"/>
+              </a:rPr>
+              <a:t>Sahling</a:t>
+            </a:r>
+            <a:r>
+              <a:rPr lang="de-AT" sz="1600" dirty="0">
+                <a:latin typeface="Arial" panose="020B0604020202020204" pitchFamily="34" charset="0"/>
+                <a:cs typeface="Arial" panose="020B0604020202020204" pitchFamily="34" charset="0"/>
+              </a:rPr>
+              <a:t>. </a:t>
+            </a:r>
+            <a:r>
+              <a:rPr lang="de-AT" sz="1600" dirty="0" err="1">
+                <a:latin typeface="Arial" panose="020B0604020202020204" pitchFamily="34" charset="0"/>
+                <a:cs typeface="Arial" panose="020B0604020202020204" pitchFamily="34" charset="0"/>
+              </a:rPr>
+              <a:t>Scrum</a:t>
+            </a:r>
+            <a:r>
+              <a:rPr lang="de-AT" sz="1600" dirty="0">
+                <a:latin typeface="Arial" panose="020B0604020202020204" pitchFamily="34" charset="0"/>
+                <a:cs typeface="Arial" panose="020B0604020202020204" pitchFamily="34" charset="0"/>
+              </a:rPr>
+              <a:t>: kurz &amp; gut. 1. Auflage. </a:t>
+            </a:r>
+            <a:r>
+              <a:rPr lang="de-AT" sz="1600" dirty="0" err="1">
+                <a:latin typeface="Arial" panose="020B0604020202020204" pitchFamily="34" charset="0"/>
+                <a:cs typeface="Arial" panose="020B0604020202020204" pitchFamily="34" charset="0"/>
+              </a:rPr>
+              <a:t>O’Reillys</a:t>
+            </a:r>
+            <a:r>
+              <a:rPr lang="de-AT" sz="1600" dirty="0">
+                <a:latin typeface="Arial" panose="020B0604020202020204" pitchFamily="34" charset="0"/>
+                <a:cs typeface="Arial" panose="020B0604020202020204" pitchFamily="34" charset="0"/>
+              </a:rPr>
+              <a:t> Taschenbibliothek. Beijing Cambridge </a:t>
+            </a:r>
+            <a:r>
+              <a:rPr lang="de-AT" sz="1600" dirty="0" err="1">
+                <a:latin typeface="Arial" panose="020B0604020202020204" pitchFamily="34" charset="0"/>
+                <a:cs typeface="Arial" panose="020B0604020202020204" pitchFamily="34" charset="0"/>
+              </a:rPr>
+              <a:t>Farnham</a:t>
+            </a:r>
+            <a:r>
+              <a:rPr lang="de-AT" sz="1600" dirty="0">
+                <a:latin typeface="Arial" panose="020B0604020202020204" pitchFamily="34" charset="0"/>
+                <a:cs typeface="Arial" panose="020B0604020202020204" pitchFamily="34" charset="0"/>
+              </a:rPr>
+              <a:t> </a:t>
+            </a:r>
+            <a:r>
+              <a:rPr lang="de-AT" sz="1600" dirty="0" err="1">
+                <a:latin typeface="Arial" panose="020B0604020202020204" pitchFamily="34" charset="0"/>
+                <a:cs typeface="Arial" panose="020B0604020202020204" pitchFamily="34" charset="0"/>
+              </a:rPr>
+              <a:t>Köln</a:t>
+            </a:r>
+            <a:r>
+              <a:rPr lang="de-AT" sz="1600" dirty="0">
+                <a:latin typeface="Arial" panose="020B0604020202020204" pitchFamily="34" charset="0"/>
+                <a:cs typeface="Arial" panose="020B0604020202020204" pitchFamily="34" charset="0"/>
+              </a:rPr>
+              <a:t> </a:t>
+            </a:r>
+            <a:r>
+              <a:rPr lang="de-AT" sz="1600" dirty="0" err="1">
+                <a:latin typeface="Arial" panose="020B0604020202020204" pitchFamily="34" charset="0"/>
+                <a:cs typeface="Arial" panose="020B0604020202020204" pitchFamily="34" charset="0"/>
+              </a:rPr>
+              <a:t>Sebastopol</a:t>
+            </a:r>
+            <a:r>
+              <a:rPr lang="de-AT" sz="1600" dirty="0">
+                <a:latin typeface="Arial" panose="020B0604020202020204" pitchFamily="34" charset="0"/>
+                <a:cs typeface="Arial" panose="020B0604020202020204" pitchFamily="34" charset="0"/>
+              </a:rPr>
+              <a:t>, Tokyo: </a:t>
+            </a:r>
+            <a:r>
+              <a:rPr lang="de-AT" sz="1600" dirty="0" err="1">
+                <a:latin typeface="Arial" panose="020B0604020202020204" pitchFamily="34" charset="0"/>
+                <a:cs typeface="Arial" panose="020B0604020202020204" pitchFamily="34" charset="0"/>
+              </a:rPr>
+              <a:t>O’Reilly</a:t>
+            </a:r>
+            <a:r>
+              <a:rPr lang="de-AT" sz="1600" dirty="0">
+                <a:latin typeface="Arial" panose="020B0604020202020204" pitchFamily="34" charset="0"/>
+                <a:cs typeface="Arial" panose="020B0604020202020204" pitchFamily="34" charset="0"/>
+              </a:rPr>
+              <a:t>, 2013. </a:t>
+            </a:r>
+            <a:r>
+              <a:rPr lang="de-AT" sz="1600" dirty="0" err="1">
+                <a:latin typeface="Arial" panose="020B0604020202020204" pitchFamily="34" charset="0"/>
+                <a:cs typeface="Arial" panose="020B0604020202020204" pitchFamily="34" charset="0"/>
+              </a:rPr>
+              <a:t>isbn</a:t>
+            </a:r>
+            <a:r>
+              <a:rPr lang="de-AT" sz="1600" dirty="0">
+                <a:latin typeface="Arial" panose="020B0604020202020204" pitchFamily="34" charset="0"/>
+                <a:cs typeface="Arial" panose="020B0604020202020204" pitchFamily="34" charset="0"/>
+              </a:rPr>
+              <a:t>: 978- 3-86899-833-7, S.14ff</a:t>
+            </a:r>
+          </a:p>
+          <a:p>
+            <a:pPr algn="l"/>
+            <a:r>
+              <a:rPr lang="de-AT" sz="1600" baseline="30000" dirty="0">
+                <a:latin typeface="Arial" panose="020B0604020202020204" pitchFamily="34" charset="0"/>
+                <a:cs typeface="Arial" panose="020B0604020202020204" pitchFamily="34" charset="0"/>
+              </a:rPr>
+              <a:t>2</a:t>
+            </a:r>
+            <a:r>
+              <a:rPr lang="de-AT" sz="1600" dirty="0">
+                <a:latin typeface="Arial" panose="020B0604020202020204" pitchFamily="34" charset="0"/>
+                <a:cs typeface="Arial" panose="020B0604020202020204" pitchFamily="34" charset="0"/>
+              </a:rPr>
+              <a:t> Christopher W. H. Davis. Agile </a:t>
+            </a:r>
+            <a:r>
+              <a:rPr lang="de-AT" sz="1600" dirty="0" err="1">
+                <a:latin typeface="Arial" panose="020B0604020202020204" pitchFamily="34" charset="0"/>
+                <a:cs typeface="Arial" panose="020B0604020202020204" pitchFamily="34" charset="0"/>
+              </a:rPr>
+              <a:t>Metrics</a:t>
+            </a:r>
+            <a:r>
+              <a:rPr lang="de-AT" sz="1600" dirty="0">
+                <a:latin typeface="Arial" panose="020B0604020202020204" pitchFamily="34" charset="0"/>
+                <a:cs typeface="Arial" panose="020B0604020202020204" pitchFamily="34" charset="0"/>
+              </a:rPr>
+              <a:t> in Action: </a:t>
+            </a:r>
+            <a:r>
+              <a:rPr lang="de-AT" sz="1600" dirty="0" err="1">
+                <a:latin typeface="Arial" panose="020B0604020202020204" pitchFamily="34" charset="0"/>
+                <a:cs typeface="Arial" panose="020B0604020202020204" pitchFamily="34" charset="0"/>
+              </a:rPr>
+              <a:t>Measuring</a:t>
+            </a:r>
+            <a:r>
+              <a:rPr lang="de-AT" sz="1600" dirty="0">
+                <a:latin typeface="Arial" panose="020B0604020202020204" pitchFamily="34" charset="0"/>
+                <a:cs typeface="Arial" panose="020B0604020202020204" pitchFamily="34" charset="0"/>
+              </a:rPr>
+              <a:t> </a:t>
+            </a:r>
+            <a:r>
+              <a:rPr lang="de-AT" sz="1600" dirty="0" err="1">
+                <a:latin typeface="Arial" panose="020B0604020202020204" pitchFamily="34" charset="0"/>
+                <a:cs typeface="Arial" panose="020B0604020202020204" pitchFamily="34" charset="0"/>
+              </a:rPr>
+              <a:t>and</a:t>
+            </a:r>
+            <a:r>
+              <a:rPr lang="de-AT" sz="1600" dirty="0">
+                <a:latin typeface="Arial" panose="020B0604020202020204" pitchFamily="34" charset="0"/>
+                <a:cs typeface="Arial" panose="020B0604020202020204" pitchFamily="34" charset="0"/>
+              </a:rPr>
+              <a:t> </a:t>
+            </a:r>
+            <a:r>
+              <a:rPr lang="de-AT" sz="1600" dirty="0" err="1">
+                <a:latin typeface="Arial" panose="020B0604020202020204" pitchFamily="34" charset="0"/>
+                <a:cs typeface="Arial" panose="020B0604020202020204" pitchFamily="34" charset="0"/>
+              </a:rPr>
+              <a:t>Enhancing</a:t>
+            </a:r>
+            <a:r>
+              <a:rPr lang="de-AT" sz="1600" dirty="0">
+                <a:latin typeface="Arial" panose="020B0604020202020204" pitchFamily="34" charset="0"/>
+                <a:cs typeface="Arial" panose="020B0604020202020204" pitchFamily="34" charset="0"/>
+              </a:rPr>
+              <a:t> </a:t>
+            </a:r>
+            <a:r>
+              <a:rPr lang="de-AT" sz="1600" dirty="0" err="1">
+                <a:latin typeface="Arial" panose="020B0604020202020204" pitchFamily="34" charset="0"/>
+                <a:cs typeface="Arial" panose="020B0604020202020204" pitchFamily="34" charset="0"/>
+              </a:rPr>
+              <a:t>the</a:t>
+            </a:r>
+            <a:r>
+              <a:rPr lang="de-AT" sz="1600" dirty="0">
+                <a:latin typeface="Arial" panose="020B0604020202020204" pitchFamily="34" charset="0"/>
+                <a:cs typeface="Arial" panose="020B0604020202020204" pitchFamily="34" charset="0"/>
+              </a:rPr>
+              <a:t> Performance </a:t>
+            </a:r>
+            <a:r>
+              <a:rPr lang="de-AT" sz="1600" dirty="0" err="1">
+                <a:latin typeface="Arial" panose="020B0604020202020204" pitchFamily="34" charset="0"/>
+                <a:cs typeface="Arial" panose="020B0604020202020204" pitchFamily="34" charset="0"/>
+              </a:rPr>
+              <a:t>of</a:t>
+            </a:r>
+            <a:r>
+              <a:rPr lang="de-AT" sz="1600" dirty="0">
+                <a:latin typeface="Arial" panose="020B0604020202020204" pitchFamily="34" charset="0"/>
+                <a:cs typeface="Arial" panose="020B0604020202020204" pitchFamily="34" charset="0"/>
+              </a:rPr>
+              <a:t> Agile Teams. 1st. Greenwich, CT, USA: Manning Publications Co., 2015. </a:t>
+            </a:r>
+            <a:r>
+              <a:rPr lang="de-AT" sz="1600" dirty="0" err="1">
+                <a:latin typeface="Arial" panose="020B0604020202020204" pitchFamily="34" charset="0"/>
+                <a:cs typeface="Arial" panose="020B0604020202020204" pitchFamily="34" charset="0"/>
+              </a:rPr>
+              <a:t>isbn</a:t>
+            </a:r>
+            <a:r>
+              <a:rPr lang="de-AT" sz="1600" dirty="0">
+                <a:latin typeface="Arial" panose="020B0604020202020204" pitchFamily="34" charset="0"/>
+                <a:cs typeface="Arial" panose="020B0604020202020204" pitchFamily="34" charset="0"/>
+              </a:rPr>
+              <a:t>: 978-1-61729-248-4</a:t>
+            </a:r>
+          </a:p>
+        </p:txBody>
+      </p:sp>
+    </p:spTree>
+    <p:extLst>
+      <p:ext uri="{BB962C8B-B14F-4D97-AF65-F5344CB8AC3E}">
+        <p14:creationId xmlns:p14="http://schemas.microsoft.com/office/powerpoint/2010/main" val="1247722650"/>
       </p:ext>
     </p:extLst>
   </p:cSld>
